--- a/docs/img/graphics.pptx
+++ b/docs/img/graphics.pptx
@@ -6,6 +6,7 @@
   </p:sldMasterIdLst>
   <p:sldIdLst>
     <p:sldId id="256" r:id="rId2"/>
+    <p:sldId id="257" r:id="rId3"/>
   </p:sldIdLst>
   <p:sldSz cx="12192000" cy="6858000"/>
   <p:notesSz cx="6858000" cy="9144000"/>
@@ -1521,7 +1522,7 @@
           <a:p>
             <a:fld id="{8CE7A9C6-D41E-4192-9A26-D27B921AC6F7}" type="datetimeFigureOut">
               <a:rPr lang="en-US" smtClean="0"/>
-              <a:t>3/11/2019</a:t>
+              <a:t>3/12/2019</a:t>
             </a:fld>
             <a:endParaRPr lang="en-US"/>
           </a:p>
@@ -2980,7 +2981,7 @@
           <a:p>
             <a:fld id="{8CE7A9C6-D41E-4192-9A26-D27B921AC6F7}" type="datetimeFigureOut">
               <a:rPr lang="en-US" smtClean="0"/>
-              <a:t>3/11/2019</a:t>
+              <a:t>3/12/2019</a:t>
             </a:fld>
             <a:endParaRPr lang="en-US"/>
           </a:p>
@@ -4433,7 +4434,7 @@
           <a:p>
             <a:fld id="{8CE7A9C6-D41E-4192-9A26-D27B921AC6F7}" type="datetimeFigureOut">
               <a:rPr lang="en-US" smtClean="0"/>
-              <a:t>3/11/2019</a:t>
+              <a:t>3/12/2019</a:t>
             </a:fld>
             <a:endParaRPr lang="en-US"/>
           </a:p>
@@ -5888,7 +5889,7 @@
           <a:p>
             <a:fld id="{8CE7A9C6-D41E-4192-9A26-D27B921AC6F7}" type="datetimeFigureOut">
               <a:rPr lang="en-US" smtClean="0"/>
-              <a:t>3/11/2019</a:t>
+              <a:t>3/12/2019</a:t>
             </a:fld>
             <a:endParaRPr lang="en-US"/>
           </a:p>
@@ -7396,7 +7397,7 @@
           <a:p>
             <a:fld id="{8CE7A9C6-D41E-4192-9A26-D27B921AC6F7}" type="datetimeFigureOut">
               <a:rPr lang="en-US" smtClean="0"/>
-              <a:t>3/11/2019</a:t>
+              <a:t>3/12/2019</a:t>
             </a:fld>
             <a:endParaRPr lang="en-US"/>
           </a:p>
@@ -8917,7 +8918,7 @@
           <a:p>
             <a:fld id="{8CE7A9C6-D41E-4192-9A26-D27B921AC6F7}" type="datetimeFigureOut">
               <a:rPr lang="en-US" smtClean="0"/>
-              <a:t>3/11/2019</a:t>
+              <a:t>3/12/2019</a:t>
             </a:fld>
             <a:endParaRPr lang="en-US"/>
           </a:p>
@@ -10582,7 +10583,7 @@
           <a:p>
             <a:fld id="{8CE7A9C6-D41E-4192-9A26-D27B921AC6F7}" type="datetimeFigureOut">
               <a:rPr lang="en-US" smtClean="0"/>
-              <a:t>3/11/2019</a:t>
+              <a:t>3/12/2019</a:t>
             </a:fld>
             <a:endParaRPr lang="en-US"/>
           </a:p>
@@ -11980,7 +11981,7 @@
           <a:p>
             <a:fld id="{8CE7A9C6-D41E-4192-9A26-D27B921AC6F7}" type="datetimeFigureOut">
               <a:rPr lang="en-US" smtClean="0"/>
-              <a:t>3/11/2019</a:t>
+              <a:t>3/12/2019</a:t>
             </a:fld>
             <a:endParaRPr lang="en-US"/>
           </a:p>
@@ -12080,7 +12081,7 @@
           <a:p>
             <a:fld id="{8CE7A9C6-D41E-4192-9A26-D27B921AC6F7}" type="datetimeFigureOut">
               <a:rPr lang="en-US" smtClean="0"/>
-              <a:t>3/11/2019</a:t>
+              <a:t>3/12/2019</a:t>
             </a:fld>
             <a:endParaRPr lang="en-US"/>
           </a:p>
@@ -13606,7 +13607,7 @@
           <a:p>
             <a:fld id="{8CE7A9C6-D41E-4192-9A26-D27B921AC6F7}" type="datetimeFigureOut">
               <a:rPr lang="en-US" smtClean="0"/>
-              <a:t>3/11/2019</a:t>
+              <a:t>3/12/2019</a:t>
             </a:fld>
             <a:endParaRPr lang="en-US"/>
           </a:p>
@@ -15142,7 +15143,7 @@
           <a:p>
             <a:fld id="{8CE7A9C6-D41E-4192-9A26-D27B921AC6F7}" type="datetimeFigureOut">
               <a:rPr lang="en-US" smtClean="0"/>
-              <a:t>3/11/2019</a:t>
+              <a:t>3/12/2019</a:t>
             </a:fld>
             <a:endParaRPr lang="en-US"/>
           </a:p>
@@ -15365,7 +15366,7 @@
           <a:p>
             <a:fld id="{8CE7A9C6-D41E-4192-9A26-D27B921AC6F7}" type="datetimeFigureOut">
               <a:rPr lang="en-US" smtClean="0"/>
-              <a:t>3/11/2019</a:t>
+              <a:t>3/12/2019</a:t>
             </a:fld>
             <a:endParaRPr lang="en-US"/>
           </a:p>
@@ -15818,10 +15819,10 @@
       </p:grpSpPr>
       <p:grpSp>
         <p:nvGrpSpPr>
-          <p:cNvPr id="5" name="Group 4">
+          <p:cNvPr id="45" name="Group 44">
             <a:extLst>
               <a:ext uri="{FF2B5EF4-FFF2-40B4-BE49-F238E27FC236}">
-                <a16:creationId xmlns:a16="http://schemas.microsoft.com/office/drawing/2014/main" id="{98DA0239-1770-4F65-B00A-E62E96C89391}"/>
+                <a16:creationId xmlns:a16="http://schemas.microsoft.com/office/drawing/2014/main" id="{9FB83D8B-F690-462A-93DE-6D4F22306129}"/>
               </a:ext>
             </a:extLst>
           </p:cNvPr>
@@ -15830,2289 +15831,18 @@
         </p:nvGrpSpPr>
         <p:grpSpPr>
           <a:xfrm>
-            <a:off x="1532244" y="1144767"/>
-            <a:ext cx="9127513" cy="4568466"/>
-            <a:chOff x="1532244" y="1144767"/>
-            <a:chExt cx="9127513" cy="4568466"/>
+            <a:off x="1532244" y="773039"/>
+            <a:ext cx="9127513" cy="5311923"/>
+            <a:chOff x="1532244" y="401310"/>
+            <a:chExt cx="9127513" cy="5311923"/>
           </a:xfrm>
         </p:grpSpPr>
-        <p:sp>
-          <p:nvSpPr>
-            <p:cNvPr id="21" name="Rectangle 20">
+        <p:grpSp>
+          <p:nvGrpSpPr>
+            <p:cNvPr id="3" name="Group 2">
               <a:extLst>
                 <a:ext uri="{FF2B5EF4-FFF2-40B4-BE49-F238E27FC236}">
-                  <a16:creationId xmlns:a16="http://schemas.microsoft.com/office/drawing/2014/main" id="{EA9D107A-8A81-4C87-9E6E-4F9277D5D6C5}"/>
-                </a:ext>
-              </a:extLst>
-            </p:cNvPr>
-            <p:cNvSpPr/>
-            <p:nvPr/>
-          </p:nvSpPr>
-          <p:spPr>
-            <a:xfrm>
-              <a:off x="8560593" y="1144767"/>
-              <a:ext cx="1549021" cy="315038"/>
-            </a:xfrm>
-            <a:prstGeom prst="rect">
-              <a:avLst/>
-            </a:prstGeom>
-            <a:ln>
-              <a:solidFill>
-                <a:schemeClr val="accent4"/>
-              </a:solidFill>
-            </a:ln>
-          </p:spPr>
-          <p:style>
-            <a:lnRef idx="3">
-              <a:schemeClr val="lt1"/>
-            </a:lnRef>
-            <a:fillRef idx="1">
-              <a:schemeClr val="accent4"/>
-            </a:fillRef>
-            <a:effectRef idx="1">
-              <a:schemeClr val="accent4"/>
-            </a:effectRef>
-            <a:fontRef idx="minor">
-              <a:schemeClr val="lt1"/>
-            </a:fontRef>
-          </p:style>
-          <p:txBody>
-            <a:bodyPr rtlCol="0" anchor="ctr"/>
-            <a:lstStyle/>
-            <a:p>
-              <a:pPr algn="ctr"/>
-              <a:r>
-                <a:rPr lang="en-US" sz="1400" dirty="0">
-                  <a:latin typeface="Arial" panose="020B0604020202020204" pitchFamily="34" charset="0"/>
-                  <a:cs typeface="Arial" panose="020B0604020202020204" pitchFamily="34" charset="0"/>
-                </a:rPr>
-                <a:t>Right1 – Action1</a:t>
-              </a:r>
-            </a:p>
-          </p:txBody>
-        </p:sp>
-        <p:sp>
-          <p:nvSpPr>
-            <p:cNvPr id="22" name="Rectangle 21">
-              <a:extLst>
-                <a:ext uri="{FF2B5EF4-FFF2-40B4-BE49-F238E27FC236}">
-                  <a16:creationId xmlns:a16="http://schemas.microsoft.com/office/drawing/2014/main" id="{65BAC654-10CB-485C-BCF4-D9AE0AC2E4C2}"/>
-                </a:ext>
-              </a:extLst>
-            </p:cNvPr>
-            <p:cNvSpPr/>
-            <p:nvPr/>
-          </p:nvSpPr>
-          <p:spPr>
-            <a:xfrm>
-              <a:off x="8560592" y="1523492"/>
-              <a:ext cx="1549021" cy="315038"/>
-            </a:xfrm>
-            <a:prstGeom prst="rect">
-              <a:avLst/>
-            </a:prstGeom>
-            <a:ln>
-              <a:solidFill>
-                <a:schemeClr val="accent4"/>
-              </a:solidFill>
-            </a:ln>
-          </p:spPr>
-          <p:style>
-            <a:lnRef idx="3">
-              <a:schemeClr val="lt1"/>
-            </a:lnRef>
-            <a:fillRef idx="1">
-              <a:schemeClr val="accent4"/>
-            </a:fillRef>
-            <a:effectRef idx="1">
-              <a:schemeClr val="accent4"/>
-            </a:effectRef>
-            <a:fontRef idx="minor">
-              <a:schemeClr val="lt1"/>
-            </a:fontRef>
-          </p:style>
-          <p:txBody>
-            <a:bodyPr rtlCol="0" anchor="ctr"/>
-            <a:lstStyle/>
-            <a:p>
-              <a:pPr algn="ctr"/>
-              <a:r>
-                <a:rPr lang="en-US" sz="1400" dirty="0">
-                  <a:latin typeface="Arial" panose="020B0604020202020204" pitchFamily="34" charset="0"/>
-                  <a:cs typeface="Arial" panose="020B0604020202020204" pitchFamily="34" charset="0"/>
-                </a:rPr>
-                <a:t>Right1 – Action2</a:t>
-              </a:r>
-            </a:p>
-          </p:txBody>
-        </p:sp>
-        <p:sp>
-          <p:nvSpPr>
-            <p:cNvPr id="23" name="Rectangle 22">
-              <a:extLst>
-                <a:ext uri="{FF2B5EF4-FFF2-40B4-BE49-F238E27FC236}">
-                  <a16:creationId xmlns:a16="http://schemas.microsoft.com/office/drawing/2014/main" id="{DDA3C757-E1C3-4ADD-BDA9-766F8BE7A0BF}"/>
-                </a:ext>
-              </a:extLst>
-            </p:cNvPr>
-            <p:cNvSpPr/>
-            <p:nvPr/>
-          </p:nvSpPr>
-          <p:spPr>
-            <a:xfrm>
-              <a:off x="8560587" y="1902217"/>
-              <a:ext cx="1549021" cy="315038"/>
-            </a:xfrm>
-            <a:prstGeom prst="rect">
-              <a:avLst/>
-            </a:prstGeom>
-            <a:ln>
-              <a:solidFill>
-                <a:schemeClr val="accent4"/>
-              </a:solidFill>
-            </a:ln>
-          </p:spPr>
-          <p:style>
-            <a:lnRef idx="3">
-              <a:schemeClr val="lt1"/>
-            </a:lnRef>
-            <a:fillRef idx="1">
-              <a:schemeClr val="accent4"/>
-            </a:fillRef>
-            <a:effectRef idx="1">
-              <a:schemeClr val="accent4"/>
-            </a:effectRef>
-            <a:fontRef idx="minor">
-              <a:schemeClr val="lt1"/>
-            </a:fontRef>
-          </p:style>
-          <p:txBody>
-            <a:bodyPr rtlCol="0" anchor="ctr"/>
-            <a:lstStyle/>
-            <a:p>
-              <a:pPr algn="ctr"/>
-              <a:r>
-                <a:rPr lang="en-US" sz="1400" dirty="0">
-                  <a:latin typeface="Arial" panose="020B0604020202020204" pitchFamily="34" charset="0"/>
-                  <a:cs typeface="Arial" panose="020B0604020202020204" pitchFamily="34" charset="0"/>
-                </a:rPr>
-                <a:t>Right1 – Action3</a:t>
-              </a:r>
-            </a:p>
-          </p:txBody>
-        </p:sp>
-        <p:sp>
-          <p:nvSpPr>
-            <p:cNvPr id="24" name="Rectangle 23">
-              <a:extLst>
-                <a:ext uri="{FF2B5EF4-FFF2-40B4-BE49-F238E27FC236}">
-                  <a16:creationId xmlns:a16="http://schemas.microsoft.com/office/drawing/2014/main" id="{159EACE2-1C14-48CB-8AA2-E7AC88F25A62}"/>
-                </a:ext>
-              </a:extLst>
-            </p:cNvPr>
-            <p:cNvSpPr/>
-            <p:nvPr/>
-          </p:nvSpPr>
-          <p:spPr>
-            <a:xfrm>
-              <a:off x="8560587" y="2481674"/>
-              <a:ext cx="1549021" cy="315038"/>
-            </a:xfrm>
-            <a:prstGeom prst="rect">
-              <a:avLst/>
-            </a:prstGeom>
-            <a:ln>
-              <a:solidFill>
-                <a:schemeClr val="accent6"/>
-              </a:solidFill>
-            </a:ln>
-          </p:spPr>
-          <p:style>
-            <a:lnRef idx="3">
-              <a:schemeClr val="lt1"/>
-            </a:lnRef>
-            <a:fillRef idx="1">
-              <a:schemeClr val="accent6"/>
-            </a:fillRef>
-            <a:effectRef idx="1">
-              <a:schemeClr val="accent6"/>
-            </a:effectRef>
-            <a:fontRef idx="minor">
-              <a:schemeClr val="lt1"/>
-            </a:fontRef>
-          </p:style>
-          <p:txBody>
-            <a:bodyPr rtlCol="0" anchor="ctr"/>
-            <a:lstStyle/>
-            <a:p>
-              <a:pPr algn="ctr"/>
-              <a:r>
-                <a:rPr lang="en-US" sz="1400" dirty="0">
-                  <a:latin typeface="Arial" panose="020B0604020202020204" pitchFamily="34" charset="0"/>
-                  <a:cs typeface="Arial" panose="020B0604020202020204" pitchFamily="34" charset="0"/>
-                </a:rPr>
-                <a:t>Right2 – Action1</a:t>
-              </a:r>
-            </a:p>
-          </p:txBody>
-        </p:sp>
-        <p:sp>
-          <p:nvSpPr>
-            <p:cNvPr id="25" name="Rectangle 24">
-              <a:extLst>
-                <a:ext uri="{FF2B5EF4-FFF2-40B4-BE49-F238E27FC236}">
-                  <a16:creationId xmlns:a16="http://schemas.microsoft.com/office/drawing/2014/main" id="{D4B871F8-3D3A-4907-885B-5AACD20C7319}"/>
-                </a:ext>
-              </a:extLst>
-            </p:cNvPr>
-            <p:cNvSpPr/>
-            <p:nvPr/>
-          </p:nvSpPr>
-          <p:spPr>
-            <a:xfrm>
-              <a:off x="8560586" y="2860399"/>
-              <a:ext cx="1549021" cy="315038"/>
-            </a:xfrm>
-            <a:prstGeom prst="rect">
-              <a:avLst/>
-            </a:prstGeom>
-            <a:ln>
-              <a:solidFill>
-                <a:schemeClr val="accent6"/>
-              </a:solidFill>
-            </a:ln>
-          </p:spPr>
-          <p:style>
-            <a:lnRef idx="3">
-              <a:schemeClr val="lt1"/>
-            </a:lnRef>
-            <a:fillRef idx="1">
-              <a:schemeClr val="accent6"/>
-            </a:fillRef>
-            <a:effectRef idx="1">
-              <a:schemeClr val="accent6"/>
-            </a:effectRef>
-            <a:fontRef idx="minor">
-              <a:schemeClr val="lt1"/>
-            </a:fontRef>
-          </p:style>
-          <p:txBody>
-            <a:bodyPr rtlCol="0" anchor="ctr"/>
-            <a:lstStyle/>
-            <a:p>
-              <a:pPr algn="ctr"/>
-              <a:r>
-                <a:rPr lang="en-US" sz="1400" dirty="0">
-                  <a:latin typeface="Arial" panose="020B0604020202020204" pitchFamily="34" charset="0"/>
-                  <a:cs typeface="Arial" panose="020B0604020202020204" pitchFamily="34" charset="0"/>
-                </a:rPr>
-                <a:t>Right2 – Action2</a:t>
-              </a:r>
-            </a:p>
-          </p:txBody>
-        </p:sp>
-        <p:sp>
-          <p:nvSpPr>
-            <p:cNvPr id="26" name="Rectangle 25">
-              <a:extLst>
-                <a:ext uri="{FF2B5EF4-FFF2-40B4-BE49-F238E27FC236}">
-                  <a16:creationId xmlns:a16="http://schemas.microsoft.com/office/drawing/2014/main" id="{D9975764-B4A4-4A76-B08C-45AD3905DDE6}"/>
-                </a:ext>
-              </a:extLst>
-            </p:cNvPr>
-            <p:cNvSpPr/>
-            <p:nvPr/>
-          </p:nvSpPr>
-          <p:spPr>
-            <a:xfrm>
-              <a:off x="8560581" y="3239124"/>
-              <a:ext cx="1549021" cy="315038"/>
-            </a:xfrm>
-            <a:prstGeom prst="rect">
-              <a:avLst/>
-            </a:prstGeom>
-            <a:gradFill>
-              <a:gsLst>
-                <a:gs pos="0">
-                  <a:schemeClr val="accent6"/>
-                </a:gs>
-                <a:gs pos="61030">
-                  <a:schemeClr val="accent3">
-                    <a:lumMod val="75000"/>
-                  </a:schemeClr>
-                </a:gs>
-                <a:gs pos="46100">
-                  <a:schemeClr val="accent6">
-                    <a:lumMod val="75000"/>
-                  </a:schemeClr>
-                </a:gs>
-                <a:gs pos="100000">
-                  <a:schemeClr val="accent3"/>
-                </a:gs>
-              </a:gsLst>
-              <a:lin ang="5400000" scaled="0"/>
-            </a:gradFill>
-            <a:ln>
-              <a:solidFill>
-                <a:schemeClr val="accent6"/>
-              </a:solidFill>
-            </a:ln>
-          </p:spPr>
-          <p:style>
-            <a:lnRef idx="3">
-              <a:schemeClr val="lt1"/>
-            </a:lnRef>
-            <a:fillRef idx="1">
-              <a:schemeClr val="accent6"/>
-            </a:fillRef>
-            <a:effectRef idx="1">
-              <a:schemeClr val="accent6"/>
-            </a:effectRef>
-            <a:fontRef idx="minor">
-              <a:schemeClr val="lt1"/>
-            </a:fontRef>
-          </p:style>
-          <p:txBody>
-            <a:bodyPr rtlCol="0" anchor="ctr"/>
-            <a:lstStyle/>
-            <a:p>
-              <a:pPr algn="ctr"/>
-              <a:r>
-                <a:rPr lang="en-US" sz="1300" dirty="0">
-                  <a:latin typeface="Arial" panose="020B0604020202020204" pitchFamily="34" charset="0"/>
-                  <a:cs typeface="Arial" panose="020B0604020202020204" pitchFamily="34" charset="0"/>
-                </a:rPr>
-                <a:t>Right2/3 – Action3</a:t>
-              </a:r>
-            </a:p>
-          </p:txBody>
-        </p:sp>
-        <p:sp>
-          <p:nvSpPr>
-            <p:cNvPr id="27" name="Rectangle 26">
-              <a:extLst>
-                <a:ext uri="{FF2B5EF4-FFF2-40B4-BE49-F238E27FC236}">
-                  <a16:creationId xmlns:a16="http://schemas.microsoft.com/office/drawing/2014/main" id="{7AE570ED-FA01-4C49-BDDE-63FADE12AB08}"/>
-                </a:ext>
-              </a:extLst>
-            </p:cNvPr>
-            <p:cNvSpPr/>
-            <p:nvPr/>
-          </p:nvSpPr>
-          <p:spPr>
-            <a:xfrm>
-              <a:off x="8560581" y="3812336"/>
-              <a:ext cx="1549021" cy="315038"/>
-            </a:xfrm>
-            <a:prstGeom prst="rect">
-              <a:avLst/>
-            </a:prstGeom>
-            <a:ln>
-              <a:solidFill>
-                <a:schemeClr val="accent3"/>
-              </a:solidFill>
-            </a:ln>
-          </p:spPr>
-          <p:style>
-            <a:lnRef idx="3">
-              <a:schemeClr val="lt1"/>
-            </a:lnRef>
-            <a:fillRef idx="1">
-              <a:schemeClr val="accent3"/>
-            </a:fillRef>
-            <a:effectRef idx="1">
-              <a:schemeClr val="accent3"/>
-            </a:effectRef>
-            <a:fontRef idx="minor">
-              <a:schemeClr val="lt1"/>
-            </a:fontRef>
-          </p:style>
-          <p:txBody>
-            <a:bodyPr rtlCol="0" anchor="ctr"/>
-            <a:lstStyle/>
-            <a:p>
-              <a:pPr algn="ctr"/>
-              <a:r>
-                <a:rPr lang="en-US" sz="1400" dirty="0">
-                  <a:latin typeface="Arial" panose="020B0604020202020204" pitchFamily="34" charset="0"/>
-                  <a:cs typeface="Arial" panose="020B0604020202020204" pitchFamily="34" charset="0"/>
-                </a:rPr>
-                <a:t>Right3 – Action1</a:t>
-              </a:r>
-            </a:p>
-          </p:txBody>
-        </p:sp>
-        <p:sp>
-          <p:nvSpPr>
-            <p:cNvPr id="28" name="Rectangle 27">
-              <a:extLst>
-                <a:ext uri="{FF2B5EF4-FFF2-40B4-BE49-F238E27FC236}">
-                  <a16:creationId xmlns:a16="http://schemas.microsoft.com/office/drawing/2014/main" id="{13948DAF-3904-4E1B-BD61-C63F6F1348C6}"/>
-                </a:ext>
-              </a:extLst>
-            </p:cNvPr>
-            <p:cNvSpPr/>
-            <p:nvPr/>
-          </p:nvSpPr>
-          <p:spPr>
-            <a:xfrm>
-              <a:off x="8560580" y="4191061"/>
-              <a:ext cx="1549021" cy="315038"/>
-            </a:xfrm>
-            <a:prstGeom prst="rect">
-              <a:avLst/>
-            </a:prstGeom>
-            <a:ln>
-              <a:solidFill>
-                <a:schemeClr val="accent3"/>
-              </a:solidFill>
-            </a:ln>
-          </p:spPr>
-          <p:style>
-            <a:lnRef idx="3">
-              <a:schemeClr val="lt1"/>
-            </a:lnRef>
-            <a:fillRef idx="1">
-              <a:schemeClr val="accent3"/>
-            </a:fillRef>
-            <a:effectRef idx="1">
-              <a:schemeClr val="accent3"/>
-            </a:effectRef>
-            <a:fontRef idx="minor">
-              <a:schemeClr val="lt1"/>
-            </a:fontRef>
-          </p:style>
-          <p:txBody>
-            <a:bodyPr rtlCol="0" anchor="ctr"/>
-            <a:lstStyle/>
-            <a:p>
-              <a:pPr algn="ctr"/>
-              <a:r>
-                <a:rPr lang="en-US" sz="1400" dirty="0">
-                  <a:latin typeface="Arial" panose="020B0604020202020204" pitchFamily="34" charset="0"/>
-                  <a:cs typeface="Arial" panose="020B0604020202020204" pitchFamily="34" charset="0"/>
-                </a:rPr>
-                <a:t>Right3 – Action2</a:t>
-              </a:r>
-            </a:p>
-          </p:txBody>
-        </p:sp>
-        <p:sp>
-          <p:nvSpPr>
-            <p:cNvPr id="29" name="Rectangle 28">
-              <a:extLst>
-                <a:ext uri="{FF2B5EF4-FFF2-40B4-BE49-F238E27FC236}">
-                  <a16:creationId xmlns:a16="http://schemas.microsoft.com/office/drawing/2014/main" id="{57AD7969-177F-4291-AD82-76D465687A01}"/>
-                </a:ext>
-              </a:extLst>
-            </p:cNvPr>
-            <p:cNvSpPr/>
-            <p:nvPr/>
-          </p:nvSpPr>
-          <p:spPr>
-            <a:xfrm>
-              <a:off x="8560575" y="4569786"/>
-              <a:ext cx="1549021" cy="315038"/>
-            </a:xfrm>
-            <a:prstGeom prst="rect">
-              <a:avLst/>
-            </a:prstGeom>
-            <a:ln>
-              <a:solidFill>
-                <a:schemeClr val="accent3"/>
-              </a:solidFill>
-            </a:ln>
-          </p:spPr>
-          <p:style>
-            <a:lnRef idx="3">
-              <a:schemeClr val="lt1"/>
-            </a:lnRef>
-            <a:fillRef idx="1">
-              <a:schemeClr val="accent3"/>
-            </a:fillRef>
-            <a:effectRef idx="1">
-              <a:schemeClr val="accent3"/>
-            </a:effectRef>
-            <a:fontRef idx="minor">
-              <a:schemeClr val="lt1"/>
-            </a:fontRef>
-          </p:style>
-          <p:txBody>
-            <a:bodyPr rtlCol="0" anchor="ctr"/>
-            <a:lstStyle/>
-            <a:p>
-              <a:pPr algn="ctr"/>
-              <a:r>
-                <a:rPr lang="en-US" sz="1400" dirty="0">
-                  <a:latin typeface="Arial" panose="020B0604020202020204" pitchFamily="34" charset="0"/>
-                  <a:cs typeface="Arial" panose="020B0604020202020204" pitchFamily="34" charset="0"/>
-                </a:rPr>
-                <a:t>Right3 – Action3</a:t>
-              </a:r>
-            </a:p>
-          </p:txBody>
-        </p:sp>
-        <p:cxnSp>
-          <p:nvCxnSpPr>
-            <p:cNvPr id="35" name="Straight Arrow Connector 34">
-              <a:extLst>
-                <a:ext uri="{FF2B5EF4-FFF2-40B4-BE49-F238E27FC236}">
-                  <a16:creationId xmlns:a16="http://schemas.microsoft.com/office/drawing/2014/main" id="{DAE919B9-AD99-45B4-90C1-C81B467D2420}"/>
-                </a:ext>
-              </a:extLst>
-            </p:cNvPr>
-            <p:cNvCxnSpPr>
-              <a:cxnSpLocks/>
-              <a:stCxn id="8" idx="3"/>
-              <a:endCxn id="11" idx="1"/>
-            </p:cNvCxnSpPr>
-            <p:nvPr/>
-          </p:nvCxnSpPr>
-          <p:spPr>
-            <a:xfrm>
-              <a:off x="4898444" y="1555066"/>
-              <a:ext cx="1071012" cy="349926"/>
-            </a:xfrm>
-            <a:prstGeom prst="straightConnector1">
-              <a:avLst/>
-            </a:prstGeom>
-            <a:ln w="25400">
-              <a:solidFill>
-                <a:schemeClr val="tx1"/>
-              </a:solidFill>
-              <a:tailEnd type="triangle"/>
-            </a:ln>
-          </p:spPr>
-          <p:style>
-            <a:lnRef idx="1">
-              <a:schemeClr val="accent1"/>
-            </a:lnRef>
-            <a:fillRef idx="0">
-              <a:schemeClr val="accent1"/>
-            </a:fillRef>
-            <a:effectRef idx="0">
-              <a:schemeClr val="accent1"/>
-            </a:effectRef>
-            <a:fontRef idx="minor">
-              <a:schemeClr val="tx1"/>
-            </a:fontRef>
-          </p:style>
-        </p:cxnSp>
-        <p:cxnSp>
-          <p:nvCxnSpPr>
-            <p:cNvPr id="38" name="Straight Arrow Connector 37">
-              <a:extLst>
-                <a:ext uri="{FF2B5EF4-FFF2-40B4-BE49-F238E27FC236}">
-                  <a16:creationId xmlns:a16="http://schemas.microsoft.com/office/drawing/2014/main" id="{8DF5BB08-5A83-4D3C-9E23-AC0D0C222DF4}"/>
-                </a:ext>
-              </a:extLst>
-            </p:cNvPr>
-            <p:cNvCxnSpPr>
-              <a:cxnSpLocks/>
-              <a:stCxn id="11" idx="3"/>
-              <a:endCxn id="21" idx="1"/>
-            </p:cNvCxnSpPr>
-            <p:nvPr/>
-          </p:nvCxnSpPr>
-          <p:spPr>
-            <a:xfrm flipV="1">
-              <a:off x="7518477" y="1302286"/>
-              <a:ext cx="1042116" cy="602706"/>
-            </a:xfrm>
-            <a:prstGeom prst="straightConnector1">
-              <a:avLst/>
-            </a:prstGeom>
-            <a:ln w="25400">
-              <a:tailEnd type="triangle"/>
-            </a:ln>
-          </p:spPr>
-          <p:style>
-            <a:lnRef idx="1">
-              <a:schemeClr val="accent4"/>
-            </a:lnRef>
-            <a:fillRef idx="2">
-              <a:schemeClr val="accent4"/>
-            </a:fillRef>
-            <a:effectRef idx="1">
-              <a:schemeClr val="accent4"/>
-            </a:effectRef>
-            <a:fontRef idx="minor">
-              <a:schemeClr val="dk1"/>
-            </a:fontRef>
-          </p:style>
-        </p:cxnSp>
-        <p:cxnSp>
-          <p:nvCxnSpPr>
-            <p:cNvPr id="40" name="Straight Arrow Connector 39">
-              <a:extLst>
-                <a:ext uri="{FF2B5EF4-FFF2-40B4-BE49-F238E27FC236}">
-                  <a16:creationId xmlns:a16="http://schemas.microsoft.com/office/drawing/2014/main" id="{CD2DED33-A739-4169-813C-6DA24D610AED}"/>
-                </a:ext>
-              </a:extLst>
-            </p:cNvPr>
-            <p:cNvCxnSpPr>
-              <a:cxnSpLocks/>
-              <a:stCxn id="11" idx="3"/>
-              <a:endCxn id="22" idx="1"/>
-            </p:cNvCxnSpPr>
-            <p:nvPr/>
-          </p:nvCxnSpPr>
-          <p:spPr>
-            <a:xfrm flipV="1">
-              <a:off x="7518477" y="1681011"/>
-              <a:ext cx="1042115" cy="223981"/>
-            </a:xfrm>
-            <a:prstGeom prst="straightConnector1">
-              <a:avLst/>
-            </a:prstGeom>
-            <a:ln w="25400">
-              <a:tailEnd type="triangle"/>
-            </a:ln>
-          </p:spPr>
-          <p:style>
-            <a:lnRef idx="1">
-              <a:schemeClr val="accent4"/>
-            </a:lnRef>
-            <a:fillRef idx="2">
-              <a:schemeClr val="accent4"/>
-            </a:fillRef>
-            <a:effectRef idx="1">
-              <a:schemeClr val="accent4"/>
-            </a:effectRef>
-            <a:fontRef idx="minor">
-              <a:schemeClr val="dk1"/>
-            </a:fontRef>
-          </p:style>
-        </p:cxnSp>
-        <p:cxnSp>
-          <p:nvCxnSpPr>
-            <p:cNvPr id="42" name="Straight Arrow Connector 41">
-              <a:extLst>
-                <a:ext uri="{FF2B5EF4-FFF2-40B4-BE49-F238E27FC236}">
-                  <a16:creationId xmlns:a16="http://schemas.microsoft.com/office/drawing/2014/main" id="{22FD4ED9-DBBF-4896-93FE-85393A983E6D}"/>
-                </a:ext>
-              </a:extLst>
-            </p:cNvPr>
-            <p:cNvCxnSpPr>
-              <a:cxnSpLocks/>
-              <a:stCxn id="11" idx="3"/>
-              <a:endCxn id="23" idx="1"/>
-            </p:cNvCxnSpPr>
-            <p:nvPr/>
-          </p:nvCxnSpPr>
-          <p:spPr>
-            <a:xfrm>
-              <a:off x="7518477" y="1904992"/>
-              <a:ext cx="1042110" cy="154744"/>
-            </a:xfrm>
-            <a:prstGeom prst="straightConnector1">
-              <a:avLst/>
-            </a:prstGeom>
-            <a:ln w="25400">
-              <a:tailEnd type="triangle"/>
-            </a:ln>
-          </p:spPr>
-          <p:style>
-            <a:lnRef idx="1">
-              <a:schemeClr val="accent4"/>
-            </a:lnRef>
-            <a:fillRef idx="2">
-              <a:schemeClr val="accent4"/>
-            </a:fillRef>
-            <a:effectRef idx="1">
-              <a:schemeClr val="accent4"/>
-            </a:effectRef>
-            <a:fontRef idx="minor">
-              <a:schemeClr val="dk1"/>
-            </a:fontRef>
-          </p:style>
-        </p:cxnSp>
-        <p:cxnSp>
-          <p:nvCxnSpPr>
-            <p:cNvPr id="44" name="Straight Arrow Connector 43">
-              <a:extLst>
-                <a:ext uri="{FF2B5EF4-FFF2-40B4-BE49-F238E27FC236}">
-                  <a16:creationId xmlns:a16="http://schemas.microsoft.com/office/drawing/2014/main" id="{EFB98159-01CB-4990-8A2B-3EBC1FAA86AF}"/>
-                </a:ext>
-              </a:extLst>
-            </p:cNvPr>
-            <p:cNvCxnSpPr>
-              <a:stCxn id="12" idx="3"/>
-              <a:endCxn id="24" idx="1"/>
-            </p:cNvCxnSpPr>
-            <p:nvPr/>
-          </p:nvCxnSpPr>
-          <p:spPr>
-            <a:xfrm>
-              <a:off x="7518477" y="2303051"/>
-              <a:ext cx="1042110" cy="336142"/>
-            </a:xfrm>
-            <a:prstGeom prst="straightConnector1">
-              <a:avLst/>
-            </a:prstGeom>
-            <a:ln w="25400">
-              <a:tailEnd type="triangle"/>
-            </a:ln>
-          </p:spPr>
-          <p:style>
-            <a:lnRef idx="1">
-              <a:schemeClr val="accent6"/>
-            </a:lnRef>
-            <a:fillRef idx="2">
-              <a:schemeClr val="accent6"/>
-            </a:fillRef>
-            <a:effectRef idx="1">
-              <a:schemeClr val="accent6"/>
-            </a:effectRef>
-            <a:fontRef idx="minor">
-              <a:schemeClr val="dk1"/>
-            </a:fontRef>
-          </p:style>
-        </p:cxnSp>
-        <p:cxnSp>
-          <p:nvCxnSpPr>
-            <p:cNvPr id="46" name="Straight Arrow Connector 45">
-              <a:extLst>
-                <a:ext uri="{FF2B5EF4-FFF2-40B4-BE49-F238E27FC236}">
-                  <a16:creationId xmlns:a16="http://schemas.microsoft.com/office/drawing/2014/main" id="{80FA21E1-70C8-45B1-90F3-E4FA9E04E462}"/>
-                </a:ext>
-              </a:extLst>
-            </p:cNvPr>
-            <p:cNvCxnSpPr>
-              <a:stCxn id="12" idx="3"/>
-              <a:endCxn id="25" idx="1"/>
-            </p:cNvCxnSpPr>
-            <p:nvPr/>
-          </p:nvCxnSpPr>
-          <p:spPr>
-            <a:xfrm>
-              <a:off x="7518477" y="2303051"/>
-              <a:ext cx="1042109" cy="714867"/>
-            </a:xfrm>
-            <a:prstGeom prst="straightConnector1">
-              <a:avLst/>
-            </a:prstGeom>
-            <a:ln w="25400">
-              <a:tailEnd type="triangle"/>
-            </a:ln>
-          </p:spPr>
-          <p:style>
-            <a:lnRef idx="1">
-              <a:schemeClr val="accent6"/>
-            </a:lnRef>
-            <a:fillRef idx="2">
-              <a:schemeClr val="accent6"/>
-            </a:fillRef>
-            <a:effectRef idx="1">
-              <a:schemeClr val="accent6"/>
-            </a:effectRef>
-            <a:fontRef idx="minor">
-              <a:schemeClr val="dk1"/>
-            </a:fontRef>
-          </p:style>
-        </p:cxnSp>
-        <p:cxnSp>
-          <p:nvCxnSpPr>
-            <p:cNvPr id="48" name="Straight Arrow Connector 47">
-              <a:extLst>
-                <a:ext uri="{FF2B5EF4-FFF2-40B4-BE49-F238E27FC236}">
-                  <a16:creationId xmlns:a16="http://schemas.microsoft.com/office/drawing/2014/main" id="{D5A67DD2-050D-483A-82E7-D3E556505BCD}"/>
-                </a:ext>
-              </a:extLst>
-            </p:cNvPr>
-            <p:cNvCxnSpPr>
-              <a:stCxn id="12" idx="3"/>
-              <a:endCxn id="26" idx="1"/>
-            </p:cNvCxnSpPr>
-            <p:nvPr/>
-          </p:nvCxnSpPr>
-          <p:spPr>
-            <a:xfrm>
-              <a:off x="7518477" y="2303051"/>
-              <a:ext cx="1042104" cy="1093592"/>
-            </a:xfrm>
-            <a:prstGeom prst="straightConnector1">
-              <a:avLst/>
-            </a:prstGeom>
-            <a:ln w="25400">
-              <a:tailEnd type="triangle"/>
-            </a:ln>
-          </p:spPr>
-          <p:style>
-            <a:lnRef idx="1">
-              <a:schemeClr val="accent6"/>
-            </a:lnRef>
-            <a:fillRef idx="2">
-              <a:schemeClr val="accent6"/>
-            </a:fillRef>
-            <a:effectRef idx="1">
-              <a:schemeClr val="accent6"/>
-            </a:effectRef>
-            <a:fontRef idx="minor">
-              <a:schemeClr val="dk1"/>
-            </a:fontRef>
-          </p:style>
-        </p:cxnSp>
-        <p:cxnSp>
-          <p:nvCxnSpPr>
-            <p:cNvPr id="50" name="Straight Arrow Connector 49">
-              <a:extLst>
-                <a:ext uri="{FF2B5EF4-FFF2-40B4-BE49-F238E27FC236}">
-                  <a16:creationId xmlns:a16="http://schemas.microsoft.com/office/drawing/2014/main" id="{FCA93CD8-5F58-4724-A18F-6D7098CA68CE}"/>
-                </a:ext>
-              </a:extLst>
-            </p:cNvPr>
-            <p:cNvCxnSpPr>
-              <a:stCxn id="13" idx="3"/>
-              <a:endCxn id="26" idx="1"/>
-            </p:cNvCxnSpPr>
-            <p:nvPr/>
-          </p:nvCxnSpPr>
-          <p:spPr>
-            <a:xfrm>
-              <a:off x="7518476" y="2701110"/>
-              <a:ext cx="1042105" cy="695533"/>
-            </a:xfrm>
-            <a:prstGeom prst="straightConnector1">
-              <a:avLst/>
-            </a:prstGeom>
-            <a:ln w="25400">
-              <a:tailEnd type="triangle"/>
-            </a:ln>
-          </p:spPr>
-          <p:style>
-            <a:lnRef idx="1">
-              <a:schemeClr val="accent3"/>
-            </a:lnRef>
-            <a:fillRef idx="2">
-              <a:schemeClr val="accent3"/>
-            </a:fillRef>
-            <a:effectRef idx="1">
-              <a:schemeClr val="accent3"/>
-            </a:effectRef>
-            <a:fontRef idx="minor">
-              <a:schemeClr val="dk1"/>
-            </a:fontRef>
-          </p:style>
-        </p:cxnSp>
-        <p:cxnSp>
-          <p:nvCxnSpPr>
-            <p:cNvPr id="52" name="Straight Arrow Connector 51">
-              <a:extLst>
-                <a:ext uri="{FF2B5EF4-FFF2-40B4-BE49-F238E27FC236}">
-                  <a16:creationId xmlns:a16="http://schemas.microsoft.com/office/drawing/2014/main" id="{0962EEAA-CD3B-4A42-BE5D-B62434ADDCFE}"/>
-                </a:ext>
-              </a:extLst>
-            </p:cNvPr>
-            <p:cNvCxnSpPr>
-              <a:stCxn id="13" idx="3"/>
-              <a:endCxn id="27" idx="1"/>
-            </p:cNvCxnSpPr>
-            <p:nvPr/>
-          </p:nvCxnSpPr>
-          <p:spPr>
-            <a:xfrm>
-              <a:off x="7518476" y="2701110"/>
-              <a:ext cx="1042105" cy="1268745"/>
-            </a:xfrm>
-            <a:prstGeom prst="straightConnector1">
-              <a:avLst/>
-            </a:prstGeom>
-            <a:ln w="25400">
-              <a:tailEnd type="triangle"/>
-            </a:ln>
-          </p:spPr>
-          <p:style>
-            <a:lnRef idx="1">
-              <a:schemeClr val="accent3"/>
-            </a:lnRef>
-            <a:fillRef idx="2">
-              <a:schemeClr val="accent3"/>
-            </a:fillRef>
-            <a:effectRef idx="1">
-              <a:schemeClr val="accent3"/>
-            </a:effectRef>
-            <a:fontRef idx="minor">
-              <a:schemeClr val="dk1"/>
-            </a:fontRef>
-          </p:style>
-        </p:cxnSp>
-        <p:cxnSp>
-          <p:nvCxnSpPr>
-            <p:cNvPr id="54" name="Straight Arrow Connector 53">
-              <a:extLst>
-                <a:ext uri="{FF2B5EF4-FFF2-40B4-BE49-F238E27FC236}">
-                  <a16:creationId xmlns:a16="http://schemas.microsoft.com/office/drawing/2014/main" id="{CFE3602B-1AD3-4CAA-918C-D0D3FA351E0D}"/>
-                </a:ext>
-              </a:extLst>
-            </p:cNvPr>
-            <p:cNvCxnSpPr>
-              <a:stCxn id="13" idx="3"/>
-              <a:endCxn id="28" idx="1"/>
-            </p:cNvCxnSpPr>
-            <p:nvPr/>
-          </p:nvCxnSpPr>
-          <p:spPr>
-            <a:xfrm>
-              <a:off x="7518476" y="2701110"/>
-              <a:ext cx="1042104" cy="1647470"/>
-            </a:xfrm>
-            <a:prstGeom prst="straightConnector1">
-              <a:avLst/>
-            </a:prstGeom>
-            <a:ln w="25400">
-              <a:tailEnd type="triangle"/>
-            </a:ln>
-          </p:spPr>
-          <p:style>
-            <a:lnRef idx="1">
-              <a:schemeClr val="accent3"/>
-            </a:lnRef>
-            <a:fillRef idx="2">
-              <a:schemeClr val="accent3"/>
-            </a:fillRef>
-            <a:effectRef idx="1">
-              <a:schemeClr val="accent3"/>
-            </a:effectRef>
-            <a:fontRef idx="minor">
-              <a:schemeClr val="dk1"/>
-            </a:fontRef>
-          </p:style>
-        </p:cxnSp>
-        <p:cxnSp>
-          <p:nvCxnSpPr>
-            <p:cNvPr id="56" name="Straight Arrow Connector 55">
-              <a:extLst>
-                <a:ext uri="{FF2B5EF4-FFF2-40B4-BE49-F238E27FC236}">
-                  <a16:creationId xmlns:a16="http://schemas.microsoft.com/office/drawing/2014/main" id="{4A9F5487-F17F-4282-AA3F-97C3AE8CECAF}"/>
-                </a:ext>
-              </a:extLst>
-            </p:cNvPr>
-            <p:cNvCxnSpPr>
-              <a:stCxn id="13" idx="3"/>
-              <a:endCxn id="29" idx="1"/>
-            </p:cNvCxnSpPr>
-            <p:nvPr/>
-          </p:nvCxnSpPr>
-          <p:spPr>
-            <a:xfrm>
-              <a:off x="7518476" y="2701110"/>
-              <a:ext cx="1042099" cy="2026195"/>
-            </a:xfrm>
-            <a:prstGeom prst="straightConnector1">
-              <a:avLst/>
-            </a:prstGeom>
-            <a:ln w="25400">
-              <a:tailEnd type="triangle"/>
-            </a:ln>
-          </p:spPr>
-          <p:style>
-            <a:lnRef idx="1">
-              <a:schemeClr val="accent3"/>
-            </a:lnRef>
-            <a:fillRef idx="2">
-              <a:schemeClr val="accent3"/>
-            </a:fillRef>
-            <a:effectRef idx="1">
-              <a:schemeClr val="accent3"/>
-            </a:effectRef>
-            <a:fontRef idx="minor">
-              <a:schemeClr val="dk1"/>
-            </a:fontRef>
-          </p:style>
-        </p:cxnSp>
-        <p:cxnSp>
-          <p:nvCxnSpPr>
-            <p:cNvPr id="58" name="Straight Arrow Connector 57">
-              <a:extLst>
-                <a:ext uri="{FF2B5EF4-FFF2-40B4-BE49-F238E27FC236}">
-                  <a16:creationId xmlns:a16="http://schemas.microsoft.com/office/drawing/2014/main" id="{578F89FF-0DA8-4C89-924C-FAA29E02E75A}"/>
-                </a:ext>
-              </a:extLst>
-            </p:cNvPr>
-            <p:cNvCxnSpPr>
-              <a:cxnSpLocks/>
-              <a:stCxn id="9" idx="3"/>
-              <a:endCxn id="11" idx="1"/>
-            </p:cNvCxnSpPr>
-            <p:nvPr/>
-          </p:nvCxnSpPr>
-          <p:spPr>
-            <a:xfrm flipV="1">
-              <a:off x="4898447" y="1904992"/>
-              <a:ext cx="1071009" cy="512156"/>
-            </a:xfrm>
-            <a:prstGeom prst="straightConnector1">
-              <a:avLst/>
-            </a:prstGeom>
-            <a:ln w="25400">
-              <a:solidFill>
-                <a:schemeClr val="tx1"/>
-              </a:solidFill>
-              <a:tailEnd type="triangle"/>
-            </a:ln>
-          </p:spPr>
-          <p:style>
-            <a:lnRef idx="1">
-              <a:schemeClr val="accent1"/>
-            </a:lnRef>
-            <a:fillRef idx="0">
-              <a:schemeClr val="accent1"/>
-            </a:fillRef>
-            <a:effectRef idx="0">
-              <a:schemeClr val="accent1"/>
-            </a:effectRef>
-            <a:fontRef idx="minor">
-              <a:schemeClr val="tx1"/>
-            </a:fontRef>
-          </p:style>
-        </p:cxnSp>
-        <p:cxnSp>
-          <p:nvCxnSpPr>
-            <p:cNvPr id="60" name="Straight Arrow Connector 59">
-              <a:extLst>
-                <a:ext uri="{FF2B5EF4-FFF2-40B4-BE49-F238E27FC236}">
-                  <a16:creationId xmlns:a16="http://schemas.microsoft.com/office/drawing/2014/main" id="{77775909-2D3A-4F35-8387-B2827ED14CE1}"/>
-                </a:ext>
-              </a:extLst>
-            </p:cNvPr>
-            <p:cNvCxnSpPr>
-              <a:cxnSpLocks/>
-              <a:stCxn id="9" idx="3"/>
-              <a:endCxn id="12" idx="1"/>
-            </p:cNvCxnSpPr>
-            <p:nvPr/>
-          </p:nvCxnSpPr>
-          <p:spPr>
-            <a:xfrm flipV="1">
-              <a:off x="4898447" y="2303051"/>
-              <a:ext cx="1071009" cy="114097"/>
-            </a:xfrm>
-            <a:prstGeom prst="straightConnector1">
-              <a:avLst/>
-            </a:prstGeom>
-            <a:ln w="25400">
-              <a:solidFill>
-                <a:schemeClr val="tx1"/>
-              </a:solidFill>
-              <a:tailEnd type="triangle"/>
-            </a:ln>
-          </p:spPr>
-          <p:style>
-            <a:lnRef idx="1">
-              <a:schemeClr val="accent1"/>
-            </a:lnRef>
-            <a:fillRef idx="0">
-              <a:schemeClr val="accent1"/>
-            </a:fillRef>
-            <a:effectRef idx="0">
-              <a:schemeClr val="accent1"/>
-            </a:effectRef>
-            <a:fontRef idx="minor">
-              <a:schemeClr val="tx1"/>
-            </a:fontRef>
-          </p:style>
-        </p:cxnSp>
-        <p:cxnSp>
-          <p:nvCxnSpPr>
-            <p:cNvPr id="62" name="Straight Arrow Connector 61">
-              <a:extLst>
-                <a:ext uri="{FF2B5EF4-FFF2-40B4-BE49-F238E27FC236}">
-                  <a16:creationId xmlns:a16="http://schemas.microsoft.com/office/drawing/2014/main" id="{A1FC3D6E-4305-4F18-AC25-6C0442110681}"/>
-                </a:ext>
-              </a:extLst>
-            </p:cNvPr>
-            <p:cNvCxnSpPr>
-              <a:cxnSpLocks/>
-              <a:stCxn id="10" idx="3"/>
-              <a:endCxn id="13" idx="1"/>
-            </p:cNvCxnSpPr>
-            <p:nvPr/>
-          </p:nvCxnSpPr>
-          <p:spPr>
-            <a:xfrm flipV="1">
-              <a:off x="4898448" y="2701110"/>
-              <a:ext cx="1071007" cy="603930"/>
-            </a:xfrm>
-            <a:prstGeom prst="straightConnector1">
-              <a:avLst/>
-            </a:prstGeom>
-            <a:ln w="25400">
-              <a:solidFill>
-                <a:schemeClr val="tx1"/>
-              </a:solidFill>
-              <a:tailEnd type="triangle"/>
-            </a:ln>
-          </p:spPr>
-          <p:style>
-            <a:lnRef idx="1">
-              <a:schemeClr val="accent1"/>
-            </a:lnRef>
-            <a:fillRef idx="0">
-              <a:schemeClr val="accent1"/>
-            </a:fillRef>
-            <a:effectRef idx="0">
-              <a:schemeClr val="accent1"/>
-            </a:effectRef>
-            <a:fontRef idx="minor">
-              <a:schemeClr val="tx1"/>
-            </a:fontRef>
-          </p:style>
-        </p:cxnSp>
-        <p:sp>
-          <p:nvSpPr>
-            <p:cNvPr id="11" name="Rectangle 10">
-              <a:extLst>
-                <a:ext uri="{FF2B5EF4-FFF2-40B4-BE49-F238E27FC236}">
-                  <a16:creationId xmlns:a16="http://schemas.microsoft.com/office/drawing/2014/main" id="{C774E733-AE00-437B-A232-3C5332AD1E42}"/>
-                </a:ext>
-              </a:extLst>
-            </p:cNvPr>
-            <p:cNvSpPr/>
-            <p:nvPr/>
-          </p:nvSpPr>
-          <p:spPr>
-            <a:xfrm>
-              <a:off x="5969456" y="1747473"/>
-              <a:ext cx="1549021" cy="315037"/>
-            </a:xfrm>
-            <a:prstGeom prst="rect">
-              <a:avLst/>
-            </a:prstGeom>
-            <a:ln>
-              <a:solidFill>
-                <a:schemeClr val="accent4"/>
-              </a:solidFill>
-            </a:ln>
-          </p:spPr>
-          <p:style>
-            <a:lnRef idx="3">
-              <a:schemeClr val="lt1"/>
-            </a:lnRef>
-            <a:fillRef idx="1">
-              <a:schemeClr val="accent4"/>
-            </a:fillRef>
-            <a:effectRef idx="1">
-              <a:schemeClr val="accent4"/>
-            </a:effectRef>
-            <a:fontRef idx="minor">
-              <a:schemeClr val="lt1"/>
-            </a:fontRef>
-          </p:style>
-          <p:txBody>
-            <a:bodyPr rtlCol="0" anchor="ctr"/>
-            <a:lstStyle/>
-            <a:p>
-              <a:pPr algn="ctr"/>
-              <a:r>
-                <a:rPr lang="en-US" dirty="0">
-                  <a:latin typeface="Arial" panose="020B0604020202020204" pitchFamily="34" charset="0"/>
-                  <a:cs typeface="Arial" panose="020B0604020202020204" pitchFamily="34" charset="0"/>
-                </a:rPr>
-                <a:t>Right1</a:t>
-              </a:r>
-            </a:p>
-          </p:txBody>
-        </p:sp>
-        <p:sp>
-          <p:nvSpPr>
-            <p:cNvPr id="12" name="Rectangle 11">
-              <a:extLst>
-                <a:ext uri="{FF2B5EF4-FFF2-40B4-BE49-F238E27FC236}">
-                  <a16:creationId xmlns:a16="http://schemas.microsoft.com/office/drawing/2014/main" id="{BDF20C38-AF08-4832-A524-BD113AE949D7}"/>
-                </a:ext>
-              </a:extLst>
-            </p:cNvPr>
-            <p:cNvSpPr/>
-            <p:nvPr/>
-          </p:nvSpPr>
-          <p:spPr>
-            <a:xfrm>
-              <a:off x="5969456" y="2145532"/>
-              <a:ext cx="1549021" cy="315037"/>
-            </a:xfrm>
-            <a:prstGeom prst="rect">
-              <a:avLst/>
-            </a:prstGeom>
-            <a:ln>
-              <a:solidFill>
-                <a:schemeClr val="accent6"/>
-              </a:solidFill>
-            </a:ln>
-          </p:spPr>
-          <p:style>
-            <a:lnRef idx="3">
-              <a:schemeClr val="lt1"/>
-            </a:lnRef>
-            <a:fillRef idx="1">
-              <a:schemeClr val="accent6"/>
-            </a:fillRef>
-            <a:effectRef idx="1">
-              <a:schemeClr val="accent6"/>
-            </a:effectRef>
-            <a:fontRef idx="minor">
-              <a:schemeClr val="lt1"/>
-            </a:fontRef>
-          </p:style>
-          <p:txBody>
-            <a:bodyPr rtlCol="0" anchor="ctr"/>
-            <a:lstStyle/>
-            <a:p>
-              <a:pPr algn="ctr"/>
-              <a:r>
-                <a:rPr lang="en-US" dirty="0">
-                  <a:latin typeface="Arial" panose="020B0604020202020204" pitchFamily="34" charset="0"/>
-                  <a:cs typeface="Arial" panose="020B0604020202020204" pitchFamily="34" charset="0"/>
-                </a:rPr>
-                <a:t>Right2</a:t>
-              </a:r>
-            </a:p>
-          </p:txBody>
-        </p:sp>
-        <p:sp>
-          <p:nvSpPr>
-            <p:cNvPr id="13" name="Rectangle 12">
-              <a:extLst>
-                <a:ext uri="{FF2B5EF4-FFF2-40B4-BE49-F238E27FC236}">
-                  <a16:creationId xmlns:a16="http://schemas.microsoft.com/office/drawing/2014/main" id="{72713122-6C70-4EB5-BCBB-9E79D1FA751E}"/>
-                </a:ext>
-              </a:extLst>
-            </p:cNvPr>
-            <p:cNvSpPr/>
-            <p:nvPr/>
-          </p:nvSpPr>
-          <p:spPr>
-            <a:xfrm>
-              <a:off x="5969455" y="2543591"/>
-              <a:ext cx="1549021" cy="315037"/>
-            </a:xfrm>
-            <a:prstGeom prst="rect">
-              <a:avLst/>
-            </a:prstGeom>
-            <a:ln>
-              <a:solidFill>
-                <a:schemeClr val="accent3"/>
-              </a:solidFill>
-            </a:ln>
-          </p:spPr>
-          <p:style>
-            <a:lnRef idx="3">
-              <a:schemeClr val="lt1"/>
-            </a:lnRef>
-            <a:fillRef idx="1">
-              <a:schemeClr val="accent3"/>
-            </a:fillRef>
-            <a:effectRef idx="1">
-              <a:schemeClr val="accent3"/>
-            </a:effectRef>
-            <a:fontRef idx="minor">
-              <a:schemeClr val="lt1"/>
-            </a:fontRef>
-          </p:style>
-          <p:txBody>
-            <a:bodyPr rtlCol="0" anchor="ctr"/>
-            <a:lstStyle/>
-            <a:p>
-              <a:pPr algn="ctr"/>
-              <a:r>
-                <a:rPr lang="en-US" dirty="0">
-                  <a:latin typeface="Arial" panose="020B0604020202020204" pitchFamily="34" charset="0"/>
-                  <a:cs typeface="Arial" panose="020B0604020202020204" pitchFamily="34" charset="0"/>
-                </a:rPr>
-                <a:t>Right3</a:t>
-              </a:r>
-            </a:p>
-          </p:txBody>
-        </p:sp>
-        <p:sp>
-          <p:nvSpPr>
-            <p:cNvPr id="64" name="Rectangle 63">
-              <a:extLst>
-                <a:ext uri="{FF2B5EF4-FFF2-40B4-BE49-F238E27FC236}">
-                  <a16:creationId xmlns:a16="http://schemas.microsoft.com/office/drawing/2014/main" id="{C7360164-6003-4424-86AA-87D56936AA54}"/>
-                </a:ext>
-              </a:extLst>
-            </p:cNvPr>
-            <p:cNvSpPr/>
-            <p:nvPr/>
-          </p:nvSpPr>
-          <p:spPr>
-            <a:xfrm>
-              <a:off x="5940547" y="3347387"/>
-              <a:ext cx="1549021" cy="977749"/>
-            </a:xfrm>
-            <a:prstGeom prst="rect">
-              <a:avLst/>
-            </a:prstGeom>
-            <a:ln>
-              <a:prstDash val="dash"/>
-            </a:ln>
-          </p:spPr>
-          <p:style>
-            <a:lnRef idx="2">
-              <a:schemeClr val="accent2"/>
-            </a:lnRef>
-            <a:fillRef idx="1">
-              <a:schemeClr val="lt1"/>
-            </a:fillRef>
-            <a:effectRef idx="0">
-              <a:schemeClr val="accent2"/>
-            </a:effectRef>
-            <a:fontRef idx="minor">
-              <a:schemeClr val="dk1"/>
-            </a:fontRef>
-          </p:style>
-          <p:txBody>
-            <a:bodyPr rtlCol="0" anchor="ctr"/>
-            <a:lstStyle/>
-            <a:p>
-              <a:pPr algn="ctr"/>
-              <a:r>
-                <a:rPr lang="en-US" dirty="0">
-                  <a:solidFill>
-                    <a:schemeClr val="accent2">
-                      <a:lumMod val="75000"/>
-                    </a:schemeClr>
-                  </a:solidFill>
-                  <a:latin typeface="Arial" panose="020B0604020202020204" pitchFamily="34" charset="0"/>
-                  <a:cs typeface="Arial" panose="020B0604020202020204" pitchFamily="34" charset="0"/>
-                </a:rPr>
-                <a:t>Right4</a:t>
-              </a:r>
-            </a:p>
-          </p:txBody>
-        </p:sp>
-        <p:cxnSp>
-          <p:nvCxnSpPr>
-            <p:cNvPr id="66" name="Straight Arrow Connector 65">
-              <a:extLst>
-                <a:ext uri="{FF2B5EF4-FFF2-40B4-BE49-F238E27FC236}">
-                  <a16:creationId xmlns:a16="http://schemas.microsoft.com/office/drawing/2014/main" id="{327BB99F-6237-4C71-B5FA-568E8770EB1C}"/>
-                </a:ext>
-              </a:extLst>
-            </p:cNvPr>
-            <p:cNvCxnSpPr>
-              <a:stCxn id="64" idx="3"/>
-              <a:endCxn id="23" idx="1"/>
-            </p:cNvCxnSpPr>
-            <p:nvPr/>
-          </p:nvCxnSpPr>
-          <p:spPr>
-            <a:xfrm flipV="1">
-              <a:off x="7489568" y="2059736"/>
-              <a:ext cx="1071019" cy="1776526"/>
-            </a:xfrm>
-            <a:prstGeom prst="straightConnector1">
-              <a:avLst/>
-            </a:prstGeom>
-            <a:ln w="25400">
-              <a:prstDash val="dash"/>
-              <a:tailEnd type="triangle"/>
-            </a:ln>
-          </p:spPr>
-          <p:style>
-            <a:lnRef idx="1">
-              <a:schemeClr val="accent2"/>
-            </a:lnRef>
-            <a:fillRef idx="2">
-              <a:schemeClr val="accent2"/>
-            </a:fillRef>
-            <a:effectRef idx="1">
-              <a:schemeClr val="accent2"/>
-            </a:effectRef>
-            <a:fontRef idx="minor">
-              <a:schemeClr val="dk1"/>
-            </a:fontRef>
-          </p:style>
-        </p:cxnSp>
-        <p:cxnSp>
-          <p:nvCxnSpPr>
-            <p:cNvPr id="68" name="Straight Arrow Connector 67">
-              <a:extLst>
-                <a:ext uri="{FF2B5EF4-FFF2-40B4-BE49-F238E27FC236}">
-                  <a16:creationId xmlns:a16="http://schemas.microsoft.com/office/drawing/2014/main" id="{CED992FC-EFED-4FC7-B244-1FAFD4CAC873}"/>
-                </a:ext>
-              </a:extLst>
-            </p:cNvPr>
-            <p:cNvCxnSpPr>
-              <a:cxnSpLocks/>
-              <a:stCxn id="64" idx="3"/>
-              <a:endCxn id="26" idx="1"/>
-            </p:cNvCxnSpPr>
-            <p:nvPr/>
-          </p:nvCxnSpPr>
-          <p:spPr>
-            <a:xfrm flipV="1">
-              <a:off x="7489568" y="3396643"/>
-              <a:ext cx="1071013" cy="439619"/>
-            </a:xfrm>
-            <a:prstGeom prst="straightConnector1">
-              <a:avLst/>
-            </a:prstGeom>
-            <a:ln w="25400">
-              <a:prstDash val="dash"/>
-              <a:tailEnd type="triangle"/>
-            </a:ln>
-          </p:spPr>
-          <p:style>
-            <a:lnRef idx="1">
-              <a:schemeClr val="accent2"/>
-            </a:lnRef>
-            <a:fillRef idx="2">
-              <a:schemeClr val="accent2"/>
-            </a:fillRef>
-            <a:effectRef idx="1">
-              <a:schemeClr val="accent2"/>
-            </a:effectRef>
-            <a:fontRef idx="minor">
-              <a:schemeClr val="dk1"/>
-            </a:fontRef>
-          </p:style>
-        </p:cxnSp>
-        <p:cxnSp>
-          <p:nvCxnSpPr>
-            <p:cNvPr id="71" name="Straight Arrow Connector 70">
-              <a:extLst>
-                <a:ext uri="{FF2B5EF4-FFF2-40B4-BE49-F238E27FC236}">
-                  <a16:creationId xmlns:a16="http://schemas.microsoft.com/office/drawing/2014/main" id="{E1B3307B-A64C-4DAB-A963-7A05DDA48BE3}"/>
-                </a:ext>
-              </a:extLst>
-            </p:cNvPr>
-            <p:cNvCxnSpPr>
-              <a:stCxn id="64" idx="3"/>
-              <a:endCxn id="29" idx="1"/>
-            </p:cNvCxnSpPr>
-            <p:nvPr/>
-          </p:nvCxnSpPr>
-          <p:spPr>
-            <a:xfrm>
-              <a:off x="7489568" y="3836262"/>
-              <a:ext cx="1071007" cy="891043"/>
-            </a:xfrm>
-            <a:prstGeom prst="straightConnector1">
-              <a:avLst/>
-            </a:prstGeom>
-            <a:ln w="25400">
-              <a:prstDash val="dash"/>
-              <a:tailEnd type="triangle"/>
-            </a:ln>
-          </p:spPr>
-          <p:style>
-            <a:lnRef idx="1">
-              <a:schemeClr val="accent2"/>
-            </a:lnRef>
-            <a:fillRef idx="2">
-              <a:schemeClr val="accent2"/>
-            </a:fillRef>
-            <a:effectRef idx="1">
-              <a:schemeClr val="accent2"/>
-            </a:effectRef>
-            <a:fontRef idx="minor">
-              <a:schemeClr val="dk1"/>
-            </a:fontRef>
-          </p:style>
-        </p:cxnSp>
-        <p:cxnSp>
-          <p:nvCxnSpPr>
-            <p:cNvPr id="80" name="Straight Arrow Connector 79">
-              <a:extLst>
-                <a:ext uri="{FF2B5EF4-FFF2-40B4-BE49-F238E27FC236}">
-                  <a16:creationId xmlns:a16="http://schemas.microsoft.com/office/drawing/2014/main" id="{2BDD4DC8-D120-43C1-B696-23E7F3425C88}"/>
-                </a:ext>
-              </a:extLst>
-            </p:cNvPr>
-            <p:cNvCxnSpPr>
-              <a:cxnSpLocks/>
-              <a:stCxn id="30" idx="3"/>
-              <a:endCxn id="64" idx="1"/>
-            </p:cNvCxnSpPr>
-            <p:nvPr/>
-          </p:nvCxnSpPr>
-          <p:spPr>
-            <a:xfrm flipV="1">
-              <a:off x="4895904" y="3836262"/>
-              <a:ext cx="1044643" cy="561492"/>
-            </a:xfrm>
-            <a:prstGeom prst="straightConnector1">
-              <a:avLst/>
-            </a:prstGeom>
-            <a:ln w="25400">
-              <a:prstDash val="dash"/>
-              <a:tailEnd type="triangle"/>
-            </a:ln>
-          </p:spPr>
-          <p:style>
-            <a:lnRef idx="1">
-              <a:schemeClr val="accent2"/>
-            </a:lnRef>
-            <a:fillRef idx="2">
-              <a:schemeClr val="accent2"/>
-            </a:fillRef>
-            <a:effectRef idx="1">
-              <a:schemeClr val="accent2"/>
-            </a:effectRef>
-            <a:fontRef idx="minor">
-              <a:schemeClr val="dk1"/>
-            </a:fontRef>
-          </p:style>
-        </p:cxnSp>
-        <p:pic>
-          <p:nvPicPr>
-            <p:cNvPr id="7" name="Graphic 6" descr="Users">
-              <a:extLst>
-                <a:ext uri="{FF2B5EF4-FFF2-40B4-BE49-F238E27FC236}">
-                  <a16:creationId xmlns:a16="http://schemas.microsoft.com/office/drawing/2014/main" id="{43F941E8-E6CD-4074-BF49-F2526CC925FE}"/>
-                </a:ext>
-              </a:extLst>
-            </p:cNvPr>
-            <p:cNvPicPr>
-              <a:picLocks noChangeAspect="1"/>
-            </p:cNvPicPr>
-            <p:nvPr/>
-          </p:nvPicPr>
-          <p:blipFill>
-            <a:blip r:embed="rId2">
-              <a:extLst>
-                <a:ext uri="{28A0092B-C50C-407E-A947-70E740481C1C}">
-                  <a14:useLocalDpi xmlns:a14="http://schemas.microsoft.com/office/drawing/2010/main" val="0"/>
-                </a:ext>
-                <a:ext uri="{96DAC541-7B7A-43D3-8B79-37D633B846F1}">
-                  <asvg:svgBlip xmlns:asvg="http://schemas.microsoft.com/office/drawing/2016/SVG/main" r:embed="rId3"/>
-                </a:ext>
-              </a:extLst>
-            </a:blip>
-            <a:stretch>
-              <a:fillRect/>
-            </a:stretch>
-          </p:blipFill>
-          <p:spPr>
-            <a:xfrm>
-              <a:off x="1543868" y="2369950"/>
-              <a:ext cx="914400" cy="914400"/>
-            </a:xfrm>
-            <a:prstGeom prst="rect">
-              <a:avLst/>
-            </a:prstGeom>
-          </p:spPr>
-        </p:pic>
-        <p:sp>
-          <p:nvSpPr>
-            <p:cNvPr id="8" name="Rectangle 7">
-              <a:extLst>
-                <a:ext uri="{FF2B5EF4-FFF2-40B4-BE49-F238E27FC236}">
-                  <a16:creationId xmlns:a16="http://schemas.microsoft.com/office/drawing/2014/main" id="{38CC4CEE-F151-4D28-9746-56EDE69AD226}"/>
-                </a:ext>
-              </a:extLst>
-            </p:cNvPr>
-            <p:cNvSpPr/>
-            <p:nvPr/>
-          </p:nvSpPr>
-          <p:spPr>
-            <a:xfrm>
-              <a:off x="3349423" y="1325897"/>
-              <a:ext cx="1549021" cy="458337"/>
-            </a:xfrm>
-            <a:prstGeom prst="rect">
-              <a:avLst/>
-            </a:prstGeom>
-            <a:solidFill>
-              <a:schemeClr val="bg1">
-                <a:lumMod val="85000"/>
-              </a:schemeClr>
-            </a:solidFill>
-            <a:ln>
-              <a:solidFill>
-                <a:schemeClr val="bg1">
-                  <a:lumMod val="85000"/>
-                </a:schemeClr>
-              </a:solidFill>
-              <a:headEnd type="none" w="med" len="med"/>
-              <a:tailEnd type="none" w="med" len="med"/>
-            </a:ln>
-          </p:spPr>
-          <p:style>
-            <a:lnRef idx="2">
-              <a:schemeClr val="dk1"/>
-            </a:lnRef>
-            <a:fillRef idx="1">
-              <a:schemeClr val="lt1"/>
-            </a:fillRef>
-            <a:effectRef idx="0">
-              <a:schemeClr val="dk1"/>
-            </a:effectRef>
-            <a:fontRef idx="minor">
-              <a:schemeClr val="dk1"/>
-            </a:fontRef>
-          </p:style>
-          <p:txBody>
-            <a:bodyPr rtlCol="0" anchor="ctr"/>
-            <a:lstStyle/>
-            <a:p>
-              <a:pPr algn="ctr"/>
-              <a:r>
-                <a:rPr lang="en-US" dirty="0">
-                  <a:latin typeface="Arial" panose="020B0604020202020204" pitchFamily="34" charset="0"/>
-                  <a:cs typeface="Arial" panose="020B0604020202020204" pitchFamily="34" charset="0"/>
-                </a:rPr>
-                <a:t>Role1</a:t>
-              </a:r>
-            </a:p>
-          </p:txBody>
-        </p:sp>
-        <p:sp>
-          <p:nvSpPr>
-            <p:cNvPr id="9" name="Rectangle 8">
-              <a:extLst>
-                <a:ext uri="{FF2B5EF4-FFF2-40B4-BE49-F238E27FC236}">
-                  <a16:creationId xmlns:a16="http://schemas.microsoft.com/office/drawing/2014/main" id="{8181621D-E849-4978-85AF-B70ECC1CAD6C}"/>
-                </a:ext>
-              </a:extLst>
-            </p:cNvPr>
-            <p:cNvSpPr/>
-            <p:nvPr/>
-          </p:nvSpPr>
-          <p:spPr>
-            <a:xfrm>
-              <a:off x="3349426" y="2054913"/>
-              <a:ext cx="1549021" cy="724469"/>
-            </a:xfrm>
-            <a:prstGeom prst="rect">
-              <a:avLst/>
-            </a:prstGeom>
-            <a:solidFill>
-              <a:schemeClr val="bg1">
-                <a:lumMod val="85000"/>
-              </a:schemeClr>
-            </a:solidFill>
-            <a:ln>
-              <a:solidFill>
-                <a:schemeClr val="bg1">
-                  <a:lumMod val="85000"/>
-                </a:schemeClr>
-              </a:solidFill>
-            </a:ln>
-          </p:spPr>
-          <p:style>
-            <a:lnRef idx="2">
-              <a:schemeClr val="dk1"/>
-            </a:lnRef>
-            <a:fillRef idx="1">
-              <a:schemeClr val="lt1"/>
-            </a:fillRef>
-            <a:effectRef idx="0">
-              <a:schemeClr val="dk1"/>
-            </a:effectRef>
-            <a:fontRef idx="minor">
-              <a:schemeClr val="dk1"/>
-            </a:fontRef>
-          </p:style>
-          <p:txBody>
-            <a:bodyPr rtlCol="0" anchor="ctr"/>
-            <a:lstStyle/>
-            <a:p>
-              <a:pPr algn="ctr"/>
-              <a:r>
-                <a:rPr lang="en-US" dirty="0">
-                  <a:latin typeface="Arial" panose="020B0604020202020204" pitchFamily="34" charset="0"/>
-                  <a:cs typeface="Arial" panose="020B0604020202020204" pitchFamily="34" charset="0"/>
-                </a:rPr>
-                <a:t>Role2</a:t>
-              </a:r>
-            </a:p>
-          </p:txBody>
-        </p:sp>
-        <p:sp>
-          <p:nvSpPr>
-            <p:cNvPr id="10" name="Rectangle 9">
-              <a:extLst>
-                <a:ext uri="{FF2B5EF4-FFF2-40B4-BE49-F238E27FC236}">
-                  <a16:creationId xmlns:a16="http://schemas.microsoft.com/office/drawing/2014/main" id="{C0473B23-7A42-4399-80B4-CE4A4DFFAC55}"/>
-                </a:ext>
-              </a:extLst>
-            </p:cNvPr>
-            <p:cNvSpPr/>
-            <p:nvPr/>
-          </p:nvSpPr>
-          <p:spPr>
-            <a:xfrm>
-              <a:off x="3349427" y="3075871"/>
-              <a:ext cx="1549021" cy="458337"/>
-            </a:xfrm>
-            <a:prstGeom prst="rect">
-              <a:avLst/>
-            </a:prstGeom>
-            <a:solidFill>
-              <a:schemeClr val="bg1">
-                <a:lumMod val="85000"/>
-              </a:schemeClr>
-            </a:solidFill>
-            <a:ln>
-              <a:solidFill>
-                <a:schemeClr val="bg1">
-                  <a:lumMod val="85000"/>
-                </a:schemeClr>
-              </a:solidFill>
-            </a:ln>
-          </p:spPr>
-          <p:style>
-            <a:lnRef idx="2">
-              <a:schemeClr val="dk1"/>
-            </a:lnRef>
-            <a:fillRef idx="1">
-              <a:schemeClr val="lt1"/>
-            </a:fillRef>
-            <a:effectRef idx="0">
-              <a:schemeClr val="dk1"/>
-            </a:effectRef>
-            <a:fontRef idx="minor">
-              <a:schemeClr val="dk1"/>
-            </a:fontRef>
-          </p:style>
-          <p:txBody>
-            <a:bodyPr rtlCol="0" anchor="ctr"/>
-            <a:lstStyle/>
-            <a:p>
-              <a:pPr algn="ctr"/>
-              <a:r>
-                <a:rPr lang="en-US" dirty="0">
-                  <a:latin typeface="Arial" panose="020B0604020202020204" pitchFamily="34" charset="0"/>
-                  <a:cs typeface="Arial" panose="020B0604020202020204" pitchFamily="34" charset="0"/>
-                </a:rPr>
-                <a:t>Role3</a:t>
-              </a:r>
-            </a:p>
-          </p:txBody>
-        </p:sp>
-        <p:sp>
-          <p:nvSpPr>
-            <p:cNvPr id="30" name="Rectangle 29">
-              <a:extLst>
-                <a:ext uri="{FF2B5EF4-FFF2-40B4-BE49-F238E27FC236}">
-                  <a16:creationId xmlns:a16="http://schemas.microsoft.com/office/drawing/2014/main" id="{9BEAB0D7-4D5D-43B4-B94D-20C9AAB18696}"/>
-                </a:ext>
-              </a:extLst>
-            </p:cNvPr>
-            <p:cNvSpPr/>
-            <p:nvPr/>
-          </p:nvSpPr>
-          <p:spPr>
-            <a:xfrm>
-              <a:off x="3346883" y="4168585"/>
-              <a:ext cx="1549021" cy="458337"/>
-            </a:xfrm>
-            <a:prstGeom prst="rect">
-              <a:avLst/>
-            </a:prstGeom>
-            <a:ln>
-              <a:prstDash val="dash"/>
-              <a:headEnd type="none" w="med" len="med"/>
-              <a:tailEnd type="none" w="med" len="med"/>
-            </a:ln>
-          </p:spPr>
-          <p:style>
-            <a:lnRef idx="2">
-              <a:schemeClr val="accent2"/>
-            </a:lnRef>
-            <a:fillRef idx="1">
-              <a:schemeClr val="lt1"/>
-            </a:fillRef>
-            <a:effectRef idx="0">
-              <a:schemeClr val="accent2"/>
-            </a:effectRef>
-            <a:fontRef idx="minor">
-              <a:schemeClr val="dk1"/>
-            </a:fontRef>
-          </p:style>
-          <p:txBody>
-            <a:bodyPr rtlCol="0" anchor="ctr"/>
-            <a:lstStyle/>
-            <a:p>
-              <a:pPr algn="ctr"/>
-              <a:r>
-                <a:rPr lang="en-US" dirty="0">
-                  <a:solidFill>
-                    <a:schemeClr val="accent2">
-                      <a:lumMod val="75000"/>
-                    </a:schemeClr>
-                  </a:solidFill>
-                  <a:latin typeface="Arial" panose="020B0604020202020204" pitchFamily="34" charset="0"/>
-                  <a:cs typeface="Arial" panose="020B0604020202020204" pitchFamily="34" charset="0"/>
-                </a:rPr>
-                <a:t>Role4</a:t>
-              </a:r>
-            </a:p>
-          </p:txBody>
-        </p:sp>
-        <p:pic>
-          <p:nvPicPr>
-            <p:cNvPr id="88" name="Graphic 87" descr="Users">
-              <a:extLst>
-                <a:ext uri="{FF2B5EF4-FFF2-40B4-BE49-F238E27FC236}">
-                  <a16:creationId xmlns:a16="http://schemas.microsoft.com/office/drawing/2014/main" id="{995790D7-005F-4CB8-A954-2B00CAD49ED3}"/>
-                </a:ext>
-              </a:extLst>
-            </p:cNvPr>
-            <p:cNvPicPr>
-              <a:picLocks noChangeAspect="1"/>
-            </p:cNvPicPr>
-            <p:nvPr/>
-          </p:nvPicPr>
-          <p:blipFill>
-            <a:blip r:embed="rId4">
-              <a:extLst>
-                <a:ext uri="{28A0092B-C50C-407E-A947-70E740481C1C}">
-                  <a14:useLocalDpi xmlns:a14="http://schemas.microsoft.com/office/drawing/2010/main" val="0"/>
-                </a:ext>
-                <a:ext uri="{96DAC541-7B7A-43D3-8B79-37D633B846F1}">
-                  <asvg:svgBlip xmlns:asvg="http://schemas.microsoft.com/office/drawing/2016/SVG/main" r:embed="rId5"/>
-                </a:ext>
-              </a:extLst>
-            </a:blip>
-            <a:stretch>
-              <a:fillRect/>
-            </a:stretch>
-          </p:blipFill>
-          <p:spPr>
-            <a:xfrm>
-              <a:off x="1532244" y="3875126"/>
-              <a:ext cx="914400" cy="914400"/>
-            </a:xfrm>
-            <a:prstGeom prst="rect">
-              <a:avLst/>
-            </a:prstGeom>
-          </p:spPr>
-        </p:pic>
-        <p:pic>
-          <p:nvPicPr>
-            <p:cNvPr id="89" name="Graphic 88" descr="Users">
-              <a:extLst>
-                <a:ext uri="{FF2B5EF4-FFF2-40B4-BE49-F238E27FC236}">
-                  <a16:creationId xmlns:a16="http://schemas.microsoft.com/office/drawing/2014/main" id="{80C83D23-40AA-492E-929C-FD629EB8CD8F}"/>
-                </a:ext>
-              </a:extLst>
-            </p:cNvPr>
-            <p:cNvPicPr>
-              <a:picLocks noChangeAspect="1"/>
-            </p:cNvPicPr>
-            <p:nvPr/>
-          </p:nvPicPr>
-          <p:blipFill>
-            <a:blip r:embed="rId2">
-              <a:extLst>
-                <a:ext uri="{28A0092B-C50C-407E-A947-70E740481C1C}">
-                  <a14:useLocalDpi xmlns:a14="http://schemas.microsoft.com/office/drawing/2010/main" val="0"/>
-                </a:ext>
-                <a:ext uri="{96DAC541-7B7A-43D3-8B79-37D633B846F1}">
-                  <asvg:svgBlip xmlns:asvg="http://schemas.microsoft.com/office/drawing/2016/SVG/main" r:embed="rId3"/>
-                </a:ext>
-              </a:extLst>
-            </a:blip>
-            <a:stretch>
-              <a:fillRect/>
-            </a:stretch>
-          </p:blipFill>
-          <p:spPr>
-            <a:xfrm>
-              <a:off x="1532244" y="1400390"/>
-              <a:ext cx="914400" cy="914400"/>
-            </a:xfrm>
-            <a:prstGeom prst="rect">
-              <a:avLst/>
-            </a:prstGeom>
-          </p:spPr>
-        </p:pic>
-        <p:cxnSp>
-          <p:nvCxnSpPr>
-            <p:cNvPr id="90" name="Straight Arrow Connector 89">
-              <a:extLst>
-                <a:ext uri="{FF2B5EF4-FFF2-40B4-BE49-F238E27FC236}">
-                  <a16:creationId xmlns:a16="http://schemas.microsoft.com/office/drawing/2014/main" id="{581A2BD6-B7E2-455F-98CA-48F5278645AF}"/>
-                </a:ext>
-              </a:extLst>
-            </p:cNvPr>
-            <p:cNvCxnSpPr>
-              <a:cxnSpLocks/>
-              <a:stCxn id="89" idx="3"/>
-              <a:endCxn id="8" idx="1"/>
-            </p:cNvCxnSpPr>
-            <p:nvPr/>
-          </p:nvCxnSpPr>
-          <p:spPr>
-            <a:xfrm flipV="1">
-              <a:off x="2446644" y="1555066"/>
-              <a:ext cx="902779" cy="302524"/>
-            </a:xfrm>
-            <a:prstGeom prst="straightConnector1">
-              <a:avLst/>
-            </a:prstGeom>
-            <a:ln w="25400">
-              <a:solidFill>
-                <a:schemeClr val="tx1"/>
-              </a:solidFill>
-              <a:tailEnd type="triangle"/>
-            </a:ln>
-          </p:spPr>
-          <p:style>
-            <a:lnRef idx="1">
-              <a:schemeClr val="accent1"/>
-            </a:lnRef>
-            <a:fillRef idx="0">
-              <a:schemeClr val="accent1"/>
-            </a:fillRef>
-            <a:effectRef idx="0">
-              <a:schemeClr val="accent1"/>
-            </a:effectRef>
-            <a:fontRef idx="minor">
-              <a:schemeClr val="tx1"/>
-            </a:fontRef>
-          </p:style>
-        </p:cxnSp>
-        <p:cxnSp>
-          <p:nvCxnSpPr>
-            <p:cNvPr id="93" name="Straight Arrow Connector 92">
-              <a:extLst>
-                <a:ext uri="{FF2B5EF4-FFF2-40B4-BE49-F238E27FC236}">
-                  <a16:creationId xmlns:a16="http://schemas.microsoft.com/office/drawing/2014/main" id="{A9FB3602-D195-4253-AC89-A812F56D43D2}"/>
-                </a:ext>
-              </a:extLst>
-            </p:cNvPr>
-            <p:cNvCxnSpPr>
-              <a:cxnSpLocks/>
-              <a:stCxn id="7" idx="3"/>
-              <a:endCxn id="9" idx="1"/>
-            </p:cNvCxnSpPr>
-            <p:nvPr/>
-          </p:nvCxnSpPr>
-          <p:spPr>
-            <a:xfrm flipV="1">
-              <a:off x="2458268" y="2417148"/>
-              <a:ext cx="891158" cy="410002"/>
-            </a:xfrm>
-            <a:prstGeom prst="straightConnector1">
-              <a:avLst/>
-            </a:prstGeom>
-            <a:ln w="25400">
-              <a:solidFill>
-                <a:schemeClr val="tx1"/>
-              </a:solidFill>
-              <a:tailEnd type="triangle"/>
-            </a:ln>
-          </p:spPr>
-          <p:style>
-            <a:lnRef idx="1">
-              <a:schemeClr val="accent1"/>
-            </a:lnRef>
-            <a:fillRef idx="0">
-              <a:schemeClr val="accent1"/>
-            </a:fillRef>
-            <a:effectRef idx="0">
-              <a:schemeClr val="accent1"/>
-            </a:effectRef>
-            <a:fontRef idx="minor">
-              <a:schemeClr val="tx1"/>
-            </a:fontRef>
-          </p:style>
-        </p:cxnSp>
-        <p:cxnSp>
-          <p:nvCxnSpPr>
-            <p:cNvPr id="96" name="Straight Arrow Connector 95">
-              <a:extLst>
-                <a:ext uri="{FF2B5EF4-FFF2-40B4-BE49-F238E27FC236}">
-                  <a16:creationId xmlns:a16="http://schemas.microsoft.com/office/drawing/2014/main" id="{441D987E-97A1-4D31-849F-2CB2410A45C5}"/>
-                </a:ext>
-              </a:extLst>
-            </p:cNvPr>
-            <p:cNvCxnSpPr>
-              <a:cxnSpLocks/>
-              <a:stCxn id="7" idx="3"/>
-              <a:endCxn id="10" idx="1"/>
-            </p:cNvCxnSpPr>
-            <p:nvPr/>
-          </p:nvCxnSpPr>
-          <p:spPr>
-            <a:xfrm>
-              <a:off x="2458268" y="2827150"/>
-              <a:ext cx="891159" cy="477890"/>
-            </a:xfrm>
-            <a:prstGeom prst="straightConnector1">
-              <a:avLst/>
-            </a:prstGeom>
-            <a:ln w="25400">
-              <a:solidFill>
-                <a:schemeClr val="tx1"/>
-              </a:solidFill>
-              <a:tailEnd type="triangle"/>
-            </a:ln>
-          </p:spPr>
-          <p:style>
-            <a:lnRef idx="1">
-              <a:schemeClr val="accent1"/>
-            </a:lnRef>
-            <a:fillRef idx="0">
-              <a:schemeClr val="accent1"/>
-            </a:fillRef>
-            <a:effectRef idx="0">
-              <a:schemeClr val="accent1"/>
-            </a:effectRef>
-            <a:fontRef idx="minor">
-              <a:schemeClr val="tx1"/>
-            </a:fontRef>
-          </p:style>
-        </p:cxnSp>
-        <p:cxnSp>
-          <p:nvCxnSpPr>
-            <p:cNvPr id="100" name="Straight Arrow Connector 99">
-              <a:extLst>
-                <a:ext uri="{FF2B5EF4-FFF2-40B4-BE49-F238E27FC236}">
-                  <a16:creationId xmlns:a16="http://schemas.microsoft.com/office/drawing/2014/main" id="{EE1B8CC5-A8B4-4748-943E-89AA0D907AFF}"/>
-                </a:ext>
-              </a:extLst>
-            </p:cNvPr>
-            <p:cNvCxnSpPr>
-              <a:cxnSpLocks/>
-              <a:stCxn id="88" idx="3"/>
-              <a:endCxn id="30" idx="1"/>
-            </p:cNvCxnSpPr>
-            <p:nvPr/>
-          </p:nvCxnSpPr>
-          <p:spPr>
-            <a:xfrm>
-              <a:off x="2446644" y="4332326"/>
-              <a:ext cx="900239" cy="65428"/>
-            </a:xfrm>
-            <a:prstGeom prst="straightConnector1">
-              <a:avLst/>
-            </a:prstGeom>
-            <a:ln w="25400">
-              <a:prstDash val="dash"/>
-              <a:tailEnd type="triangle"/>
-            </a:ln>
-          </p:spPr>
-          <p:style>
-            <a:lnRef idx="1">
-              <a:schemeClr val="accent2"/>
-            </a:lnRef>
-            <a:fillRef idx="2">
-              <a:schemeClr val="accent2"/>
-            </a:fillRef>
-            <a:effectRef idx="1">
-              <a:schemeClr val="accent2"/>
-            </a:effectRef>
-            <a:fontRef idx="minor">
-              <a:schemeClr val="dk1"/>
-            </a:fontRef>
-          </p:style>
-        </p:cxnSp>
-        <p:cxnSp>
-          <p:nvCxnSpPr>
-            <p:cNvPr id="103" name="Straight Arrow Connector 102">
-              <a:extLst>
-                <a:ext uri="{FF2B5EF4-FFF2-40B4-BE49-F238E27FC236}">
-                  <a16:creationId xmlns:a16="http://schemas.microsoft.com/office/drawing/2014/main" id="{9FDA16EC-A5EF-4431-81CC-6741B2F15816}"/>
-                </a:ext>
-              </a:extLst>
-            </p:cNvPr>
-            <p:cNvCxnSpPr>
-              <a:cxnSpLocks/>
-              <a:stCxn id="88" idx="3"/>
-              <a:endCxn id="9" idx="1"/>
-            </p:cNvCxnSpPr>
-            <p:nvPr/>
-          </p:nvCxnSpPr>
-          <p:spPr>
-            <a:xfrm flipV="1">
-              <a:off x="2446644" y="2417148"/>
-              <a:ext cx="902782" cy="1915178"/>
-            </a:xfrm>
-            <a:prstGeom prst="straightConnector1">
-              <a:avLst/>
-            </a:prstGeom>
-            <a:ln w="25400">
-              <a:prstDash val="solid"/>
-              <a:tailEnd type="triangle"/>
-            </a:ln>
-          </p:spPr>
-          <p:style>
-            <a:lnRef idx="1">
-              <a:schemeClr val="accent2"/>
-            </a:lnRef>
-            <a:fillRef idx="2">
-              <a:schemeClr val="accent2"/>
-            </a:fillRef>
-            <a:effectRef idx="1">
-              <a:schemeClr val="accent2"/>
-            </a:effectRef>
-            <a:fontRef idx="minor">
-              <a:schemeClr val="dk1"/>
-            </a:fontRef>
-          </p:style>
-        </p:cxnSp>
-        <p:cxnSp>
-          <p:nvCxnSpPr>
-            <p:cNvPr id="106" name="Straight Arrow Connector 105">
-              <a:extLst>
-                <a:ext uri="{FF2B5EF4-FFF2-40B4-BE49-F238E27FC236}">
-                  <a16:creationId xmlns:a16="http://schemas.microsoft.com/office/drawing/2014/main" id="{AE597E3D-C674-4181-AD87-B49174DAADFC}"/>
-                </a:ext>
-              </a:extLst>
-            </p:cNvPr>
-            <p:cNvCxnSpPr>
-              <a:cxnSpLocks/>
-              <a:stCxn id="88" idx="3"/>
-              <a:endCxn id="10" idx="1"/>
-            </p:cNvCxnSpPr>
-            <p:nvPr/>
-          </p:nvCxnSpPr>
-          <p:spPr>
-            <a:xfrm flipV="1">
-              <a:off x="2446644" y="3305040"/>
-              <a:ext cx="902783" cy="1027286"/>
-            </a:xfrm>
-            <a:prstGeom prst="straightConnector1">
-              <a:avLst/>
-            </a:prstGeom>
-            <a:ln w="25400">
-              <a:prstDash val="solid"/>
-              <a:tailEnd type="triangle"/>
-            </a:ln>
-          </p:spPr>
-          <p:style>
-            <a:lnRef idx="1">
-              <a:schemeClr val="accent2"/>
-            </a:lnRef>
-            <a:fillRef idx="2">
-              <a:schemeClr val="accent2"/>
-            </a:fillRef>
-            <a:effectRef idx="1">
-              <a:schemeClr val="accent2"/>
-            </a:effectRef>
-            <a:fontRef idx="minor">
-              <a:schemeClr val="dk1"/>
-            </a:fontRef>
-          </p:style>
-        </p:cxnSp>
-        <p:sp>
-          <p:nvSpPr>
-            <p:cNvPr id="123" name="Oval 122">
-              <a:extLst>
-                <a:ext uri="{FF2B5EF4-FFF2-40B4-BE49-F238E27FC236}">
-                  <a16:creationId xmlns:a16="http://schemas.microsoft.com/office/drawing/2014/main" id="{69C6C3F5-0B5B-4C2E-91A5-4C98BA5CCF6A}"/>
-                </a:ext>
-              </a:extLst>
-            </p:cNvPr>
-            <p:cNvSpPr/>
-            <p:nvPr/>
-          </p:nvSpPr>
-          <p:spPr>
-            <a:xfrm>
-              <a:off x="2287791" y="3518343"/>
-              <a:ext cx="375521" cy="375521"/>
-            </a:xfrm>
-            <a:prstGeom prst="ellipse">
-              <a:avLst/>
-            </a:prstGeom>
-            <a:solidFill>
-              <a:schemeClr val="accent2">
-                <a:lumMod val="20000"/>
-                <a:lumOff val="80000"/>
-              </a:schemeClr>
-            </a:solidFill>
-            <a:ln w="25400"/>
-          </p:spPr>
-          <p:style>
-            <a:lnRef idx="2">
-              <a:schemeClr val="accent2"/>
-            </a:lnRef>
-            <a:fillRef idx="1">
-              <a:schemeClr val="lt1"/>
-            </a:fillRef>
-            <a:effectRef idx="0">
-              <a:schemeClr val="accent2"/>
-            </a:effectRef>
-            <a:fontRef idx="minor">
-              <a:schemeClr val="dk1"/>
-            </a:fontRef>
-          </p:style>
-          <p:txBody>
-            <a:bodyPr rtlCol="0" anchor="ctr"/>
-            <a:lstStyle/>
-            <a:p>
-              <a:pPr algn="ctr"/>
-              <a:r>
-                <a:rPr lang="en-US" dirty="0">
-                  <a:latin typeface="Arial" panose="020B0604020202020204" pitchFamily="34" charset="0"/>
-                  <a:cs typeface="Arial" panose="020B0604020202020204" pitchFamily="34" charset="0"/>
-                </a:rPr>
-                <a:t>1</a:t>
-              </a:r>
-            </a:p>
-          </p:txBody>
-        </p:sp>
-        <p:sp>
-          <p:nvSpPr>
-            <p:cNvPr id="124" name="Oval 123">
-              <a:extLst>
-                <a:ext uri="{FF2B5EF4-FFF2-40B4-BE49-F238E27FC236}">
-                  <a16:creationId xmlns:a16="http://schemas.microsoft.com/office/drawing/2014/main" id="{9F974DAE-0ACF-418B-B0E3-5084B1F1F3FB}"/>
-                </a:ext>
-              </a:extLst>
-            </p:cNvPr>
-            <p:cNvSpPr/>
-            <p:nvPr/>
-          </p:nvSpPr>
-          <p:spPr>
-            <a:xfrm>
-              <a:off x="5095581" y="3711381"/>
-              <a:ext cx="375521" cy="375521"/>
-            </a:xfrm>
-            <a:prstGeom prst="ellipse">
-              <a:avLst/>
-            </a:prstGeom>
-            <a:solidFill>
-              <a:schemeClr val="accent2">
-                <a:lumMod val="20000"/>
-                <a:lumOff val="80000"/>
-              </a:schemeClr>
-            </a:solidFill>
-            <a:ln w="25400">
-              <a:prstDash val="dash"/>
-            </a:ln>
-          </p:spPr>
-          <p:style>
-            <a:lnRef idx="2">
-              <a:schemeClr val="accent2"/>
-            </a:lnRef>
-            <a:fillRef idx="1">
-              <a:schemeClr val="lt1"/>
-            </a:fillRef>
-            <a:effectRef idx="0">
-              <a:schemeClr val="accent2"/>
-            </a:effectRef>
-            <a:fontRef idx="minor">
-              <a:schemeClr val="dk1"/>
-            </a:fontRef>
-          </p:style>
-          <p:txBody>
-            <a:bodyPr rtlCol="0" anchor="ctr"/>
-            <a:lstStyle/>
-            <a:p>
-              <a:pPr algn="ctr"/>
-              <a:r>
-                <a:rPr lang="en-US" dirty="0">
-                  <a:latin typeface="Arial" panose="020B0604020202020204" pitchFamily="34" charset="0"/>
-                  <a:cs typeface="Arial" panose="020B0604020202020204" pitchFamily="34" charset="0"/>
-                </a:rPr>
-                <a:t>2</a:t>
-              </a:r>
-            </a:p>
-          </p:txBody>
-        </p:sp>
-        <p:grpSp>
-          <p:nvGrpSpPr>
-            <p:cNvPr id="134" name="Group 133">
-              <a:extLst>
-                <a:ext uri="{FF2B5EF4-FFF2-40B4-BE49-F238E27FC236}">
-                  <a16:creationId xmlns:a16="http://schemas.microsoft.com/office/drawing/2014/main" id="{B6AF5FD8-C726-4CD5-A40E-E8C828E1DF80}"/>
+                  <a16:creationId xmlns:a16="http://schemas.microsoft.com/office/drawing/2014/main" id="{3DE7D13D-65B7-4B80-B0B6-2EF66F7C2550}"/>
                 </a:ext>
               </a:extLst>
             </p:cNvPr>
@@ -18121,9 +15851,143 @@
           </p:nvGrpSpPr>
           <p:grpSpPr>
             <a:xfrm>
+              <a:off x="10111117" y="3122323"/>
+              <a:ext cx="548640" cy="548640"/>
+              <a:chOff x="10111117" y="3122323"/>
+              <a:chExt cx="548640" cy="548640"/>
+            </a:xfrm>
+          </p:grpSpPr>
+          <p:sp>
+            <p:nvSpPr>
+              <p:cNvPr id="59" name="Oval 58">
+                <a:extLst>
+                  <a:ext uri="{FF2B5EF4-FFF2-40B4-BE49-F238E27FC236}">
+                    <a16:creationId xmlns:a16="http://schemas.microsoft.com/office/drawing/2014/main" id="{EAF0C38E-71C4-441A-B9C1-916EFD93C4CF}"/>
+                  </a:ext>
+                </a:extLst>
+              </p:cNvPr>
+              <p:cNvSpPr/>
+              <p:nvPr/>
+            </p:nvSpPr>
+            <p:spPr>
+              <a:xfrm>
+                <a:off x="10147693" y="3158899"/>
+                <a:ext cx="475488" cy="475488"/>
+              </a:xfrm>
+              <a:prstGeom prst="ellipse">
+                <a:avLst/>
+              </a:prstGeom>
+              <a:gradFill flip="none" rotWithShape="1">
+                <a:gsLst>
+                  <a:gs pos="100000">
+                    <a:schemeClr val="accent4">
+                      <a:tint val="62000"/>
+                      <a:alpha val="60000"/>
+                      <a:satMod val="109000"/>
+                      <a:lumMod val="110000"/>
+                    </a:schemeClr>
+                  </a:gs>
+                  <a:gs pos="0">
+                    <a:schemeClr val="accent4">
+                      <a:tint val="78000"/>
+                      <a:alpha val="92000"/>
+                      <a:satMod val="109000"/>
+                      <a:lumMod val="100000"/>
+                    </a:schemeClr>
+                  </a:gs>
+                </a:gsLst>
+                <a:path path="circle">
+                  <a:fillToRect l="50000" t="50000" r="50000" b="50000"/>
+                </a:path>
+                <a:tileRect/>
+              </a:gradFill>
+              <a:ln>
+                <a:noFill/>
+              </a:ln>
+            </p:spPr>
+            <p:style>
+              <a:lnRef idx="1">
+                <a:schemeClr val="accent4"/>
+              </a:lnRef>
+              <a:fillRef idx="2">
+                <a:schemeClr val="accent4"/>
+              </a:fillRef>
+              <a:effectRef idx="1">
+                <a:schemeClr val="accent4"/>
+              </a:effectRef>
+              <a:fontRef idx="minor">
+                <a:schemeClr val="dk1"/>
+              </a:fontRef>
+            </p:style>
+            <p:txBody>
+              <a:bodyPr rtlCol="0" anchor="ctr"/>
+              <a:lstStyle/>
+              <a:p>
+                <a:pPr algn="ctr"/>
+                <a:endParaRPr lang="en-US">
+                  <a:latin typeface="Arial" panose="020B0604020202020204" pitchFamily="34" charset="0"/>
+                  <a:cs typeface="Arial" panose="020B0604020202020204" pitchFamily="34" charset="0"/>
+                </a:endParaRPr>
+              </a:p>
+            </p:txBody>
+          </p:sp>
+          <p:pic>
+            <p:nvPicPr>
+              <p:cNvPr id="126" name="Graphic 125" descr="Confused face with solid fill">
+                <a:extLst>
+                  <a:ext uri="{FF2B5EF4-FFF2-40B4-BE49-F238E27FC236}">
+                    <a16:creationId xmlns:a16="http://schemas.microsoft.com/office/drawing/2014/main" id="{038333E6-83DF-450D-9012-AA71853E9B44}"/>
+                  </a:ext>
+                </a:extLst>
+              </p:cNvPr>
+              <p:cNvPicPr>
+                <a:picLocks noChangeAspect="1"/>
+              </p:cNvPicPr>
+              <p:nvPr/>
+            </p:nvPicPr>
+            <p:blipFill>
+              <a:blip r:embed="rId2">
+                <a:extLst>
+                  <a:ext uri="{28A0092B-C50C-407E-A947-70E740481C1C}">
+                    <a14:useLocalDpi xmlns:a14="http://schemas.microsoft.com/office/drawing/2010/main" val="0"/>
+                  </a:ext>
+                  <a:ext uri="{96DAC541-7B7A-43D3-8B79-37D633B846F1}">
+                    <asvg:svgBlip xmlns:asvg="http://schemas.microsoft.com/office/drawing/2016/SVG/main" r:embed="rId3"/>
+                  </a:ext>
+                </a:extLst>
+              </a:blip>
+              <a:stretch>
+                <a:fillRect/>
+              </a:stretch>
+            </p:blipFill>
+            <p:spPr>
+              <a:xfrm>
+                <a:off x="10111117" y="3122323"/>
+                <a:ext cx="548640" cy="548640"/>
+              </a:xfrm>
+              <a:prstGeom prst="rect">
+                <a:avLst/>
+              </a:prstGeom>
+            </p:spPr>
+          </p:pic>
+        </p:grpSp>
+        <p:grpSp>
+          <p:nvGrpSpPr>
+            <p:cNvPr id="2" name="Group 1">
+              <a:extLst>
+                <a:ext uri="{FF2B5EF4-FFF2-40B4-BE49-F238E27FC236}">
+                  <a16:creationId xmlns:a16="http://schemas.microsoft.com/office/drawing/2014/main" id="{EE5DB7AC-3A1A-401D-83CE-EF8554730F68}"/>
+                </a:ext>
+              </a:extLst>
+            </p:cNvPr>
+            <p:cNvGrpSpPr/>
+            <p:nvPr/>
+          </p:nvGrpSpPr>
+          <p:grpSpPr>
+            <a:xfrm>
               <a:off x="2204120" y="4561495"/>
               <a:ext cx="548640" cy="548640"/>
-              <a:chOff x="4418341" y="3869453"/>
+              <a:chOff x="2204120" y="4561495"/>
               <a:chExt cx="548640" cy="548640"/>
             </a:xfrm>
           </p:grpSpPr>
@@ -18141,12 +16005,36 @@
             </p:nvSpPr>
             <p:spPr>
               <a:xfrm>
-                <a:off x="4483768" y="3934880"/>
-                <a:ext cx="417786" cy="417786"/>
+                <a:off x="2240696" y="4598071"/>
+                <a:ext cx="475488" cy="475488"/>
               </a:xfrm>
               <a:prstGeom prst="ellipse">
                 <a:avLst/>
               </a:prstGeom>
+              <a:gradFill flip="none" rotWithShape="1">
+                <a:gsLst>
+                  <a:gs pos="100000">
+                    <a:schemeClr val="accent4">
+                      <a:tint val="62000"/>
+                      <a:alpha val="60000"/>
+                      <a:satMod val="109000"/>
+                      <a:lumMod val="110000"/>
+                    </a:schemeClr>
+                  </a:gs>
+                  <a:gs pos="0">
+                    <a:schemeClr val="accent4">
+                      <a:tint val="78000"/>
+                      <a:alpha val="92000"/>
+                      <a:satMod val="109000"/>
+                      <a:lumMod val="100000"/>
+                    </a:schemeClr>
+                  </a:gs>
+                </a:gsLst>
+                <a:path path="circle">
+                  <a:fillToRect l="50000" t="50000" r="50000" b="50000"/>
+                </a:path>
+                <a:tileRect/>
+              </a:gradFill>
               <a:ln>
                 <a:noFill/>
               </a:ln>
@@ -18192,13 +16080,13 @@
               <p:nvPr/>
             </p:nvPicPr>
             <p:blipFill>
-              <a:blip r:embed="rId6">
+              <a:blip r:embed="rId4">
                 <a:extLst>
                   <a:ext uri="{28A0092B-C50C-407E-A947-70E740481C1C}">
                     <a14:useLocalDpi xmlns:a14="http://schemas.microsoft.com/office/drawing/2010/main" val="0"/>
                   </a:ext>
                   <a:ext uri="{96DAC541-7B7A-43D3-8B79-37D633B846F1}">
-                    <asvg:svgBlip xmlns:asvg="http://schemas.microsoft.com/office/drawing/2016/SVG/main" r:embed="rId7"/>
+                    <asvg:svgBlip xmlns:asvg="http://schemas.microsoft.com/office/drawing/2016/SVG/main" r:embed="rId5"/>
                   </a:ext>
                 </a:extLst>
               </a:blip>
@@ -18208,7 +16096,7 @@
             </p:blipFill>
             <p:spPr>
               <a:xfrm>
-                <a:off x="4418341" y="3869453"/>
+                <a:off x="2204120" y="4561495"/>
                 <a:ext cx="548640" cy="548640"/>
               </a:xfrm>
               <a:prstGeom prst="rect">
@@ -18217,116 +16105,2323 @@
             </p:spPr>
           </p:pic>
         </p:grpSp>
-        <p:grpSp>
-          <p:nvGrpSpPr>
-            <p:cNvPr id="135" name="Group 134">
+        <p:sp>
+          <p:nvSpPr>
+            <p:cNvPr id="21" name="Rectangle 20">
               <a:extLst>
                 <a:ext uri="{FF2B5EF4-FFF2-40B4-BE49-F238E27FC236}">
-                  <a16:creationId xmlns:a16="http://schemas.microsoft.com/office/drawing/2014/main" id="{A50AFCB8-0B6F-41DD-8CF6-86CBE19BD233}"/>
+                  <a16:creationId xmlns:a16="http://schemas.microsoft.com/office/drawing/2014/main" id="{EA9D107A-8A81-4C87-9E6E-4F9277D5D6C5}"/>
                 </a:ext>
               </a:extLst>
             </p:cNvPr>
-            <p:cNvGrpSpPr/>
-            <p:nvPr/>
-          </p:nvGrpSpPr>
-          <p:grpSpPr>
-            <a:xfrm>
-              <a:off x="10111117" y="3122323"/>
-              <a:ext cx="548640" cy="548640"/>
-              <a:chOff x="9300169" y="2678712"/>
-              <a:chExt cx="548640" cy="548640"/>
-            </a:xfrm>
-          </p:grpSpPr>
-          <p:sp>
-            <p:nvSpPr>
-              <p:cNvPr id="130" name="Oval 129">
-                <a:extLst>
-                  <a:ext uri="{FF2B5EF4-FFF2-40B4-BE49-F238E27FC236}">
-                    <a16:creationId xmlns:a16="http://schemas.microsoft.com/office/drawing/2014/main" id="{3372B469-A6F6-4FD9-A080-F09CCD28C42D}"/>
-                  </a:ext>
-                </a:extLst>
-              </p:cNvPr>
-              <p:cNvSpPr/>
-              <p:nvPr/>
-            </p:nvSpPr>
-            <p:spPr>
-              <a:xfrm>
-                <a:off x="9365596" y="2744139"/>
-                <a:ext cx="417786" cy="417786"/>
-              </a:xfrm>
-              <a:prstGeom prst="ellipse">
-                <a:avLst/>
-              </a:prstGeom>
-              <a:ln>
-                <a:noFill/>
-              </a:ln>
-            </p:spPr>
-            <p:style>
-              <a:lnRef idx="1">
+            <p:cNvSpPr/>
+            <p:nvPr/>
+          </p:nvSpPr>
+          <p:spPr>
+            <a:xfrm>
+              <a:off x="8560593" y="1144767"/>
+              <a:ext cx="1549021" cy="315038"/>
+            </a:xfrm>
+            <a:prstGeom prst="rect">
+              <a:avLst/>
+            </a:prstGeom>
+            <a:ln>
+              <a:solidFill>
                 <a:schemeClr val="accent4"/>
-              </a:lnRef>
-              <a:fillRef idx="2">
-                <a:schemeClr val="accent4"/>
-              </a:fillRef>
-              <a:effectRef idx="1">
-                <a:schemeClr val="accent4"/>
-              </a:effectRef>
-              <a:fontRef idx="minor">
-                <a:schemeClr val="dk1"/>
-              </a:fontRef>
-            </p:style>
-            <p:txBody>
-              <a:bodyPr rtlCol="0" anchor="ctr"/>
-              <a:lstStyle/>
-              <a:p>
-                <a:pPr algn="ctr"/>
-                <a:endParaRPr lang="en-US">
+              </a:solidFill>
+            </a:ln>
+          </p:spPr>
+          <p:style>
+            <a:lnRef idx="3">
+              <a:schemeClr val="lt1"/>
+            </a:lnRef>
+            <a:fillRef idx="1">
+              <a:schemeClr val="accent4"/>
+            </a:fillRef>
+            <a:effectRef idx="1">
+              <a:schemeClr val="accent4"/>
+            </a:effectRef>
+            <a:fontRef idx="minor">
+              <a:schemeClr val="lt1"/>
+            </a:fontRef>
+          </p:style>
+          <p:txBody>
+            <a:bodyPr rtlCol="0" anchor="ctr"/>
+            <a:lstStyle/>
+            <a:p>
+              <a:pPr algn="ctr"/>
+              <a:r>
+                <a:rPr lang="en-US" sz="1400" dirty="0">
                   <a:latin typeface="Arial" panose="020B0604020202020204" pitchFamily="34" charset="0"/>
                   <a:cs typeface="Arial" panose="020B0604020202020204" pitchFamily="34" charset="0"/>
-                </a:endParaRPr>
-              </a:p>
-            </p:txBody>
-          </p:sp>
-          <p:pic>
-            <p:nvPicPr>
-              <p:cNvPr id="126" name="Graphic 125" descr="Confused face with solid fill">
-                <a:extLst>
-                  <a:ext uri="{FF2B5EF4-FFF2-40B4-BE49-F238E27FC236}">
-                    <a16:creationId xmlns:a16="http://schemas.microsoft.com/office/drawing/2014/main" id="{038333E6-83DF-450D-9012-AA71853E9B44}"/>
-                  </a:ext>
-                </a:extLst>
-              </p:cNvPr>
-              <p:cNvPicPr>
-                <a:picLocks noChangeAspect="1"/>
-              </p:cNvPicPr>
-              <p:nvPr/>
-            </p:nvPicPr>
-            <p:blipFill>
-              <a:blip r:embed="rId8">
-                <a:extLst>
-                  <a:ext uri="{28A0092B-C50C-407E-A947-70E740481C1C}">
-                    <a14:useLocalDpi xmlns:a14="http://schemas.microsoft.com/office/drawing/2010/main" val="0"/>
-                  </a:ext>
-                  <a:ext uri="{96DAC541-7B7A-43D3-8B79-37D633B846F1}">
-                    <asvg:svgBlip xmlns:asvg="http://schemas.microsoft.com/office/drawing/2016/SVG/main" r:embed="rId9"/>
-                  </a:ext>
-                </a:extLst>
-              </a:blip>
-              <a:stretch>
-                <a:fillRect/>
-              </a:stretch>
-            </p:blipFill>
-            <p:spPr>
-              <a:xfrm>
-                <a:off x="9300169" y="2678712"/>
-                <a:ext cx="548640" cy="548640"/>
-              </a:xfrm>
-              <a:prstGeom prst="rect">
-                <a:avLst/>
-              </a:prstGeom>
-            </p:spPr>
-          </p:pic>
-        </p:grpSp>
+                </a:rPr>
+                <a:t>R/W – Action1</a:t>
+              </a:r>
+            </a:p>
+          </p:txBody>
+        </p:sp>
+        <p:sp>
+          <p:nvSpPr>
+            <p:cNvPr id="22" name="Rectangle 21">
+              <a:extLst>
+                <a:ext uri="{FF2B5EF4-FFF2-40B4-BE49-F238E27FC236}">
+                  <a16:creationId xmlns:a16="http://schemas.microsoft.com/office/drawing/2014/main" id="{65BAC654-10CB-485C-BCF4-D9AE0AC2E4C2}"/>
+                </a:ext>
+              </a:extLst>
+            </p:cNvPr>
+            <p:cNvSpPr/>
+            <p:nvPr/>
+          </p:nvSpPr>
+          <p:spPr>
+            <a:xfrm>
+              <a:off x="8560592" y="1523492"/>
+              <a:ext cx="1549021" cy="315038"/>
+            </a:xfrm>
+            <a:prstGeom prst="rect">
+              <a:avLst/>
+            </a:prstGeom>
+            <a:ln>
+              <a:solidFill>
+                <a:schemeClr val="accent4"/>
+              </a:solidFill>
+            </a:ln>
+          </p:spPr>
+          <p:style>
+            <a:lnRef idx="3">
+              <a:schemeClr val="lt1"/>
+            </a:lnRef>
+            <a:fillRef idx="1">
+              <a:schemeClr val="accent4"/>
+            </a:fillRef>
+            <a:effectRef idx="1">
+              <a:schemeClr val="accent4"/>
+            </a:effectRef>
+            <a:fontRef idx="minor">
+              <a:schemeClr val="lt1"/>
+            </a:fontRef>
+          </p:style>
+          <p:txBody>
+            <a:bodyPr rtlCol="0" anchor="ctr"/>
+            <a:lstStyle/>
+            <a:p>
+              <a:pPr algn="ctr"/>
+              <a:r>
+                <a:rPr lang="en-US" sz="1400" dirty="0">
+                  <a:latin typeface="Arial" panose="020B0604020202020204" pitchFamily="34" charset="0"/>
+                  <a:cs typeface="Arial" panose="020B0604020202020204" pitchFamily="34" charset="0"/>
+                </a:rPr>
+                <a:t>R/W – Action2</a:t>
+              </a:r>
+            </a:p>
+          </p:txBody>
+        </p:sp>
+        <p:sp>
+          <p:nvSpPr>
+            <p:cNvPr id="23" name="Rectangle 22">
+              <a:extLst>
+                <a:ext uri="{FF2B5EF4-FFF2-40B4-BE49-F238E27FC236}">
+                  <a16:creationId xmlns:a16="http://schemas.microsoft.com/office/drawing/2014/main" id="{DDA3C757-E1C3-4ADD-BDA9-766F8BE7A0BF}"/>
+                </a:ext>
+              </a:extLst>
+            </p:cNvPr>
+            <p:cNvSpPr/>
+            <p:nvPr/>
+          </p:nvSpPr>
+          <p:spPr>
+            <a:xfrm>
+              <a:off x="8560587" y="1902217"/>
+              <a:ext cx="1549021" cy="315038"/>
+            </a:xfrm>
+            <a:prstGeom prst="rect">
+              <a:avLst/>
+            </a:prstGeom>
+            <a:ln>
+              <a:solidFill>
+                <a:schemeClr val="accent4"/>
+              </a:solidFill>
+            </a:ln>
+          </p:spPr>
+          <p:style>
+            <a:lnRef idx="3">
+              <a:schemeClr val="lt1"/>
+            </a:lnRef>
+            <a:fillRef idx="1">
+              <a:schemeClr val="accent4"/>
+            </a:fillRef>
+            <a:effectRef idx="1">
+              <a:schemeClr val="accent4"/>
+            </a:effectRef>
+            <a:fontRef idx="minor">
+              <a:schemeClr val="lt1"/>
+            </a:fontRef>
+          </p:style>
+          <p:txBody>
+            <a:bodyPr rtlCol="0" anchor="ctr"/>
+            <a:lstStyle/>
+            <a:p>
+              <a:pPr algn="ctr"/>
+              <a:r>
+                <a:rPr lang="en-US" sz="1400" dirty="0">
+                  <a:latin typeface="Arial" panose="020B0604020202020204" pitchFamily="34" charset="0"/>
+                  <a:cs typeface="Arial" panose="020B0604020202020204" pitchFamily="34" charset="0"/>
+                </a:rPr>
+                <a:t>R/W – Action3</a:t>
+              </a:r>
+            </a:p>
+          </p:txBody>
+        </p:sp>
+        <p:sp>
+          <p:nvSpPr>
+            <p:cNvPr id="24" name="Rectangle 23">
+              <a:extLst>
+                <a:ext uri="{FF2B5EF4-FFF2-40B4-BE49-F238E27FC236}">
+                  <a16:creationId xmlns:a16="http://schemas.microsoft.com/office/drawing/2014/main" id="{159EACE2-1C14-48CB-8AA2-E7AC88F25A62}"/>
+                </a:ext>
+              </a:extLst>
+            </p:cNvPr>
+            <p:cNvSpPr/>
+            <p:nvPr/>
+          </p:nvSpPr>
+          <p:spPr>
+            <a:xfrm>
+              <a:off x="8560587" y="2481674"/>
+              <a:ext cx="1549021" cy="315038"/>
+            </a:xfrm>
+            <a:prstGeom prst="rect">
+              <a:avLst/>
+            </a:prstGeom>
+            <a:ln>
+              <a:solidFill>
+                <a:schemeClr val="accent6"/>
+              </a:solidFill>
+            </a:ln>
+          </p:spPr>
+          <p:style>
+            <a:lnRef idx="3">
+              <a:schemeClr val="lt1"/>
+            </a:lnRef>
+            <a:fillRef idx="1">
+              <a:schemeClr val="accent6"/>
+            </a:fillRef>
+            <a:effectRef idx="1">
+              <a:schemeClr val="accent6"/>
+            </a:effectRef>
+            <a:fontRef idx="minor">
+              <a:schemeClr val="lt1"/>
+            </a:fontRef>
+          </p:style>
+          <p:txBody>
+            <a:bodyPr rtlCol="0" anchor="ctr"/>
+            <a:lstStyle/>
+            <a:p>
+              <a:pPr algn="ctr"/>
+              <a:r>
+                <a:rPr lang="en-US" sz="1400" dirty="0">
+                  <a:latin typeface="Arial" panose="020B0604020202020204" pitchFamily="34" charset="0"/>
+                  <a:cs typeface="Arial" panose="020B0604020202020204" pitchFamily="34" charset="0"/>
+                </a:rPr>
+                <a:t>Del – Action1</a:t>
+              </a:r>
+            </a:p>
+          </p:txBody>
+        </p:sp>
+        <p:sp>
+          <p:nvSpPr>
+            <p:cNvPr id="25" name="Rectangle 24">
+              <a:extLst>
+                <a:ext uri="{FF2B5EF4-FFF2-40B4-BE49-F238E27FC236}">
+                  <a16:creationId xmlns:a16="http://schemas.microsoft.com/office/drawing/2014/main" id="{D4B871F8-3D3A-4907-885B-5AACD20C7319}"/>
+                </a:ext>
+              </a:extLst>
+            </p:cNvPr>
+            <p:cNvSpPr/>
+            <p:nvPr/>
+          </p:nvSpPr>
+          <p:spPr>
+            <a:xfrm>
+              <a:off x="8560586" y="2860399"/>
+              <a:ext cx="1549021" cy="315038"/>
+            </a:xfrm>
+            <a:prstGeom prst="rect">
+              <a:avLst/>
+            </a:prstGeom>
+            <a:ln>
+              <a:solidFill>
+                <a:schemeClr val="accent6"/>
+              </a:solidFill>
+            </a:ln>
+          </p:spPr>
+          <p:style>
+            <a:lnRef idx="3">
+              <a:schemeClr val="lt1"/>
+            </a:lnRef>
+            <a:fillRef idx="1">
+              <a:schemeClr val="accent6"/>
+            </a:fillRef>
+            <a:effectRef idx="1">
+              <a:schemeClr val="accent6"/>
+            </a:effectRef>
+            <a:fontRef idx="minor">
+              <a:schemeClr val="lt1"/>
+            </a:fontRef>
+          </p:style>
+          <p:txBody>
+            <a:bodyPr rtlCol="0" anchor="ctr"/>
+            <a:lstStyle/>
+            <a:p>
+              <a:pPr algn="ctr"/>
+              <a:r>
+                <a:rPr lang="en-US" sz="1400" dirty="0">
+                  <a:latin typeface="Arial" panose="020B0604020202020204" pitchFamily="34" charset="0"/>
+                  <a:cs typeface="Arial" panose="020B0604020202020204" pitchFamily="34" charset="0"/>
+                </a:rPr>
+                <a:t>Del – Action2</a:t>
+              </a:r>
+            </a:p>
+          </p:txBody>
+        </p:sp>
+        <p:sp>
+          <p:nvSpPr>
+            <p:cNvPr id="26" name="Rectangle 25">
+              <a:extLst>
+                <a:ext uri="{FF2B5EF4-FFF2-40B4-BE49-F238E27FC236}">
+                  <a16:creationId xmlns:a16="http://schemas.microsoft.com/office/drawing/2014/main" id="{D9975764-B4A4-4A76-B08C-45AD3905DDE6}"/>
+                </a:ext>
+              </a:extLst>
+            </p:cNvPr>
+            <p:cNvSpPr/>
+            <p:nvPr/>
+          </p:nvSpPr>
+          <p:spPr>
+            <a:xfrm>
+              <a:off x="8560581" y="3239124"/>
+              <a:ext cx="1549021" cy="315038"/>
+            </a:xfrm>
+            <a:prstGeom prst="rect">
+              <a:avLst/>
+            </a:prstGeom>
+            <a:gradFill>
+              <a:gsLst>
+                <a:gs pos="0">
+                  <a:schemeClr val="accent6"/>
+                </a:gs>
+                <a:gs pos="61030">
+                  <a:schemeClr val="accent3">
+                    <a:lumMod val="75000"/>
+                  </a:schemeClr>
+                </a:gs>
+                <a:gs pos="46100">
+                  <a:schemeClr val="accent6">
+                    <a:lumMod val="75000"/>
+                  </a:schemeClr>
+                </a:gs>
+                <a:gs pos="100000">
+                  <a:schemeClr val="accent3"/>
+                </a:gs>
+              </a:gsLst>
+              <a:lin ang="5400000" scaled="0"/>
+            </a:gradFill>
+            <a:ln>
+              <a:solidFill>
+                <a:schemeClr val="accent6"/>
+              </a:solidFill>
+            </a:ln>
+          </p:spPr>
+          <p:style>
+            <a:lnRef idx="3">
+              <a:schemeClr val="lt1"/>
+            </a:lnRef>
+            <a:fillRef idx="1">
+              <a:schemeClr val="accent6"/>
+            </a:fillRef>
+            <a:effectRef idx="1">
+              <a:schemeClr val="accent6"/>
+            </a:effectRef>
+            <a:fontRef idx="minor">
+              <a:schemeClr val="lt1"/>
+            </a:fontRef>
+          </p:style>
+          <p:txBody>
+            <a:bodyPr rtlCol="0" anchor="ctr"/>
+            <a:lstStyle/>
+            <a:p>
+              <a:pPr algn="ctr"/>
+              <a:r>
+                <a:rPr lang="en-US" sz="1300" dirty="0">
+                  <a:latin typeface="Arial" panose="020B0604020202020204" pitchFamily="34" charset="0"/>
+                  <a:cs typeface="Arial" panose="020B0604020202020204" pitchFamily="34" charset="0"/>
+                </a:rPr>
+                <a:t>Del/</a:t>
+              </a:r>
+              <a:r>
+                <a:rPr lang="en-US" sz="1300" dirty="0" err="1">
+                  <a:latin typeface="Arial" panose="020B0604020202020204" pitchFamily="34" charset="0"/>
+                  <a:cs typeface="Arial" panose="020B0604020202020204" pitchFamily="34" charset="0"/>
+                </a:rPr>
+                <a:t>Cf</a:t>
+              </a:r>
+              <a:r>
+                <a:rPr lang="en-US" sz="1300" dirty="0">
+                  <a:latin typeface="Arial" panose="020B0604020202020204" pitchFamily="34" charset="0"/>
+                  <a:cs typeface="Arial" panose="020B0604020202020204" pitchFamily="34" charset="0"/>
+                </a:rPr>
+                <a:t> – Action3</a:t>
+              </a:r>
+            </a:p>
+          </p:txBody>
+        </p:sp>
+        <p:sp>
+          <p:nvSpPr>
+            <p:cNvPr id="27" name="Rectangle 26">
+              <a:extLst>
+                <a:ext uri="{FF2B5EF4-FFF2-40B4-BE49-F238E27FC236}">
+                  <a16:creationId xmlns:a16="http://schemas.microsoft.com/office/drawing/2014/main" id="{7AE570ED-FA01-4C49-BDDE-63FADE12AB08}"/>
+                </a:ext>
+              </a:extLst>
+            </p:cNvPr>
+            <p:cNvSpPr/>
+            <p:nvPr/>
+          </p:nvSpPr>
+          <p:spPr>
+            <a:xfrm>
+              <a:off x="8560581" y="3812336"/>
+              <a:ext cx="1549021" cy="315038"/>
+            </a:xfrm>
+            <a:prstGeom prst="rect">
+              <a:avLst/>
+            </a:prstGeom>
+            <a:ln>
+              <a:solidFill>
+                <a:schemeClr val="accent3"/>
+              </a:solidFill>
+            </a:ln>
+          </p:spPr>
+          <p:style>
+            <a:lnRef idx="3">
+              <a:schemeClr val="lt1"/>
+            </a:lnRef>
+            <a:fillRef idx="1">
+              <a:schemeClr val="accent3"/>
+            </a:fillRef>
+            <a:effectRef idx="1">
+              <a:schemeClr val="accent3"/>
+            </a:effectRef>
+            <a:fontRef idx="minor">
+              <a:schemeClr val="lt1"/>
+            </a:fontRef>
+          </p:style>
+          <p:txBody>
+            <a:bodyPr rtlCol="0" anchor="ctr"/>
+            <a:lstStyle/>
+            <a:p>
+              <a:pPr algn="ctr"/>
+              <a:r>
+                <a:rPr lang="en-US" sz="1400" dirty="0">
+                  <a:latin typeface="Arial" panose="020B0604020202020204" pitchFamily="34" charset="0"/>
+                  <a:cs typeface="Arial" panose="020B0604020202020204" pitchFamily="34" charset="0"/>
+                </a:rPr>
+                <a:t>Config – Action1</a:t>
+              </a:r>
+            </a:p>
+          </p:txBody>
+        </p:sp>
+        <p:sp>
+          <p:nvSpPr>
+            <p:cNvPr id="28" name="Rectangle 27">
+              <a:extLst>
+                <a:ext uri="{FF2B5EF4-FFF2-40B4-BE49-F238E27FC236}">
+                  <a16:creationId xmlns:a16="http://schemas.microsoft.com/office/drawing/2014/main" id="{13948DAF-3904-4E1B-BD61-C63F6F1348C6}"/>
+                </a:ext>
+              </a:extLst>
+            </p:cNvPr>
+            <p:cNvSpPr/>
+            <p:nvPr/>
+          </p:nvSpPr>
+          <p:spPr>
+            <a:xfrm>
+              <a:off x="8560580" y="4191061"/>
+              <a:ext cx="1549021" cy="315038"/>
+            </a:xfrm>
+            <a:prstGeom prst="rect">
+              <a:avLst/>
+            </a:prstGeom>
+            <a:ln>
+              <a:solidFill>
+                <a:schemeClr val="accent3"/>
+              </a:solidFill>
+            </a:ln>
+          </p:spPr>
+          <p:style>
+            <a:lnRef idx="3">
+              <a:schemeClr val="lt1"/>
+            </a:lnRef>
+            <a:fillRef idx="1">
+              <a:schemeClr val="accent3"/>
+            </a:fillRef>
+            <a:effectRef idx="1">
+              <a:schemeClr val="accent3"/>
+            </a:effectRef>
+            <a:fontRef idx="minor">
+              <a:schemeClr val="lt1"/>
+            </a:fontRef>
+          </p:style>
+          <p:txBody>
+            <a:bodyPr rtlCol="0" anchor="ctr"/>
+            <a:lstStyle/>
+            <a:p>
+              <a:pPr algn="ctr"/>
+              <a:r>
+                <a:rPr lang="en-US" sz="1400" dirty="0">
+                  <a:latin typeface="Arial" panose="020B0604020202020204" pitchFamily="34" charset="0"/>
+                  <a:cs typeface="Arial" panose="020B0604020202020204" pitchFamily="34" charset="0"/>
+                </a:rPr>
+                <a:t>Config – Action2</a:t>
+              </a:r>
+            </a:p>
+          </p:txBody>
+        </p:sp>
+        <p:sp>
+          <p:nvSpPr>
+            <p:cNvPr id="29" name="Rectangle 28">
+              <a:extLst>
+                <a:ext uri="{FF2B5EF4-FFF2-40B4-BE49-F238E27FC236}">
+                  <a16:creationId xmlns:a16="http://schemas.microsoft.com/office/drawing/2014/main" id="{57AD7969-177F-4291-AD82-76D465687A01}"/>
+                </a:ext>
+              </a:extLst>
+            </p:cNvPr>
+            <p:cNvSpPr/>
+            <p:nvPr/>
+          </p:nvSpPr>
+          <p:spPr>
+            <a:xfrm>
+              <a:off x="8560575" y="4569786"/>
+              <a:ext cx="1549021" cy="315038"/>
+            </a:xfrm>
+            <a:prstGeom prst="rect">
+              <a:avLst/>
+            </a:prstGeom>
+            <a:ln>
+              <a:solidFill>
+                <a:schemeClr val="accent3"/>
+              </a:solidFill>
+            </a:ln>
+          </p:spPr>
+          <p:style>
+            <a:lnRef idx="3">
+              <a:schemeClr val="lt1"/>
+            </a:lnRef>
+            <a:fillRef idx="1">
+              <a:schemeClr val="accent3"/>
+            </a:fillRef>
+            <a:effectRef idx="1">
+              <a:schemeClr val="accent3"/>
+            </a:effectRef>
+            <a:fontRef idx="minor">
+              <a:schemeClr val="lt1"/>
+            </a:fontRef>
+          </p:style>
+          <p:txBody>
+            <a:bodyPr rtlCol="0" anchor="ctr"/>
+            <a:lstStyle/>
+            <a:p>
+              <a:pPr algn="ctr"/>
+              <a:r>
+                <a:rPr lang="en-US" sz="1400" dirty="0">
+                  <a:latin typeface="Arial" panose="020B0604020202020204" pitchFamily="34" charset="0"/>
+                  <a:cs typeface="Arial" panose="020B0604020202020204" pitchFamily="34" charset="0"/>
+                </a:rPr>
+                <a:t>Config – Action3</a:t>
+              </a:r>
+            </a:p>
+          </p:txBody>
+        </p:sp>
+        <p:cxnSp>
+          <p:nvCxnSpPr>
+            <p:cNvPr id="35" name="Straight Arrow Connector 34">
+              <a:extLst>
+                <a:ext uri="{FF2B5EF4-FFF2-40B4-BE49-F238E27FC236}">
+                  <a16:creationId xmlns:a16="http://schemas.microsoft.com/office/drawing/2014/main" id="{DAE919B9-AD99-45B4-90C1-C81B467D2420}"/>
+                </a:ext>
+              </a:extLst>
+            </p:cNvPr>
+            <p:cNvCxnSpPr>
+              <a:cxnSpLocks/>
+              <a:stCxn id="8" idx="3"/>
+              <a:endCxn id="11" idx="1"/>
+            </p:cNvCxnSpPr>
+            <p:nvPr/>
+          </p:nvCxnSpPr>
+          <p:spPr>
+            <a:xfrm>
+              <a:off x="4898444" y="1555066"/>
+              <a:ext cx="1071012" cy="349926"/>
+            </a:xfrm>
+            <a:prstGeom prst="straightConnector1">
+              <a:avLst/>
+            </a:prstGeom>
+            <a:ln w="25400">
+              <a:solidFill>
+                <a:schemeClr val="tx1"/>
+              </a:solidFill>
+              <a:tailEnd type="triangle"/>
+            </a:ln>
+          </p:spPr>
+          <p:style>
+            <a:lnRef idx="1">
+              <a:schemeClr val="accent1"/>
+            </a:lnRef>
+            <a:fillRef idx="0">
+              <a:schemeClr val="accent1"/>
+            </a:fillRef>
+            <a:effectRef idx="0">
+              <a:schemeClr val="accent1"/>
+            </a:effectRef>
+            <a:fontRef idx="minor">
+              <a:schemeClr val="tx1"/>
+            </a:fontRef>
+          </p:style>
+        </p:cxnSp>
+        <p:cxnSp>
+          <p:nvCxnSpPr>
+            <p:cNvPr id="38" name="Straight Arrow Connector 37">
+              <a:extLst>
+                <a:ext uri="{FF2B5EF4-FFF2-40B4-BE49-F238E27FC236}">
+                  <a16:creationId xmlns:a16="http://schemas.microsoft.com/office/drawing/2014/main" id="{8DF5BB08-5A83-4D3C-9E23-AC0D0C222DF4}"/>
+                </a:ext>
+              </a:extLst>
+            </p:cNvPr>
+            <p:cNvCxnSpPr>
+              <a:cxnSpLocks/>
+              <a:stCxn id="11" idx="3"/>
+              <a:endCxn id="21" idx="1"/>
+            </p:cNvCxnSpPr>
+            <p:nvPr/>
+          </p:nvCxnSpPr>
+          <p:spPr>
+            <a:xfrm flipV="1">
+              <a:off x="7518477" y="1302286"/>
+              <a:ext cx="1042116" cy="602706"/>
+            </a:xfrm>
+            <a:prstGeom prst="straightConnector1">
+              <a:avLst/>
+            </a:prstGeom>
+            <a:ln w="25400">
+              <a:tailEnd type="triangle"/>
+            </a:ln>
+          </p:spPr>
+          <p:style>
+            <a:lnRef idx="1">
+              <a:schemeClr val="accent4"/>
+            </a:lnRef>
+            <a:fillRef idx="2">
+              <a:schemeClr val="accent4"/>
+            </a:fillRef>
+            <a:effectRef idx="1">
+              <a:schemeClr val="accent4"/>
+            </a:effectRef>
+            <a:fontRef idx="minor">
+              <a:schemeClr val="dk1"/>
+            </a:fontRef>
+          </p:style>
+        </p:cxnSp>
+        <p:cxnSp>
+          <p:nvCxnSpPr>
+            <p:cNvPr id="40" name="Straight Arrow Connector 39">
+              <a:extLst>
+                <a:ext uri="{FF2B5EF4-FFF2-40B4-BE49-F238E27FC236}">
+                  <a16:creationId xmlns:a16="http://schemas.microsoft.com/office/drawing/2014/main" id="{CD2DED33-A739-4169-813C-6DA24D610AED}"/>
+                </a:ext>
+              </a:extLst>
+            </p:cNvPr>
+            <p:cNvCxnSpPr>
+              <a:cxnSpLocks/>
+              <a:stCxn id="11" idx="3"/>
+              <a:endCxn id="22" idx="1"/>
+            </p:cNvCxnSpPr>
+            <p:nvPr/>
+          </p:nvCxnSpPr>
+          <p:spPr>
+            <a:xfrm flipV="1">
+              <a:off x="7518477" y="1681011"/>
+              <a:ext cx="1042115" cy="223981"/>
+            </a:xfrm>
+            <a:prstGeom prst="straightConnector1">
+              <a:avLst/>
+            </a:prstGeom>
+            <a:ln w="25400">
+              <a:tailEnd type="triangle"/>
+            </a:ln>
+          </p:spPr>
+          <p:style>
+            <a:lnRef idx="1">
+              <a:schemeClr val="accent4"/>
+            </a:lnRef>
+            <a:fillRef idx="2">
+              <a:schemeClr val="accent4"/>
+            </a:fillRef>
+            <a:effectRef idx="1">
+              <a:schemeClr val="accent4"/>
+            </a:effectRef>
+            <a:fontRef idx="minor">
+              <a:schemeClr val="dk1"/>
+            </a:fontRef>
+          </p:style>
+        </p:cxnSp>
+        <p:cxnSp>
+          <p:nvCxnSpPr>
+            <p:cNvPr id="42" name="Straight Arrow Connector 41">
+              <a:extLst>
+                <a:ext uri="{FF2B5EF4-FFF2-40B4-BE49-F238E27FC236}">
+                  <a16:creationId xmlns:a16="http://schemas.microsoft.com/office/drawing/2014/main" id="{22FD4ED9-DBBF-4896-93FE-85393A983E6D}"/>
+                </a:ext>
+              </a:extLst>
+            </p:cNvPr>
+            <p:cNvCxnSpPr>
+              <a:cxnSpLocks/>
+              <a:stCxn id="11" idx="3"/>
+              <a:endCxn id="23" idx="1"/>
+            </p:cNvCxnSpPr>
+            <p:nvPr/>
+          </p:nvCxnSpPr>
+          <p:spPr>
+            <a:xfrm>
+              <a:off x="7518477" y="1904992"/>
+              <a:ext cx="1042110" cy="154744"/>
+            </a:xfrm>
+            <a:prstGeom prst="straightConnector1">
+              <a:avLst/>
+            </a:prstGeom>
+            <a:ln w="25400">
+              <a:tailEnd type="triangle"/>
+            </a:ln>
+          </p:spPr>
+          <p:style>
+            <a:lnRef idx="1">
+              <a:schemeClr val="accent4"/>
+            </a:lnRef>
+            <a:fillRef idx="2">
+              <a:schemeClr val="accent4"/>
+            </a:fillRef>
+            <a:effectRef idx="1">
+              <a:schemeClr val="accent4"/>
+            </a:effectRef>
+            <a:fontRef idx="minor">
+              <a:schemeClr val="dk1"/>
+            </a:fontRef>
+          </p:style>
+        </p:cxnSp>
+        <p:cxnSp>
+          <p:nvCxnSpPr>
+            <p:cNvPr id="44" name="Straight Arrow Connector 43">
+              <a:extLst>
+                <a:ext uri="{FF2B5EF4-FFF2-40B4-BE49-F238E27FC236}">
+                  <a16:creationId xmlns:a16="http://schemas.microsoft.com/office/drawing/2014/main" id="{EFB98159-01CB-4990-8A2B-3EBC1FAA86AF}"/>
+                </a:ext>
+              </a:extLst>
+            </p:cNvPr>
+            <p:cNvCxnSpPr>
+              <a:stCxn id="12" idx="3"/>
+              <a:endCxn id="24" idx="1"/>
+            </p:cNvCxnSpPr>
+            <p:nvPr/>
+          </p:nvCxnSpPr>
+          <p:spPr>
+            <a:xfrm>
+              <a:off x="7518477" y="2303051"/>
+              <a:ext cx="1042110" cy="336142"/>
+            </a:xfrm>
+            <a:prstGeom prst="straightConnector1">
+              <a:avLst/>
+            </a:prstGeom>
+            <a:ln w="25400">
+              <a:tailEnd type="triangle"/>
+            </a:ln>
+          </p:spPr>
+          <p:style>
+            <a:lnRef idx="1">
+              <a:schemeClr val="accent6"/>
+            </a:lnRef>
+            <a:fillRef idx="2">
+              <a:schemeClr val="accent6"/>
+            </a:fillRef>
+            <a:effectRef idx="1">
+              <a:schemeClr val="accent6"/>
+            </a:effectRef>
+            <a:fontRef idx="minor">
+              <a:schemeClr val="dk1"/>
+            </a:fontRef>
+          </p:style>
+        </p:cxnSp>
+        <p:cxnSp>
+          <p:nvCxnSpPr>
+            <p:cNvPr id="46" name="Straight Arrow Connector 45">
+              <a:extLst>
+                <a:ext uri="{FF2B5EF4-FFF2-40B4-BE49-F238E27FC236}">
+                  <a16:creationId xmlns:a16="http://schemas.microsoft.com/office/drawing/2014/main" id="{80FA21E1-70C8-45B1-90F3-E4FA9E04E462}"/>
+                </a:ext>
+              </a:extLst>
+            </p:cNvPr>
+            <p:cNvCxnSpPr>
+              <a:stCxn id="12" idx="3"/>
+              <a:endCxn id="25" idx="1"/>
+            </p:cNvCxnSpPr>
+            <p:nvPr/>
+          </p:nvCxnSpPr>
+          <p:spPr>
+            <a:xfrm>
+              <a:off x="7518477" y="2303051"/>
+              <a:ext cx="1042109" cy="714867"/>
+            </a:xfrm>
+            <a:prstGeom prst="straightConnector1">
+              <a:avLst/>
+            </a:prstGeom>
+            <a:ln w="25400">
+              <a:tailEnd type="triangle"/>
+            </a:ln>
+          </p:spPr>
+          <p:style>
+            <a:lnRef idx="1">
+              <a:schemeClr val="accent6"/>
+            </a:lnRef>
+            <a:fillRef idx="2">
+              <a:schemeClr val="accent6"/>
+            </a:fillRef>
+            <a:effectRef idx="1">
+              <a:schemeClr val="accent6"/>
+            </a:effectRef>
+            <a:fontRef idx="minor">
+              <a:schemeClr val="dk1"/>
+            </a:fontRef>
+          </p:style>
+        </p:cxnSp>
+        <p:cxnSp>
+          <p:nvCxnSpPr>
+            <p:cNvPr id="48" name="Straight Arrow Connector 47">
+              <a:extLst>
+                <a:ext uri="{FF2B5EF4-FFF2-40B4-BE49-F238E27FC236}">
+                  <a16:creationId xmlns:a16="http://schemas.microsoft.com/office/drawing/2014/main" id="{D5A67DD2-050D-483A-82E7-D3E556505BCD}"/>
+                </a:ext>
+              </a:extLst>
+            </p:cNvPr>
+            <p:cNvCxnSpPr>
+              <a:stCxn id="12" idx="3"/>
+              <a:endCxn id="26" idx="1"/>
+            </p:cNvCxnSpPr>
+            <p:nvPr/>
+          </p:nvCxnSpPr>
+          <p:spPr>
+            <a:xfrm>
+              <a:off x="7518477" y="2303051"/>
+              <a:ext cx="1042104" cy="1093592"/>
+            </a:xfrm>
+            <a:prstGeom prst="straightConnector1">
+              <a:avLst/>
+            </a:prstGeom>
+            <a:ln w="25400">
+              <a:tailEnd type="triangle"/>
+            </a:ln>
+          </p:spPr>
+          <p:style>
+            <a:lnRef idx="1">
+              <a:schemeClr val="accent6"/>
+            </a:lnRef>
+            <a:fillRef idx="2">
+              <a:schemeClr val="accent6"/>
+            </a:fillRef>
+            <a:effectRef idx="1">
+              <a:schemeClr val="accent6"/>
+            </a:effectRef>
+            <a:fontRef idx="minor">
+              <a:schemeClr val="dk1"/>
+            </a:fontRef>
+          </p:style>
+        </p:cxnSp>
+        <p:cxnSp>
+          <p:nvCxnSpPr>
+            <p:cNvPr id="50" name="Straight Arrow Connector 49">
+              <a:extLst>
+                <a:ext uri="{FF2B5EF4-FFF2-40B4-BE49-F238E27FC236}">
+                  <a16:creationId xmlns:a16="http://schemas.microsoft.com/office/drawing/2014/main" id="{FCA93CD8-5F58-4724-A18F-6D7098CA68CE}"/>
+                </a:ext>
+              </a:extLst>
+            </p:cNvPr>
+            <p:cNvCxnSpPr>
+              <a:stCxn id="13" idx="3"/>
+              <a:endCxn id="26" idx="1"/>
+            </p:cNvCxnSpPr>
+            <p:nvPr/>
+          </p:nvCxnSpPr>
+          <p:spPr>
+            <a:xfrm>
+              <a:off x="7518476" y="2701110"/>
+              <a:ext cx="1042105" cy="695533"/>
+            </a:xfrm>
+            <a:prstGeom prst="straightConnector1">
+              <a:avLst/>
+            </a:prstGeom>
+            <a:ln w="25400">
+              <a:tailEnd type="triangle"/>
+            </a:ln>
+          </p:spPr>
+          <p:style>
+            <a:lnRef idx="1">
+              <a:schemeClr val="accent3"/>
+            </a:lnRef>
+            <a:fillRef idx="2">
+              <a:schemeClr val="accent3"/>
+            </a:fillRef>
+            <a:effectRef idx="1">
+              <a:schemeClr val="accent3"/>
+            </a:effectRef>
+            <a:fontRef idx="minor">
+              <a:schemeClr val="dk1"/>
+            </a:fontRef>
+          </p:style>
+        </p:cxnSp>
+        <p:cxnSp>
+          <p:nvCxnSpPr>
+            <p:cNvPr id="52" name="Straight Arrow Connector 51">
+              <a:extLst>
+                <a:ext uri="{FF2B5EF4-FFF2-40B4-BE49-F238E27FC236}">
+                  <a16:creationId xmlns:a16="http://schemas.microsoft.com/office/drawing/2014/main" id="{0962EEAA-CD3B-4A42-BE5D-B62434ADDCFE}"/>
+                </a:ext>
+              </a:extLst>
+            </p:cNvPr>
+            <p:cNvCxnSpPr>
+              <a:stCxn id="13" idx="3"/>
+              <a:endCxn id="27" idx="1"/>
+            </p:cNvCxnSpPr>
+            <p:nvPr/>
+          </p:nvCxnSpPr>
+          <p:spPr>
+            <a:xfrm>
+              <a:off x="7518476" y="2701110"/>
+              <a:ext cx="1042105" cy="1268745"/>
+            </a:xfrm>
+            <a:prstGeom prst="straightConnector1">
+              <a:avLst/>
+            </a:prstGeom>
+            <a:ln w="25400">
+              <a:tailEnd type="triangle"/>
+            </a:ln>
+          </p:spPr>
+          <p:style>
+            <a:lnRef idx="1">
+              <a:schemeClr val="accent3"/>
+            </a:lnRef>
+            <a:fillRef idx="2">
+              <a:schemeClr val="accent3"/>
+            </a:fillRef>
+            <a:effectRef idx="1">
+              <a:schemeClr val="accent3"/>
+            </a:effectRef>
+            <a:fontRef idx="minor">
+              <a:schemeClr val="dk1"/>
+            </a:fontRef>
+          </p:style>
+        </p:cxnSp>
+        <p:cxnSp>
+          <p:nvCxnSpPr>
+            <p:cNvPr id="54" name="Straight Arrow Connector 53">
+              <a:extLst>
+                <a:ext uri="{FF2B5EF4-FFF2-40B4-BE49-F238E27FC236}">
+                  <a16:creationId xmlns:a16="http://schemas.microsoft.com/office/drawing/2014/main" id="{CFE3602B-1AD3-4CAA-918C-D0D3FA351E0D}"/>
+                </a:ext>
+              </a:extLst>
+            </p:cNvPr>
+            <p:cNvCxnSpPr>
+              <a:stCxn id="13" idx="3"/>
+              <a:endCxn id="28" idx="1"/>
+            </p:cNvCxnSpPr>
+            <p:nvPr/>
+          </p:nvCxnSpPr>
+          <p:spPr>
+            <a:xfrm>
+              <a:off x="7518476" y="2701110"/>
+              <a:ext cx="1042104" cy="1647470"/>
+            </a:xfrm>
+            <a:prstGeom prst="straightConnector1">
+              <a:avLst/>
+            </a:prstGeom>
+            <a:ln w="25400">
+              <a:tailEnd type="triangle"/>
+            </a:ln>
+          </p:spPr>
+          <p:style>
+            <a:lnRef idx="1">
+              <a:schemeClr val="accent3"/>
+            </a:lnRef>
+            <a:fillRef idx="2">
+              <a:schemeClr val="accent3"/>
+            </a:fillRef>
+            <a:effectRef idx="1">
+              <a:schemeClr val="accent3"/>
+            </a:effectRef>
+            <a:fontRef idx="minor">
+              <a:schemeClr val="dk1"/>
+            </a:fontRef>
+          </p:style>
+        </p:cxnSp>
+        <p:cxnSp>
+          <p:nvCxnSpPr>
+            <p:cNvPr id="56" name="Straight Arrow Connector 55">
+              <a:extLst>
+                <a:ext uri="{FF2B5EF4-FFF2-40B4-BE49-F238E27FC236}">
+                  <a16:creationId xmlns:a16="http://schemas.microsoft.com/office/drawing/2014/main" id="{4A9F5487-F17F-4282-AA3F-97C3AE8CECAF}"/>
+                </a:ext>
+              </a:extLst>
+            </p:cNvPr>
+            <p:cNvCxnSpPr>
+              <a:stCxn id="13" idx="3"/>
+              <a:endCxn id="29" idx="1"/>
+            </p:cNvCxnSpPr>
+            <p:nvPr/>
+          </p:nvCxnSpPr>
+          <p:spPr>
+            <a:xfrm>
+              <a:off x="7518476" y="2701110"/>
+              <a:ext cx="1042099" cy="2026195"/>
+            </a:xfrm>
+            <a:prstGeom prst="straightConnector1">
+              <a:avLst/>
+            </a:prstGeom>
+            <a:ln w="25400">
+              <a:tailEnd type="triangle"/>
+            </a:ln>
+          </p:spPr>
+          <p:style>
+            <a:lnRef idx="1">
+              <a:schemeClr val="accent3"/>
+            </a:lnRef>
+            <a:fillRef idx="2">
+              <a:schemeClr val="accent3"/>
+            </a:fillRef>
+            <a:effectRef idx="1">
+              <a:schemeClr val="accent3"/>
+            </a:effectRef>
+            <a:fontRef idx="minor">
+              <a:schemeClr val="dk1"/>
+            </a:fontRef>
+          </p:style>
+        </p:cxnSp>
+        <p:cxnSp>
+          <p:nvCxnSpPr>
+            <p:cNvPr id="58" name="Straight Arrow Connector 57">
+              <a:extLst>
+                <a:ext uri="{FF2B5EF4-FFF2-40B4-BE49-F238E27FC236}">
+                  <a16:creationId xmlns:a16="http://schemas.microsoft.com/office/drawing/2014/main" id="{578F89FF-0DA8-4C89-924C-FAA29E02E75A}"/>
+                </a:ext>
+              </a:extLst>
+            </p:cNvPr>
+            <p:cNvCxnSpPr>
+              <a:cxnSpLocks/>
+              <a:stCxn id="9" idx="3"/>
+              <a:endCxn id="11" idx="1"/>
+            </p:cNvCxnSpPr>
+            <p:nvPr/>
+          </p:nvCxnSpPr>
+          <p:spPr>
+            <a:xfrm flipV="1">
+              <a:off x="4898447" y="1904992"/>
+              <a:ext cx="1071009" cy="512156"/>
+            </a:xfrm>
+            <a:prstGeom prst="straightConnector1">
+              <a:avLst/>
+            </a:prstGeom>
+            <a:ln w="25400">
+              <a:solidFill>
+                <a:schemeClr val="tx1"/>
+              </a:solidFill>
+              <a:tailEnd type="triangle"/>
+            </a:ln>
+          </p:spPr>
+          <p:style>
+            <a:lnRef idx="1">
+              <a:schemeClr val="accent1"/>
+            </a:lnRef>
+            <a:fillRef idx="0">
+              <a:schemeClr val="accent1"/>
+            </a:fillRef>
+            <a:effectRef idx="0">
+              <a:schemeClr val="accent1"/>
+            </a:effectRef>
+            <a:fontRef idx="minor">
+              <a:schemeClr val="tx1"/>
+            </a:fontRef>
+          </p:style>
+        </p:cxnSp>
+        <p:cxnSp>
+          <p:nvCxnSpPr>
+            <p:cNvPr id="60" name="Straight Arrow Connector 59">
+              <a:extLst>
+                <a:ext uri="{FF2B5EF4-FFF2-40B4-BE49-F238E27FC236}">
+                  <a16:creationId xmlns:a16="http://schemas.microsoft.com/office/drawing/2014/main" id="{77775909-2D3A-4F35-8387-B2827ED14CE1}"/>
+                </a:ext>
+              </a:extLst>
+            </p:cNvPr>
+            <p:cNvCxnSpPr>
+              <a:cxnSpLocks/>
+              <a:stCxn id="9" idx="3"/>
+              <a:endCxn id="12" idx="1"/>
+            </p:cNvCxnSpPr>
+            <p:nvPr/>
+          </p:nvCxnSpPr>
+          <p:spPr>
+            <a:xfrm flipV="1">
+              <a:off x="4898447" y="2303051"/>
+              <a:ext cx="1071009" cy="114097"/>
+            </a:xfrm>
+            <a:prstGeom prst="straightConnector1">
+              <a:avLst/>
+            </a:prstGeom>
+            <a:ln w="25400">
+              <a:solidFill>
+                <a:schemeClr val="tx1"/>
+              </a:solidFill>
+              <a:tailEnd type="triangle"/>
+            </a:ln>
+          </p:spPr>
+          <p:style>
+            <a:lnRef idx="1">
+              <a:schemeClr val="accent1"/>
+            </a:lnRef>
+            <a:fillRef idx="0">
+              <a:schemeClr val="accent1"/>
+            </a:fillRef>
+            <a:effectRef idx="0">
+              <a:schemeClr val="accent1"/>
+            </a:effectRef>
+            <a:fontRef idx="minor">
+              <a:schemeClr val="tx1"/>
+            </a:fontRef>
+          </p:style>
+        </p:cxnSp>
+        <p:cxnSp>
+          <p:nvCxnSpPr>
+            <p:cNvPr id="62" name="Straight Arrow Connector 61">
+              <a:extLst>
+                <a:ext uri="{FF2B5EF4-FFF2-40B4-BE49-F238E27FC236}">
+                  <a16:creationId xmlns:a16="http://schemas.microsoft.com/office/drawing/2014/main" id="{A1FC3D6E-4305-4F18-AC25-6C0442110681}"/>
+                </a:ext>
+              </a:extLst>
+            </p:cNvPr>
+            <p:cNvCxnSpPr>
+              <a:cxnSpLocks/>
+              <a:stCxn id="10" idx="3"/>
+              <a:endCxn id="13" idx="1"/>
+            </p:cNvCxnSpPr>
+            <p:nvPr/>
+          </p:nvCxnSpPr>
+          <p:spPr>
+            <a:xfrm flipV="1">
+              <a:off x="4898448" y="2701110"/>
+              <a:ext cx="1071007" cy="603930"/>
+            </a:xfrm>
+            <a:prstGeom prst="straightConnector1">
+              <a:avLst/>
+            </a:prstGeom>
+            <a:ln w="25400">
+              <a:solidFill>
+                <a:schemeClr val="tx1"/>
+              </a:solidFill>
+              <a:tailEnd type="triangle"/>
+            </a:ln>
+          </p:spPr>
+          <p:style>
+            <a:lnRef idx="1">
+              <a:schemeClr val="accent1"/>
+            </a:lnRef>
+            <a:fillRef idx="0">
+              <a:schemeClr val="accent1"/>
+            </a:fillRef>
+            <a:effectRef idx="0">
+              <a:schemeClr val="accent1"/>
+            </a:effectRef>
+            <a:fontRef idx="minor">
+              <a:schemeClr val="tx1"/>
+            </a:fontRef>
+          </p:style>
+        </p:cxnSp>
+        <p:sp>
+          <p:nvSpPr>
+            <p:cNvPr id="11" name="Rectangle 10">
+              <a:extLst>
+                <a:ext uri="{FF2B5EF4-FFF2-40B4-BE49-F238E27FC236}">
+                  <a16:creationId xmlns:a16="http://schemas.microsoft.com/office/drawing/2014/main" id="{C774E733-AE00-437B-A232-3C5332AD1E42}"/>
+                </a:ext>
+              </a:extLst>
+            </p:cNvPr>
+            <p:cNvSpPr/>
+            <p:nvPr/>
+          </p:nvSpPr>
+          <p:spPr>
+            <a:xfrm>
+              <a:off x="5969456" y="1747473"/>
+              <a:ext cx="1549021" cy="315037"/>
+            </a:xfrm>
+            <a:prstGeom prst="rect">
+              <a:avLst/>
+            </a:prstGeom>
+            <a:ln>
+              <a:solidFill>
+                <a:schemeClr val="accent4"/>
+              </a:solidFill>
+            </a:ln>
+          </p:spPr>
+          <p:style>
+            <a:lnRef idx="3">
+              <a:schemeClr val="lt1"/>
+            </a:lnRef>
+            <a:fillRef idx="1">
+              <a:schemeClr val="accent4"/>
+            </a:fillRef>
+            <a:effectRef idx="1">
+              <a:schemeClr val="accent4"/>
+            </a:effectRef>
+            <a:fontRef idx="minor">
+              <a:schemeClr val="lt1"/>
+            </a:fontRef>
+          </p:style>
+          <p:txBody>
+            <a:bodyPr rtlCol="0" anchor="ctr"/>
+            <a:lstStyle/>
+            <a:p>
+              <a:pPr algn="ctr"/>
+              <a:r>
+                <a:rPr lang="en-US" dirty="0">
+                  <a:latin typeface="Arial" panose="020B0604020202020204" pitchFamily="34" charset="0"/>
+                  <a:cs typeface="Arial" panose="020B0604020202020204" pitchFamily="34" charset="0"/>
+                </a:rPr>
+                <a:t>Read/Write</a:t>
+              </a:r>
+              <a:endParaRPr lang="en-US" sz="2000" dirty="0">
+                <a:latin typeface="Arial" panose="020B0604020202020204" pitchFamily="34" charset="0"/>
+                <a:cs typeface="Arial" panose="020B0604020202020204" pitchFamily="34" charset="0"/>
+              </a:endParaRPr>
+            </a:p>
+          </p:txBody>
+        </p:sp>
+        <p:sp>
+          <p:nvSpPr>
+            <p:cNvPr id="12" name="Rectangle 11">
+              <a:extLst>
+                <a:ext uri="{FF2B5EF4-FFF2-40B4-BE49-F238E27FC236}">
+                  <a16:creationId xmlns:a16="http://schemas.microsoft.com/office/drawing/2014/main" id="{BDF20C38-AF08-4832-A524-BD113AE949D7}"/>
+                </a:ext>
+              </a:extLst>
+            </p:cNvPr>
+            <p:cNvSpPr/>
+            <p:nvPr/>
+          </p:nvSpPr>
+          <p:spPr>
+            <a:xfrm>
+              <a:off x="5969456" y="2145532"/>
+              <a:ext cx="1549021" cy="315037"/>
+            </a:xfrm>
+            <a:prstGeom prst="rect">
+              <a:avLst/>
+            </a:prstGeom>
+            <a:ln>
+              <a:solidFill>
+                <a:schemeClr val="accent6"/>
+              </a:solidFill>
+            </a:ln>
+          </p:spPr>
+          <p:style>
+            <a:lnRef idx="3">
+              <a:schemeClr val="lt1"/>
+            </a:lnRef>
+            <a:fillRef idx="1">
+              <a:schemeClr val="accent6"/>
+            </a:fillRef>
+            <a:effectRef idx="1">
+              <a:schemeClr val="accent6"/>
+            </a:effectRef>
+            <a:fontRef idx="minor">
+              <a:schemeClr val="lt1"/>
+            </a:fontRef>
+          </p:style>
+          <p:txBody>
+            <a:bodyPr rtlCol="0" anchor="ctr"/>
+            <a:lstStyle/>
+            <a:p>
+              <a:pPr algn="ctr"/>
+              <a:r>
+                <a:rPr lang="en-US" dirty="0">
+                  <a:latin typeface="Arial" panose="020B0604020202020204" pitchFamily="34" charset="0"/>
+                  <a:cs typeface="Arial" panose="020B0604020202020204" pitchFamily="34" charset="0"/>
+                </a:rPr>
+                <a:t>Delete</a:t>
+              </a:r>
+            </a:p>
+          </p:txBody>
+        </p:sp>
+        <p:sp>
+          <p:nvSpPr>
+            <p:cNvPr id="13" name="Rectangle 12">
+              <a:extLst>
+                <a:ext uri="{FF2B5EF4-FFF2-40B4-BE49-F238E27FC236}">
+                  <a16:creationId xmlns:a16="http://schemas.microsoft.com/office/drawing/2014/main" id="{72713122-6C70-4EB5-BCBB-9E79D1FA751E}"/>
+                </a:ext>
+              </a:extLst>
+            </p:cNvPr>
+            <p:cNvSpPr/>
+            <p:nvPr/>
+          </p:nvSpPr>
+          <p:spPr>
+            <a:xfrm>
+              <a:off x="5969455" y="2543591"/>
+              <a:ext cx="1549021" cy="315037"/>
+            </a:xfrm>
+            <a:prstGeom prst="rect">
+              <a:avLst/>
+            </a:prstGeom>
+            <a:ln>
+              <a:solidFill>
+                <a:schemeClr val="accent3"/>
+              </a:solidFill>
+            </a:ln>
+          </p:spPr>
+          <p:style>
+            <a:lnRef idx="3">
+              <a:schemeClr val="lt1"/>
+            </a:lnRef>
+            <a:fillRef idx="1">
+              <a:schemeClr val="accent3"/>
+            </a:fillRef>
+            <a:effectRef idx="1">
+              <a:schemeClr val="accent3"/>
+            </a:effectRef>
+            <a:fontRef idx="minor">
+              <a:schemeClr val="lt1"/>
+            </a:fontRef>
+          </p:style>
+          <p:txBody>
+            <a:bodyPr rtlCol="0" anchor="ctr"/>
+            <a:lstStyle/>
+            <a:p>
+              <a:pPr algn="ctr"/>
+              <a:r>
+                <a:rPr lang="en-US" dirty="0">
+                  <a:latin typeface="Arial" panose="020B0604020202020204" pitchFamily="34" charset="0"/>
+                  <a:cs typeface="Arial" panose="020B0604020202020204" pitchFamily="34" charset="0"/>
+                </a:rPr>
+                <a:t>Configure</a:t>
+              </a:r>
+              <a:endParaRPr lang="en-US" sz="1400" dirty="0">
+                <a:latin typeface="Arial" panose="020B0604020202020204" pitchFamily="34" charset="0"/>
+                <a:cs typeface="Arial" panose="020B0604020202020204" pitchFamily="34" charset="0"/>
+              </a:endParaRPr>
+            </a:p>
+          </p:txBody>
+        </p:sp>
+        <p:sp>
+          <p:nvSpPr>
+            <p:cNvPr id="64" name="Rectangle 63">
+              <a:extLst>
+                <a:ext uri="{FF2B5EF4-FFF2-40B4-BE49-F238E27FC236}">
+                  <a16:creationId xmlns:a16="http://schemas.microsoft.com/office/drawing/2014/main" id="{C7360164-6003-4424-86AA-87D56936AA54}"/>
+                </a:ext>
+              </a:extLst>
+            </p:cNvPr>
+            <p:cNvSpPr/>
+            <p:nvPr/>
+          </p:nvSpPr>
+          <p:spPr>
+            <a:xfrm>
+              <a:off x="5966911" y="3347387"/>
+              <a:ext cx="1549021" cy="977749"/>
+            </a:xfrm>
+            <a:prstGeom prst="rect">
+              <a:avLst/>
+            </a:prstGeom>
+            <a:ln>
+              <a:prstDash val="dash"/>
+            </a:ln>
+          </p:spPr>
+          <p:style>
+            <a:lnRef idx="2">
+              <a:schemeClr val="accent2"/>
+            </a:lnRef>
+            <a:fillRef idx="1">
+              <a:schemeClr val="lt1"/>
+            </a:fillRef>
+            <a:effectRef idx="0">
+              <a:schemeClr val="accent2"/>
+            </a:effectRef>
+            <a:fontRef idx="minor">
+              <a:schemeClr val="dk1"/>
+            </a:fontRef>
+          </p:style>
+          <p:txBody>
+            <a:bodyPr rtlCol="0" anchor="ctr"/>
+            <a:lstStyle/>
+            <a:p>
+              <a:pPr algn="ctr"/>
+              <a:r>
+                <a:rPr lang="en-US" dirty="0" err="1">
+                  <a:solidFill>
+                    <a:schemeClr val="accent2">
+                      <a:lumMod val="75000"/>
+                    </a:schemeClr>
+                  </a:solidFill>
+                  <a:latin typeface="Arial" panose="020B0604020202020204" pitchFamily="34" charset="0"/>
+                  <a:cs typeface="Arial" panose="020B0604020202020204" pitchFamily="34" charset="0"/>
+                </a:rPr>
+                <a:t>Mixup</a:t>
+              </a:r>
+              <a:endParaRPr lang="en-US" dirty="0">
+                <a:solidFill>
+                  <a:schemeClr val="accent2">
+                    <a:lumMod val="75000"/>
+                  </a:schemeClr>
+                </a:solidFill>
+                <a:latin typeface="Arial" panose="020B0604020202020204" pitchFamily="34" charset="0"/>
+                <a:cs typeface="Arial" panose="020B0604020202020204" pitchFamily="34" charset="0"/>
+              </a:endParaRPr>
+            </a:p>
+          </p:txBody>
+        </p:sp>
+        <p:cxnSp>
+          <p:nvCxnSpPr>
+            <p:cNvPr id="66" name="Straight Arrow Connector 65">
+              <a:extLst>
+                <a:ext uri="{FF2B5EF4-FFF2-40B4-BE49-F238E27FC236}">
+                  <a16:creationId xmlns:a16="http://schemas.microsoft.com/office/drawing/2014/main" id="{327BB99F-6237-4C71-B5FA-568E8770EB1C}"/>
+                </a:ext>
+              </a:extLst>
+            </p:cNvPr>
+            <p:cNvCxnSpPr>
+              <a:cxnSpLocks/>
+              <a:stCxn id="64" idx="3"/>
+              <a:endCxn id="23" idx="1"/>
+            </p:cNvCxnSpPr>
+            <p:nvPr/>
+          </p:nvCxnSpPr>
+          <p:spPr>
+            <a:xfrm flipV="1">
+              <a:off x="7515932" y="2059736"/>
+              <a:ext cx="1044655" cy="1776526"/>
+            </a:xfrm>
+            <a:prstGeom prst="straightConnector1">
+              <a:avLst/>
+            </a:prstGeom>
+            <a:ln w="25400">
+              <a:prstDash val="dash"/>
+              <a:tailEnd type="triangle"/>
+            </a:ln>
+          </p:spPr>
+          <p:style>
+            <a:lnRef idx="1">
+              <a:schemeClr val="accent2"/>
+            </a:lnRef>
+            <a:fillRef idx="2">
+              <a:schemeClr val="accent2"/>
+            </a:fillRef>
+            <a:effectRef idx="1">
+              <a:schemeClr val="accent2"/>
+            </a:effectRef>
+            <a:fontRef idx="minor">
+              <a:schemeClr val="dk1"/>
+            </a:fontRef>
+          </p:style>
+        </p:cxnSp>
+        <p:cxnSp>
+          <p:nvCxnSpPr>
+            <p:cNvPr id="68" name="Straight Arrow Connector 67">
+              <a:extLst>
+                <a:ext uri="{FF2B5EF4-FFF2-40B4-BE49-F238E27FC236}">
+                  <a16:creationId xmlns:a16="http://schemas.microsoft.com/office/drawing/2014/main" id="{CED992FC-EFED-4FC7-B244-1FAFD4CAC873}"/>
+                </a:ext>
+              </a:extLst>
+            </p:cNvPr>
+            <p:cNvCxnSpPr>
+              <a:cxnSpLocks/>
+              <a:stCxn id="64" idx="3"/>
+              <a:endCxn id="26" idx="1"/>
+            </p:cNvCxnSpPr>
+            <p:nvPr/>
+          </p:nvCxnSpPr>
+          <p:spPr>
+            <a:xfrm flipV="1">
+              <a:off x="7515932" y="3396643"/>
+              <a:ext cx="1044649" cy="439619"/>
+            </a:xfrm>
+            <a:prstGeom prst="straightConnector1">
+              <a:avLst/>
+            </a:prstGeom>
+            <a:ln w="25400">
+              <a:prstDash val="dash"/>
+              <a:tailEnd type="triangle"/>
+            </a:ln>
+          </p:spPr>
+          <p:style>
+            <a:lnRef idx="1">
+              <a:schemeClr val="accent2"/>
+            </a:lnRef>
+            <a:fillRef idx="2">
+              <a:schemeClr val="accent2"/>
+            </a:fillRef>
+            <a:effectRef idx="1">
+              <a:schemeClr val="accent2"/>
+            </a:effectRef>
+            <a:fontRef idx="minor">
+              <a:schemeClr val="dk1"/>
+            </a:fontRef>
+          </p:style>
+        </p:cxnSp>
+        <p:cxnSp>
+          <p:nvCxnSpPr>
+            <p:cNvPr id="71" name="Straight Arrow Connector 70">
+              <a:extLst>
+                <a:ext uri="{FF2B5EF4-FFF2-40B4-BE49-F238E27FC236}">
+                  <a16:creationId xmlns:a16="http://schemas.microsoft.com/office/drawing/2014/main" id="{E1B3307B-A64C-4DAB-A963-7A05DDA48BE3}"/>
+                </a:ext>
+              </a:extLst>
+            </p:cNvPr>
+            <p:cNvCxnSpPr>
+              <a:cxnSpLocks/>
+              <a:stCxn id="64" idx="3"/>
+              <a:endCxn id="29" idx="1"/>
+            </p:cNvCxnSpPr>
+            <p:nvPr/>
+          </p:nvCxnSpPr>
+          <p:spPr>
+            <a:xfrm>
+              <a:off x="7515932" y="3836262"/>
+              <a:ext cx="1044643" cy="891043"/>
+            </a:xfrm>
+            <a:prstGeom prst="straightConnector1">
+              <a:avLst/>
+            </a:prstGeom>
+            <a:ln w="25400">
+              <a:prstDash val="dash"/>
+              <a:tailEnd type="triangle"/>
+            </a:ln>
+          </p:spPr>
+          <p:style>
+            <a:lnRef idx="1">
+              <a:schemeClr val="accent2"/>
+            </a:lnRef>
+            <a:fillRef idx="2">
+              <a:schemeClr val="accent2"/>
+            </a:fillRef>
+            <a:effectRef idx="1">
+              <a:schemeClr val="accent2"/>
+            </a:effectRef>
+            <a:fontRef idx="minor">
+              <a:schemeClr val="dk1"/>
+            </a:fontRef>
+          </p:style>
+        </p:cxnSp>
+        <p:cxnSp>
+          <p:nvCxnSpPr>
+            <p:cNvPr id="80" name="Straight Arrow Connector 79">
+              <a:extLst>
+                <a:ext uri="{FF2B5EF4-FFF2-40B4-BE49-F238E27FC236}">
+                  <a16:creationId xmlns:a16="http://schemas.microsoft.com/office/drawing/2014/main" id="{2BDD4DC8-D120-43C1-B696-23E7F3425C88}"/>
+                </a:ext>
+              </a:extLst>
+            </p:cNvPr>
+            <p:cNvCxnSpPr>
+              <a:cxnSpLocks/>
+              <a:stCxn id="30" idx="3"/>
+              <a:endCxn id="64" idx="1"/>
+            </p:cNvCxnSpPr>
+            <p:nvPr/>
+          </p:nvCxnSpPr>
+          <p:spPr>
+            <a:xfrm flipV="1">
+              <a:off x="4895904" y="3836262"/>
+              <a:ext cx="1071007" cy="561492"/>
+            </a:xfrm>
+            <a:prstGeom prst="straightConnector1">
+              <a:avLst/>
+            </a:prstGeom>
+            <a:ln w="25400">
+              <a:prstDash val="dash"/>
+              <a:tailEnd type="triangle"/>
+            </a:ln>
+          </p:spPr>
+          <p:style>
+            <a:lnRef idx="1">
+              <a:schemeClr val="accent2"/>
+            </a:lnRef>
+            <a:fillRef idx="2">
+              <a:schemeClr val="accent2"/>
+            </a:fillRef>
+            <a:effectRef idx="1">
+              <a:schemeClr val="accent2"/>
+            </a:effectRef>
+            <a:fontRef idx="minor">
+              <a:schemeClr val="dk1"/>
+            </a:fontRef>
+          </p:style>
+        </p:cxnSp>
+        <p:pic>
+          <p:nvPicPr>
+            <p:cNvPr id="7" name="Graphic 6" descr="Users">
+              <a:extLst>
+                <a:ext uri="{FF2B5EF4-FFF2-40B4-BE49-F238E27FC236}">
+                  <a16:creationId xmlns:a16="http://schemas.microsoft.com/office/drawing/2014/main" id="{43F941E8-E6CD-4074-BF49-F2526CC925FE}"/>
+                </a:ext>
+              </a:extLst>
+            </p:cNvPr>
+            <p:cNvPicPr>
+              <a:picLocks noChangeAspect="1"/>
+            </p:cNvPicPr>
+            <p:nvPr/>
+          </p:nvPicPr>
+          <p:blipFill>
+            <a:blip r:embed="rId6">
+              <a:extLst>
+                <a:ext uri="{28A0092B-C50C-407E-A947-70E740481C1C}">
+                  <a14:useLocalDpi xmlns:a14="http://schemas.microsoft.com/office/drawing/2010/main" val="0"/>
+                </a:ext>
+                <a:ext uri="{96DAC541-7B7A-43D3-8B79-37D633B846F1}">
+                  <asvg:svgBlip xmlns:asvg="http://schemas.microsoft.com/office/drawing/2016/SVG/main" r:embed="rId7"/>
+                </a:ext>
+              </a:extLst>
+            </a:blip>
+            <a:stretch>
+              <a:fillRect/>
+            </a:stretch>
+          </p:blipFill>
+          <p:spPr>
+            <a:xfrm>
+              <a:off x="1543868" y="2369950"/>
+              <a:ext cx="914400" cy="914400"/>
+            </a:xfrm>
+            <a:prstGeom prst="rect">
+              <a:avLst/>
+            </a:prstGeom>
+          </p:spPr>
+        </p:pic>
+        <p:sp>
+          <p:nvSpPr>
+            <p:cNvPr id="8" name="Rectangle 7">
+              <a:extLst>
+                <a:ext uri="{FF2B5EF4-FFF2-40B4-BE49-F238E27FC236}">
+                  <a16:creationId xmlns:a16="http://schemas.microsoft.com/office/drawing/2014/main" id="{38CC4CEE-F151-4D28-9746-56EDE69AD226}"/>
+                </a:ext>
+              </a:extLst>
+            </p:cNvPr>
+            <p:cNvSpPr/>
+            <p:nvPr/>
+          </p:nvSpPr>
+          <p:spPr>
+            <a:xfrm>
+              <a:off x="3349423" y="1325897"/>
+              <a:ext cx="1549021" cy="458337"/>
+            </a:xfrm>
+            <a:prstGeom prst="rect">
+              <a:avLst/>
+            </a:prstGeom>
+            <a:solidFill>
+              <a:schemeClr val="bg1">
+                <a:lumMod val="85000"/>
+              </a:schemeClr>
+            </a:solidFill>
+            <a:ln>
+              <a:solidFill>
+                <a:schemeClr val="bg1">
+                  <a:lumMod val="85000"/>
+                </a:schemeClr>
+              </a:solidFill>
+              <a:headEnd type="none" w="med" len="med"/>
+              <a:tailEnd type="none" w="med" len="med"/>
+            </a:ln>
+          </p:spPr>
+          <p:style>
+            <a:lnRef idx="2">
+              <a:schemeClr val="dk1"/>
+            </a:lnRef>
+            <a:fillRef idx="1">
+              <a:schemeClr val="lt1"/>
+            </a:fillRef>
+            <a:effectRef idx="0">
+              <a:schemeClr val="dk1"/>
+            </a:effectRef>
+            <a:fontRef idx="minor">
+              <a:schemeClr val="dk1"/>
+            </a:fontRef>
+          </p:style>
+          <p:txBody>
+            <a:bodyPr rtlCol="0" anchor="ctr"/>
+            <a:lstStyle/>
+            <a:p>
+              <a:pPr algn="ctr"/>
+              <a:r>
+                <a:rPr lang="en-US" dirty="0">
+                  <a:latin typeface="Arial" panose="020B0604020202020204" pitchFamily="34" charset="0"/>
+                  <a:cs typeface="Arial" panose="020B0604020202020204" pitchFamily="34" charset="0"/>
+                </a:rPr>
+                <a:t>Users</a:t>
+              </a:r>
+            </a:p>
+          </p:txBody>
+        </p:sp>
+        <p:sp>
+          <p:nvSpPr>
+            <p:cNvPr id="9" name="Rectangle 8">
+              <a:extLst>
+                <a:ext uri="{FF2B5EF4-FFF2-40B4-BE49-F238E27FC236}">
+                  <a16:creationId xmlns:a16="http://schemas.microsoft.com/office/drawing/2014/main" id="{8181621D-E849-4978-85AF-B70ECC1CAD6C}"/>
+                </a:ext>
+              </a:extLst>
+            </p:cNvPr>
+            <p:cNvSpPr/>
+            <p:nvPr/>
+          </p:nvSpPr>
+          <p:spPr>
+            <a:xfrm>
+              <a:off x="3349426" y="2054913"/>
+              <a:ext cx="1549021" cy="724469"/>
+            </a:xfrm>
+            <a:prstGeom prst="rect">
+              <a:avLst/>
+            </a:prstGeom>
+            <a:solidFill>
+              <a:schemeClr val="bg1">
+                <a:lumMod val="85000"/>
+              </a:schemeClr>
+            </a:solidFill>
+            <a:ln>
+              <a:solidFill>
+                <a:schemeClr val="bg1">
+                  <a:lumMod val="85000"/>
+                </a:schemeClr>
+              </a:solidFill>
+            </a:ln>
+          </p:spPr>
+          <p:style>
+            <a:lnRef idx="2">
+              <a:schemeClr val="dk1"/>
+            </a:lnRef>
+            <a:fillRef idx="1">
+              <a:schemeClr val="lt1"/>
+            </a:fillRef>
+            <a:effectRef idx="0">
+              <a:schemeClr val="dk1"/>
+            </a:effectRef>
+            <a:fontRef idx="minor">
+              <a:schemeClr val="dk1"/>
+            </a:fontRef>
+          </p:style>
+          <p:txBody>
+            <a:bodyPr rtlCol="0" anchor="ctr"/>
+            <a:lstStyle/>
+            <a:p>
+              <a:pPr algn="ctr"/>
+              <a:r>
+                <a:rPr lang="en-US" dirty="0">
+                  <a:latin typeface="Arial" panose="020B0604020202020204" pitchFamily="34" charset="0"/>
+                  <a:cs typeface="Arial" panose="020B0604020202020204" pitchFamily="34" charset="0"/>
+                </a:rPr>
+                <a:t>Power</a:t>
+              </a:r>
+              <a:br>
+                <a:rPr lang="en-US" dirty="0">
+                  <a:latin typeface="Arial" panose="020B0604020202020204" pitchFamily="34" charset="0"/>
+                  <a:cs typeface="Arial" panose="020B0604020202020204" pitchFamily="34" charset="0"/>
+                </a:rPr>
+              </a:br>
+              <a:r>
+                <a:rPr lang="en-US" dirty="0">
+                  <a:latin typeface="Arial" panose="020B0604020202020204" pitchFamily="34" charset="0"/>
+                  <a:cs typeface="Arial" panose="020B0604020202020204" pitchFamily="34" charset="0"/>
+                </a:rPr>
+                <a:t>Users</a:t>
+              </a:r>
+            </a:p>
+          </p:txBody>
+        </p:sp>
+        <p:sp>
+          <p:nvSpPr>
+            <p:cNvPr id="10" name="Rectangle 9">
+              <a:extLst>
+                <a:ext uri="{FF2B5EF4-FFF2-40B4-BE49-F238E27FC236}">
+                  <a16:creationId xmlns:a16="http://schemas.microsoft.com/office/drawing/2014/main" id="{C0473B23-7A42-4399-80B4-CE4A4DFFAC55}"/>
+                </a:ext>
+              </a:extLst>
+            </p:cNvPr>
+            <p:cNvSpPr/>
+            <p:nvPr/>
+          </p:nvSpPr>
+          <p:spPr>
+            <a:xfrm>
+              <a:off x="3349427" y="3075871"/>
+              <a:ext cx="1549021" cy="458337"/>
+            </a:xfrm>
+            <a:prstGeom prst="rect">
+              <a:avLst/>
+            </a:prstGeom>
+            <a:solidFill>
+              <a:schemeClr val="bg1">
+                <a:lumMod val="85000"/>
+              </a:schemeClr>
+            </a:solidFill>
+            <a:ln>
+              <a:solidFill>
+                <a:schemeClr val="bg1">
+                  <a:lumMod val="85000"/>
+                </a:schemeClr>
+              </a:solidFill>
+            </a:ln>
+          </p:spPr>
+          <p:style>
+            <a:lnRef idx="2">
+              <a:schemeClr val="dk1"/>
+            </a:lnRef>
+            <a:fillRef idx="1">
+              <a:schemeClr val="lt1"/>
+            </a:fillRef>
+            <a:effectRef idx="0">
+              <a:schemeClr val="dk1"/>
+            </a:effectRef>
+            <a:fontRef idx="minor">
+              <a:schemeClr val="dk1"/>
+            </a:fontRef>
+          </p:style>
+          <p:txBody>
+            <a:bodyPr rtlCol="0" anchor="ctr"/>
+            <a:lstStyle/>
+            <a:p>
+              <a:pPr algn="ctr"/>
+              <a:r>
+                <a:rPr lang="en-US" dirty="0">
+                  <a:latin typeface="Arial" panose="020B0604020202020204" pitchFamily="34" charset="0"/>
+                  <a:cs typeface="Arial" panose="020B0604020202020204" pitchFamily="34" charset="0"/>
+                </a:rPr>
+                <a:t>Admins</a:t>
+              </a:r>
+            </a:p>
+          </p:txBody>
+        </p:sp>
+        <p:sp>
+          <p:nvSpPr>
+            <p:cNvPr id="30" name="Rectangle 29">
+              <a:extLst>
+                <a:ext uri="{FF2B5EF4-FFF2-40B4-BE49-F238E27FC236}">
+                  <a16:creationId xmlns:a16="http://schemas.microsoft.com/office/drawing/2014/main" id="{9BEAB0D7-4D5D-43B4-B94D-20C9AAB18696}"/>
+                </a:ext>
+              </a:extLst>
+            </p:cNvPr>
+            <p:cNvSpPr/>
+            <p:nvPr/>
+          </p:nvSpPr>
+          <p:spPr>
+            <a:xfrm>
+              <a:off x="3346883" y="4168585"/>
+              <a:ext cx="1549021" cy="458337"/>
+            </a:xfrm>
+            <a:prstGeom prst="rect">
+              <a:avLst/>
+            </a:prstGeom>
+            <a:ln>
+              <a:prstDash val="dash"/>
+              <a:headEnd type="none" w="med" len="med"/>
+              <a:tailEnd type="none" w="med" len="med"/>
+            </a:ln>
+          </p:spPr>
+          <p:style>
+            <a:lnRef idx="2">
+              <a:schemeClr val="accent2"/>
+            </a:lnRef>
+            <a:fillRef idx="1">
+              <a:schemeClr val="lt1"/>
+            </a:fillRef>
+            <a:effectRef idx="0">
+              <a:schemeClr val="accent2"/>
+            </a:effectRef>
+            <a:fontRef idx="minor">
+              <a:schemeClr val="dk1"/>
+            </a:fontRef>
+          </p:style>
+          <p:txBody>
+            <a:bodyPr rtlCol="0" anchor="ctr"/>
+            <a:lstStyle/>
+            <a:p>
+              <a:pPr algn="ctr"/>
+              <a:r>
+                <a:rPr lang="en-US" dirty="0">
+                  <a:solidFill>
+                    <a:schemeClr val="accent2">
+                      <a:lumMod val="75000"/>
+                    </a:schemeClr>
+                  </a:solidFill>
+                  <a:latin typeface="Arial" panose="020B0604020202020204" pitchFamily="34" charset="0"/>
+                  <a:cs typeface="Arial" panose="020B0604020202020204" pitchFamily="34" charset="0"/>
+                </a:rPr>
+                <a:t>Interlopers</a:t>
+              </a:r>
+            </a:p>
+          </p:txBody>
+        </p:sp>
+        <p:pic>
+          <p:nvPicPr>
+            <p:cNvPr id="88" name="Graphic 87" descr="Users">
+              <a:extLst>
+                <a:ext uri="{FF2B5EF4-FFF2-40B4-BE49-F238E27FC236}">
+                  <a16:creationId xmlns:a16="http://schemas.microsoft.com/office/drawing/2014/main" id="{995790D7-005F-4CB8-A954-2B00CAD49ED3}"/>
+                </a:ext>
+              </a:extLst>
+            </p:cNvPr>
+            <p:cNvPicPr>
+              <a:picLocks noChangeAspect="1"/>
+            </p:cNvPicPr>
+            <p:nvPr/>
+          </p:nvPicPr>
+          <p:blipFill>
+            <a:blip r:embed="rId8">
+              <a:extLst>
+                <a:ext uri="{28A0092B-C50C-407E-A947-70E740481C1C}">
+                  <a14:useLocalDpi xmlns:a14="http://schemas.microsoft.com/office/drawing/2010/main" val="0"/>
+                </a:ext>
+                <a:ext uri="{96DAC541-7B7A-43D3-8B79-37D633B846F1}">
+                  <asvg:svgBlip xmlns:asvg="http://schemas.microsoft.com/office/drawing/2016/SVG/main" r:embed="rId9"/>
+                </a:ext>
+              </a:extLst>
+            </a:blip>
+            <a:stretch>
+              <a:fillRect/>
+            </a:stretch>
+          </p:blipFill>
+          <p:spPr>
+            <a:xfrm>
+              <a:off x="1532244" y="3875126"/>
+              <a:ext cx="914400" cy="914400"/>
+            </a:xfrm>
+            <a:prstGeom prst="rect">
+              <a:avLst/>
+            </a:prstGeom>
+          </p:spPr>
+        </p:pic>
+        <p:pic>
+          <p:nvPicPr>
+            <p:cNvPr id="89" name="Graphic 88" descr="Users">
+              <a:extLst>
+                <a:ext uri="{FF2B5EF4-FFF2-40B4-BE49-F238E27FC236}">
+                  <a16:creationId xmlns:a16="http://schemas.microsoft.com/office/drawing/2014/main" id="{80C83D23-40AA-492E-929C-FD629EB8CD8F}"/>
+                </a:ext>
+              </a:extLst>
+            </p:cNvPr>
+            <p:cNvPicPr>
+              <a:picLocks noChangeAspect="1"/>
+            </p:cNvPicPr>
+            <p:nvPr/>
+          </p:nvPicPr>
+          <p:blipFill>
+            <a:blip r:embed="rId6">
+              <a:extLst>
+                <a:ext uri="{28A0092B-C50C-407E-A947-70E740481C1C}">
+                  <a14:useLocalDpi xmlns:a14="http://schemas.microsoft.com/office/drawing/2010/main" val="0"/>
+                </a:ext>
+                <a:ext uri="{96DAC541-7B7A-43D3-8B79-37D633B846F1}">
+                  <asvg:svgBlip xmlns:asvg="http://schemas.microsoft.com/office/drawing/2016/SVG/main" r:embed="rId7"/>
+                </a:ext>
+              </a:extLst>
+            </a:blip>
+            <a:stretch>
+              <a:fillRect/>
+            </a:stretch>
+          </p:blipFill>
+          <p:spPr>
+            <a:xfrm>
+              <a:off x="1532244" y="1400390"/>
+              <a:ext cx="914400" cy="914400"/>
+            </a:xfrm>
+            <a:prstGeom prst="rect">
+              <a:avLst/>
+            </a:prstGeom>
+          </p:spPr>
+        </p:pic>
+        <p:cxnSp>
+          <p:nvCxnSpPr>
+            <p:cNvPr id="90" name="Straight Arrow Connector 89">
+              <a:extLst>
+                <a:ext uri="{FF2B5EF4-FFF2-40B4-BE49-F238E27FC236}">
+                  <a16:creationId xmlns:a16="http://schemas.microsoft.com/office/drawing/2014/main" id="{581A2BD6-B7E2-455F-98CA-48F5278645AF}"/>
+                </a:ext>
+              </a:extLst>
+            </p:cNvPr>
+            <p:cNvCxnSpPr>
+              <a:cxnSpLocks/>
+              <a:stCxn id="89" idx="3"/>
+              <a:endCxn id="8" idx="1"/>
+            </p:cNvCxnSpPr>
+            <p:nvPr/>
+          </p:nvCxnSpPr>
+          <p:spPr>
+            <a:xfrm flipV="1">
+              <a:off x="2446644" y="1555066"/>
+              <a:ext cx="902779" cy="302524"/>
+            </a:xfrm>
+            <a:prstGeom prst="straightConnector1">
+              <a:avLst/>
+            </a:prstGeom>
+            <a:ln w="25400">
+              <a:solidFill>
+                <a:schemeClr val="tx1"/>
+              </a:solidFill>
+              <a:tailEnd type="triangle"/>
+            </a:ln>
+          </p:spPr>
+          <p:style>
+            <a:lnRef idx="1">
+              <a:schemeClr val="accent1"/>
+            </a:lnRef>
+            <a:fillRef idx="0">
+              <a:schemeClr val="accent1"/>
+            </a:fillRef>
+            <a:effectRef idx="0">
+              <a:schemeClr val="accent1"/>
+            </a:effectRef>
+            <a:fontRef idx="minor">
+              <a:schemeClr val="tx1"/>
+            </a:fontRef>
+          </p:style>
+        </p:cxnSp>
+        <p:cxnSp>
+          <p:nvCxnSpPr>
+            <p:cNvPr id="93" name="Straight Arrow Connector 92">
+              <a:extLst>
+                <a:ext uri="{FF2B5EF4-FFF2-40B4-BE49-F238E27FC236}">
+                  <a16:creationId xmlns:a16="http://schemas.microsoft.com/office/drawing/2014/main" id="{A9FB3602-D195-4253-AC89-A812F56D43D2}"/>
+                </a:ext>
+              </a:extLst>
+            </p:cNvPr>
+            <p:cNvCxnSpPr>
+              <a:cxnSpLocks/>
+              <a:stCxn id="7" idx="3"/>
+              <a:endCxn id="9" idx="1"/>
+            </p:cNvCxnSpPr>
+            <p:nvPr/>
+          </p:nvCxnSpPr>
+          <p:spPr>
+            <a:xfrm flipV="1">
+              <a:off x="2458268" y="2417148"/>
+              <a:ext cx="891158" cy="410002"/>
+            </a:xfrm>
+            <a:prstGeom prst="straightConnector1">
+              <a:avLst/>
+            </a:prstGeom>
+            <a:ln w="25400">
+              <a:solidFill>
+                <a:schemeClr val="tx1"/>
+              </a:solidFill>
+              <a:tailEnd type="triangle"/>
+            </a:ln>
+          </p:spPr>
+          <p:style>
+            <a:lnRef idx="1">
+              <a:schemeClr val="accent1"/>
+            </a:lnRef>
+            <a:fillRef idx="0">
+              <a:schemeClr val="accent1"/>
+            </a:fillRef>
+            <a:effectRef idx="0">
+              <a:schemeClr val="accent1"/>
+            </a:effectRef>
+            <a:fontRef idx="minor">
+              <a:schemeClr val="tx1"/>
+            </a:fontRef>
+          </p:style>
+        </p:cxnSp>
+        <p:cxnSp>
+          <p:nvCxnSpPr>
+            <p:cNvPr id="96" name="Straight Arrow Connector 95">
+              <a:extLst>
+                <a:ext uri="{FF2B5EF4-FFF2-40B4-BE49-F238E27FC236}">
+                  <a16:creationId xmlns:a16="http://schemas.microsoft.com/office/drawing/2014/main" id="{441D987E-97A1-4D31-849F-2CB2410A45C5}"/>
+                </a:ext>
+              </a:extLst>
+            </p:cNvPr>
+            <p:cNvCxnSpPr>
+              <a:cxnSpLocks/>
+              <a:stCxn id="7" idx="3"/>
+              <a:endCxn id="10" idx="1"/>
+            </p:cNvCxnSpPr>
+            <p:nvPr/>
+          </p:nvCxnSpPr>
+          <p:spPr>
+            <a:xfrm>
+              <a:off x="2458268" y="2827150"/>
+              <a:ext cx="891159" cy="477890"/>
+            </a:xfrm>
+            <a:prstGeom prst="straightConnector1">
+              <a:avLst/>
+            </a:prstGeom>
+            <a:ln w="25400">
+              <a:solidFill>
+                <a:schemeClr val="tx1"/>
+              </a:solidFill>
+              <a:tailEnd type="triangle"/>
+            </a:ln>
+          </p:spPr>
+          <p:style>
+            <a:lnRef idx="1">
+              <a:schemeClr val="accent1"/>
+            </a:lnRef>
+            <a:fillRef idx="0">
+              <a:schemeClr val="accent1"/>
+            </a:fillRef>
+            <a:effectRef idx="0">
+              <a:schemeClr val="accent1"/>
+            </a:effectRef>
+            <a:fontRef idx="minor">
+              <a:schemeClr val="tx1"/>
+            </a:fontRef>
+          </p:style>
+        </p:cxnSp>
+        <p:cxnSp>
+          <p:nvCxnSpPr>
+            <p:cNvPr id="100" name="Straight Arrow Connector 99">
+              <a:extLst>
+                <a:ext uri="{FF2B5EF4-FFF2-40B4-BE49-F238E27FC236}">
+                  <a16:creationId xmlns:a16="http://schemas.microsoft.com/office/drawing/2014/main" id="{EE1B8CC5-A8B4-4748-943E-89AA0D907AFF}"/>
+                </a:ext>
+              </a:extLst>
+            </p:cNvPr>
+            <p:cNvCxnSpPr>
+              <a:cxnSpLocks/>
+              <a:stCxn id="88" idx="3"/>
+              <a:endCxn id="30" idx="1"/>
+            </p:cNvCxnSpPr>
+            <p:nvPr/>
+          </p:nvCxnSpPr>
+          <p:spPr>
+            <a:xfrm>
+              <a:off x="2446644" y="4332326"/>
+              <a:ext cx="900239" cy="65428"/>
+            </a:xfrm>
+            <a:prstGeom prst="straightConnector1">
+              <a:avLst/>
+            </a:prstGeom>
+            <a:ln w="25400">
+              <a:prstDash val="dash"/>
+              <a:tailEnd type="triangle"/>
+            </a:ln>
+          </p:spPr>
+          <p:style>
+            <a:lnRef idx="1">
+              <a:schemeClr val="accent2"/>
+            </a:lnRef>
+            <a:fillRef idx="2">
+              <a:schemeClr val="accent2"/>
+            </a:fillRef>
+            <a:effectRef idx="1">
+              <a:schemeClr val="accent2"/>
+            </a:effectRef>
+            <a:fontRef idx="minor">
+              <a:schemeClr val="dk1"/>
+            </a:fontRef>
+          </p:style>
+        </p:cxnSp>
+        <p:cxnSp>
+          <p:nvCxnSpPr>
+            <p:cNvPr id="103" name="Straight Arrow Connector 102">
+              <a:extLst>
+                <a:ext uri="{FF2B5EF4-FFF2-40B4-BE49-F238E27FC236}">
+                  <a16:creationId xmlns:a16="http://schemas.microsoft.com/office/drawing/2014/main" id="{9FDA16EC-A5EF-4431-81CC-6741B2F15816}"/>
+                </a:ext>
+              </a:extLst>
+            </p:cNvPr>
+            <p:cNvCxnSpPr>
+              <a:cxnSpLocks/>
+              <a:stCxn id="88" idx="3"/>
+              <a:endCxn id="9" idx="1"/>
+            </p:cNvCxnSpPr>
+            <p:nvPr/>
+          </p:nvCxnSpPr>
+          <p:spPr>
+            <a:xfrm flipV="1">
+              <a:off x="2446644" y="2417148"/>
+              <a:ext cx="902782" cy="1915178"/>
+            </a:xfrm>
+            <a:prstGeom prst="straightConnector1">
+              <a:avLst/>
+            </a:prstGeom>
+            <a:ln w="25400">
+              <a:prstDash val="solid"/>
+              <a:tailEnd type="triangle"/>
+            </a:ln>
+          </p:spPr>
+          <p:style>
+            <a:lnRef idx="1">
+              <a:schemeClr val="accent2"/>
+            </a:lnRef>
+            <a:fillRef idx="2">
+              <a:schemeClr val="accent2"/>
+            </a:fillRef>
+            <a:effectRef idx="1">
+              <a:schemeClr val="accent2"/>
+            </a:effectRef>
+            <a:fontRef idx="minor">
+              <a:schemeClr val="dk1"/>
+            </a:fontRef>
+          </p:style>
+        </p:cxnSp>
+        <p:cxnSp>
+          <p:nvCxnSpPr>
+            <p:cNvPr id="106" name="Straight Arrow Connector 105">
+              <a:extLst>
+                <a:ext uri="{FF2B5EF4-FFF2-40B4-BE49-F238E27FC236}">
+                  <a16:creationId xmlns:a16="http://schemas.microsoft.com/office/drawing/2014/main" id="{AE597E3D-C674-4181-AD87-B49174DAADFC}"/>
+                </a:ext>
+              </a:extLst>
+            </p:cNvPr>
+            <p:cNvCxnSpPr>
+              <a:cxnSpLocks/>
+              <a:stCxn id="88" idx="3"/>
+              <a:endCxn id="10" idx="1"/>
+            </p:cNvCxnSpPr>
+            <p:nvPr/>
+          </p:nvCxnSpPr>
+          <p:spPr>
+            <a:xfrm flipV="1">
+              <a:off x="2446644" y="3305040"/>
+              <a:ext cx="902783" cy="1027286"/>
+            </a:xfrm>
+            <a:prstGeom prst="straightConnector1">
+              <a:avLst/>
+            </a:prstGeom>
+            <a:ln w="25400">
+              <a:prstDash val="solid"/>
+              <a:tailEnd type="triangle"/>
+            </a:ln>
+          </p:spPr>
+          <p:style>
+            <a:lnRef idx="1">
+              <a:schemeClr val="accent2"/>
+            </a:lnRef>
+            <a:fillRef idx="2">
+              <a:schemeClr val="accent2"/>
+            </a:fillRef>
+            <a:effectRef idx="1">
+              <a:schemeClr val="accent2"/>
+            </a:effectRef>
+            <a:fontRef idx="minor">
+              <a:schemeClr val="dk1"/>
+            </a:fontRef>
+          </p:style>
+        </p:cxnSp>
+        <p:sp>
+          <p:nvSpPr>
+            <p:cNvPr id="123" name="Oval 122">
+              <a:extLst>
+                <a:ext uri="{FF2B5EF4-FFF2-40B4-BE49-F238E27FC236}">
+                  <a16:creationId xmlns:a16="http://schemas.microsoft.com/office/drawing/2014/main" id="{69C6C3F5-0B5B-4C2E-91A5-4C98BA5CCF6A}"/>
+                </a:ext>
+              </a:extLst>
+            </p:cNvPr>
+            <p:cNvSpPr/>
+            <p:nvPr/>
+          </p:nvSpPr>
+          <p:spPr>
+            <a:xfrm>
+              <a:off x="2287791" y="3518343"/>
+              <a:ext cx="375521" cy="375521"/>
+            </a:xfrm>
+            <a:prstGeom prst="ellipse">
+              <a:avLst/>
+            </a:prstGeom>
+            <a:solidFill>
+              <a:schemeClr val="accent2">
+                <a:lumMod val="20000"/>
+                <a:lumOff val="80000"/>
+              </a:schemeClr>
+            </a:solidFill>
+            <a:ln w="25400"/>
+          </p:spPr>
+          <p:style>
+            <a:lnRef idx="2">
+              <a:schemeClr val="accent2"/>
+            </a:lnRef>
+            <a:fillRef idx="1">
+              <a:schemeClr val="lt1"/>
+            </a:fillRef>
+            <a:effectRef idx="0">
+              <a:schemeClr val="accent2"/>
+            </a:effectRef>
+            <a:fontRef idx="minor">
+              <a:schemeClr val="dk1"/>
+            </a:fontRef>
+          </p:style>
+          <p:txBody>
+            <a:bodyPr rtlCol="0" anchor="ctr"/>
+            <a:lstStyle/>
+            <a:p>
+              <a:pPr algn="ctr"/>
+              <a:r>
+                <a:rPr lang="en-US" dirty="0">
+                  <a:latin typeface="Arial" panose="020B0604020202020204" pitchFamily="34" charset="0"/>
+                  <a:cs typeface="Arial" panose="020B0604020202020204" pitchFamily="34" charset="0"/>
+                </a:rPr>
+                <a:t>1</a:t>
+              </a:r>
+            </a:p>
+          </p:txBody>
+        </p:sp>
+        <p:sp>
+          <p:nvSpPr>
+            <p:cNvPr id="124" name="Oval 123">
+              <a:extLst>
+                <a:ext uri="{FF2B5EF4-FFF2-40B4-BE49-F238E27FC236}">
+                  <a16:creationId xmlns:a16="http://schemas.microsoft.com/office/drawing/2014/main" id="{9F974DAE-0ACF-418B-B0E3-5084B1F1F3FB}"/>
+                </a:ext>
+              </a:extLst>
+            </p:cNvPr>
+            <p:cNvSpPr/>
+            <p:nvPr/>
+          </p:nvSpPr>
+          <p:spPr>
+            <a:xfrm>
+              <a:off x="5095581" y="3711381"/>
+              <a:ext cx="375521" cy="375521"/>
+            </a:xfrm>
+            <a:prstGeom prst="ellipse">
+              <a:avLst/>
+            </a:prstGeom>
+            <a:solidFill>
+              <a:schemeClr val="accent2">
+                <a:lumMod val="20000"/>
+                <a:lumOff val="80000"/>
+              </a:schemeClr>
+            </a:solidFill>
+            <a:ln w="25400">
+              <a:prstDash val="dash"/>
+            </a:ln>
+          </p:spPr>
+          <p:style>
+            <a:lnRef idx="2">
+              <a:schemeClr val="accent2"/>
+            </a:lnRef>
+            <a:fillRef idx="1">
+              <a:schemeClr val="lt1"/>
+            </a:fillRef>
+            <a:effectRef idx="0">
+              <a:schemeClr val="accent2"/>
+            </a:effectRef>
+            <a:fontRef idx="minor">
+              <a:schemeClr val="dk1"/>
+            </a:fontRef>
+          </p:style>
+          <p:txBody>
+            <a:bodyPr rtlCol="0" anchor="ctr"/>
+            <a:lstStyle/>
+            <a:p>
+              <a:pPr algn="ctr"/>
+              <a:r>
+                <a:rPr lang="en-US" dirty="0">
+                  <a:latin typeface="Arial" panose="020B0604020202020204" pitchFamily="34" charset="0"/>
+                  <a:cs typeface="Arial" panose="020B0604020202020204" pitchFamily="34" charset="0"/>
+                </a:rPr>
+                <a:t>2</a:t>
+              </a:r>
+            </a:p>
+          </p:txBody>
+        </p:sp>
         <p:sp>
           <p:nvSpPr>
             <p:cNvPr id="136" name="Left Brace 135">
@@ -18341,8 +18436,8 @@
           </p:nvSpPr>
           <p:spPr>
             <a:xfrm rot="16200000">
-              <a:off x="5326680" y="2883534"/>
-              <a:ext cx="252236" cy="4660900"/>
+              <a:off x="5307198" y="2903016"/>
+              <a:ext cx="252236" cy="4621935"/>
             </a:xfrm>
             <a:prstGeom prst="leftBrace">
               <a:avLst/>
@@ -18393,8 +18488,8 @@
           </p:nvSpPr>
           <p:spPr>
             <a:xfrm rot="16200000">
-              <a:off x="9211897" y="3957667"/>
-              <a:ext cx="252236" cy="2512634"/>
+              <a:off x="9208966" y="4213666"/>
+              <a:ext cx="252236" cy="2000636"/>
             </a:xfrm>
             <a:prstGeom prst="leftBrace">
               <a:avLst/>
@@ -18445,7 +18540,7 @@
           </p:nvSpPr>
           <p:spPr>
             <a:xfrm>
-              <a:off x="4508052" y="5343901"/>
+              <a:off x="4473479" y="5343901"/>
               <a:ext cx="1889492" cy="369332"/>
             </a:xfrm>
             <a:prstGeom prst="rect">
@@ -18509,11 +18604,1717 @@
             </a:p>
           </p:txBody>
         </p:sp>
+        <p:sp>
+          <p:nvSpPr>
+            <p:cNvPr id="63" name="Left Brace 62">
+              <a:extLst>
+                <a:ext uri="{FF2B5EF4-FFF2-40B4-BE49-F238E27FC236}">
+                  <a16:creationId xmlns:a16="http://schemas.microsoft.com/office/drawing/2014/main" id="{269DCE99-24DA-458C-BEFB-850A80471189}"/>
+                </a:ext>
+              </a:extLst>
+            </p:cNvPr>
+            <p:cNvSpPr/>
+            <p:nvPr/>
+          </p:nvSpPr>
+          <p:spPr>
+            <a:xfrm rot="5400000">
+              <a:off x="3996548" y="-109686"/>
+              <a:ext cx="252236" cy="2000636"/>
+            </a:xfrm>
+            <a:prstGeom prst="leftBrace">
+              <a:avLst/>
+            </a:prstGeom>
+            <a:ln w="25400">
+              <a:solidFill>
+                <a:schemeClr val="tx1"/>
+              </a:solidFill>
+            </a:ln>
+          </p:spPr>
+          <p:style>
+            <a:lnRef idx="1">
+              <a:schemeClr val="accent1"/>
+            </a:lnRef>
+            <a:fillRef idx="0">
+              <a:schemeClr val="accent1"/>
+            </a:fillRef>
+            <a:effectRef idx="0">
+              <a:schemeClr val="accent1"/>
+            </a:effectRef>
+            <a:fontRef idx="minor">
+              <a:schemeClr val="tx1"/>
+            </a:fontRef>
+          </p:style>
+          <p:txBody>
+            <a:bodyPr rtlCol="0" anchor="ctr"/>
+            <a:lstStyle/>
+            <a:p>
+              <a:pPr algn="ctr"/>
+              <a:endParaRPr lang="en-US" dirty="0">
+                <a:latin typeface="Arial" panose="020B0604020202020204" pitchFamily="34" charset="0"/>
+                <a:cs typeface="Arial" panose="020B0604020202020204" pitchFamily="34" charset="0"/>
+              </a:endParaRPr>
+            </a:p>
+          </p:txBody>
+        </p:sp>
+        <p:sp>
+          <p:nvSpPr>
+            <p:cNvPr id="72" name="Left Brace 71">
+              <a:extLst>
+                <a:ext uri="{FF2B5EF4-FFF2-40B4-BE49-F238E27FC236}">
+                  <a16:creationId xmlns:a16="http://schemas.microsoft.com/office/drawing/2014/main" id="{4049ABE3-E57D-4D47-8CD1-F5AF5D44EFD5}"/>
+                </a:ext>
+              </a:extLst>
+            </p:cNvPr>
+            <p:cNvSpPr/>
+            <p:nvPr/>
+          </p:nvSpPr>
+          <p:spPr>
+            <a:xfrm rot="5400000">
+              <a:off x="6617847" y="-109686"/>
+              <a:ext cx="252236" cy="2000636"/>
+            </a:xfrm>
+            <a:prstGeom prst="leftBrace">
+              <a:avLst/>
+            </a:prstGeom>
+            <a:ln w="25400">
+              <a:solidFill>
+                <a:schemeClr val="tx1"/>
+              </a:solidFill>
+            </a:ln>
+          </p:spPr>
+          <p:style>
+            <a:lnRef idx="1">
+              <a:schemeClr val="accent1"/>
+            </a:lnRef>
+            <a:fillRef idx="0">
+              <a:schemeClr val="accent1"/>
+            </a:fillRef>
+            <a:effectRef idx="0">
+              <a:schemeClr val="accent1"/>
+            </a:effectRef>
+            <a:fontRef idx="minor">
+              <a:schemeClr val="tx1"/>
+            </a:fontRef>
+          </p:style>
+          <p:txBody>
+            <a:bodyPr rtlCol="0" anchor="ctr"/>
+            <a:lstStyle/>
+            <a:p>
+              <a:pPr algn="ctr"/>
+              <a:endParaRPr lang="en-US" dirty="0">
+                <a:latin typeface="Arial" panose="020B0604020202020204" pitchFamily="34" charset="0"/>
+                <a:cs typeface="Arial" panose="020B0604020202020204" pitchFamily="34" charset="0"/>
+              </a:endParaRPr>
+            </a:p>
+          </p:txBody>
+        </p:sp>
+        <p:sp>
+          <p:nvSpPr>
+            <p:cNvPr id="73" name="Left Brace 72">
+              <a:extLst>
+                <a:ext uri="{FF2B5EF4-FFF2-40B4-BE49-F238E27FC236}">
+                  <a16:creationId xmlns:a16="http://schemas.microsoft.com/office/drawing/2014/main" id="{38EDB62F-71C1-41F1-8EFB-71D991E8808F}"/>
+                </a:ext>
+              </a:extLst>
+            </p:cNvPr>
+            <p:cNvSpPr/>
+            <p:nvPr/>
+          </p:nvSpPr>
+          <p:spPr>
+            <a:xfrm rot="5400000">
+              <a:off x="9208966" y="-109686"/>
+              <a:ext cx="252236" cy="2000636"/>
+            </a:xfrm>
+            <a:prstGeom prst="leftBrace">
+              <a:avLst/>
+            </a:prstGeom>
+            <a:ln w="25400">
+              <a:solidFill>
+                <a:schemeClr val="tx1"/>
+              </a:solidFill>
+            </a:ln>
+          </p:spPr>
+          <p:style>
+            <a:lnRef idx="1">
+              <a:schemeClr val="accent1"/>
+            </a:lnRef>
+            <a:fillRef idx="0">
+              <a:schemeClr val="accent1"/>
+            </a:fillRef>
+            <a:effectRef idx="0">
+              <a:schemeClr val="accent1"/>
+            </a:effectRef>
+            <a:fontRef idx="minor">
+              <a:schemeClr val="tx1"/>
+            </a:fontRef>
+          </p:style>
+          <p:txBody>
+            <a:bodyPr rtlCol="0" anchor="ctr"/>
+            <a:lstStyle/>
+            <a:p>
+              <a:pPr algn="ctr"/>
+              <a:endParaRPr lang="en-US" dirty="0">
+                <a:latin typeface="Arial" panose="020B0604020202020204" pitchFamily="34" charset="0"/>
+                <a:cs typeface="Arial" panose="020B0604020202020204" pitchFamily="34" charset="0"/>
+              </a:endParaRPr>
+            </a:p>
+          </p:txBody>
+        </p:sp>
+        <p:sp>
+          <p:nvSpPr>
+            <p:cNvPr id="75" name="TextBox 74">
+              <a:extLst>
+                <a:ext uri="{FF2B5EF4-FFF2-40B4-BE49-F238E27FC236}">
+                  <a16:creationId xmlns:a16="http://schemas.microsoft.com/office/drawing/2014/main" id="{6D2270DB-0E8D-442D-B76C-E94233760410}"/>
+                </a:ext>
+              </a:extLst>
+            </p:cNvPr>
+            <p:cNvSpPr txBox="1"/>
+            <p:nvPr/>
+          </p:nvSpPr>
+          <p:spPr>
+            <a:xfrm>
+              <a:off x="3734108" y="401310"/>
+              <a:ext cx="774571" cy="369332"/>
+            </a:xfrm>
+            <a:prstGeom prst="rect">
+              <a:avLst/>
+            </a:prstGeom>
+            <a:noFill/>
+          </p:spPr>
+          <p:txBody>
+            <a:bodyPr wrap="none" rtlCol="0">
+              <a:spAutoFit/>
+            </a:bodyPr>
+            <a:lstStyle/>
+            <a:p>
+              <a:pPr algn="ctr"/>
+              <a:r>
+                <a:rPr lang="en-US" dirty="0">
+                  <a:latin typeface="Arial" panose="020B0604020202020204" pitchFamily="34" charset="0"/>
+                  <a:cs typeface="Arial" panose="020B0604020202020204" pitchFamily="34" charset="0"/>
+                </a:rPr>
+                <a:t>Roles</a:t>
+              </a:r>
+            </a:p>
+          </p:txBody>
+        </p:sp>
+        <p:sp>
+          <p:nvSpPr>
+            <p:cNvPr id="76" name="TextBox 75">
+              <a:extLst>
+                <a:ext uri="{FF2B5EF4-FFF2-40B4-BE49-F238E27FC236}">
+                  <a16:creationId xmlns:a16="http://schemas.microsoft.com/office/drawing/2014/main" id="{50EA9E83-1165-4ED4-9D64-7EB12247680B}"/>
+                </a:ext>
+              </a:extLst>
+            </p:cNvPr>
+            <p:cNvSpPr txBox="1"/>
+            <p:nvPr/>
+          </p:nvSpPr>
+          <p:spPr>
+            <a:xfrm>
+              <a:off x="6322075" y="401310"/>
+              <a:ext cx="838691" cy="369332"/>
+            </a:xfrm>
+            <a:prstGeom prst="rect">
+              <a:avLst/>
+            </a:prstGeom>
+            <a:noFill/>
+          </p:spPr>
+          <p:txBody>
+            <a:bodyPr wrap="none" rtlCol="0">
+              <a:spAutoFit/>
+            </a:bodyPr>
+            <a:lstStyle/>
+            <a:p>
+              <a:pPr algn="ctr"/>
+              <a:r>
+                <a:rPr lang="en-US" dirty="0">
+                  <a:latin typeface="Arial" panose="020B0604020202020204" pitchFamily="34" charset="0"/>
+                  <a:cs typeface="Arial" panose="020B0604020202020204" pitchFamily="34" charset="0"/>
+                </a:rPr>
+                <a:t>Rights</a:t>
+              </a:r>
+            </a:p>
+          </p:txBody>
+        </p:sp>
+        <p:sp>
+          <p:nvSpPr>
+            <p:cNvPr id="77" name="TextBox 76">
+              <a:extLst>
+                <a:ext uri="{FF2B5EF4-FFF2-40B4-BE49-F238E27FC236}">
+                  <a16:creationId xmlns:a16="http://schemas.microsoft.com/office/drawing/2014/main" id="{68A5E345-B485-497E-A7E6-2CD9B1698840}"/>
+                </a:ext>
+              </a:extLst>
+            </p:cNvPr>
+            <p:cNvSpPr txBox="1"/>
+            <p:nvPr/>
+          </p:nvSpPr>
+          <p:spPr>
+            <a:xfrm>
+              <a:off x="8293744" y="401310"/>
+              <a:ext cx="2082686" cy="369332"/>
+            </a:xfrm>
+            <a:prstGeom prst="rect">
+              <a:avLst/>
+            </a:prstGeom>
+            <a:noFill/>
+          </p:spPr>
+          <p:txBody>
+            <a:bodyPr wrap="none" rtlCol="0">
+              <a:spAutoFit/>
+            </a:bodyPr>
+            <a:lstStyle/>
+            <a:p>
+              <a:pPr algn="ctr"/>
+              <a:r>
+                <a:rPr lang="en-US" dirty="0">
+                  <a:latin typeface="Arial" panose="020B0604020202020204" pitchFamily="34" charset="0"/>
+                  <a:cs typeface="Arial" panose="020B0604020202020204" pitchFamily="34" charset="0"/>
+                </a:rPr>
+                <a:t>Code: UI, API, etc.</a:t>
+              </a:r>
+            </a:p>
+          </p:txBody>
+        </p:sp>
       </p:grpSp>
     </p:spTree>
     <p:extLst>
       <p:ext uri="{BB962C8B-B14F-4D97-AF65-F5344CB8AC3E}">
         <p14:creationId xmlns:p14="http://schemas.microsoft.com/office/powerpoint/2010/main" val="2616802154"/>
+      </p:ext>
+    </p:extLst>
+  </p:cSld>
+  <p:clrMapOvr>
+    <a:masterClrMapping/>
+  </p:clrMapOvr>
+</p:sld>
+</file>
+
+<file path=ppt/slides/slide2.xml><?xml version="1.0" encoding="utf-8"?>
+<p:sld xmlns:a="http://schemas.openxmlformats.org/drawingml/2006/main" xmlns:r="http://schemas.openxmlformats.org/officeDocument/2006/relationships" xmlns:p="http://schemas.openxmlformats.org/presentationml/2006/main" showMasterSp="0">
+  <p:cSld>
+    <p:spTree>
+      <p:nvGrpSpPr>
+        <p:cNvPr id="1" name=""/>
+        <p:cNvGrpSpPr/>
+        <p:nvPr/>
+      </p:nvGrpSpPr>
+      <p:grpSpPr>
+        <a:xfrm>
+          <a:off x="0" y="0"/>
+          <a:ext cx="0" cy="0"/>
+          <a:chOff x="0" y="0"/>
+          <a:chExt cx="0" cy="0"/>
+        </a:xfrm>
+      </p:grpSpPr>
+      <p:grpSp>
+        <p:nvGrpSpPr>
+          <p:cNvPr id="14" name="Group 13">
+            <a:extLst>
+              <a:ext uri="{FF2B5EF4-FFF2-40B4-BE49-F238E27FC236}">
+                <a16:creationId xmlns:a16="http://schemas.microsoft.com/office/drawing/2014/main" id="{5340C2A0-ADFF-41E9-BF77-F40B39292EBC}"/>
+              </a:ext>
+            </a:extLst>
+          </p:cNvPr>
+          <p:cNvGrpSpPr/>
+          <p:nvPr/>
+        </p:nvGrpSpPr>
+        <p:grpSpPr>
+          <a:xfrm>
+            <a:off x="3182508" y="886574"/>
+            <a:ext cx="5826985" cy="5084853"/>
+            <a:chOff x="3336513" y="886574"/>
+            <a:chExt cx="5826985" cy="5084853"/>
+          </a:xfrm>
+        </p:grpSpPr>
+        <p:sp>
+          <p:nvSpPr>
+            <p:cNvPr id="4" name="Rectangle 3">
+              <a:extLst>
+                <a:ext uri="{FF2B5EF4-FFF2-40B4-BE49-F238E27FC236}">
+                  <a16:creationId xmlns:a16="http://schemas.microsoft.com/office/drawing/2014/main" id="{26732FEE-0F22-4E5B-BD0B-B906151ACEE5}"/>
+                </a:ext>
+              </a:extLst>
+            </p:cNvPr>
+            <p:cNvSpPr/>
+            <p:nvPr/>
+          </p:nvSpPr>
+          <p:spPr>
+            <a:xfrm>
+              <a:off x="3336514" y="886574"/>
+              <a:ext cx="1995578" cy="1371600"/>
+            </a:xfrm>
+            <a:prstGeom prst="rect">
+              <a:avLst/>
+            </a:prstGeom>
+            <a:solidFill>
+              <a:schemeClr val="bg1">
+                <a:lumMod val="85000"/>
+              </a:schemeClr>
+            </a:solidFill>
+            <a:ln w="25400">
+              <a:solidFill>
+                <a:schemeClr val="accent6">
+                  <a:lumMod val="75000"/>
+                </a:schemeClr>
+              </a:solidFill>
+              <a:headEnd type="none" w="med" len="med"/>
+              <a:tailEnd type="none" w="med" len="med"/>
+            </a:ln>
+          </p:spPr>
+          <p:style>
+            <a:lnRef idx="2">
+              <a:schemeClr val="dk1"/>
+            </a:lnRef>
+            <a:fillRef idx="1">
+              <a:schemeClr val="lt1"/>
+            </a:fillRef>
+            <a:effectRef idx="0">
+              <a:schemeClr val="dk1"/>
+            </a:effectRef>
+            <a:fontRef idx="minor">
+              <a:schemeClr val="dk1"/>
+            </a:fontRef>
+          </p:style>
+          <p:txBody>
+            <a:bodyPr rtlCol="0" anchor="t" anchorCtr="0"/>
+            <a:lstStyle/>
+            <a:p>
+              <a:pPr algn="ctr"/>
+              <a:r>
+                <a:rPr lang="en-US" dirty="0">
+                  <a:latin typeface="Arial" panose="020B0604020202020204" pitchFamily="34" charset="0"/>
+                  <a:cs typeface="Arial" panose="020B0604020202020204" pitchFamily="34" charset="0"/>
+                </a:rPr>
+                <a:t>SecureObject_0</a:t>
+              </a:r>
+            </a:p>
+          </p:txBody>
+        </p:sp>
+        <p:sp>
+          <p:nvSpPr>
+            <p:cNvPr id="5" name="Rectangle 4">
+              <a:extLst>
+                <a:ext uri="{FF2B5EF4-FFF2-40B4-BE49-F238E27FC236}">
+                  <a16:creationId xmlns:a16="http://schemas.microsoft.com/office/drawing/2014/main" id="{CD901EA8-EFFE-460A-B89E-2FCCC47E9B23}"/>
+                </a:ext>
+              </a:extLst>
+            </p:cNvPr>
+            <p:cNvSpPr/>
+            <p:nvPr/>
+          </p:nvSpPr>
+          <p:spPr>
+            <a:xfrm>
+              <a:off x="4722490" y="2493064"/>
+              <a:ext cx="1995578" cy="1371600"/>
+            </a:xfrm>
+            <a:prstGeom prst="rect">
+              <a:avLst/>
+            </a:prstGeom>
+            <a:solidFill>
+              <a:schemeClr val="bg1">
+                <a:lumMod val="85000"/>
+              </a:schemeClr>
+            </a:solidFill>
+            <a:ln w="25400">
+              <a:solidFill>
+                <a:schemeClr val="accent6">
+                  <a:lumMod val="75000"/>
+                </a:schemeClr>
+              </a:solidFill>
+              <a:headEnd type="none" w="med" len="med"/>
+              <a:tailEnd type="none" w="med" len="med"/>
+            </a:ln>
+          </p:spPr>
+          <p:style>
+            <a:lnRef idx="2">
+              <a:schemeClr val="dk1"/>
+            </a:lnRef>
+            <a:fillRef idx="1">
+              <a:schemeClr val="lt1"/>
+            </a:fillRef>
+            <a:effectRef idx="0">
+              <a:schemeClr val="dk1"/>
+            </a:effectRef>
+            <a:fontRef idx="minor">
+              <a:schemeClr val="dk1"/>
+            </a:fontRef>
+          </p:style>
+          <p:txBody>
+            <a:bodyPr rtlCol="0" anchor="t" anchorCtr="0"/>
+            <a:lstStyle/>
+            <a:p>
+              <a:pPr algn="ctr"/>
+              <a:r>
+                <a:rPr lang="en-US" dirty="0">
+                  <a:latin typeface="Arial" panose="020B0604020202020204" pitchFamily="34" charset="0"/>
+                  <a:cs typeface="Arial" panose="020B0604020202020204" pitchFamily="34" charset="0"/>
+                </a:rPr>
+                <a:t>SecureObject_1</a:t>
+              </a:r>
+            </a:p>
+          </p:txBody>
+        </p:sp>
+        <p:sp>
+          <p:nvSpPr>
+            <p:cNvPr id="6" name="Rectangle 5">
+              <a:extLst>
+                <a:ext uri="{FF2B5EF4-FFF2-40B4-BE49-F238E27FC236}">
+                  <a16:creationId xmlns:a16="http://schemas.microsoft.com/office/drawing/2014/main" id="{400613CF-AF19-4455-B697-09831CD8CC5B}"/>
+                </a:ext>
+              </a:extLst>
+            </p:cNvPr>
+            <p:cNvSpPr/>
+            <p:nvPr/>
+          </p:nvSpPr>
+          <p:spPr>
+            <a:xfrm>
+              <a:off x="6105296" y="4097989"/>
+              <a:ext cx="1995578" cy="1371600"/>
+            </a:xfrm>
+            <a:prstGeom prst="rect">
+              <a:avLst/>
+            </a:prstGeom>
+            <a:solidFill>
+              <a:schemeClr val="bg1">
+                <a:lumMod val="85000"/>
+              </a:schemeClr>
+            </a:solidFill>
+            <a:ln w="25400">
+              <a:solidFill>
+                <a:schemeClr val="accent2"/>
+              </a:solidFill>
+              <a:headEnd type="none" w="med" len="med"/>
+              <a:tailEnd type="none" w="med" len="med"/>
+            </a:ln>
+          </p:spPr>
+          <p:style>
+            <a:lnRef idx="2">
+              <a:schemeClr val="dk1"/>
+            </a:lnRef>
+            <a:fillRef idx="1">
+              <a:schemeClr val="lt1"/>
+            </a:fillRef>
+            <a:effectRef idx="0">
+              <a:schemeClr val="dk1"/>
+            </a:effectRef>
+            <a:fontRef idx="minor">
+              <a:schemeClr val="dk1"/>
+            </a:fontRef>
+          </p:style>
+          <p:txBody>
+            <a:bodyPr rtlCol="0" anchor="t" anchorCtr="0"/>
+            <a:lstStyle/>
+            <a:p>
+              <a:pPr algn="ctr"/>
+              <a:r>
+                <a:rPr lang="en-US" dirty="0">
+                  <a:latin typeface="Arial" panose="020B0604020202020204" pitchFamily="34" charset="0"/>
+                  <a:cs typeface="Arial" panose="020B0604020202020204" pitchFamily="34" charset="0"/>
+                </a:rPr>
+                <a:t>SecureObject_2</a:t>
+              </a:r>
+            </a:p>
+          </p:txBody>
+        </p:sp>
+        <p:cxnSp>
+          <p:nvCxnSpPr>
+            <p:cNvPr id="15" name="Straight Arrow Connector 14">
+              <a:extLst>
+                <a:ext uri="{FF2B5EF4-FFF2-40B4-BE49-F238E27FC236}">
+                  <a16:creationId xmlns:a16="http://schemas.microsoft.com/office/drawing/2014/main" id="{7867D89F-8F62-45E5-8EA6-8ABB6326F0BC}"/>
+                </a:ext>
+              </a:extLst>
+            </p:cNvPr>
+            <p:cNvCxnSpPr>
+              <a:cxnSpLocks/>
+              <a:stCxn id="4" idx="2"/>
+              <a:endCxn id="5" idx="1"/>
+            </p:cNvCxnSpPr>
+            <p:nvPr/>
+          </p:nvCxnSpPr>
+          <p:spPr>
+            <a:xfrm rot="16200000" flipH="1">
+              <a:off x="4068051" y="2524425"/>
+              <a:ext cx="920690" cy="388187"/>
+            </a:xfrm>
+            <a:prstGeom prst="bentConnector2">
+              <a:avLst/>
+            </a:prstGeom>
+            <a:ln w="25400">
+              <a:solidFill>
+                <a:schemeClr val="accent6">
+                  <a:lumMod val="75000"/>
+                </a:schemeClr>
+              </a:solidFill>
+              <a:tailEnd type="triangle"/>
+            </a:ln>
+          </p:spPr>
+          <p:style>
+            <a:lnRef idx="1">
+              <a:schemeClr val="accent1"/>
+            </a:lnRef>
+            <a:fillRef idx="0">
+              <a:schemeClr val="accent1"/>
+            </a:fillRef>
+            <a:effectRef idx="0">
+              <a:schemeClr val="accent1"/>
+            </a:effectRef>
+            <a:fontRef idx="minor">
+              <a:schemeClr val="tx1"/>
+            </a:fontRef>
+          </p:style>
+        </p:cxnSp>
+        <p:cxnSp>
+          <p:nvCxnSpPr>
+            <p:cNvPr id="19" name="Straight Arrow Connector 14">
+              <a:extLst>
+                <a:ext uri="{FF2B5EF4-FFF2-40B4-BE49-F238E27FC236}">
+                  <a16:creationId xmlns:a16="http://schemas.microsoft.com/office/drawing/2014/main" id="{7913D21B-E26B-4F99-B9B7-A443DC1C1591}"/>
+                </a:ext>
+              </a:extLst>
+            </p:cNvPr>
+            <p:cNvCxnSpPr>
+              <a:cxnSpLocks/>
+              <a:stCxn id="5" idx="2"/>
+              <a:endCxn id="6" idx="1"/>
+            </p:cNvCxnSpPr>
+            <p:nvPr/>
+          </p:nvCxnSpPr>
+          <p:spPr>
+            <a:xfrm rot="16200000" flipH="1">
+              <a:off x="5453225" y="4131717"/>
+              <a:ext cx="919125" cy="385017"/>
+            </a:xfrm>
+            <a:prstGeom prst="bentConnector2">
+              <a:avLst/>
+            </a:prstGeom>
+            <a:ln w="25400">
+              <a:solidFill>
+                <a:schemeClr val="accent2"/>
+              </a:solidFill>
+              <a:tailEnd type="triangle"/>
+            </a:ln>
+          </p:spPr>
+          <p:style>
+            <a:lnRef idx="1">
+              <a:schemeClr val="accent1"/>
+            </a:lnRef>
+            <a:fillRef idx="0">
+              <a:schemeClr val="accent1"/>
+            </a:fillRef>
+            <a:effectRef idx="0">
+              <a:schemeClr val="accent1"/>
+            </a:effectRef>
+            <a:fontRef idx="minor">
+              <a:schemeClr val="tx1"/>
+            </a:fontRef>
+          </p:style>
+        </p:cxnSp>
+        <p:grpSp>
+          <p:nvGrpSpPr>
+            <p:cNvPr id="28" name="Group 27">
+              <a:extLst>
+                <a:ext uri="{FF2B5EF4-FFF2-40B4-BE49-F238E27FC236}">
+                  <a16:creationId xmlns:a16="http://schemas.microsoft.com/office/drawing/2014/main" id="{72D61BCF-2BBD-41FF-A995-2A96807721A8}"/>
+                </a:ext>
+              </a:extLst>
+            </p:cNvPr>
+            <p:cNvGrpSpPr/>
+            <p:nvPr/>
+          </p:nvGrpSpPr>
+          <p:grpSpPr>
+            <a:xfrm>
+              <a:off x="5968138" y="4645064"/>
+              <a:ext cx="274320" cy="274320"/>
+              <a:chOff x="7913594" y="2117912"/>
+              <a:chExt cx="450476" cy="450476"/>
+            </a:xfrm>
+          </p:grpSpPr>
+          <p:sp>
+            <p:nvSpPr>
+              <p:cNvPr id="23" name="Oval 22">
+                <a:extLst>
+                  <a:ext uri="{FF2B5EF4-FFF2-40B4-BE49-F238E27FC236}">
+                    <a16:creationId xmlns:a16="http://schemas.microsoft.com/office/drawing/2014/main" id="{202865F3-961D-42A1-85F7-B103DC665B00}"/>
+                  </a:ext>
+                </a:extLst>
+              </p:cNvPr>
+              <p:cNvSpPr/>
+              <p:nvPr/>
+            </p:nvSpPr>
+            <p:spPr>
+              <a:xfrm>
+                <a:off x="7913594" y="2117912"/>
+                <a:ext cx="450476" cy="450476"/>
+              </a:xfrm>
+              <a:prstGeom prst="ellipse">
+                <a:avLst/>
+              </a:prstGeom>
+              <a:solidFill>
+                <a:schemeClr val="bg1">
+                  <a:lumMod val="85000"/>
+                </a:schemeClr>
+              </a:solidFill>
+              <a:ln w="25400">
+                <a:solidFill>
+                  <a:schemeClr val="accent2"/>
+                </a:solidFill>
+              </a:ln>
+            </p:spPr>
+            <p:style>
+              <a:lnRef idx="2">
+                <a:schemeClr val="accent1">
+                  <a:shade val="50000"/>
+                </a:schemeClr>
+              </a:lnRef>
+              <a:fillRef idx="1">
+                <a:schemeClr val="accent1"/>
+              </a:fillRef>
+              <a:effectRef idx="0">
+                <a:schemeClr val="accent1"/>
+              </a:effectRef>
+              <a:fontRef idx="minor">
+                <a:schemeClr val="lt1"/>
+              </a:fontRef>
+            </p:style>
+            <p:txBody>
+              <a:bodyPr rtlCol="0" anchor="ctr"/>
+              <a:lstStyle/>
+              <a:p>
+                <a:pPr algn="ctr"/>
+                <a:endParaRPr lang="en-US"/>
+              </a:p>
+            </p:txBody>
+          </p:sp>
+          <p:cxnSp>
+            <p:nvCxnSpPr>
+              <p:cNvPr id="25" name="Straight Connector 24">
+                <a:extLst>
+                  <a:ext uri="{FF2B5EF4-FFF2-40B4-BE49-F238E27FC236}">
+                    <a16:creationId xmlns:a16="http://schemas.microsoft.com/office/drawing/2014/main" id="{44B7F46B-2F78-47D8-B602-D854C866BA9B}"/>
+                  </a:ext>
+                </a:extLst>
+              </p:cNvPr>
+              <p:cNvCxnSpPr>
+                <a:cxnSpLocks/>
+                <a:stCxn id="23" idx="7"/>
+                <a:endCxn id="23" idx="3"/>
+              </p:cNvCxnSpPr>
+              <p:nvPr/>
+            </p:nvCxnSpPr>
+            <p:spPr>
+              <a:xfrm flipH="1">
+                <a:off x="7979565" y="2183883"/>
+                <a:ext cx="318534" cy="318534"/>
+              </a:xfrm>
+              <a:prstGeom prst="line">
+                <a:avLst/>
+              </a:prstGeom>
+              <a:ln w="25400">
+                <a:solidFill>
+                  <a:schemeClr val="accent2"/>
+                </a:solidFill>
+              </a:ln>
+            </p:spPr>
+            <p:style>
+              <a:lnRef idx="1">
+                <a:schemeClr val="accent1"/>
+              </a:lnRef>
+              <a:fillRef idx="0">
+                <a:schemeClr val="accent1"/>
+              </a:fillRef>
+              <a:effectRef idx="0">
+                <a:schemeClr val="accent1"/>
+              </a:effectRef>
+              <a:fontRef idx="minor">
+                <a:schemeClr val="tx1"/>
+              </a:fontRef>
+            </p:style>
+          </p:cxnSp>
+        </p:grpSp>
+        <p:sp>
+          <p:nvSpPr>
+            <p:cNvPr id="30" name="Rectangle 29">
+              <a:extLst>
+                <a:ext uri="{FF2B5EF4-FFF2-40B4-BE49-F238E27FC236}">
+                  <a16:creationId xmlns:a16="http://schemas.microsoft.com/office/drawing/2014/main" id="{6A249432-0671-4CEF-B4B6-4C059FA61F14}"/>
+                </a:ext>
+              </a:extLst>
+            </p:cNvPr>
+            <p:cNvSpPr/>
+            <p:nvPr/>
+          </p:nvSpPr>
+          <p:spPr>
+            <a:xfrm>
+              <a:off x="3727650" y="1235348"/>
+              <a:ext cx="2377440" cy="258680"/>
+            </a:xfrm>
+            <a:prstGeom prst="rect">
+              <a:avLst/>
+            </a:prstGeom>
+            <a:solidFill>
+              <a:schemeClr val="accent6">
+                <a:lumMod val="40000"/>
+                <a:lumOff val="60000"/>
+              </a:schemeClr>
+            </a:solidFill>
+            <a:ln w="25400">
+              <a:solidFill>
+                <a:schemeClr val="accent2"/>
+              </a:solidFill>
+            </a:ln>
+          </p:spPr>
+          <p:style>
+            <a:lnRef idx="2">
+              <a:schemeClr val="accent1">
+                <a:shade val="50000"/>
+              </a:schemeClr>
+            </a:lnRef>
+            <a:fillRef idx="1">
+              <a:schemeClr val="accent1"/>
+            </a:fillRef>
+            <a:effectRef idx="0">
+              <a:schemeClr val="accent1"/>
+            </a:effectRef>
+            <a:fontRef idx="minor">
+              <a:schemeClr val="lt1"/>
+            </a:fontRef>
+          </p:style>
+          <p:txBody>
+            <a:bodyPr rtlCol="0" anchor="ctr"/>
+            <a:lstStyle/>
+            <a:p>
+              <a:pPr algn="ctr"/>
+              <a:r>
+                <a:rPr lang="en-US" sz="1400" dirty="0">
+                  <a:solidFill>
+                    <a:schemeClr val="tx1"/>
+                  </a:solidFill>
+                  <a:latin typeface="Arial" panose="020B0604020202020204" pitchFamily="34" charset="0"/>
+                  <a:cs typeface="Arial" panose="020B0604020202020204" pitchFamily="34" charset="0"/>
+                </a:rPr>
+                <a:t>User1 – </a:t>
+              </a:r>
+              <a:r>
+                <a:rPr lang="en-US" sz="1400" dirty="0" err="1">
+                  <a:solidFill>
+                    <a:schemeClr val="tx1"/>
+                  </a:solidFill>
+                  <a:latin typeface="Arial" panose="020B0604020202020204" pitchFamily="34" charset="0"/>
+                  <a:cs typeface="Arial" panose="020B0604020202020204" pitchFamily="34" charset="0"/>
+                </a:rPr>
+                <a:t>UIRight.Enabled</a:t>
+              </a:r>
+              <a:endParaRPr lang="en-US" sz="1400" dirty="0">
+                <a:solidFill>
+                  <a:schemeClr val="tx1"/>
+                </a:solidFill>
+                <a:latin typeface="Arial" panose="020B0604020202020204" pitchFamily="34" charset="0"/>
+                <a:cs typeface="Arial" panose="020B0604020202020204" pitchFamily="34" charset="0"/>
+              </a:endParaRPr>
+            </a:p>
+          </p:txBody>
+        </p:sp>
+        <p:sp>
+          <p:nvSpPr>
+            <p:cNvPr id="31" name="Rectangle 30">
+              <a:extLst>
+                <a:ext uri="{FF2B5EF4-FFF2-40B4-BE49-F238E27FC236}">
+                  <a16:creationId xmlns:a16="http://schemas.microsoft.com/office/drawing/2014/main" id="{FF01DA99-4E2B-4AA9-8F71-CC4E11C98E6C}"/>
+                </a:ext>
+              </a:extLst>
+            </p:cNvPr>
+            <p:cNvSpPr/>
+            <p:nvPr/>
+          </p:nvSpPr>
+          <p:spPr>
+            <a:xfrm>
+              <a:off x="3336513" y="2044232"/>
+              <a:ext cx="1645920" cy="213942"/>
+            </a:xfrm>
+            <a:prstGeom prst="rect">
+              <a:avLst/>
+            </a:prstGeom>
+            <a:solidFill>
+              <a:schemeClr val="accent6">
+                <a:lumMod val="75000"/>
+              </a:schemeClr>
+            </a:solidFill>
+            <a:ln>
+              <a:solidFill>
+                <a:schemeClr val="accent6">
+                  <a:lumMod val="75000"/>
+                </a:schemeClr>
+              </a:solidFill>
+            </a:ln>
+          </p:spPr>
+          <p:style>
+            <a:lnRef idx="2">
+              <a:schemeClr val="accent1">
+                <a:shade val="50000"/>
+              </a:schemeClr>
+            </a:lnRef>
+            <a:fillRef idx="1">
+              <a:schemeClr val="accent1"/>
+            </a:fillRef>
+            <a:effectRef idx="0">
+              <a:schemeClr val="accent1"/>
+            </a:effectRef>
+            <a:fontRef idx="minor">
+              <a:schemeClr val="lt1"/>
+            </a:fontRef>
+          </p:style>
+          <p:txBody>
+            <a:bodyPr rtlCol="0" anchor="ctr"/>
+            <a:lstStyle/>
+            <a:p>
+              <a:pPr algn="ctr"/>
+              <a:r>
+                <a:rPr lang="en-US" sz="1400" dirty="0">
+                  <a:latin typeface="Arial" panose="020B0604020202020204" pitchFamily="34" charset="0"/>
+                  <a:cs typeface="Arial" panose="020B0604020202020204" pitchFamily="34" charset="0"/>
+                </a:rPr>
+                <a:t>Allow Inheritance</a:t>
+              </a:r>
+            </a:p>
+          </p:txBody>
+        </p:sp>
+        <p:sp>
+          <p:nvSpPr>
+            <p:cNvPr id="32" name="Rectangle 31">
+              <a:extLst>
+                <a:ext uri="{FF2B5EF4-FFF2-40B4-BE49-F238E27FC236}">
+                  <a16:creationId xmlns:a16="http://schemas.microsoft.com/office/drawing/2014/main" id="{FD3B2029-E28A-44C4-90B2-C28675F34AE3}"/>
+                </a:ext>
+              </a:extLst>
+            </p:cNvPr>
+            <p:cNvSpPr/>
+            <p:nvPr/>
+          </p:nvSpPr>
+          <p:spPr>
+            <a:xfrm>
+              <a:off x="4722489" y="3650722"/>
+              <a:ext cx="1645920" cy="213942"/>
+            </a:xfrm>
+            <a:prstGeom prst="rect">
+              <a:avLst/>
+            </a:prstGeom>
+            <a:solidFill>
+              <a:schemeClr val="accent6">
+                <a:lumMod val="75000"/>
+              </a:schemeClr>
+            </a:solidFill>
+            <a:ln>
+              <a:solidFill>
+                <a:schemeClr val="accent6">
+                  <a:lumMod val="75000"/>
+                </a:schemeClr>
+              </a:solidFill>
+            </a:ln>
+          </p:spPr>
+          <p:style>
+            <a:lnRef idx="2">
+              <a:schemeClr val="accent1">
+                <a:shade val="50000"/>
+              </a:schemeClr>
+            </a:lnRef>
+            <a:fillRef idx="1">
+              <a:schemeClr val="accent1"/>
+            </a:fillRef>
+            <a:effectRef idx="0">
+              <a:schemeClr val="accent1"/>
+            </a:effectRef>
+            <a:fontRef idx="minor">
+              <a:schemeClr val="lt1"/>
+            </a:fontRef>
+          </p:style>
+          <p:txBody>
+            <a:bodyPr rtlCol="0" anchor="ctr"/>
+            <a:lstStyle/>
+            <a:p>
+              <a:pPr algn="ctr"/>
+              <a:r>
+                <a:rPr lang="en-US" sz="1400" dirty="0">
+                  <a:latin typeface="Arial" panose="020B0604020202020204" pitchFamily="34" charset="0"/>
+                  <a:cs typeface="Arial" panose="020B0604020202020204" pitchFamily="34" charset="0"/>
+                </a:rPr>
+                <a:t>Allow Inheritance</a:t>
+              </a:r>
+            </a:p>
+          </p:txBody>
+        </p:sp>
+        <p:sp>
+          <p:nvSpPr>
+            <p:cNvPr id="33" name="Rectangle 32">
+              <a:extLst>
+                <a:ext uri="{FF2B5EF4-FFF2-40B4-BE49-F238E27FC236}">
+                  <a16:creationId xmlns:a16="http://schemas.microsoft.com/office/drawing/2014/main" id="{D34DC799-9D41-4095-A8B2-958B48D09691}"/>
+                </a:ext>
+              </a:extLst>
+            </p:cNvPr>
+            <p:cNvSpPr/>
+            <p:nvPr/>
+          </p:nvSpPr>
+          <p:spPr>
+            <a:xfrm>
+              <a:off x="6105295" y="5255647"/>
+              <a:ext cx="1645920" cy="213942"/>
+            </a:xfrm>
+            <a:prstGeom prst="rect">
+              <a:avLst/>
+            </a:prstGeom>
+            <a:solidFill>
+              <a:schemeClr val="accent2"/>
+            </a:solidFill>
+            <a:ln>
+              <a:solidFill>
+                <a:schemeClr val="accent2"/>
+              </a:solidFill>
+            </a:ln>
+          </p:spPr>
+          <p:style>
+            <a:lnRef idx="2">
+              <a:schemeClr val="accent1">
+                <a:shade val="50000"/>
+              </a:schemeClr>
+            </a:lnRef>
+            <a:fillRef idx="1">
+              <a:schemeClr val="accent1"/>
+            </a:fillRef>
+            <a:effectRef idx="0">
+              <a:schemeClr val="accent1"/>
+            </a:effectRef>
+            <a:fontRef idx="minor">
+              <a:schemeClr val="lt1"/>
+            </a:fontRef>
+          </p:style>
+          <p:txBody>
+            <a:bodyPr rtlCol="0" anchor="ctr"/>
+            <a:lstStyle/>
+            <a:p>
+              <a:pPr algn="ctr"/>
+              <a:r>
+                <a:rPr lang="en-US" sz="1400" dirty="0">
+                  <a:latin typeface="Arial" panose="020B0604020202020204" pitchFamily="34" charset="0"/>
+                  <a:cs typeface="Arial" panose="020B0604020202020204" pitchFamily="34" charset="0"/>
+                </a:rPr>
+                <a:t>Block Inheritance</a:t>
+              </a:r>
+            </a:p>
+          </p:txBody>
+        </p:sp>
+        <p:sp>
+          <p:nvSpPr>
+            <p:cNvPr id="34" name="Rectangle 33">
+              <a:extLst>
+                <a:ext uri="{FF2B5EF4-FFF2-40B4-BE49-F238E27FC236}">
+                  <a16:creationId xmlns:a16="http://schemas.microsoft.com/office/drawing/2014/main" id="{A37FDC9B-CC41-4187-8140-D834B2136022}"/>
+                </a:ext>
+              </a:extLst>
+            </p:cNvPr>
+            <p:cNvSpPr/>
+            <p:nvPr/>
+          </p:nvSpPr>
+          <p:spPr>
+            <a:xfrm>
+              <a:off x="5117402" y="2843121"/>
+              <a:ext cx="2377440" cy="256032"/>
+            </a:xfrm>
+            <a:prstGeom prst="rect">
+              <a:avLst/>
+            </a:prstGeom>
+            <a:solidFill>
+              <a:schemeClr val="accent4">
+                <a:lumMod val="20000"/>
+                <a:lumOff val="80000"/>
+              </a:schemeClr>
+            </a:solidFill>
+            <a:ln w="25400">
+              <a:solidFill>
+                <a:schemeClr val="accent6">
+                  <a:lumMod val="75000"/>
+                </a:schemeClr>
+              </a:solidFill>
+            </a:ln>
+          </p:spPr>
+          <p:style>
+            <a:lnRef idx="2">
+              <a:schemeClr val="accent1">
+                <a:shade val="50000"/>
+              </a:schemeClr>
+            </a:lnRef>
+            <a:fillRef idx="1">
+              <a:schemeClr val="accent1"/>
+            </a:fillRef>
+            <a:effectRef idx="0">
+              <a:schemeClr val="accent1"/>
+            </a:effectRef>
+            <a:fontRef idx="minor">
+              <a:schemeClr val="lt1"/>
+            </a:fontRef>
+          </p:style>
+          <p:txBody>
+            <a:bodyPr rtlCol="0" anchor="ctr"/>
+            <a:lstStyle/>
+            <a:p>
+              <a:pPr algn="ctr"/>
+              <a:r>
+                <a:rPr lang="en-US" sz="1400" dirty="0">
+                  <a:solidFill>
+                    <a:schemeClr val="tx1"/>
+                  </a:solidFill>
+                  <a:latin typeface="Arial" panose="020B0604020202020204" pitchFamily="34" charset="0"/>
+                  <a:cs typeface="Arial" panose="020B0604020202020204" pitchFamily="34" charset="0"/>
+                </a:rPr>
+                <a:t>User1 – RecordRight.Insert</a:t>
+              </a:r>
+            </a:p>
+          </p:txBody>
+        </p:sp>
+        <p:cxnSp>
+          <p:nvCxnSpPr>
+            <p:cNvPr id="39" name="Straight Arrow Connector 38">
+              <a:extLst>
+                <a:ext uri="{FF2B5EF4-FFF2-40B4-BE49-F238E27FC236}">
+                  <a16:creationId xmlns:a16="http://schemas.microsoft.com/office/drawing/2014/main" id="{7DC8D7AD-89E2-46D5-8EF3-C558B77E3E87}"/>
+                </a:ext>
+              </a:extLst>
+            </p:cNvPr>
+            <p:cNvCxnSpPr>
+              <a:cxnSpLocks/>
+              <a:stCxn id="26" idx="3"/>
+            </p:cNvCxnSpPr>
+            <p:nvPr/>
+          </p:nvCxnSpPr>
+          <p:spPr>
+            <a:xfrm>
+              <a:off x="6105090" y="1672550"/>
+              <a:ext cx="1104479" cy="1170571"/>
+            </a:xfrm>
+            <a:prstGeom prst="curvedConnector2">
+              <a:avLst/>
+            </a:prstGeom>
+            <a:ln w="25400">
+              <a:solidFill>
+                <a:schemeClr val="accent6">
+                  <a:lumMod val="75000"/>
+                </a:schemeClr>
+              </a:solidFill>
+              <a:tailEnd type="triangle"/>
+            </a:ln>
+          </p:spPr>
+          <p:style>
+            <a:lnRef idx="1">
+              <a:schemeClr val="accent1"/>
+            </a:lnRef>
+            <a:fillRef idx="0">
+              <a:schemeClr val="accent1"/>
+            </a:fillRef>
+            <a:effectRef idx="0">
+              <a:schemeClr val="accent1"/>
+            </a:effectRef>
+            <a:fontRef idx="minor">
+              <a:schemeClr val="tx1"/>
+            </a:fontRef>
+          </p:style>
+        </p:cxnSp>
+        <p:cxnSp>
+          <p:nvCxnSpPr>
+            <p:cNvPr id="42" name="Straight Arrow Connector 38">
+              <a:extLst>
+                <a:ext uri="{FF2B5EF4-FFF2-40B4-BE49-F238E27FC236}">
+                  <a16:creationId xmlns:a16="http://schemas.microsoft.com/office/drawing/2014/main" id="{D9DEE0F6-FAA3-456D-B52B-F73BCF008FD8}"/>
+                </a:ext>
+              </a:extLst>
+            </p:cNvPr>
+            <p:cNvCxnSpPr>
+              <a:cxnSpLocks/>
+              <a:stCxn id="34" idx="3"/>
+            </p:cNvCxnSpPr>
+            <p:nvPr/>
+          </p:nvCxnSpPr>
+          <p:spPr>
+            <a:xfrm>
+              <a:off x="7494842" y="2971137"/>
+              <a:ext cx="496669" cy="543990"/>
+            </a:xfrm>
+            <a:prstGeom prst="curvedConnector2">
+              <a:avLst/>
+            </a:prstGeom>
+            <a:ln w="25400">
+              <a:solidFill>
+                <a:schemeClr val="accent2"/>
+              </a:solidFill>
+              <a:tailEnd type="triangle"/>
+            </a:ln>
+          </p:spPr>
+          <p:style>
+            <a:lnRef idx="1">
+              <a:schemeClr val="accent1"/>
+            </a:lnRef>
+            <a:fillRef idx="0">
+              <a:schemeClr val="accent1"/>
+            </a:fillRef>
+            <a:effectRef idx="0">
+              <a:schemeClr val="accent1"/>
+            </a:effectRef>
+            <a:fontRef idx="minor">
+              <a:schemeClr val="tx1"/>
+            </a:fontRef>
+          </p:style>
+        </p:cxnSp>
+        <p:grpSp>
+          <p:nvGrpSpPr>
+            <p:cNvPr id="45" name="Group 44">
+              <a:extLst>
+                <a:ext uri="{FF2B5EF4-FFF2-40B4-BE49-F238E27FC236}">
+                  <a16:creationId xmlns:a16="http://schemas.microsoft.com/office/drawing/2014/main" id="{F2B37A6A-3E5A-4A8D-9AEC-9B32B872A46E}"/>
+                </a:ext>
+              </a:extLst>
+            </p:cNvPr>
+            <p:cNvGrpSpPr/>
+            <p:nvPr/>
+          </p:nvGrpSpPr>
+          <p:grpSpPr>
+            <a:xfrm>
+              <a:off x="7874523" y="3395078"/>
+              <a:ext cx="274320" cy="274320"/>
+              <a:chOff x="7913594" y="2117912"/>
+              <a:chExt cx="450476" cy="450476"/>
+            </a:xfrm>
+          </p:grpSpPr>
+          <p:sp>
+            <p:nvSpPr>
+              <p:cNvPr id="46" name="Oval 45">
+                <a:extLst>
+                  <a:ext uri="{FF2B5EF4-FFF2-40B4-BE49-F238E27FC236}">
+                    <a16:creationId xmlns:a16="http://schemas.microsoft.com/office/drawing/2014/main" id="{DF4359BF-359E-4F29-B890-A98B05510170}"/>
+                  </a:ext>
+                </a:extLst>
+              </p:cNvPr>
+              <p:cNvSpPr/>
+              <p:nvPr/>
+            </p:nvSpPr>
+            <p:spPr>
+              <a:xfrm>
+                <a:off x="7913594" y="2117912"/>
+                <a:ext cx="450476" cy="450476"/>
+              </a:xfrm>
+              <a:prstGeom prst="ellipse">
+                <a:avLst/>
+              </a:prstGeom>
+              <a:solidFill>
+                <a:schemeClr val="bg1">
+                  <a:lumMod val="85000"/>
+                </a:schemeClr>
+              </a:solidFill>
+              <a:ln w="25400">
+                <a:solidFill>
+                  <a:schemeClr val="accent2"/>
+                </a:solidFill>
+              </a:ln>
+            </p:spPr>
+            <p:style>
+              <a:lnRef idx="2">
+                <a:schemeClr val="accent1">
+                  <a:shade val="50000"/>
+                </a:schemeClr>
+              </a:lnRef>
+              <a:fillRef idx="1">
+                <a:schemeClr val="accent1"/>
+              </a:fillRef>
+              <a:effectRef idx="0">
+                <a:schemeClr val="accent1"/>
+              </a:effectRef>
+              <a:fontRef idx="minor">
+                <a:schemeClr val="lt1"/>
+              </a:fontRef>
+            </p:style>
+            <p:txBody>
+              <a:bodyPr rtlCol="0" anchor="ctr"/>
+              <a:lstStyle/>
+              <a:p>
+                <a:pPr algn="ctr"/>
+                <a:endParaRPr lang="en-US"/>
+              </a:p>
+            </p:txBody>
+          </p:sp>
+          <p:cxnSp>
+            <p:nvCxnSpPr>
+              <p:cNvPr id="47" name="Straight Connector 46">
+                <a:extLst>
+                  <a:ext uri="{FF2B5EF4-FFF2-40B4-BE49-F238E27FC236}">
+                    <a16:creationId xmlns:a16="http://schemas.microsoft.com/office/drawing/2014/main" id="{6630CE86-ADFD-467E-8E9B-B5FA0D3934BF}"/>
+                  </a:ext>
+                </a:extLst>
+              </p:cNvPr>
+              <p:cNvCxnSpPr>
+                <a:cxnSpLocks/>
+                <a:stCxn id="46" idx="7"/>
+                <a:endCxn id="46" idx="3"/>
+              </p:cNvCxnSpPr>
+              <p:nvPr/>
+            </p:nvCxnSpPr>
+            <p:spPr>
+              <a:xfrm flipH="1">
+                <a:off x="7979565" y="2183883"/>
+                <a:ext cx="318534" cy="318534"/>
+              </a:xfrm>
+              <a:prstGeom prst="line">
+                <a:avLst/>
+              </a:prstGeom>
+              <a:ln w="25400">
+                <a:solidFill>
+                  <a:schemeClr val="accent2"/>
+                </a:solidFill>
+              </a:ln>
+            </p:spPr>
+            <p:style>
+              <a:lnRef idx="1">
+                <a:schemeClr val="accent1"/>
+              </a:lnRef>
+              <a:fillRef idx="0">
+                <a:schemeClr val="accent1"/>
+              </a:fillRef>
+              <a:effectRef idx="0">
+                <a:schemeClr val="accent1"/>
+              </a:effectRef>
+              <a:fontRef idx="minor">
+                <a:schemeClr val="tx1"/>
+              </a:fontRef>
+            </p:style>
+          </p:cxnSp>
+        </p:grpSp>
+        <p:sp>
+          <p:nvSpPr>
+            <p:cNvPr id="48" name="TextBox 47">
+              <a:extLst>
+                <a:ext uri="{FF2B5EF4-FFF2-40B4-BE49-F238E27FC236}">
+                  <a16:creationId xmlns:a16="http://schemas.microsoft.com/office/drawing/2014/main" id="{17767469-1EFE-438C-8B7D-9FC2BCA9D6DE}"/>
+                </a:ext>
+              </a:extLst>
+            </p:cNvPr>
+            <p:cNvSpPr txBox="1"/>
+            <p:nvPr/>
+          </p:nvSpPr>
+          <p:spPr>
+            <a:xfrm>
+              <a:off x="7119180" y="2228722"/>
+              <a:ext cx="1495922" cy="461665"/>
+            </a:xfrm>
+            <a:prstGeom prst="rect">
+              <a:avLst/>
+            </a:prstGeom>
+            <a:noFill/>
+          </p:spPr>
+          <p:txBody>
+            <a:bodyPr wrap="none" rtlCol="0">
+              <a:spAutoFit/>
+            </a:bodyPr>
+            <a:lstStyle/>
+            <a:p>
+              <a:r>
+                <a:rPr lang="en-US" sz="1200" dirty="0">
+                  <a:solidFill>
+                    <a:schemeClr val="accent6">
+                      <a:lumMod val="75000"/>
+                    </a:schemeClr>
+                  </a:solidFill>
+                  <a:latin typeface="Arial" panose="020B0604020202020204" pitchFamily="34" charset="0"/>
+                  <a:cs typeface="Arial" panose="020B0604020202020204" pitchFamily="34" charset="0"/>
+                </a:rPr>
+                <a:t>Ace propagates</a:t>
+              </a:r>
+            </a:p>
+            <a:p>
+              <a:r>
+                <a:rPr lang="en-US" sz="1200" dirty="0">
+                  <a:solidFill>
+                    <a:schemeClr val="accent6">
+                      <a:lumMod val="75000"/>
+                    </a:schemeClr>
+                  </a:solidFill>
+                  <a:latin typeface="Arial" panose="020B0604020202020204" pitchFamily="34" charset="0"/>
+                  <a:cs typeface="Arial" panose="020B0604020202020204" pitchFamily="34" charset="0"/>
+                </a:rPr>
+                <a:t>through inheritance</a:t>
+              </a:r>
+            </a:p>
+          </p:txBody>
+        </p:sp>
+        <p:sp>
+          <p:nvSpPr>
+            <p:cNvPr id="49" name="TextBox 48">
+              <a:extLst>
+                <a:ext uri="{FF2B5EF4-FFF2-40B4-BE49-F238E27FC236}">
+                  <a16:creationId xmlns:a16="http://schemas.microsoft.com/office/drawing/2014/main" id="{FF100D78-25EE-4FA3-8DC3-D777E2DCDB59}"/>
+                </a:ext>
+              </a:extLst>
+            </p:cNvPr>
+            <p:cNvSpPr txBox="1"/>
+            <p:nvPr/>
+          </p:nvSpPr>
+          <p:spPr>
+            <a:xfrm>
+              <a:off x="6103338" y="5509762"/>
+              <a:ext cx="2146742" cy="461665"/>
+            </a:xfrm>
+            <a:prstGeom prst="rect">
+              <a:avLst/>
+            </a:prstGeom>
+            <a:noFill/>
+          </p:spPr>
+          <p:txBody>
+            <a:bodyPr wrap="none" rtlCol="0">
+              <a:spAutoFit/>
+            </a:bodyPr>
+            <a:lstStyle/>
+            <a:p>
+              <a:r>
+                <a:rPr lang="en-US" sz="1200" dirty="0">
+                  <a:solidFill>
+                    <a:schemeClr val="accent2"/>
+                  </a:solidFill>
+                  <a:latin typeface="Arial" panose="020B0604020202020204" pitchFamily="34" charset="0"/>
+                  <a:cs typeface="Arial" panose="020B0604020202020204" pitchFamily="34" charset="0"/>
+                </a:rPr>
+                <a:t>No Aces as inheritance is</a:t>
+              </a:r>
+            </a:p>
+            <a:p>
+              <a:r>
+                <a:rPr lang="en-US" sz="1200" dirty="0">
+                  <a:solidFill>
+                    <a:schemeClr val="accent2"/>
+                  </a:solidFill>
+                  <a:latin typeface="Arial" panose="020B0604020202020204" pitchFamily="34" charset="0"/>
+                  <a:cs typeface="Arial" panose="020B0604020202020204" pitchFamily="34" charset="0"/>
+                </a:rPr>
+                <a:t>blocked by the SecureObject</a:t>
+              </a:r>
+            </a:p>
+          </p:txBody>
+        </p:sp>
+        <p:sp>
+          <p:nvSpPr>
+            <p:cNvPr id="26" name="Rectangle 25">
+              <a:extLst>
+                <a:ext uri="{FF2B5EF4-FFF2-40B4-BE49-F238E27FC236}">
+                  <a16:creationId xmlns:a16="http://schemas.microsoft.com/office/drawing/2014/main" id="{707C70A1-2DA6-42B8-98AB-C4B0D440C198}"/>
+                </a:ext>
+              </a:extLst>
+            </p:cNvPr>
+            <p:cNvSpPr/>
+            <p:nvPr/>
+          </p:nvSpPr>
+          <p:spPr>
+            <a:xfrm>
+              <a:off x="3727650" y="1543210"/>
+              <a:ext cx="2377440" cy="258680"/>
+            </a:xfrm>
+            <a:prstGeom prst="rect">
+              <a:avLst/>
+            </a:prstGeom>
+            <a:solidFill>
+              <a:schemeClr val="accent4">
+                <a:lumMod val="20000"/>
+                <a:lumOff val="80000"/>
+              </a:schemeClr>
+            </a:solidFill>
+            <a:ln w="25400">
+              <a:solidFill>
+                <a:schemeClr val="accent6">
+                  <a:lumMod val="75000"/>
+                </a:schemeClr>
+              </a:solidFill>
+            </a:ln>
+          </p:spPr>
+          <p:style>
+            <a:lnRef idx="2">
+              <a:schemeClr val="accent1">
+                <a:shade val="50000"/>
+              </a:schemeClr>
+            </a:lnRef>
+            <a:fillRef idx="1">
+              <a:schemeClr val="accent1"/>
+            </a:fillRef>
+            <a:effectRef idx="0">
+              <a:schemeClr val="accent1"/>
+            </a:effectRef>
+            <a:fontRef idx="minor">
+              <a:schemeClr val="lt1"/>
+            </a:fontRef>
+          </p:style>
+          <p:txBody>
+            <a:bodyPr rtlCol="0" anchor="ctr"/>
+            <a:lstStyle/>
+            <a:p>
+              <a:pPr algn="ctr"/>
+              <a:r>
+                <a:rPr lang="en-US" sz="1400" dirty="0">
+                  <a:solidFill>
+                    <a:schemeClr val="tx1"/>
+                  </a:solidFill>
+                  <a:latin typeface="Arial" panose="020B0604020202020204" pitchFamily="34" charset="0"/>
+                  <a:cs typeface="Arial" panose="020B0604020202020204" pitchFamily="34" charset="0"/>
+                </a:rPr>
+                <a:t>User1 – </a:t>
+              </a:r>
+              <a:r>
+                <a:rPr lang="en-US" sz="1400" dirty="0" err="1">
+                  <a:solidFill>
+                    <a:schemeClr val="tx1"/>
+                  </a:solidFill>
+                  <a:latin typeface="Arial" panose="020B0604020202020204" pitchFamily="34" charset="0"/>
+                  <a:cs typeface="Arial" panose="020B0604020202020204" pitchFamily="34" charset="0"/>
+                </a:rPr>
+                <a:t>RecordRight.Insert</a:t>
+              </a:r>
+              <a:endParaRPr lang="en-US" sz="1400" dirty="0">
+                <a:solidFill>
+                  <a:schemeClr val="tx1"/>
+                </a:solidFill>
+                <a:latin typeface="Arial" panose="020B0604020202020204" pitchFamily="34" charset="0"/>
+                <a:cs typeface="Arial" panose="020B0604020202020204" pitchFamily="34" charset="0"/>
+              </a:endParaRPr>
+            </a:p>
+          </p:txBody>
+        </p:sp>
+        <p:sp>
+          <p:nvSpPr>
+            <p:cNvPr id="29" name="TextBox 28">
+              <a:extLst>
+                <a:ext uri="{FF2B5EF4-FFF2-40B4-BE49-F238E27FC236}">
+                  <a16:creationId xmlns:a16="http://schemas.microsoft.com/office/drawing/2014/main" id="{7FCFBBC4-1509-4FB2-8266-62C66DD22E55}"/>
+                </a:ext>
+              </a:extLst>
+            </p:cNvPr>
+            <p:cNvSpPr txBox="1"/>
+            <p:nvPr/>
+          </p:nvSpPr>
+          <p:spPr>
+            <a:xfrm>
+              <a:off x="6585548" y="1001159"/>
+              <a:ext cx="2577950" cy="461665"/>
+            </a:xfrm>
+            <a:prstGeom prst="rect">
+              <a:avLst/>
+            </a:prstGeom>
+            <a:noFill/>
+          </p:spPr>
+          <p:txBody>
+            <a:bodyPr wrap="none" rtlCol="0">
+              <a:spAutoFit/>
+            </a:bodyPr>
+            <a:lstStyle/>
+            <a:p>
+              <a:r>
+                <a:rPr lang="en-US" sz="1200" dirty="0">
+                  <a:solidFill>
+                    <a:schemeClr val="accent2"/>
+                  </a:solidFill>
+                  <a:latin typeface="Arial" panose="020B0604020202020204" pitchFamily="34" charset="0"/>
+                  <a:cs typeface="Arial" panose="020B0604020202020204" pitchFamily="34" charset="0"/>
+                </a:rPr>
+                <a:t>Ace does not propagate –</a:t>
+              </a:r>
+            </a:p>
+            <a:p>
+              <a:r>
+                <a:rPr lang="en-US" sz="1200" dirty="0">
+                  <a:solidFill>
+                    <a:schemeClr val="accent2"/>
+                  </a:solidFill>
+                  <a:latin typeface="Arial" panose="020B0604020202020204" pitchFamily="34" charset="0"/>
+                  <a:cs typeface="Arial" panose="020B0604020202020204" pitchFamily="34" charset="0"/>
+                </a:rPr>
+                <a:t>individually configured not to inherit</a:t>
+              </a:r>
+            </a:p>
+          </p:txBody>
+        </p:sp>
+        <p:sp>
+          <p:nvSpPr>
+            <p:cNvPr id="13" name="Arc 12">
+              <a:extLst>
+                <a:ext uri="{FF2B5EF4-FFF2-40B4-BE49-F238E27FC236}">
+                  <a16:creationId xmlns:a16="http://schemas.microsoft.com/office/drawing/2014/main" id="{8EB8D554-6D03-4051-9E4E-6B32EFBE5F9A}"/>
+                </a:ext>
+              </a:extLst>
+            </p:cNvPr>
+            <p:cNvSpPr/>
+            <p:nvPr/>
+          </p:nvSpPr>
+          <p:spPr>
+            <a:xfrm>
+              <a:off x="4818330" y="1367083"/>
+              <a:ext cx="2594232" cy="1435864"/>
+            </a:xfrm>
+            <a:prstGeom prst="arc">
+              <a:avLst>
+                <a:gd name="adj1" fmla="val 16200000"/>
+                <a:gd name="adj2" fmla="val 21558206"/>
+              </a:avLst>
+            </a:prstGeom>
+            <a:ln w="25400">
+              <a:solidFill>
+                <a:schemeClr val="accent2"/>
+              </a:solidFill>
+              <a:tailEnd type="triangle"/>
+            </a:ln>
+          </p:spPr>
+          <p:style>
+            <a:lnRef idx="1">
+              <a:schemeClr val="accent1"/>
+            </a:lnRef>
+            <a:fillRef idx="0">
+              <a:schemeClr val="accent1"/>
+            </a:fillRef>
+            <a:effectRef idx="0">
+              <a:schemeClr val="accent1"/>
+            </a:effectRef>
+            <a:fontRef idx="minor">
+              <a:schemeClr val="tx1"/>
+            </a:fontRef>
+          </p:style>
+          <p:txBody>
+            <a:bodyPr rtlCol="0" anchor="ctr"/>
+            <a:lstStyle/>
+            <a:p>
+              <a:pPr algn="ctr"/>
+              <a:endParaRPr lang="en-US"/>
+            </a:p>
+          </p:txBody>
+        </p:sp>
+        <p:grpSp>
+          <p:nvGrpSpPr>
+            <p:cNvPr id="36" name="Group 35">
+              <a:extLst>
+                <a:ext uri="{FF2B5EF4-FFF2-40B4-BE49-F238E27FC236}">
+                  <a16:creationId xmlns:a16="http://schemas.microsoft.com/office/drawing/2014/main" id="{359FAE1D-BD1D-4F9D-ACA2-83F5B33461BB}"/>
+                </a:ext>
+              </a:extLst>
+            </p:cNvPr>
+            <p:cNvGrpSpPr/>
+            <p:nvPr/>
+          </p:nvGrpSpPr>
+          <p:grpSpPr>
+            <a:xfrm>
+              <a:off x="7251190" y="1793858"/>
+              <a:ext cx="274320" cy="274320"/>
+              <a:chOff x="7913594" y="2117912"/>
+              <a:chExt cx="450476" cy="450476"/>
+            </a:xfrm>
+          </p:grpSpPr>
+          <p:sp>
+            <p:nvSpPr>
+              <p:cNvPr id="37" name="Oval 36">
+                <a:extLst>
+                  <a:ext uri="{FF2B5EF4-FFF2-40B4-BE49-F238E27FC236}">
+                    <a16:creationId xmlns:a16="http://schemas.microsoft.com/office/drawing/2014/main" id="{622679EF-03A7-4CD8-B428-BCAA33CF7892}"/>
+                  </a:ext>
+                </a:extLst>
+              </p:cNvPr>
+              <p:cNvSpPr/>
+              <p:nvPr/>
+            </p:nvSpPr>
+            <p:spPr>
+              <a:xfrm>
+                <a:off x="7913594" y="2117912"/>
+                <a:ext cx="450476" cy="450476"/>
+              </a:xfrm>
+              <a:prstGeom prst="ellipse">
+                <a:avLst/>
+              </a:prstGeom>
+              <a:solidFill>
+                <a:schemeClr val="bg1">
+                  <a:lumMod val="85000"/>
+                </a:schemeClr>
+              </a:solidFill>
+              <a:ln w="25400">
+                <a:solidFill>
+                  <a:schemeClr val="accent2"/>
+                </a:solidFill>
+              </a:ln>
+            </p:spPr>
+            <p:style>
+              <a:lnRef idx="2">
+                <a:schemeClr val="accent1">
+                  <a:shade val="50000"/>
+                </a:schemeClr>
+              </a:lnRef>
+              <a:fillRef idx="1">
+                <a:schemeClr val="accent1"/>
+              </a:fillRef>
+              <a:effectRef idx="0">
+                <a:schemeClr val="accent1"/>
+              </a:effectRef>
+              <a:fontRef idx="minor">
+                <a:schemeClr val="lt1"/>
+              </a:fontRef>
+            </p:style>
+            <p:txBody>
+              <a:bodyPr rtlCol="0" anchor="ctr"/>
+              <a:lstStyle/>
+              <a:p>
+                <a:pPr algn="ctr"/>
+                <a:endParaRPr lang="en-US"/>
+              </a:p>
+            </p:txBody>
+          </p:sp>
+          <p:cxnSp>
+            <p:nvCxnSpPr>
+              <p:cNvPr id="38" name="Straight Connector 37">
+                <a:extLst>
+                  <a:ext uri="{FF2B5EF4-FFF2-40B4-BE49-F238E27FC236}">
+                    <a16:creationId xmlns:a16="http://schemas.microsoft.com/office/drawing/2014/main" id="{BFD6E759-9D38-4BB7-9086-AB94550168AE}"/>
+                  </a:ext>
+                </a:extLst>
+              </p:cNvPr>
+              <p:cNvCxnSpPr>
+                <a:cxnSpLocks/>
+                <a:stCxn id="37" idx="7"/>
+                <a:endCxn id="37" idx="3"/>
+              </p:cNvCxnSpPr>
+              <p:nvPr/>
+            </p:nvCxnSpPr>
+            <p:spPr>
+              <a:xfrm flipH="1">
+                <a:off x="7979565" y="2183883"/>
+                <a:ext cx="318534" cy="318534"/>
+              </a:xfrm>
+              <a:prstGeom prst="line">
+                <a:avLst/>
+              </a:prstGeom>
+              <a:ln w="25400">
+                <a:solidFill>
+                  <a:schemeClr val="accent2"/>
+                </a:solidFill>
+              </a:ln>
+            </p:spPr>
+            <p:style>
+              <a:lnRef idx="1">
+                <a:schemeClr val="accent1"/>
+              </a:lnRef>
+              <a:fillRef idx="0">
+                <a:schemeClr val="accent1"/>
+              </a:fillRef>
+              <a:effectRef idx="0">
+                <a:schemeClr val="accent1"/>
+              </a:effectRef>
+              <a:fontRef idx="minor">
+                <a:schemeClr val="tx1"/>
+              </a:fontRef>
+            </p:style>
+          </p:cxnSp>
+        </p:grpSp>
+      </p:grpSp>
+    </p:spTree>
+    <p:extLst>
+      <p:ext uri="{BB962C8B-B14F-4D97-AF65-F5344CB8AC3E}">
+        <p14:creationId xmlns:p14="http://schemas.microsoft.com/office/powerpoint/2010/main" val="1042806388"/>
       </p:ext>
     </p:extLst>
   </p:cSld>

--- a/docs/img/graphics.pptx
+++ b/docs/img/graphics.pptx
@@ -7,6 +7,7 @@
   <p:sldIdLst>
     <p:sldId id="256" r:id="rId2"/>
     <p:sldId id="257" r:id="rId3"/>
+    <p:sldId id="258" r:id="rId4"/>
   </p:sldIdLst>
   <p:sldSz cx="12192000" cy="6858000"/>
   <p:notesSz cx="6858000" cy="9144000"/>
@@ -1522,7 +1523,7 @@
           <a:p>
             <a:fld id="{8CE7A9C6-D41E-4192-9A26-D27B921AC6F7}" type="datetimeFigureOut">
               <a:rPr lang="en-US" smtClean="0"/>
-              <a:t>3/12/2019</a:t>
+              <a:t>3/13/2019</a:t>
             </a:fld>
             <a:endParaRPr lang="en-US"/>
           </a:p>
@@ -2981,7 +2982,7 @@
           <a:p>
             <a:fld id="{8CE7A9C6-D41E-4192-9A26-D27B921AC6F7}" type="datetimeFigureOut">
               <a:rPr lang="en-US" smtClean="0"/>
-              <a:t>3/12/2019</a:t>
+              <a:t>3/13/2019</a:t>
             </a:fld>
             <a:endParaRPr lang="en-US"/>
           </a:p>
@@ -4434,7 +4435,7 @@
           <a:p>
             <a:fld id="{8CE7A9C6-D41E-4192-9A26-D27B921AC6F7}" type="datetimeFigureOut">
               <a:rPr lang="en-US" smtClean="0"/>
-              <a:t>3/12/2019</a:t>
+              <a:t>3/13/2019</a:t>
             </a:fld>
             <a:endParaRPr lang="en-US"/>
           </a:p>
@@ -5889,7 +5890,7 @@
           <a:p>
             <a:fld id="{8CE7A9C6-D41E-4192-9A26-D27B921AC6F7}" type="datetimeFigureOut">
               <a:rPr lang="en-US" smtClean="0"/>
-              <a:t>3/12/2019</a:t>
+              <a:t>3/13/2019</a:t>
             </a:fld>
             <a:endParaRPr lang="en-US"/>
           </a:p>
@@ -7397,7 +7398,7 @@
           <a:p>
             <a:fld id="{8CE7A9C6-D41E-4192-9A26-D27B921AC6F7}" type="datetimeFigureOut">
               <a:rPr lang="en-US" smtClean="0"/>
-              <a:t>3/12/2019</a:t>
+              <a:t>3/13/2019</a:t>
             </a:fld>
             <a:endParaRPr lang="en-US"/>
           </a:p>
@@ -8918,7 +8919,7 @@
           <a:p>
             <a:fld id="{8CE7A9C6-D41E-4192-9A26-D27B921AC6F7}" type="datetimeFigureOut">
               <a:rPr lang="en-US" smtClean="0"/>
-              <a:t>3/12/2019</a:t>
+              <a:t>3/13/2019</a:t>
             </a:fld>
             <a:endParaRPr lang="en-US"/>
           </a:p>
@@ -10583,7 +10584,7 @@
           <a:p>
             <a:fld id="{8CE7A9C6-D41E-4192-9A26-D27B921AC6F7}" type="datetimeFigureOut">
               <a:rPr lang="en-US" smtClean="0"/>
-              <a:t>3/12/2019</a:t>
+              <a:t>3/13/2019</a:t>
             </a:fld>
             <a:endParaRPr lang="en-US"/>
           </a:p>
@@ -11981,7 +11982,7 @@
           <a:p>
             <a:fld id="{8CE7A9C6-D41E-4192-9A26-D27B921AC6F7}" type="datetimeFigureOut">
               <a:rPr lang="en-US" smtClean="0"/>
-              <a:t>3/12/2019</a:t>
+              <a:t>3/13/2019</a:t>
             </a:fld>
             <a:endParaRPr lang="en-US"/>
           </a:p>
@@ -12081,7 +12082,7 @@
           <a:p>
             <a:fld id="{8CE7A9C6-D41E-4192-9A26-D27B921AC6F7}" type="datetimeFigureOut">
               <a:rPr lang="en-US" smtClean="0"/>
-              <a:t>3/12/2019</a:t>
+              <a:t>3/13/2019</a:t>
             </a:fld>
             <a:endParaRPr lang="en-US"/>
           </a:p>
@@ -13607,7 +13608,7 @@
           <a:p>
             <a:fld id="{8CE7A9C6-D41E-4192-9A26-D27B921AC6F7}" type="datetimeFigureOut">
               <a:rPr lang="en-US" smtClean="0"/>
-              <a:t>3/12/2019</a:t>
+              <a:t>3/13/2019</a:t>
             </a:fld>
             <a:endParaRPr lang="en-US"/>
           </a:p>
@@ -15143,7 +15144,7 @@
           <a:p>
             <a:fld id="{8CE7A9C6-D41E-4192-9A26-D27B921AC6F7}" type="datetimeFigureOut">
               <a:rPr lang="en-US" smtClean="0"/>
-              <a:t>3/12/2019</a:t>
+              <a:t>3/13/2019</a:t>
             </a:fld>
             <a:endParaRPr lang="en-US"/>
           </a:p>
@@ -15366,7 +15367,7 @@
           <a:p>
             <a:fld id="{8CE7A9C6-D41E-4192-9A26-D27B921AC6F7}" type="datetimeFigureOut">
               <a:rPr lang="en-US" smtClean="0"/>
-              <a:t>3/12/2019</a:t>
+              <a:t>3/13/2019</a:t>
             </a:fld>
             <a:endParaRPr lang="en-US"/>
           </a:p>
@@ -18910,6 +18911,2671 @@
       </p:grpSpPr>
       <p:grpSp>
         <p:nvGrpSpPr>
+          <p:cNvPr id="93" name="Group 92">
+            <a:extLst>
+              <a:ext uri="{FF2B5EF4-FFF2-40B4-BE49-F238E27FC236}">
+                <a16:creationId xmlns:a16="http://schemas.microsoft.com/office/drawing/2014/main" id="{FCAE7010-EAC1-44F0-A177-62E53DE7305C}"/>
+              </a:ext>
+            </a:extLst>
+          </p:cNvPr>
+          <p:cNvGrpSpPr/>
+          <p:nvPr/>
+        </p:nvGrpSpPr>
+        <p:grpSpPr>
+          <a:xfrm>
+            <a:off x="1618939" y="755242"/>
+            <a:ext cx="9038454" cy="5216184"/>
+            <a:chOff x="1618939" y="755242"/>
+            <a:chExt cx="9038454" cy="5216184"/>
+          </a:xfrm>
+        </p:grpSpPr>
+        <p:sp>
+          <p:nvSpPr>
+            <p:cNvPr id="43" name="Arc 42">
+              <a:extLst>
+                <a:ext uri="{FF2B5EF4-FFF2-40B4-BE49-F238E27FC236}">
+                  <a16:creationId xmlns:a16="http://schemas.microsoft.com/office/drawing/2014/main" id="{F35489C3-ED88-4C38-B943-79920926E2F3}"/>
+                </a:ext>
+              </a:extLst>
+            </p:cNvPr>
+            <p:cNvSpPr/>
+            <p:nvPr/>
+          </p:nvSpPr>
+          <p:spPr>
+            <a:xfrm rot="1975408">
+              <a:off x="9101562" y="3129625"/>
+              <a:ext cx="1038431" cy="1445412"/>
+            </a:xfrm>
+            <a:prstGeom prst="arc">
+              <a:avLst/>
+            </a:prstGeom>
+            <a:ln w="25400">
+              <a:solidFill>
+                <a:schemeClr val="accent2"/>
+              </a:solidFill>
+            </a:ln>
+          </p:spPr>
+          <p:style>
+            <a:lnRef idx="1">
+              <a:schemeClr val="accent1"/>
+            </a:lnRef>
+            <a:fillRef idx="0">
+              <a:schemeClr val="accent1"/>
+            </a:fillRef>
+            <a:effectRef idx="0">
+              <a:schemeClr val="accent1"/>
+            </a:effectRef>
+            <a:fontRef idx="minor">
+              <a:schemeClr val="tx1"/>
+            </a:fontRef>
+          </p:style>
+          <p:txBody>
+            <a:bodyPr rtlCol="0" anchor="ctr"/>
+            <a:lstStyle/>
+            <a:p>
+              <a:pPr algn="ctr"/>
+              <a:endParaRPr lang="en-US"/>
+            </a:p>
+          </p:txBody>
+        </p:sp>
+        <p:sp>
+          <p:nvSpPr>
+            <p:cNvPr id="13" name="Arc 12">
+              <a:extLst>
+                <a:ext uri="{FF2B5EF4-FFF2-40B4-BE49-F238E27FC236}">
+                  <a16:creationId xmlns:a16="http://schemas.microsoft.com/office/drawing/2014/main" id="{8EB8D554-6D03-4051-9E4E-6B32EFBE5F9A}"/>
+                </a:ext>
+              </a:extLst>
+            </p:cNvPr>
+            <p:cNvSpPr/>
+            <p:nvPr/>
+          </p:nvSpPr>
+          <p:spPr>
+            <a:xfrm>
+              <a:off x="7751404" y="1367082"/>
+              <a:ext cx="1645920" cy="1435864"/>
+            </a:xfrm>
+            <a:prstGeom prst="arc">
+              <a:avLst>
+                <a:gd name="adj1" fmla="val 16200000"/>
+                <a:gd name="adj2" fmla="val 21558206"/>
+              </a:avLst>
+            </a:prstGeom>
+            <a:ln w="25400">
+              <a:solidFill>
+                <a:schemeClr val="accent2"/>
+              </a:solidFill>
+              <a:tailEnd type="triangle"/>
+            </a:ln>
+          </p:spPr>
+          <p:style>
+            <a:lnRef idx="1">
+              <a:schemeClr val="accent1"/>
+            </a:lnRef>
+            <a:fillRef idx="0">
+              <a:schemeClr val="accent1"/>
+            </a:fillRef>
+            <a:effectRef idx="0">
+              <a:schemeClr val="accent1"/>
+            </a:effectRef>
+            <a:fontRef idx="minor">
+              <a:schemeClr val="tx1"/>
+            </a:fontRef>
+          </p:style>
+          <p:txBody>
+            <a:bodyPr rtlCol="0" anchor="ctr"/>
+            <a:lstStyle/>
+            <a:p>
+              <a:pPr algn="ctr"/>
+              <a:endParaRPr lang="en-US"/>
+            </a:p>
+          </p:txBody>
+        </p:sp>
+        <p:sp>
+          <p:nvSpPr>
+            <p:cNvPr id="20" name="Arc 19">
+              <a:extLst>
+                <a:ext uri="{FF2B5EF4-FFF2-40B4-BE49-F238E27FC236}">
+                  <a16:creationId xmlns:a16="http://schemas.microsoft.com/office/drawing/2014/main" id="{6EB50D86-6746-46E5-A7E9-C974B7A6D670}"/>
+                </a:ext>
+              </a:extLst>
+            </p:cNvPr>
+            <p:cNvSpPr/>
+            <p:nvPr/>
+          </p:nvSpPr>
+          <p:spPr>
+            <a:xfrm rot="1975408">
+              <a:off x="8804026" y="2813646"/>
+              <a:ext cx="1307416" cy="2086081"/>
+            </a:xfrm>
+            <a:prstGeom prst="arc">
+              <a:avLst/>
+            </a:prstGeom>
+            <a:ln w="25400">
+              <a:solidFill>
+                <a:schemeClr val="accent2"/>
+              </a:solidFill>
+            </a:ln>
+          </p:spPr>
+          <p:style>
+            <a:lnRef idx="1">
+              <a:schemeClr val="accent1"/>
+            </a:lnRef>
+            <a:fillRef idx="0">
+              <a:schemeClr val="accent1"/>
+            </a:fillRef>
+            <a:effectRef idx="0">
+              <a:schemeClr val="accent1"/>
+            </a:effectRef>
+            <a:fontRef idx="minor">
+              <a:schemeClr val="tx1"/>
+            </a:fontRef>
+          </p:style>
+          <p:txBody>
+            <a:bodyPr rtlCol="0" anchor="ctr"/>
+            <a:lstStyle/>
+            <a:p>
+              <a:pPr algn="ctr"/>
+              <a:endParaRPr lang="en-US"/>
+            </a:p>
+          </p:txBody>
+        </p:sp>
+        <p:sp>
+          <p:nvSpPr>
+            <p:cNvPr id="4" name="Rectangle 3">
+              <a:extLst>
+                <a:ext uri="{FF2B5EF4-FFF2-40B4-BE49-F238E27FC236}">
+                  <a16:creationId xmlns:a16="http://schemas.microsoft.com/office/drawing/2014/main" id="{26732FEE-0F22-4E5B-BD0B-B906151ACEE5}"/>
+                </a:ext>
+              </a:extLst>
+            </p:cNvPr>
+            <p:cNvSpPr/>
+            <p:nvPr/>
+          </p:nvSpPr>
+          <p:spPr>
+            <a:xfrm>
+              <a:off x="5321276" y="886573"/>
+              <a:ext cx="1995578" cy="1371600"/>
+            </a:xfrm>
+            <a:prstGeom prst="rect">
+              <a:avLst/>
+            </a:prstGeom>
+            <a:solidFill>
+              <a:schemeClr val="bg1">
+                <a:lumMod val="95000"/>
+              </a:schemeClr>
+            </a:solidFill>
+            <a:ln w="25400">
+              <a:solidFill>
+                <a:schemeClr val="accent6">
+                  <a:lumMod val="75000"/>
+                </a:schemeClr>
+              </a:solidFill>
+              <a:headEnd type="none" w="med" len="med"/>
+              <a:tailEnd type="none" w="med" len="med"/>
+            </a:ln>
+          </p:spPr>
+          <p:style>
+            <a:lnRef idx="2">
+              <a:schemeClr val="dk1"/>
+            </a:lnRef>
+            <a:fillRef idx="1">
+              <a:schemeClr val="lt1"/>
+            </a:fillRef>
+            <a:effectRef idx="0">
+              <a:schemeClr val="dk1"/>
+            </a:effectRef>
+            <a:fontRef idx="minor">
+              <a:schemeClr val="dk1"/>
+            </a:fontRef>
+          </p:style>
+          <p:txBody>
+            <a:bodyPr rtlCol="0" anchor="t" anchorCtr="0"/>
+            <a:lstStyle/>
+            <a:p>
+              <a:pPr algn="ctr"/>
+              <a:r>
+                <a:rPr lang="en-US" dirty="0">
+                  <a:latin typeface="Arial" panose="020B0604020202020204" pitchFamily="34" charset="0"/>
+                  <a:cs typeface="Arial" panose="020B0604020202020204" pitchFamily="34" charset="0"/>
+                </a:rPr>
+                <a:t>SecureObject0</a:t>
+              </a:r>
+            </a:p>
+          </p:txBody>
+        </p:sp>
+        <p:sp>
+          <p:nvSpPr>
+            <p:cNvPr id="5" name="Rectangle 4">
+              <a:extLst>
+                <a:ext uri="{FF2B5EF4-FFF2-40B4-BE49-F238E27FC236}">
+                  <a16:creationId xmlns:a16="http://schemas.microsoft.com/office/drawing/2014/main" id="{CD901EA8-EFFE-460A-B89E-2FCCC47E9B23}"/>
+                </a:ext>
+              </a:extLst>
+            </p:cNvPr>
+            <p:cNvSpPr/>
+            <p:nvPr/>
+          </p:nvSpPr>
+          <p:spPr>
+            <a:xfrm>
+              <a:off x="6707252" y="2493063"/>
+              <a:ext cx="1995578" cy="1371600"/>
+            </a:xfrm>
+            <a:prstGeom prst="rect">
+              <a:avLst/>
+            </a:prstGeom>
+            <a:solidFill>
+              <a:schemeClr val="bg1">
+                <a:lumMod val="95000"/>
+              </a:schemeClr>
+            </a:solidFill>
+            <a:ln w="25400">
+              <a:solidFill>
+                <a:schemeClr val="accent6">
+                  <a:lumMod val="75000"/>
+                </a:schemeClr>
+              </a:solidFill>
+              <a:headEnd type="none" w="med" len="med"/>
+              <a:tailEnd type="none" w="med" len="med"/>
+            </a:ln>
+          </p:spPr>
+          <p:style>
+            <a:lnRef idx="2">
+              <a:schemeClr val="dk1"/>
+            </a:lnRef>
+            <a:fillRef idx="1">
+              <a:schemeClr val="lt1"/>
+            </a:fillRef>
+            <a:effectRef idx="0">
+              <a:schemeClr val="dk1"/>
+            </a:effectRef>
+            <a:fontRef idx="minor">
+              <a:schemeClr val="dk1"/>
+            </a:fontRef>
+          </p:style>
+          <p:txBody>
+            <a:bodyPr rtlCol="0" anchor="t" anchorCtr="0"/>
+            <a:lstStyle/>
+            <a:p>
+              <a:pPr algn="ctr"/>
+              <a:r>
+                <a:rPr lang="en-US" dirty="0">
+                  <a:latin typeface="Arial" panose="020B0604020202020204" pitchFamily="34" charset="0"/>
+                  <a:cs typeface="Arial" panose="020B0604020202020204" pitchFamily="34" charset="0"/>
+                </a:rPr>
+                <a:t>SecureObject1</a:t>
+              </a:r>
+            </a:p>
+          </p:txBody>
+        </p:sp>
+        <p:sp>
+          <p:nvSpPr>
+            <p:cNvPr id="6" name="Rectangle 5">
+              <a:extLst>
+                <a:ext uri="{FF2B5EF4-FFF2-40B4-BE49-F238E27FC236}">
+                  <a16:creationId xmlns:a16="http://schemas.microsoft.com/office/drawing/2014/main" id="{400613CF-AF19-4455-B697-09831CD8CC5B}"/>
+                </a:ext>
+              </a:extLst>
+            </p:cNvPr>
+            <p:cNvSpPr/>
+            <p:nvPr/>
+          </p:nvSpPr>
+          <p:spPr>
+            <a:xfrm>
+              <a:off x="8090058" y="4097988"/>
+              <a:ext cx="1995578" cy="1371600"/>
+            </a:xfrm>
+            <a:prstGeom prst="rect">
+              <a:avLst/>
+            </a:prstGeom>
+            <a:solidFill>
+              <a:schemeClr val="bg1">
+                <a:lumMod val="95000"/>
+              </a:schemeClr>
+            </a:solidFill>
+            <a:ln w="25400">
+              <a:solidFill>
+                <a:schemeClr val="accent2"/>
+              </a:solidFill>
+              <a:headEnd type="none" w="med" len="med"/>
+              <a:tailEnd type="none" w="med" len="med"/>
+            </a:ln>
+          </p:spPr>
+          <p:style>
+            <a:lnRef idx="2">
+              <a:schemeClr val="dk1"/>
+            </a:lnRef>
+            <a:fillRef idx="1">
+              <a:schemeClr val="lt1"/>
+            </a:fillRef>
+            <a:effectRef idx="0">
+              <a:schemeClr val="dk1"/>
+            </a:effectRef>
+            <a:fontRef idx="minor">
+              <a:schemeClr val="dk1"/>
+            </a:fontRef>
+          </p:style>
+          <p:txBody>
+            <a:bodyPr rtlCol="0" anchor="t" anchorCtr="0"/>
+            <a:lstStyle/>
+            <a:p>
+              <a:pPr algn="ctr"/>
+              <a:r>
+                <a:rPr lang="en-US" dirty="0">
+                  <a:latin typeface="Arial" panose="020B0604020202020204" pitchFamily="34" charset="0"/>
+                  <a:cs typeface="Arial" panose="020B0604020202020204" pitchFamily="34" charset="0"/>
+                </a:rPr>
+                <a:t>SecureObject2</a:t>
+              </a:r>
+            </a:p>
+          </p:txBody>
+        </p:sp>
+        <p:cxnSp>
+          <p:nvCxnSpPr>
+            <p:cNvPr id="15" name="Straight Arrow Connector 14">
+              <a:extLst>
+                <a:ext uri="{FF2B5EF4-FFF2-40B4-BE49-F238E27FC236}">
+                  <a16:creationId xmlns:a16="http://schemas.microsoft.com/office/drawing/2014/main" id="{7867D89F-8F62-45E5-8EA6-8ABB6326F0BC}"/>
+                </a:ext>
+              </a:extLst>
+            </p:cNvPr>
+            <p:cNvCxnSpPr>
+              <a:cxnSpLocks/>
+              <a:stCxn id="4" idx="2"/>
+              <a:endCxn id="5" idx="1"/>
+            </p:cNvCxnSpPr>
+            <p:nvPr/>
+          </p:nvCxnSpPr>
+          <p:spPr>
+            <a:xfrm rot="16200000" flipH="1">
+              <a:off x="6052813" y="2524424"/>
+              <a:ext cx="920690" cy="388187"/>
+            </a:xfrm>
+            <a:prstGeom prst="bentConnector2">
+              <a:avLst/>
+            </a:prstGeom>
+            <a:ln w="25400">
+              <a:solidFill>
+                <a:schemeClr val="accent6">
+                  <a:lumMod val="75000"/>
+                </a:schemeClr>
+              </a:solidFill>
+              <a:tailEnd type="triangle"/>
+            </a:ln>
+          </p:spPr>
+          <p:style>
+            <a:lnRef idx="1">
+              <a:schemeClr val="accent1"/>
+            </a:lnRef>
+            <a:fillRef idx="0">
+              <a:schemeClr val="accent1"/>
+            </a:fillRef>
+            <a:effectRef idx="0">
+              <a:schemeClr val="accent1"/>
+            </a:effectRef>
+            <a:fontRef idx="minor">
+              <a:schemeClr val="tx1"/>
+            </a:fontRef>
+          </p:style>
+        </p:cxnSp>
+        <p:cxnSp>
+          <p:nvCxnSpPr>
+            <p:cNvPr id="19" name="Straight Arrow Connector 14">
+              <a:extLst>
+                <a:ext uri="{FF2B5EF4-FFF2-40B4-BE49-F238E27FC236}">
+                  <a16:creationId xmlns:a16="http://schemas.microsoft.com/office/drawing/2014/main" id="{7913D21B-E26B-4F99-B9B7-A443DC1C1591}"/>
+                </a:ext>
+              </a:extLst>
+            </p:cNvPr>
+            <p:cNvCxnSpPr>
+              <a:cxnSpLocks/>
+              <a:stCxn id="5" idx="2"/>
+              <a:endCxn id="6" idx="1"/>
+            </p:cNvCxnSpPr>
+            <p:nvPr/>
+          </p:nvCxnSpPr>
+          <p:spPr>
+            <a:xfrm rot="16200000" flipH="1">
+              <a:off x="7437987" y="4131716"/>
+              <a:ext cx="919125" cy="385017"/>
+            </a:xfrm>
+            <a:prstGeom prst="bentConnector2">
+              <a:avLst/>
+            </a:prstGeom>
+            <a:ln w="25400">
+              <a:solidFill>
+                <a:schemeClr val="accent2"/>
+              </a:solidFill>
+              <a:tailEnd type="triangle"/>
+            </a:ln>
+          </p:spPr>
+          <p:style>
+            <a:lnRef idx="1">
+              <a:schemeClr val="accent1"/>
+            </a:lnRef>
+            <a:fillRef idx="0">
+              <a:schemeClr val="accent1"/>
+            </a:fillRef>
+            <a:effectRef idx="0">
+              <a:schemeClr val="accent1"/>
+            </a:effectRef>
+            <a:fontRef idx="minor">
+              <a:schemeClr val="tx1"/>
+            </a:fontRef>
+          </p:style>
+        </p:cxnSp>
+        <p:grpSp>
+          <p:nvGrpSpPr>
+            <p:cNvPr id="28" name="Group 27">
+              <a:extLst>
+                <a:ext uri="{FF2B5EF4-FFF2-40B4-BE49-F238E27FC236}">
+                  <a16:creationId xmlns:a16="http://schemas.microsoft.com/office/drawing/2014/main" id="{72D61BCF-2BBD-41FF-A995-2A96807721A8}"/>
+                </a:ext>
+              </a:extLst>
+            </p:cNvPr>
+            <p:cNvGrpSpPr/>
+            <p:nvPr/>
+          </p:nvGrpSpPr>
+          <p:grpSpPr>
+            <a:xfrm>
+              <a:off x="7952900" y="4645063"/>
+              <a:ext cx="274320" cy="274320"/>
+              <a:chOff x="7913594" y="2117912"/>
+              <a:chExt cx="450476" cy="450476"/>
+            </a:xfrm>
+          </p:grpSpPr>
+          <p:sp>
+            <p:nvSpPr>
+              <p:cNvPr id="23" name="Oval 22">
+                <a:extLst>
+                  <a:ext uri="{FF2B5EF4-FFF2-40B4-BE49-F238E27FC236}">
+                    <a16:creationId xmlns:a16="http://schemas.microsoft.com/office/drawing/2014/main" id="{202865F3-961D-42A1-85F7-B103DC665B00}"/>
+                  </a:ext>
+                </a:extLst>
+              </p:cNvPr>
+              <p:cNvSpPr/>
+              <p:nvPr/>
+            </p:nvSpPr>
+            <p:spPr>
+              <a:xfrm>
+                <a:off x="7913594" y="2117912"/>
+                <a:ext cx="450476" cy="450476"/>
+              </a:xfrm>
+              <a:prstGeom prst="ellipse">
+                <a:avLst/>
+              </a:prstGeom>
+              <a:solidFill>
+                <a:schemeClr val="bg1">
+                  <a:lumMod val="95000"/>
+                </a:schemeClr>
+              </a:solidFill>
+              <a:ln w="25400">
+                <a:solidFill>
+                  <a:schemeClr val="accent2"/>
+                </a:solidFill>
+              </a:ln>
+            </p:spPr>
+            <p:style>
+              <a:lnRef idx="2">
+                <a:schemeClr val="accent1">
+                  <a:shade val="50000"/>
+                </a:schemeClr>
+              </a:lnRef>
+              <a:fillRef idx="1">
+                <a:schemeClr val="accent1"/>
+              </a:fillRef>
+              <a:effectRef idx="0">
+                <a:schemeClr val="accent1"/>
+              </a:effectRef>
+              <a:fontRef idx="minor">
+                <a:schemeClr val="lt1"/>
+              </a:fontRef>
+            </p:style>
+            <p:txBody>
+              <a:bodyPr rtlCol="0" anchor="ctr"/>
+              <a:lstStyle/>
+              <a:p>
+                <a:pPr algn="ctr"/>
+                <a:endParaRPr lang="en-US"/>
+              </a:p>
+            </p:txBody>
+          </p:sp>
+          <p:cxnSp>
+            <p:nvCxnSpPr>
+              <p:cNvPr id="25" name="Straight Connector 24">
+                <a:extLst>
+                  <a:ext uri="{FF2B5EF4-FFF2-40B4-BE49-F238E27FC236}">
+                    <a16:creationId xmlns:a16="http://schemas.microsoft.com/office/drawing/2014/main" id="{44B7F46B-2F78-47D8-B602-D854C866BA9B}"/>
+                  </a:ext>
+                </a:extLst>
+              </p:cNvPr>
+              <p:cNvCxnSpPr>
+                <a:cxnSpLocks/>
+                <a:stCxn id="23" idx="7"/>
+                <a:endCxn id="23" idx="3"/>
+              </p:cNvCxnSpPr>
+              <p:nvPr/>
+            </p:nvCxnSpPr>
+            <p:spPr>
+              <a:xfrm flipH="1">
+                <a:off x="7979565" y="2183883"/>
+                <a:ext cx="318534" cy="318534"/>
+              </a:xfrm>
+              <a:prstGeom prst="line">
+                <a:avLst/>
+              </a:prstGeom>
+              <a:ln w="25400">
+                <a:solidFill>
+                  <a:schemeClr val="accent2"/>
+                </a:solidFill>
+              </a:ln>
+            </p:spPr>
+            <p:style>
+              <a:lnRef idx="1">
+                <a:schemeClr val="accent1"/>
+              </a:lnRef>
+              <a:fillRef idx="0">
+                <a:schemeClr val="accent1"/>
+              </a:fillRef>
+              <a:effectRef idx="0">
+                <a:schemeClr val="accent1"/>
+              </a:effectRef>
+              <a:fontRef idx="minor">
+                <a:schemeClr val="tx1"/>
+              </a:fontRef>
+            </p:style>
+          </p:cxnSp>
+        </p:grpSp>
+        <p:sp>
+          <p:nvSpPr>
+            <p:cNvPr id="30" name="Rectangle 29">
+              <a:extLst>
+                <a:ext uri="{FF2B5EF4-FFF2-40B4-BE49-F238E27FC236}">
+                  <a16:creationId xmlns:a16="http://schemas.microsoft.com/office/drawing/2014/main" id="{6A249432-0671-4CEF-B4B6-4C059FA61F14}"/>
+                </a:ext>
+              </a:extLst>
+            </p:cNvPr>
+            <p:cNvSpPr/>
+            <p:nvPr/>
+          </p:nvSpPr>
+          <p:spPr>
+            <a:xfrm>
+              <a:off x="5495620" y="1235347"/>
+              <a:ext cx="3108960" cy="258680"/>
+            </a:xfrm>
+            <a:prstGeom prst="rect">
+              <a:avLst/>
+            </a:prstGeom>
+            <a:solidFill>
+              <a:schemeClr val="accent4">
+                <a:lumMod val="20000"/>
+                <a:lumOff val="80000"/>
+              </a:schemeClr>
+            </a:solidFill>
+            <a:ln w="25400">
+              <a:solidFill>
+                <a:schemeClr val="accent2"/>
+              </a:solidFill>
+            </a:ln>
+          </p:spPr>
+          <p:style>
+            <a:lnRef idx="2">
+              <a:schemeClr val="accent1">
+                <a:shade val="50000"/>
+              </a:schemeClr>
+            </a:lnRef>
+            <a:fillRef idx="1">
+              <a:schemeClr val="accent1"/>
+            </a:fillRef>
+            <a:effectRef idx="0">
+              <a:schemeClr val="accent1"/>
+            </a:effectRef>
+            <a:fontRef idx="minor">
+              <a:schemeClr val="lt1"/>
+            </a:fontRef>
+          </p:style>
+          <p:txBody>
+            <a:bodyPr rtlCol="0" anchor="ctr"/>
+            <a:lstStyle/>
+            <a:p>
+              <a:r>
+                <a:rPr lang="en-US" sz="1400" dirty="0">
+                  <a:solidFill>
+                    <a:schemeClr val="tx1"/>
+                  </a:solidFill>
+                  <a:latin typeface="Arial" panose="020B0604020202020204" pitchFamily="34" charset="0"/>
+                  <a:cs typeface="Arial" panose="020B0604020202020204" pitchFamily="34" charset="0"/>
+                </a:rPr>
+                <a:t>Role1 – </a:t>
+              </a:r>
+              <a:r>
+                <a:rPr lang="en-US" sz="1400" dirty="0" err="1">
+                  <a:solidFill>
+                    <a:schemeClr val="tx1"/>
+                  </a:solidFill>
+                  <a:latin typeface="Arial" panose="020B0604020202020204" pitchFamily="34" charset="0"/>
+                  <a:cs typeface="Arial" panose="020B0604020202020204" pitchFamily="34" charset="0"/>
+                </a:rPr>
+                <a:t>RecordRight.FullControl</a:t>
+              </a:r>
+              <a:endParaRPr lang="en-US" sz="1400" dirty="0">
+                <a:solidFill>
+                  <a:schemeClr val="tx1"/>
+                </a:solidFill>
+                <a:latin typeface="Arial" panose="020B0604020202020204" pitchFamily="34" charset="0"/>
+                <a:cs typeface="Arial" panose="020B0604020202020204" pitchFamily="34" charset="0"/>
+              </a:endParaRPr>
+            </a:p>
+          </p:txBody>
+        </p:sp>
+        <p:sp>
+          <p:nvSpPr>
+            <p:cNvPr id="31" name="Rectangle 30">
+              <a:extLst>
+                <a:ext uri="{FF2B5EF4-FFF2-40B4-BE49-F238E27FC236}">
+                  <a16:creationId xmlns:a16="http://schemas.microsoft.com/office/drawing/2014/main" id="{FF01DA99-4E2B-4AA9-8F71-CC4E11C98E6C}"/>
+                </a:ext>
+              </a:extLst>
+            </p:cNvPr>
+            <p:cNvSpPr/>
+            <p:nvPr/>
+          </p:nvSpPr>
+          <p:spPr>
+            <a:xfrm>
+              <a:off x="5321275" y="2044231"/>
+              <a:ext cx="1645920" cy="213942"/>
+            </a:xfrm>
+            <a:prstGeom prst="rect">
+              <a:avLst/>
+            </a:prstGeom>
+            <a:solidFill>
+              <a:schemeClr val="accent6">
+                <a:lumMod val="75000"/>
+              </a:schemeClr>
+            </a:solidFill>
+            <a:ln>
+              <a:solidFill>
+                <a:schemeClr val="accent6">
+                  <a:lumMod val="75000"/>
+                </a:schemeClr>
+              </a:solidFill>
+            </a:ln>
+          </p:spPr>
+          <p:style>
+            <a:lnRef idx="2">
+              <a:schemeClr val="accent1">
+                <a:shade val="50000"/>
+              </a:schemeClr>
+            </a:lnRef>
+            <a:fillRef idx="1">
+              <a:schemeClr val="accent1"/>
+            </a:fillRef>
+            <a:effectRef idx="0">
+              <a:schemeClr val="accent1"/>
+            </a:effectRef>
+            <a:fontRef idx="minor">
+              <a:schemeClr val="lt1"/>
+            </a:fontRef>
+          </p:style>
+          <p:txBody>
+            <a:bodyPr rtlCol="0" anchor="ctr"/>
+            <a:lstStyle/>
+            <a:p>
+              <a:pPr algn="ctr"/>
+              <a:r>
+                <a:rPr lang="en-US" sz="1400" dirty="0">
+                  <a:latin typeface="Arial" panose="020B0604020202020204" pitchFamily="34" charset="0"/>
+                  <a:cs typeface="Arial" panose="020B0604020202020204" pitchFamily="34" charset="0"/>
+                </a:rPr>
+                <a:t>Allow Inheritance</a:t>
+              </a:r>
+            </a:p>
+          </p:txBody>
+        </p:sp>
+        <p:sp>
+          <p:nvSpPr>
+            <p:cNvPr id="32" name="Rectangle 31">
+              <a:extLst>
+                <a:ext uri="{FF2B5EF4-FFF2-40B4-BE49-F238E27FC236}">
+                  <a16:creationId xmlns:a16="http://schemas.microsoft.com/office/drawing/2014/main" id="{FD3B2029-E28A-44C4-90B2-C28675F34AE3}"/>
+                </a:ext>
+              </a:extLst>
+            </p:cNvPr>
+            <p:cNvSpPr/>
+            <p:nvPr/>
+          </p:nvSpPr>
+          <p:spPr>
+            <a:xfrm>
+              <a:off x="6707251" y="3650721"/>
+              <a:ext cx="1645920" cy="213942"/>
+            </a:xfrm>
+            <a:prstGeom prst="rect">
+              <a:avLst/>
+            </a:prstGeom>
+            <a:solidFill>
+              <a:schemeClr val="accent6">
+                <a:lumMod val="75000"/>
+              </a:schemeClr>
+            </a:solidFill>
+            <a:ln>
+              <a:solidFill>
+                <a:schemeClr val="accent6">
+                  <a:lumMod val="75000"/>
+                </a:schemeClr>
+              </a:solidFill>
+            </a:ln>
+          </p:spPr>
+          <p:style>
+            <a:lnRef idx="2">
+              <a:schemeClr val="accent1">
+                <a:shade val="50000"/>
+              </a:schemeClr>
+            </a:lnRef>
+            <a:fillRef idx="1">
+              <a:schemeClr val="accent1"/>
+            </a:fillRef>
+            <a:effectRef idx="0">
+              <a:schemeClr val="accent1"/>
+            </a:effectRef>
+            <a:fontRef idx="minor">
+              <a:schemeClr val="lt1"/>
+            </a:fontRef>
+          </p:style>
+          <p:txBody>
+            <a:bodyPr rtlCol="0" anchor="ctr"/>
+            <a:lstStyle/>
+            <a:p>
+              <a:pPr algn="ctr"/>
+              <a:r>
+                <a:rPr lang="en-US" sz="1400" dirty="0">
+                  <a:latin typeface="Arial" panose="020B0604020202020204" pitchFamily="34" charset="0"/>
+                  <a:cs typeface="Arial" panose="020B0604020202020204" pitchFamily="34" charset="0"/>
+                </a:rPr>
+                <a:t>Allow Inheritance</a:t>
+              </a:r>
+            </a:p>
+          </p:txBody>
+        </p:sp>
+        <p:sp>
+          <p:nvSpPr>
+            <p:cNvPr id="33" name="Rectangle 32">
+              <a:extLst>
+                <a:ext uri="{FF2B5EF4-FFF2-40B4-BE49-F238E27FC236}">
+                  <a16:creationId xmlns:a16="http://schemas.microsoft.com/office/drawing/2014/main" id="{D34DC799-9D41-4095-A8B2-958B48D09691}"/>
+                </a:ext>
+              </a:extLst>
+            </p:cNvPr>
+            <p:cNvSpPr/>
+            <p:nvPr/>
+          </p:nvSpPr>
+          <p:spPr>
+            <a:xfrm>
+              <a:off x="8090057" y="5255646"/>
+              <a:ext cx="1645920" cy="213942"/>
+            </a:xfrm>
+            <a:prstGeom prst="rect">
+              <a:avLst/>
+            </a:prstGeom>
+            <a:solidFill>
+              <a:schemeClr val="accent2"/>
+            </a:solidFill>
+            <a:ln>
+              <a:solidFill>
+                <a:schemeClr val="accent2"/>
+              </a:solidFill>
+            </a:ln>
+          </p:spPr>
+          <p:style>
+            <a:lnRef idx="2">
+              <a:schemeClr val="accent1">
+                <a:shade val="50000"/>
+              </a:schemeClr>
+            </a:lnRef>
+            <a:fillRef idx="1">
+              <a:schemeClr val="accent1"/>
+            </a:fillRef>
+            <a:effectRef idx="0">
+              <a:schemeClr val="accent1"/>
+            </a:effectRef>
+            <a:fontRef idx="minor">
+              <a:schemeClr val="lt1"/>
+            </a:fontRef>
+          </p:style>
+          <p:txBody>
+            <a:bodyPr rtlCol="0" anchor="ctr"/>
+            <a:lstStyle/>
+            <a:p>
+              <a:pPr algn="ctr"/>
+              <a:r>
+                <a:rPr lang="en-US" sz="1400" dirty="0">
+                  <a:latin typeface="Arial" panose="020B0604020202020204" pitchFamily="34" charset="0"/>
+                  <a:cs typeface="Arial" panose="020B0604020202020204" pitchFamily="34" charset="0"/>
+                </a:rPr>
+                <a:t>Block Inheritance</a:t>
+              </a:r>
+            </a:p>
+          </p:txBody>
+        </p:sp>
+        <p:sp>
+          <p:nvSpPr>
+            <p:cNvPr id="34" name="Rectangle 33">
+              <a:extLst>
+                <a:ext uri="{FF2B5EF4-FFF2-40B4-BE49-F238E27FC236}">
+                  <a16:creationId xmlns:a16="http://schemas.microsoft.com/office/drawing/2014/main" id="{A37FDC9B-CC41-4187-8140-D834B2136022}"/>
+                </a:ext>
+              </a:extLst>
+            </p:cNvPr>
+            <p:cNvSpPr/>
+            <p:nvPr/>
+          </p:nvSpPr>
+          <p:spPr>
+            <a:xfrm>
+              <a:off x="6904889" y="2843120"/>
+              <a:ext cx="3108960" cy="256032"/>
+            </a:xfrm>
+            <a:prstGeom prst="rect">
+              <a:avLst/>
+            </a:prstGeom>
+            <a:solidFill>
+              <a:schemeClr val="accent4">
+                <a:lumMod val="20000"/>
+                <a:lumOff val="80000"/>
+              </a:schemeClr>
+            </a:solidFill>
+            <a:ln w="25400">
+              <a:solidFill>
+                <a:schemeClr val="accent6">
+                  <a:lumMod val="75000"/>
+                </a:schemeClr>
+              </a:solidFill>
+            </a:ln>
+          </p:spPr>
+          <p:style>
+            <a:lnRef idx="2">
+              <a:schemeClr val="accent1">
+                <a:shade val="50000"/>
+              </a:schemeClr>
+            </a:lnRef>
+            <a:fillRef idx="1">
+              <a:schemeClr val="accent1"/>
+            </a:fillRef>
+            <a:effectRef idx="0">
+              <a:schemeClr val="accent1"/>
+            </a:effectRef>
+            <a:fontRef idx="minor">
+              <a:schemeClr val="lt1"/>
+            </a:fontRef>
+          </p:style>
+          <p:txBody>
+            <a:bodyPr rtlCol="0" anchor="ctr"/>
+            <a:lstStyle/>
+            <a:p>
+              <a:r>
+                <a:rPr lang="en-US" sz="1400" dirty="0">
+                  <a:solidFill>
+                    <a:schemeClr val="tx1"/>
+                  </a:solidFill>
+                  <a:latin typeface="Arial" panose="020B0604020202020204" pitchFamily="34" charset="0"/>
+                  <a:cs typeface="Arial" panose="020B0604020202020204" pitchFamily="34" charset="0"/>
+                </a:rPr>
+                <a:t>Role2 – </a:t>
+              </a:r>
+              <a:r>
+                <a:rPr lang="en-US" sz="1400" dirty="0" err="1">
+                  <a:solidFill>
+                    <a:schemeClr val="tx1"/>
+                  </a:solidFill>
+                  <a:latin typeface="Arial" panose="020B0604020202020204" pitchFamily="34" charset="0"/>
+                  <a:cs typeface="Arial" panose="020B0604020202020204" pitchFamily="34" charset="0"/>
+                </a:rPr>
+                <a:t>RecordRight.Insert</a:t>
+              </a:r>
+              <a:r>
+                <a:rPr lang="en-US" sz="1400" dirty="0">
+                  <a:solidFill>
+                    <a:schemeClr val="tx1"/>
+                  </a:solidFill>
+                  <a:latin typeface="Arial" panose="020B0604020202020204" pitchFamily="34" charset="0"/>
+                  <a:cs typeface="Arial" panose="020B0604020202020204" pitchFamily="34" charset="0"/>
+                </a:rPr>
+                <a:t> | Update</a:t>
+              </a:r>
+            </a:p>
+          </p:txBody>
+        </p:sp>
+        <p:cxnSp>
+          <p:nvCxnSpPr>
+            <p:cNvPr id="39" name="Straight Arrow Connector 38">
+              <a:extLst>
+                <a:ext uri="{FF2B5EF4-FFF2-40B4-BE49-F238E27FC236}">
+                  <a16:creationId xmlns:a16="http://schemas.microsoft.com/office/drawing/2014/main" id="{7DC8D7AD-89E2-46D5-8EF3-C558B77E3E87}"/>
+                </a:ext>
+              </a:extLst>
+            </p:cNvPr>
+            <p:cNvCxnSpPr>
+              <a:cxnSpLocks/>
+              <a:stCxn id="26" idx="3"/>
+            </p:cNvCxnSpPr>
+            <p:nvPr/>
+          </p:nvCxnSpPr>
+          <p:spPr>
+            <a:xfrm>
+              <a:off x="8604580" y="1672549"/>
+              <a:ext cx="589751" cy="1170571"/>
+            </a:xfrm>
+            <a:prstGeom prst="curvedConnector2">
+              <a:avLst/>
+            </a:prstGeom>
+            <a:ln w="25400">
+              <a:solidFill>
+                <a:schemeClr val="accent6">
+                  <a:lumMod val="75000"/>
+                </a:schemeClr>
+              </a:solidFill>
+              <a:tailEnd type="triangle"/>
+            </a:ln>
+          </p:spPr>
+          <p:style>
+            <a:lnRef idx="1">
+              <a:schemeClr val="accent1"/>
+            </a:lnRef>
+            <a:fillRef idx="0">
+              <a:schemeClr val="accent1"/>
+            </a:fillRef>
+            <a:effectRef idx="0">
+              <a:schemeClr val="accent1"/>
+            </a:effectRef>
+            <a:fontRef idx="minor">
+              <a:schemeClr val="tx1"/>
+            </a:fontRef>
+          </p:style>
+        </p:cxnSp>
+        <p:grpSp>
+          <p:nvGrpSpPr>
+            <p:cNvPr id="45" name="Group 44">
+              <a:extLst>
+                <a:ext uri="{FF2B5EF4-FFF2-40B4-BE49-F238E27FC236}">
+                  <a16:creationId xmlns:a16="http://schemas.microsoft.com/office/drawing/2014/main" id="{F2B37A6A-3E5A-4A8D-9AEC-9B32B872A46E}"/>
+                </a:ext>
+              </a:extLst>
+            </p:cNvPr>
+            <p:cNvGrpSpPr/>
+            <p:nvPr/>
+          </p:nvGrpSpPr>
+          <p:grpSpPr>
+            <a:xfrm>
+              <a:off x="9960522" y="3960828"/>
+              <a:ext cx="274320" cy="274320"/>
+              <a:chOff x="7913594" y="2117912"/>
+              <a:chExt cx="450476" cy="450476"/>
+            </a:xfrm>
+          </p:grpSpPr>
+          <p:sp>
+            <p:nvSpPr>
+              <p:cNvPr id="46" name="Oval 45">
+                <a:extLst>
+                  <a:ext uri="{FF2B5EF4-FFF2-40B4-BE49-F238E27FC236}">
+                    <a16:creationId xmlns:a16="http://schemas.microsoft.com/office/drawing/2014/main" id="{DF4359BF-359E-4F29-B890-A98B05510170}"/>
+                  </a:ext>
+                </a:extLst>
+              </p:cNvPr>
+              <p:cNvSpPr/>
+              <p:nvPr/>
+            </p:nvSpPr>
+            <p:spPr>
+              <a:xfrm>
+                <a:off x="7913594" y="2117912"/>
+                <a:ext cx="450476" cy="450476"/>
+              </a:xfrm>
+              <a:prstGeom prst="ellipse">
+                <a:avLst/>
+              </a:prstGeom>
+              <a:solidFill>
+                <a:schemeClr val="bg1">
+                  <a:lumMod val="95000"/>
+                </a:schemeClr>
+              </a:solidFill>
+              <a:ln w="25400">
+                <a:solidFill>
+                  <a:schemeClr val="accent2"/>
+                </a:solidFill>
+              </a:ln>
+            </p:spPr>
+            <p:style>
+              <a:lnRef idx="2">
+                <a:schemeClr val="accent1">
+                  <a:shade val="50000"/>
+                </a:schemeClr>
+              </a:lnRef>
+              <a:fillRef idx="1">
+                <a:schemeClr val="accent1"/>
+              </a:fillRef>
+              <a:effectRef idx="0">
+                <a:schemeClr val="accent1"/>
+              </a:effectRef>
+              <a:fontRef idx="minor">
+                <a:schemeClr val="lt1"/>
+              </a:fontRef>
+            </p:style>
+            <p:txBody>
+              <a:bodyPr rtlCol="0" anchor="ctr"/>
+              <a:lstStyle/>
+              <a:p>
+                <a:pPr algn="ctr"/>
+                <a:endParaRPr lang="en-US"/>
+              </a:p>
+            </p:txBody>
+          </p:sp>
+          <p:cxnSp>
+            <p:nvCxnSpPr>
+              <p:cNvPr id="47" name="Straight Connector 46">
+                <a:extLst>
+                  <a:ext uri="{FF2B5EF4-FFF2-40B4-BE49-F238E27FC236}">
+                    <a16:creationId xmlns:a16="http://schemas.microsoft.com/office/drawing/2014/main" id="{6630CE86-ADFD-467E-8E9B-B5FA0D3934BF}"/>
+                  </a:ext>
+                </a:extLst>
+              </p:cNvPr>
+              <p:cNvCxnSpPr>
+                <a:cxnSpLocks/>
+                <a:stCxn id="46" idx="7"/>
+                <a:endCxn id="46" idx="3"/>
+              </p:cNvCxnSpPr>
+              <p:nvPr/>
+            </p:nvCxnSpPr>
+            <p:spPr>
+              <a:xfrm flipH="1">
+                <a:off x="7979565" y="2183883"/>
+                <a:ext cx="318534" cy="318534"/>
+              </a:xfrm>
+              <a:prstGeom prst="line">
+                <a:avLst/>
+              </a:prstGeom>
+              <a:ln w="25400">
+                <a:solidFill>
+                  <a:schemeClr val="accent2"/>
+                </a:solidFill>
+              </a:ln>
+            </p:spPr>
+            <p:style>
+              <a:lnRef idx="1">
+                <a:schemeClr val="accent1"/>
+              </a:lnRef>
+              <a:fillRef idx="0">
+                <a:schemeClr val="accent1"/>
+              </a:fillRef>
+              <a:effectRef idx="0">
+                <a:schemeClr val="accent1"/>
+              </a:effectRef>
+              <a:fontRef idx="minor">
+                <a:schemeClr val="tx1"/>
+              </a:fontRef>
+            </p:style>
+          </p:cxnSp>
+        </p:grpSp>
+        <p:sp>
+          <p:nvSpPr>
+            <p:cNvPr id="48" name="TextBox 47">
+              <a:extLst>
+                <a:ext uri="{FF2B5EF4-FFF2-40B4-BE49-F238E27FC236}">
+                  <a16:creationId xmlns:a16="http://schemas.microsoft.com/office/drawing/2014/main" id="{17767469-1EFE-438C-8B7D-9FC2BCA9D6DE}"/>
+                </a:ext>
+              </a:extLst>
+            </p:cNvPr>
+            <p:cNvSpPr txBox="1"/>
+            <p:nvPr/>
+          </p:nvSpPr>
+          <p:spPr>
+            <a:xfrm>
+              <a:off x="9161471" y="2234723"/>
+              <a:ext cx="1495922" cy="461665"/>
+            </a:xfrm>
+            <a:prstGeom prst="rect">
+              <a:avLst/>
+            </a:prstGeom>
+            <a:noFill/>
+          </p:spPr>
+          <p:txBody>
+            <a:bodyPr wrap="none" rtlCol="0">
+              <a:spAutoFit/>
+            </a:bodyPr>
+            <a:lstStyle/>
+            <a:p>
+              <a:r>
+                <a:rPr lang="en-US" sz="1200" dirty="0">
+                  <a:solidFill>
+                    <a:schemeClr val="accent6">
+                      <a:lumMod val="75000"/>
+                    </a:schemeClr>
+                  </a:solidFill>
+                  <a:latin typeface="Arial" panose="020B0604020202020204" pitchFamily="34" charset="0"/>
+                  <a:cs typeface="Arial" panose="020B0604020202020204" pitchFamily="34" charset="0"/>
+                </a:rPr>
+                <a:t>Ace propagates</a:t>
+              </a:r>
+            </a:p>
+            <a:p>
+              <a:r>
+                <a:rPr lang="en-US" sz="1200" dirty="0">
+                  <a:solidFill>
+                    <a:schemeClr val="accent6">
+                      <a:lumMod val="75000"/>
+                    </a:schemeClr>
+                  </a:solidFill>
+                  <a:latin typeface="Arial" panose="020B0604020202020204" pitchFamily="34" charset="0"/>
+                  <a:cs typeface="Arial" panose="020B0604020202020204" pitchFamily="34" charset="0"/>
+                </a:rPr>
+                <a:t>through inheritance</a:t>
+              </a:r>
+            </a:p>
+          </p:txBody>
+        </p:sp>
+        <p:sp>
+          <p:nvSpPr>
+            <p:cNvPr id="49" name="TextBox 48">
+              <a:extLst>
+                <a:ext uri="{FF2B5EF4-FFF2-40B4-BE49-F238E27FC236}">
+                  <a16:creationId xmlns:a16="http://schemas.microsoft.com/office/drawing/2014/main" id="{FF100D78-25EE-4FA3-8DC3-D777E2DCDB59}"/>
+                </a:ext>
+              </a:extLst>
+            </p:cNvPr>
+            <p:cNvSpPr txBox="1"/>
+            <p:nvPr/>
+          </p:nvSpPr>
+          <p:spPr>
+            <a:xfrm>
+              <a:off x="8088100" y="5509761"/>
+              <a:ext cx="2146742" cy="461665"/>
+            </a:xfrm>
+            <a:prstGeom prst="rect">
+              <a:avLst/>
+            </a:prstGeom>
+            <a:noFill/>
+          </p:spPr>
+          <p:txBody>
+            <a:bodyPr wrap="none" rtlCol="0">
+              <a:spAutoFit/>
+            </a:bodyPr>
+            <a:lstStyle/>
+            <a:p>
+              <a:r>
+                <a:rPr lang="en-US" sz="1200" dirty="0">
+                  <a:solidFill>
+                    <a:schemeClr val="accent2"/>
+                  </a:solidFill>
+                  <a:latin typeface="Arial" panose="020B0604020202020204" pitchFamily="34" charset="0"/>
+                  <a:cs typeface="Arial" panose="020B0604020202020204" pitchFamily="34" charset="0"/>
+                </a:rPr>
+                <a:t>No Aces as inheritance is</a:t>
+              </a:r>
+            </a:p>
+            <a:p>
+              <a:r>
+                <a:rPr lang="en-US" sz="1200" dirty="0">
+                  <a:solidFill>
+                    <a:schemeClr val="accent2"/>
+                  </a:solidFill>
+                  <a:latin typeface="Arial" panose="020B0604020202020204" pitchFamily="34" charset="0"/>
+                  <a:cs typeface="Arial" panose="020B0604020202020204" pitchFamily="34" charset="0"/>
+                </a:rPr>
+                <a:t>blocked by the SecureObject</a:t>
+              </a:r>
+            </a:p>
+          </p:txBody>
+        </p:sp>
+        <p:sp>
+          <p:nvSpPr>
+            <p:cNvPr id="26" name="Rectangle 25">
+              <a:extLst>
+                <a:ext uri="{FF2B5EF4-FFF2-40B4-BE49-F238E27FC236}">
+                  <a16:creationId xmlns:a16="http://schemas.microsoft.com/office/drawing/2014/main" id="{707C70A1-2DA6-42B8-98AB-C4B0D440C198}"/>
+                </a:ext>
+              </a:extLst>
+            </p:cNvPr>
+            <p:cNvSpPr/>
+            <p:nvPr/>
+          </p:nvSpPr>
+          <p:spPr>
+            <a:xfrm>
+              <a:off x="5495620" y="1543209"/>
+              <a:ext cx="3108960" cy="258680"/>
+            </a:xfrm>
+            <a:prstGeom prst="rect">
+              <a:avLst/>
+            </a:prstGeom>
+            <a:solidFill>
+              <a:schemeClr val="accent4">
+                <a:lumMod val="20000"/>
+                <a:lumOff val="80000"/>
+              </a:schemeClr>
+            </a:solidFill>
+            <a:ln w="25400">
+              <a:solidFill>
+                <a:schemeClr val="accent6">
+                  <a:lumMod val="75000"/>
+                </a:schemeClr>
+              </a:solidFill>
+            </a:ln>
+          </p:spPr>
+          <p:style>
+            <a:lnRef idx="2">
+              <a:schemeClr val="accent1">
+                <a:shade val="50000"/>
+              </a:schemeClr>
+            </a:lnRef>
+            <a:fillRef idx="1">
+              <a:schemeClr val="accent1"/>
+            </a:fillRef>
+            <a:effectRef idx="0">
+              <a:schemeClr val="accent1"/>
+            </a:effectRef>
+            <a:fontRef idx="minor">
+              <a:schemeClr val="lt1"/>
+            </a:fontRef>
+          </p:style>
+          <p:txBody>
+            <a:bodyPr rtlCol="0" anchor="ctr"/>
+            <a:lstStyle/>
+            <a:p>
+              <a:r>
+                <a:rPr lang="en-US" sz="1400" dirty="0">
+                  <a:solidFill>
+                    <a:schemeClr val="tx1"/>
+                  </a:solidFill>
+                  <a:latin typeface="Arial" panose="020B0604020202020204" pitchFamily="34" charset="0"/>
+                  <a:cs typeface="Arial" panose="020B0604020202020204" pitchFamily="34" charset="0"/>
+                </a:rPr>
+                <a:t>Role2 – </a:t>
+              </a:r>
+              <a:r>
+                <a:rPr lang="en-US" sz="1400" dirty="0" err="1">
+                  <a:solidFill>
+                    <a:schemeClr val="tx1"/>
+                  </a:solidFill>
+                  <a:latin typeface="Arial" panose="020B0604020202020204" pitchFamily="34" charset="0"/>
+                  <a:cs typeface="Arial" panose="020B0604020202020204" pitchFamily="34" charset="0"/>
+                </a:rPr>
+                <a:t>RecordRight.Insert</a:t>
+              </a:r>
+              <a:r>
+                <a:rPr lang="en-US" sz="1400" dirty="0">
+                  <a:solidFill>
+                    <a:schemeClr val="tx1"/>
+                  </a:solidFill>
+                  <a:latin typeface="Arial" panose="020B0604020202020204" pitchFamily="34" charset="0"/>
+                  <a:cs typeface="Arial" panose="020B0604020202020204" pitchFamily="34" charset="0"/>
+                </a:rPr>
+                <a:t> | Update</a:t>
+              </a:r>
+            </a:p>
+          </p:txBody>
+        </p:sp>
+        <p:sp>
+          <p:nvSpPr>
+            <p:cNvPr id="29" name="TextBox 28">
+              <a:extLst>
+                <a:ext uri="{FF2B5EF4-FFF2-40B4-BE49-F238E27FC236}">
+                  <a16:creationId xmlns:a16="http://schemas.microsoft.com/office/drawing/2014/main" id="{7FCFBBC4-1509-4FB2-8266-62C66DD22E55}"/>
+                </a:ext>
+              </a:extLst>
+            </p:cNvPr>
+            <p:cNvSpPr txBox="1"/>
+            <p:nvPr/>
+          </p:nvSpPr>
+          <p:spPr>
+            <a:xfrm>
+              <a:off x="7798872" y="755242"/>
+              <a:ext cx="2577950" cy="461665"/>
+            </a:xfrm>
+            <a:prstGeom prst="rect">
+              <a:avLst/>
+            </a:prstGeom>
+            <a:noFill/>
+          </p:spPr>
+          <p:txBody>
+            <a:bodyPr wrap="none" rtlCol="0">
+              <a:spAutoFit/>
+            </a:bodyPr>
+            <a:lstStyle/>
+            <a:p>
+              <a:r>
+                <a:rPr lang="en-US" sz="1200" dirty="0">
+                  <a:solidFill>
+                    <a:schemeClr val="accent2"/>
+                  </a:solidFill>
+                  <a:latin typeface="Arial" panose="020B0604020202020204" pitchFamily="34" charset="0"/>
+                  <a:cs typeface="Arial" panose="020B0604020202020204" pitchFamily="34" charset="0"/>
+                </a:rPr>
+                <a:t>Ace does not propagate –</a:t>
+              </a:r>
+            </a:p>
+            <a:p>
+              <a:r>
+                <a:rPr lang="en-US" sz="1200" dirty="0">
+                  <a:solidFill>
+                    <a:schemeClr val="accent2"/>
+                  </a:solidFill>
+                  <a:latin typeface="Arial" panose="020B0604020202020204" pitchFamily="34" charset="0"/>
+                  <a:cs typeface="Arial" panose="020B0604020202020204" pitchFamily="34" charset="0"/>
+                </a:rPr>
+                <a:t>individually configured not to inherit</a:t>
+              </a:r>
+            </a:p>
+          </p:txBody>
+        </p:sp>
+        <p:grpSp>
+          <p:nvGrpSpPr>
+            <p:cNvPr id="36" name="Group 35">
+              <a:extLst>
+                <a:ext uri="{FF2B5EF4-FFF2-40B4-BE49-F238E27FC236}">
+                  <a16:creationId xmlns:a16="http://schemas.microsoft.com/office/drawing/2014/main" id="{359FAE1D-BD1D-4F9D-ACA2-83F5B33461BB}"/>
+                </a:ext>
+              </a:extLst>
+            </p:cNvPr>
+            <p:cNvGrpSpPr/>
+            <p:nvPr/>
+          </p:nvGrpSpPr>
+          <p:grpSpPr>
+            <a:xfrm>
+              <a:off x="9235952" y="1793857"/>
+              <a:ext cx="274320" cy="274320"/>
+              <a:chOff x="7913594" y="2117912"/>
+              <a:chExt cx="450476" cy="450476"/>
+            </a:xfrm>
+          </p:grpSpPr>
+          <p:sp>
+            <p:nvSpPr>
+              <p:cNvPr id="37" name="Oval 36">
+                <a:extLst>
+                  <a:ext uri="{FF2B5EF4-FFF2-40B4-BE49-F238E27FC236}">
+                    <a16:creationId xmlns:a16="http://schemas.microsoft.com/office/drawing/2014/main" id="{622679EF-03A7-4CD8-B428-BCAA33CF7892}"/>
+                  </a:ext>
+                </a:extLst>
+              </p:cNvPr>
+              <p:cNvSpPr/>
+              <p:nvPr/>
+            </p:nvSpPr>
+            <p:spPr>
+              <a:xfrm>
+                <a:off x="7913594" y="2117912"/>
+                <a:ext cx="450476" cy="450476"/>
+              </a:xfrm>
+              <a:prstGeom prst="ellipse">
+                <a:avLst/>
+              </a:prstGeom>
+              <a:solidFill>
+                <a:schemeClr val="bg1">
+                  <a:lumMod val="95000"/>
+                </a:schemeClr>
+              </a:solidFill>
+              <a:ln w="25400">
+                <a:solidFill>
+                  <a:schemeClr val="accent2"/>
+                </a:solidFill>
+              </a:ln>
+            </p:spPr>
+            <p:style>
+              <a:lnRef idx="2">
+                <a:schemeClr val="accent1">
+                  <a:shade val="50000"/>
+                </a:schemeClr>
+              </a:lnRef>
+              <a:fillRef idx="1">
+                <a:schemeClr val="accent1"/>
+              </a:fillRef>
+              <a:effectRef idx="0">
+                <a:schemeClr val="accent1"/>
+              </a:effectRef>
+              <a:fontRef idx="minor">
+                <a:schemeClr val="lt1"/>
+              </a:fontRef>
+            </p:style>
+            <p:txBody>
+              <a:bodyPr rtlCol="0" anchor="ctr"/>
+              <a:lstStyle/>
+              <a:p>
+                <a:pPr algn="ctr"/>
+                <a:endParaRPr lang="en-US"/>
+              </a:p>
+            </p:txBody>
+          </p:sp>
+          <p:cxnSp>
+            <p:nvCxnSpPr>
+              <p:cNvPr id="38" name="Straight Connector 37">
+                <a:extLst>
+                  <a:ext uri="{FF2B5EF4-FFF2-40B4-BE49-F238E27FC236}">
+                    <a16:creationId xmlns:a16="http://schemas.microsoft.com/office/drawing/2014/main" id="{BFD6E759-9D38-4BB7-9086-AB94550168AE}"/>
+                  </a:ext>
+                </a:extLst>
+              </p:cNvPr>
+              <p:cNvCxnSpPr>
+                <a:cxnSpLocks/>
+                <a:stCxn id="37" idx="7"/>
+                <a:endCxn id="37" idx="3"/>
+              </p:cNvCxnSpPr>
+              <p:nvPr/>
+            </p:nvCxnSpPr>
+            <p:spPr>
+              <a:xfrm flipH="1">
+                <a:off x="7979565" y="2183883"/>
+                <a:ext cx="318534" cy="318534"/>
+              </a:xfrm>
+              <a:prstGeom prst="line">
+                <a:avLst/>
+              </a:prstGeom>
+              <a:ln w="25400">
+                <a:solidFill>
+                  <a:schemeClr val="accent2"/>
+                </a:solidFill>
+              </a:ln>
+            </p:spPr>
+            <p:style>
+              <a:lnRef idx="1">
+                <a:schemeClr val="accent1"/>
+              </a:lnRef>
+              <a:fillRef idx="0">
+                <a:schemeClr val="accent1"/>
+              </a:fillRef>
+              <a:effectRef idx="0">
+                <a:schemeClr val="accent1"/>
+              </a:effectRef>
+              <a:fontRef idx="minor">
+                <a:schemeClr val="tx1"/>
+              </a:fontRef>
+            </p:style>
+          </p:cxnSp>
+        </p:grpSp>
+        <p:sp>
+          <p:nvSpPr>
+            <p:cNvPr id="41" name="Rectangle 40">
+              <a:extLst>
+                <a:ext uri="{FF2B5EF4-FFF2-40B4-BE49-F238E27FC236}">
+                  <a16:creationId xmlns:a16="http://schemas.microsoft.com/office/drawing/2014/main" id="{7A0A49F4-5AF9-4BF4-96F8-E64602CAD926}"/>
+                </a:ext>
+              </a:extLst>
+            </p:cNvPr>
+            <p:cNvSpPr/>
+            <p:nvPr/>
+          </p:nvSpPr>
+          <p:spPr>
+            <a:xfrm>
+              <a:off x="6904889" y="3153832"/>
+              <a:ext cx="3108960" cy="256032"/>
+            </a:xfrm>
+            <a:prstGeom prst="rect">
+              <a:avLst/>
+            </a:prstGeom>
+            <a:solidFill>
+              <a:schemeClr val="accent6">
+                <a:lumMod val="20000"/>
+                <a:lumOff val="80000"/>
+              </a:schemeClr>
+            </a:solidFill>
+            <a:ln w="25400">
+              <a:solidFill>
+                <a:schemeClr val="accent6">
+                  <a:lumMod val="75000"/>
+                </a:schemeClr>
+              </a:solidFill>
+            </a:ln>
+          </p:spPr>
+          <p:style>
+            <a:lnRef idx="2">
+              <a:schemeClr val="accent1">
+                <a:shade val="50000"/>
+              </a:schemeClr>
+            </a:lnRef>
+            <a:fillRef idx="1">
+              <a:schemeClr val="accent1"/>
+            </a:fillRef>
+            <a:effectRef idx="0">
+              <a:schemeClr val="accent1"/>
+            </a:effectRef>
+            <a:fontRef idx="minor">
+              <a:schemeClr val="lt1"/>
+            </a:fontRef>
+          </p:style>
+          <p:txBody>
+            <a:bodyPr rtlCol="0" anchor="ctr"/>
+            <a:lstStyle/>
+            <a:p>
+              <a:r>
+                <a:rPr lang="en-US" sz="1100" dirty="0">
+                  <a:solidFill>
+                    <a:schemeClr val="tx1"/>
+                  </a:solidFill>
+                  <a:latin typeface="Arial" panose="020B0604020202020204" pitchFamily="34" charset="0"/>
+                  <a:cs typeface="Arial" panose="020B0604020202020204" pitchFamily="34" charset="0"/>
+                </a:rPr>
+                <a:t>Convert </a:t>
+              </a:r>
+              <a:r>
+                <a:rPr lang="en-US" sz="1100" dirty="0" err="1">
+                  <a:solidFill>
+                    <a:schemeClr val="tx1"/>
+                  </a:solidFill>
+                  <a:latin typeface="Arial" panose="020B0604020202020204" pitchFamily="34" charset="0"/>
+                  <a:cs typeface="Arial" panose="020B0604020202020204" pitchFamily="34" charset="0"/>
+                </a:rPr>
+                <a:t>RecordRight.Insert</a:t>
+              </a:r>
+              <a:r>
+                <a:rPr lang="en-US" sz="1100" dirty="0">
+                  <a:solidFill>
+                    <a:schemeClr val="tx1"/>
+                  </a:solidFill>
+                  <a:latin typeface="Arial" panose="020B0604020202020204" pitchFamily="34" charset="0"/>
+                  <a:cs typeface="Arial" panose="020B0604020202020204" pitchFamily="34" charset="0"/>
+                </a:rPr>
+                <a:t> </a:t>
+              </a:r>
+              <a:r>
+                <a:rPr lang="en-US" sz="1100" dirty="0">
+                  <a:solidFill>
+                    <a:schemeClr val="tx1"/>
+                  </a:solidFill>
+                  <a:latin typeface="Arial" panose="020B0604020202020204" pitchFamily="34" charset="0"/>
+                  <a:cs typeface="Arial" panose="020B0604020202020204" pitchFamily="34" charset="0"/>
+                  <a:sym typeface="Wingdings" panose="05000000000000000000" pitchFamily="2" charset="2"/>
+                </a:rPr>
+                <a:t></a:t>
+              </a:r>
+              <a:r>
+                <a:rPr lang="en-US" sz="1100" dirty="0">
+                  <a:solidFill>
+                    <a:schemeClr val="tx1"/>
+                  </a:solidFill>
+                  <a:latin typeface="Arial" panose="020B0604020202020204" pitchFamily="34" charset="0"/>
+                  <a:cs typeface="Arial" panose="020B0604020202020204" pitchFamily="34" charset="0"/>
+                </a:rPr>
+                <a:t> </a:t>
+              </a:r>
+              <a:r>
+                <a:rPr lang="en-US" sz="1100" dirty="0" err="1">
+                  <a:solidFill>
+                    <a:schemeClr val="tx1"/>
+                  </a:solidFill>
+                  <a:latin typeface="Arial" panose="020B0604020202020204" pitchFamily="34" charset="0"/>
+                  <a:cs typeface="Arial" panose="020B0604020202020204" pitchFamily="34" charset="0"/>
+                </a:rPr>
+                <a:t>UIRight.Enabled</a:t>
+              </a:r>
+              <a:endParaRPr lang="en-US" sz="1100" dirty="0">
+                <a:solidFill>
+                  <a:schemeClr val="tx1"/>
+                </a:solidFill>
+                <a:latin typeface="Arial" panose="020B0604020202020204" pitchFamily="34" charset="0"/>
+                <a:cs typeface="Arial" panose="020B0604020202020204" pitchFamily="34" charset="0"/>
+              </a:endParaRPr>
+            </a:p>
+          </p:txBody>
+        </p:sp>
+        <p:sp>
+          <p:nvSpPr>
+            <p:cNvPr id="50" name="Rectangle 49">
+              <a:extLst>
+                <a:ext uri="{FF2B5EF4-FFF2-40B4-BE49-F238E27FC236}">
+                  <a16:creationId xmlns:a16="http://schemas.microsoft.com/office/drawing/2014/main" id="{3D1B66CF-8078-4007-A335-995521066077}"/>
+                </a:ext>
+              </a:extLst>
+            </p:cNvPr>
+            <p:cNvSpPr/>
+            <p:nvPr/>
+          </p:nvSpPr>
+          <p:spPr>
+            <a:xfrm>
+              <a:off x="2080847" y="886573"/>
+              <a:ext cx="1994810" cy="1371599"/>
+            </a:xfrm>
+            <a:prstGeom prst="rect">
+              <a:avLst/>
+            </a:prstGeom>
+            <a:solidFill>
+              <a:schemeClr val="bg1">
+                <a:lumMod val="85000"/>
+              </a:schemeClr>
+            </a:solidFill>
+            <a:ln w="25400">
+              <a:solidFill>
+                <a:schemeClr val="bg1">
+                  <a:lumMod val="65000"/>
+                </a:schemeClr>
+              </a:solidFill>
+            </a:ln>
+          </p:spPr>
+          <p:style>
+            <a:lnRef idx="2">
+              <a:schemeClr val="dk1"/>
+            </a:lnRef>
+            <a:fillRef idx="1">
+              <a:schemeClr val="lt1"/>
+            </a:fillRef>
+            <a:effectRef idx="0">
+              <a:schemeClr val="dk1"/>
+            </a:effectRef>
+            <a:fontRef idx="minor">
+              <a:schemeClr val="dk1"/>
+            </a:fontRef>
+          </p:style>
+          <p:txBody>
+            <a:bodyPr rtlCol="0" anchor="t"/>
+            <a:lstStyle/>
+            <a:p>
+              <a:pPr algn="ctr"/>
+              <a:r>
+                <a:rPr lang="en-US" dirty="0">
+                  <a:latin typeface="Arial" panose="020B0604020202020204" pitchFamily="34" charset="0"/>
+                  <a:cs typeface="Arial" panose="020B0604020202020204" pitchFamily="34" charset="0"/>
+                </a:rPr>
+                <a:t>Role1</a:t>
+              </a:r>
+            </a:p>
+          </p:txBody>
+        </p:sp>
+        <p:grpSp>
+          <p:nvGrpSpPr>
+            <p:cNvPr id="24" name="Group 23">
+              <a:extLst>
+                <a:ext uri="{FF2B5EF4-FFF2-40B4-BE49-F238E27FC236}">
+                  <a16:creationId xmlns:a16="http://schemas.microsoft.com/office/drawing/2014/main" id="{A1978F20-44D8-48CE-8C4A-DF016DCA9BB0}"/>
+                </a:ext>
+              </a:extLst>
+            </p:cNvPr>
+            <p:cNvGrpSpPr/>
+            <p:nvPr/>
+          </p:nvGrpSpPr>
+          <p:grpSpPr>
+            <a:xfrm>
+              <a:off x="2112579" y="1237923"/>
+              <a:ext cx="914400" cy="1036652"/>
+              <a:chOff x="2080846" y="2264463"/>
+              <a:chExt cx="914400" cy="1036652"/>
+            </a:xfrm>
+          </p:grpSpPr>
+          <p:pic>
+            <p:nvPicPr>
+              <p:cNvPr id="44" name="Graphic 43" descr="Users">
+                <a:extLst>
+                  <a:ext uri="{FF2B5EF4-FFF2-40B4-BE49-F238E27FC236}">
+                    <a16:creationId xmlns:a16="http://schemas.microsoft.com/office/drawing/2014/main" id="{0B50C769-461A-4AD2-8053-66AA8031C73B}"/>
+                  </a:ext>
+                </a:extLst>
+              </p:cNvPr>
+              <p:cNvPicPr>
+                <a:picLocks noChangeAspect="1"/>
+              </p:cNvPicPr>
+              <p:nvPr/>
+            </p:nvPicPr>
+            <p:blipFill>
+              <a:blip r:embed="rId2">
+                <a:extLst>
+                  <a:ext uri="{28A0092B-C50C-407E-A947-70E740481C1C}">
+                    <a14:useLocalDpi xmlns:a14="http://schemas.microsoft.com/office/drawing/2010/main" val="0"/>
+                  </a:ext>
+                  <a:ext uri="{96DAC541-7B7A-43D3-8B79-37D633B846F1}">
+                    <asvg:svgBlip xmlns:asvg="http://schemas.microsoft.com/office/drawing/2016/SVG/main" r:embed="rId3"/>
+                  </a:ext>
+                </a:extLst>
+              </a:blip>
+              <a:stretch>
+                <a:fillRect/>
+              </a:stretch>
+            </p:blipFill>
+            <p:spPr>
+              <a:xfrm>
+                <a:off x="2080846" y="2264463"/>
+                <a:ext cx="914400" cy="914400"/>
+              </a:xfrm>
+              <a:prstGeom prst="rect">
+                <a:avLst/>
+              </a:prstGeom>
+            </p:spPr>
+          </p:pic>
+          <p:sp>
+            <p:nvSpPr>
+              <p:cNvPr id="21" name="TextBox 20">
+                <a:extLst>
+                  <a:ext uri="{FF2B5EF4-FFF2-40B4-BE49-F238E27FC236}">
+                    <a16:creationId xmlns:a16="http://schemas.microsoft.com/office/drawing/2014/main" id="{47CE6015-B4C8-47FF-9D75-0C3F920E1C98}"/>
+                  </a:ext>
+                </a:extLst>
+              </p:cNvPr>
+              <p:cNvSpPr txBox="1"/>
+              <p:nvPr/>
+            </p:nvSpPr>
+            <p:spPr>
+              <a:xfrm>
+                <a:off x="2147554" y="2993338"/>
+                <a:ext cx="780983" cy="307777"/>
+              </a:xfrm>
+              <a:prstGeom prst="rect">
+                <a:avLst/>
+              </a:prstGeom>
+              <a:noFill/>
+              <a:ln>
+                <a:noFill/>
+              </a:ln>
+            </p:spPr>
+            <p:style>
+              <a:lnRef idx="0">
+                <a:scrgbClr r="0" g="0" b="0"/>
+              </a:lnRef>
+              <a:fillRef idx="0">
+                <a:scrgbClr r="0" g="0" b="0"/>
+              </a:fillRef>
+              <a:effectRef idx="0">
+                <a:scrgbClr r="0" g="0" b="0"/>
+              </a:effectRef>
+              <a:fontRef idx="minor">
+                <a:schemeClr val="dk1"/>
+              </a:fontRef>
+            </p:style>
+            <p:txBody>
+              <a:bodyPr wrap="none" rtlCol="0">
+                <a:spAutoFit/>
+              </a:bodyPr>
+              <a:lstStyle/>
+              <a:p>
+                <a:r>
+                  <a:rPr lang="en-US" sz="1400" dirty="0">
+                    <a:latin typeface="Arial" panose="020B0604020202020204" pitchFamily="34" charset="0"/>
+                    <a:cs typeface="Arial" panose="020B0604020202020204" pitchFamily="34" charset="0"/>
+                  </a:rPr>
+                  <a:t>Group1</a:t>
+                </a:r>
+                <a:endParaRPr lang="en-US" dirty="0">
+                  <a:latin typeface="Arial" panose="020B0604020202020204" pitchFamily="34" charset="0"/>
+                  <a:cs typeface="Arial" panose="020B0604020202020204" pitchFamily="34" charset="0"/>
+                </a:endParaRPr>
+              </a:p>
+            </p:txBody>
+          </p:sp>
+        </p:grpSp>
+        <p:grpSp>
+          <p:nvGrpSpPr>
+            <p:cNvPr id="22" name="Group 21">
+              <a:extLst>
+                <a:ext uri="{FF2B5EF4-FFF2-40B4-BE49-F238E27FC236}">
+                  <a16:creationId xmlns:a16="http://schemas.microsoft.com/office/drawing/2014/main" id="{21B86CA8-4AC8-4976-BAC7-8DCC25D9AFF5}"/>
+                </a:ext>
+              </a:extLst>
+            </p:cNvPr>
+            <p:cNvGrpSpPr/>
+            <p:nvPr/>
+          </p:nvGrpSpPr>
+          <p:grpSpPr>
+            <a:xfrm>
+              <a:off x="3137809" y="1237923"/>
+              <a:ext cx="914400" cy="1036652"/>
+              <a:chOff x="3243860" y="2345746"/>
+              <a:chExt cx="914400" cy="1036652"/>
+            </a:xfrm>
+          </p:grpSpPr>
+          <p:pic>
+            <p:nvPicPr>
+              <p:cNvPr id="52" name="Graphic 51" descr="Users">
+                <a:extLst>
+                  <a:ext uri="{FF2B5EF4-FFF2-40B4-BE49-F238E27FC236}">
+                    <a16:creationId xmlns:a16="http://schemas.microsoft.com/office/drawing/2014/main" id="{FD0C4900-5112-4B88-B88A-3FC5BB8950B8}"/>
+                  </a:ext>
+                </a:extLst>
+              </p:cNvPr>
+              <p:cNvPicPr>
+                <a:picLocks noChangeAspect="1"/>
+              </p:cNvPicPr>
+              <p:nvPr/>
+            </p:nvPicPr>
+            <p:blipFill>
+              <a:blip r:embed="rId4">
+                <a:extLst>
+                  <a:ext uri="{28A0092B-C50C-407E-A947-70E740481C1C}">
+                    <a14:useLocalDpi xmlns:a14="http://schemas.microsoft.com/office/drawing/2010/main" val="0"/>
+                  </a:ext>
+                  <a:ext uri="{96DAC541-7B7A-43D3-8B79-37D633B846F1}">
+                    <asvg:svgBlip xmlns:asvg="http://schemas.microsoft.com/office/drawing/2016/SVG/main" r:embed="rId5"/>
+                  </a:ext>
+                </a:extLst>
+              </a:blip>
+              <a:stretch>
+                <a:fillRect/>
+              </a:stretch>
+            </p:blipFill>
+            <p:spPr>
+              <a:xfrm>
+                <a:off x="3243860" y="2345746"/>
+                <a:ext cx="914400" cy="914400"/>
+              </a:xfrm>
+              <a:prstGeom prst="rect">
+                <a:avLst/>
+              </a:prstGeom>
+            </p:spPr>
+          </p:pic>
+          <p:sp>
+            <p:nvSpPr>
+              <p:cNvPr id="53" name="TextBox 52">
+                <a:extLst>
+                  <a:ext uri="{FF2B5EF4-FFF2-40B4-BE49-F238E27FC236}">
+                    <a16:creationId xmlns:a16="http://schemas.microsoft.com/office/drawing/2014/main" id="{2483AF08-CC7B-4643-B13A-E473F0671C87}"/>
+                  </a:ext>
+                </a:extLst>
+              </p:cNvPr>
+              <p:cNvSpPr txBox="1"/>
+              <p:nvPr/>
+            </p:nvSpPr>
+            <p:spPr>
+              <a:xfrm>
+                <a:off x="3310568" y="3074621"/>
+                <a:ext cx="780983" cy="307777"/>
+              </a:xfrm>
+              <a:prstGeom prst="rect">
+                <a:avLst/>
+              </a:prstGeom>
+              <a:noFill/>
+              <a:ln>
+                <a:noFill/>
+              </a:ln>
+            </p:spPr>
+            <p:style>
+              <a:lnRef idx="0">
+                <a:scrgbClr r="0" g="0" b="0"/>
+              </a:lnRef>
+              <a:fillRef idx="0">
+                <a:scrgbClr r="0" g="0" b="0"/>
+              </a:fillRef>
+              <a:effectRef idx="0">
+                <a:scrgbClr r="0" g="0" b="0"/>
+              </a:effectRef>
+              <a:fontRef idx="minor">
+                <a:schemeClr val="dk1"/>
+              </a:fontRef>
+            </p:style>
+            <p:txBody>
+              <a:bodyPr wrap="none" rtlCol="0">
+                <a:spAutoFit/>
+              </a:bodyPr>
+              <a:lstStyle/>
+              <a:p>
+                <a:r>
+                  <a:rPr lang="en-US" sz="1400" dirty="0">
+                    <a:latin typeface="Arial" panose="020B0604020202020204" pitchFamily="34" charset="0"/>
+                    <a:cs typeface="Arial" panose="020B0604020202020204" pitchFamily="34" charset="0"/>
+                  </a:rPr>
+                  <a:t>Group2</a:t>
+                </a:r>
+                <a:endParaRPr lang="en-US" dirty="0">
+                  <a:latin typeface="Arial" panose="020B0604020202020204" pitchFamily="34" charset="0"/>
+                  <a:cs typeface="Arial" panose="020B0604020202020204" pitchFamily="34" charset="0"/>
+                </a:endParaRPr>
+              </a:p>
+            </p:txBody>
+          </p:sp>
+        </p:grpSp>
+        <p:grpSp>
+          <p:nvGrpSpPr>
+            <p:cNvPr id="54" name="Group 53">
+              <a:extLst>
+                <a:ext uri="{FF2B5EF4-FFF2-40B4-BE49-F238E27FC236}">
+                  <a16:creationId xmlns:a16="http://schemas.microsoft.com/office/drawing/2014/main" id="{635E61C4-0B32-4ED8-9CFE-124F7511C25F}"/>
+                </a:ext>
+              </a:extLst>
+            </p:cNvPr>
+            <p:cNvGrpSpPr/>
+            <p:nvPr/>
+          </p:nvGrpSpPr>
+          <p:grpSpPr>
+            <a:xfrm>
+              <a:off x="1618940" y="2249820"/>
+              <a:ext cx="914400" cy="1036652"/>
+              <a:chOff x="2080846" y="2264463"/>
+              <a:chExt cx="914400" cy="1036652"/>
+            </a:xfrm>
+          </p:grpSpPr>
+          <p:pic>
+            <p:nvPicPr>
+              <p:cNvPr id="55" name="Graphic 54" descr="Users">
+                <a:extLst>
+                  <a:ext uri="{FF2B5EF4-FFF2-40B4-BE49-F238E27FC236}">
+                    <a16:creationId xmlns:a16="http://schemas.microsoft.com/office/drawing/2014/main" id="{A9B44502-0D0D-4D24-A9C8-325F5FAF99EB}"/>
+                  </a:ext>
+                </a:extLst>
+              </p:cNvPr>
+              <p:cNvPicPr>
+                <a:picLocks noChangeAspect="1"/>
+              </p:cNvPicPr>
+              <p:nvPr/>
+            </p:nvPicPr>
+            <p:blipFill>
+              <a:blip r:embed="rId6">
+                <a:extLst>
+                  <a:ext uri="{28A0092B-C50C-407E-A947-70E740481C1C}">
+                    <a14:useLocalDpi xmlns:a14="http://schemas.microsoft.com/office/drawing/2010/main" val="0"/>
+                  </a:ext>
+                  <a:ext uri="{96DAC541-7B7A-43D3-8B79-37D633B846F1}">
+                    <asvg:svgBlip xmlns:asvg="http://schemas.microsoft.com/office/drawing/2016/SVG/main" r:embed="rId7"/>
+                  </a:ext>
+                </a:extLst>
+              </a:blip>
+              <a:stretch>
+                <a:fillRect/>
+              </a:stretch>
+            </p:blipFill>
+            <p:spPr>
+              <a:xfrm>
+                <a:off x="2080846" y="2264463"/>
+                <a:ext cx="914400" cy="914400"/>
+              </a:xfrm>
+              <a:prstGeom prst="rect">
+                <a:avLst/>
+              </a:prstGeom>
+            </p:spPr>
+          </p:pic>
+          <p:sp>
+            <p:nvSpPr>
+              <p:cNvPr id="56" name="TextBox 55">
+                <a:extLst>
+                  <a:ext uri="{FF2B5EF4-FFF2-40B4-BE49-F238E27FC236}">
+                    <a16:creationId xmlns:a16="http://schemas.microsoft.com/office/drawing/2014/main" id="{EB9708A2-A863-49ED-B4E8-17D82A2FD9AF}"/>
+                  </a:ext>
+                </a:extLst>
+              </p:cNvPr>
+              <p:cNvSpPr txBox="1"/>
+              <p:nvPr/>
+            </p:nvSpPr>
+            <p:spPr>
+              <a:xfrm>
+                <a:off x="2147554" y="2993338"/>
+                <a:ext cx="780983" cy="307777"/>
+              </a:xfrm>
+              <a:prstGeom prst="rect">
+                <a:avLst/>
+              </a:prstGeom>
+              <a:noFill/>
+              <a:ln>
+                <a:noFill/>
+              </a:ln>
+            </p:spPr>
+            <p:style>
+              <a:lnRef idx="0">
+                <a:scrgbClr r="0" g="0" b="0"/>
+              </a:lnRef>
+              <a:fillRef idx="0">
+                <a:scrgbClr r="0" g="0" b="0"/>
+              </a:fillRef>
+              <a:effectRef idx="0">
+                <a:scrgbClr r="0" g="0" b="0"/>
+              </a:effectRef>
+              <a:fontRef idx="minor">
+                <a:schemeClr val="dk1"/>
+              </a:fontRef>
+            </p:style>
+            <p:txBody>
+              <a:bodyPr wrap="none" rtlCol="0">
+                <a:spAutoFit/>
+              </a:bodyPr>
+              <a:lstStyle/>
+              <a:p>
+                <a:r>
+                  <a:rPr lang="en-US" sz="1400" dirty="0">
+                    <a:latin typeface="Arial" panose="020B0604020202020204" pitchFamily="34" charset="0"/>
+                    <a:cs typeface="Arial" panose="020B0604020202020204" pitchFamily="34" charset="0"/>
+                  </a:rPr>
+                  <a:t>Group3</a:t>
+                </a:r>
+                <a:endParaRPr lang="en-US" dirty="0">
+                  <a:latin typeface="Arial" panose="020B0604020202020204" pitchFamily="34" charset="0"/>
+                  <a:cs typeface="Arial" panose="020B0604020202020204" pitchFamily="34" charset="0"/>
+                </a:endParaRPr>
+              </a:p>
+            </p:txBody>
+          </p:sp>
+        </p:grpSp>
+        <p:cxnSp>
+          <p:nvCxnSpPr>
+            <p:cNvPr id="35" name="Straight Arrow Connector 34">
+              <a:extLst>
+                <a:ext uri="{FF2B5EF4-FFF2-40B4-BE49-F238E27FC236}">
+                  <a16:creationId xmlns:a16="http://schemas.microsoft.com/office/drawing/2014/main" id="{C9594C8E-C0C9-4EC2-8D8C-A06392506262}"/>
+                </a:ext>
+              </a:extLst>
+            </p:cNvPr>
+            <p:cNvCxnSpPr>
+              <a:cxnSpLocks/>
+              <a:stCxn id="55" idx="1"/>
+              <a:endCxn id="44" idx="1"/>
+            </p:cNvCxnSpPr>
+            <p:nvPr/>
+          </p:nvCxnSpPr>
+          <p:spPr>
+            <a:xfrm rot="10800000" flipH="1">
+              <a:off x="1618939" y="1695124"/>
+              <a:ext cx="493639" cy="1011897"/>
+            </a:xfrm>
+            <a:prstGeom prst="curvedConnector3">
+              <a:avLst>
+                <a:gd name="adj1" fmla="val -16624"/>
+              </a:avLst>
+            </a:prstGeom>
+            <a:ln w="25400" cap="flat" cmpd="sng" algn="ctr">
+              <a:solidFill>
+                <a:schemeClr val="accent3">
+                  <a:lumMod val="60000"/>
+                  <a:lumOff val="40000"/>
+                </a:schemeClr>
+              </a:solidFill>
+              <a:prstDash val="solid"/>
+              <a:round/>
+              <a:headEnd type="none" w="med" len="med"/>
+              <a:tailEnd type="arrow" w="med" len="med"/>
+            </a:ln>
+          </p:spPr>
+          <p:style>
+            <a:lnRef idx="0">
+              <a:scrgbClr r="0" g="0" b="0"/>
+            </a:lnRef>
+            <a:fillRef idx="0">
+              <a:scrgbClr r="0" g="0" b="0"/>
+            </a:fillRef>
+            <a:effectRef idx="0">
+              <a:scrgbClr r="0" g="0" b="0"/>
+            </a:effectRef>
+            <a:fontRef idx="minor">
+              <a:schemeClr val="tx1"/>
+            </a:fontRef>
+          </p:style>
+        </p:cxnSp>
+        <p:pic>
+          <p:nvPicPr>
+            <p:cNvPr id="59" name="Graphic 58" descr="User">
+              <a:extLst>
+                <a:ext uri="{FF2B5EF4-FFF2-40B4-BE49-F238E27FC236}">
+                  <a16:creationId xmlns:a16="http://schemas.microsoft.com/office/drawing/2014/main" id="{B71D43B7-7F46-49CD-AAA3-113C718A0936}"/>
+                </a:ext>
+              </a:extLst>
+            </p:cNvPr>
+            <p:cNvPicPr>
+              <a:picLocks noChangeAspect="1"/>
+            </p:cNvPicPr>
+            <p:nvPr/>
+          </p:nvPicPr>
+          <p:blipFill>
+            <a:blip r:embed="rId8">
+              <a:extLst>
+                <a:ext uri="{28A0092B-C50C-407E-A947-70E740481C1C}">
+                  <a14:useLocalDpi xmlns:a14="http://schemas.microsoft.com/office/drawing/2010/main" val="0"/>
+                </a:ext>
+                <a:ext uri="{96DAC541-7B7A-43D3-8B79-37D633B846F1}">
+                  <asvg:svgBlip xmlns:asvg="http://schemas.microsoft.com/office/drawing/2016/SVG/main" r:embed="rId9"/>
+                </a:ext>
+              </a:extLst>
+            </a:blip>
+            <a:stretch>
+              <a:fillRect/>
+            </a:stretch>
+          </p:blipFill>
+          <p:spPr>
+            <a:xfrm>
+              <a:off x="2418397" y="3252516"/>
+              <a:ext cx="554953" cy="554953"/>
+            </a:xfrm>
+            <a:prstGeom prst="rect">
+              <a:avLst/>
+            </a:prstGeom>
+          </p:spPr>
+        </p:pic>
+        <p:pic>
+          <p:nvPicPr>
+            <p:cNvPr id="60" name="Graphic 59" descr="User">
+              <a:extLst>
+                <a:ext uri="{FF2B5EF4-FFF2-40B4-BE49-F238E27FC236}">
+                  <a16:creationId xmlns:a16="http://schemas.microsoft.com/office/drawing/2014/main" id="{93ABDFC7-DE6B-458B-871C-E850682549F9}"/>
+                </a:ext>
+              </a:extLst>
+            </p:cNvPr>
+            <p:cNvPicPr>
+              <a:picLocks noChangeAspect="1"/>
+            </p:cNvPicPr>
+            <p:nvPr/>
+          </p:nvPicPr>
+          <p:blipFill>
+            <a:blip r:embed="rId10">
+              <a:extLst>
+                <a:ext uri="{28A0092B-C50C-407E-A947-70E740481C1C}">
+                  <a14:useLocalDpi xmlns:a14="http://schemas.microsoft.com/office/drawing/2010/main" val="0"/>
+                </a:ext>
+                <a:ext uri="{96DAC541-7B7A-43D3-8B79-37D633B846F1}">
+                  <asvg:svgBlip xmlns:asvg="http://schemas.microsoft.com/office/drawing/2016/SVG/main" r:embed="rId11"/>
+                </a:ext>
+              </a:extLst>
+            </a:blip>
+            <a:stretch>
+              <a:fillRect/>
+            </a:stretch>
+          </p:blipFill>
+          <p:spPr>
+            <a:xfrm>
+              <a:off x="2926670" y="2886743"/>
+              <a:ext cx="554953" cy="554953"/>
+            </a:xfrm>
+            <a:prstGeom prst="rect">
+              <a:avLst/>
+            </a:prstGeom>
+          </p:spPr>
+        </p:pic>
+        <p:pic>
+          <p:nvPicPr>
+            <p:cNvPr id="61" name="Graphic 60" descr="User">
+              <a:extLst>
+                <a:ext uri="{FF2B5EF4-FFF2-40B4-BE49-F238E27FC236}">
+                  <a16:creationId xmlns:a16="http://schemas.microsoft.com/office/drawing/2014/main" id="{97935678-B436-4F83-B725-27B9AC2A97B0}"/>
+                </a:ext>
+              </a:extLst>
+            </p:cNvPr>
+            <p:cNvPicPr>
+              <a:picLocks noChangeAspect="1"/>
+            </p:cNvPicPr>
+            <p:nvPr/>
+          </p:nvPicPr>
+          <p:blipFill>
+            <a:blip r:embed="rId12">
+              <a:extLst>
+                <a:ext uri="{28A0092B-C50C-407E-A947-70E740481C1C}">
+                  <a14:useLocalDpi xmlns:a14="http://schemas.microsoft.com/office/drawing/2010/main" val="0"/>
+                </a:ext>
+                <a:ext uri="{96DAC541-7B7A-43D3-8B79-37D633B846F1}">
+                  <asvg:svgBlip xmlns:asvg="http://schemas.microsoft.com/office/drawing/2016/SVG/main" r:embed="rId13"/>
+                </a:ext>
+              </a:extLst>
+            </a:blip>
+            <a:stretch>
+              <a:fillRect/>
+            </a:stretch>
+          </p:blipFill>
+          <p:spPr>
+            <a:xfrm>
+              <a:off x="3444205" y="2746568"/>
+              <a:ext cx="554953" cy="554953"/>
+            </a:xfrm>
+            <a:prstGeom prst="rect">
+              <a:avLst/>
+            </a:prstGeom>
+          </p:spPr>
+        </p:pic>
+        <p:cxnSp>
+          <p:nvCxnSpPr>
+            <p:cNvPr id="63" name="Straight Arrow Connector 62">
+              <a:extLst>
+                <a:ext uri="{FF2B5EF4-FFF2-40B4-BE49-F238E27FC236}">
+                  <a16:creationId xmlns:a16="http://schemas.microsoft.com/office/drawing/2014/main" id="{5E42BB38-477B-40FA-9480-7875506118CA}"/>
+                </a:ext>
+              </a:extLst>
+            </p:cNvPr>
+            <p:cNvCxnSpPr>
+              <a:cxnSpLocks/>
+            </p:cNvCxnSpPr>
+            <p:nvPr/>
+          </p:nvCxnSpPr>
+          <p:spPr>
+            <a:xfrm flipH="1" flipV="1">
+              <a:off x="2329082" y="3228274"/>
+              <a:ext cx="137549" cy="181591"/>
+            </a:xfrm>
+            <a:prstGeom prst="straightConnector1">
+              <a:avLst/>
+            </a:prstGeom>
+            <a:ln w="25400">
+              <a:solidFill>
+                <a:schemeClr val="accent3">
+                  <a:lumMod val="60000"/>
+                  <a:lumOff val="40000"/>
+                </a:schemeClr>
+              </a:solidFill>
+              <a:tailEnd type="triangle"/>
+            </a:ln>
+          </p:spPr>
+          <p:style>
+            <a:lnRef idx="1">
+              <a:schemeClr val="accent1"/>
+            </a:lnRef>
+            <a:fillRef idx="0">
+              <a:schemeClr val="accent1"/>
+            </a:fillRef>
+            <a:effectRef idx="0">
+              <a:schemeClr val="accent1"/>
+            </a:effectRef>
+            <a:fontRef idx="minor">
+              <a:schemeClr val="tx1"/>
+            </a:fontRef>
+          </p:style>
+        </p:cxnSp>
+        <p:cxnSp>
+          <p:nvCxnSpPr>
+            <p:cNvPr id="64" name="Straight Arrow Connector 63">
+              <a:extLst>
+                <a:ext uri="{FF2B5EF4-FFF2-40B4-BE49-F238E27FC236}">
+                  <a16:creationId xmlns:a16="http://schemas.microsoft.com/office/drawing/2014/main" id="{6ADBA59F-FF9C-4922-8FA2-CAFC5806D625}"/>
+                </a:ext>
+              </a:extLst>
+            </p:cNvPr>
+            <p:cNvCxnSpPr>
+              <a:cxnSpLocks/>
+            </p:cNvCxnSpPr>
+            <p:nvPr/>
+          </p:nvCxnSpPr>
+          <p:spPr>
+            <a:xfrm flipH="1" flipV="1">
+              <a:off x="2679033" y="2274575"/>
+              <a:ext cx="347946" cy="749979"/>
+            </a:xfrm>
+            <a:prstGeom prst="straightConnector1">
+              <a:avLst/>
+            </a:prstGeom>
+            <a:ln w="25400">
+              <a:solidFill>
+                <a:schemeClr val="accent6">
+                  <a:lumMod val="60000"/>
+                  <a:lumOff val="40000"/>
+                </a:schemeClr>
+              </a:solidFill>
+              <a:tailEnd type="triangle"/>
+            </a:ln>
+          </p:spPr>
+          <p:style>
+            <a:lnRef idx="1">
+              <a:schemeClr val="accent1"/>
+            </a:lnRef>
+            <a:fillRef idx="0">
+              <a:schemeClr val="accent1"/>
+            </a:fillRef>
+            <a:effectRef idx="0">
+              <a:schemeClr val="accent1"/>
+            </a:effectRef>
+            <a:fontRef idx="minor">
+              <a:schemeClr val="tx1"/>
+            </a:fontRef>
+          </p:style>
+        </p:cxnSp>
+        <p:cxnSp>
+          <p:nvCxnSpPr>
+            <p:cNvPr id="69" name="Straight Arrow Connector 68">
+              <a:extLst>
+                <a:ext uri="{FF2B5EF4-FFF2-40B4-BE49-F238E27FC236}">
+                  <a16:creationId xmlns:a16="http://schemas.microsoft.com/office/drawing/2014/main" id="{B1E175FC-6B44-4C82-AB3A-172443155309}"/>
+                </a:ext>
+              </a:extLst>
+            </p:cNvPr>
+            <p:cNvCxnSpPr>
+              <a:cxnSpLocks/>
+              <a:stCxn id="61" idx="0"/>
+              <a:endCxn id="53" idx="2"/>
+            </p:cNvCxnSpPr>
+            <p:nvPr/>
+          </p:nvCxnSpPr>
+          <p:spPr>
+            <a:xfrm flipH="1" flipV="1">
+              <a:off x="3595009" y="2274575"/>
+              <a:ext cx="126673" cy="471993"/>
+            </a:xfrm>
+            <a:prstGeom prst="straightConnector1">
+              <a:avLst/>
+            </a:prstGeom>
+            <a:ln w="25400">
+              <a:solidFill>
+                <a:schemeClr val="accent5">
+                  <a:lumMod val="60000"/>
+                  <a:lumOff val="40000"/>
+                </a:schemeClr>
+              </a:solidFill>
+              <a:tailEnd type="triangle"/>
+            </a:ln>
+          </p:spPr>
+          <p:style>
+            <a:lnRef idx="1">
+              <a:schemeClr val="accent1"/>
+            </a:lnRef>
+            <a:fillRef idx="0">
+              <a:schemeClr val="accent1"/>
+            </a:fillRef>
+            <a:effectRef idx="0">
+              <a:schemeClr val="accent1"/>
+            </a:effectRef>
+            <a:fontRef idx="minor">
+              <a:schemeClr val="tx1"/>
+            </a:fontRef>
+          </p:style>
+        </p:cxnSp>
+        <p:cxnSp>
+          <p:nvCxnSpPr>
+            <p:cNvPr id="85" name="Straight Arrow Connector 84">
+              <a:extLst>
+                <a:ext uri="{FF2B5EF4-FFF2-40B4-BE49-F238E27FC236}">
+                  <a16:creationId xmlns:a16="http://schemas.microsoft.com/office/drawing/2014/main" id="{35530FFF-DFDB-468A-B24C-ABB02289812B}"/>
+                </a:ext>
+              </a:extLst>
+            </p:cNvPr>
+            <p:cNvCxnSpPr>
+              <a:cxnSpLocks/>
+              <a:endCxn id="26" idx="1"/>
+            </p:cNvCxnSpPr>
+            <p:nvPr/>
+          </p:nvCxnSpPr>
+          <p:spPr>
+            <a:xfrm rot="5400000" flipH="1" flipV="1">
+              <a:off x="3445098" y="2294384"/>
+              <a:ext cx="2672357" cy="1428688"/>
+            </a:xfrm>
+            <a:prstGeom prst="curvedConnector2">
+              <a:avLst/>
+            </a:prstGeom>
+            <a:ln w="25400">
+              <a:solidFill>
+                <a:schemeClr val="tx1">
+                  <a:lumMod val="85000"/>
+                  <a:lumOff val="15000"/>
+                </a:schemeClr>
+              </a:solidFill>
+              <a:tailEnd type="triangle"/>
+            </a:ln>
+          </p:spPr>
+          <p:style>
+            <a:lnRef idx="1">
+              <a:schemeClr val="accent1"/>
+            </a:lnRef>
+            <a:fillRef idx="0">
+              <a:schemeClr val="accent1"/>
+            </a:fillRef>
+            <a:effectRef idx="0">
+              <a:schemeClr val="accent1"/>
+            </a:effectRef>
+            <a:fontRef idx="minor">
+              <a:schemeClr val="tx1"/>
+            </a:fontRef>
+          </p:style>
+        </p:cxnSp>
+        <p:cxnSp>
+          <p:nvCxnSpPr>
+            <p:cNvPr id="87" name="Straight Arrow Connector 84">
+              <a:extLst>
+                <a:ext uri="{FF2B5EF4-FFF2-40B4-BE49-F238E27FC236}">
+                  <a16:creationId xmlns:a16="http://schemas.microsoft.com/office/drawing/2014/main" id="{3D104B40-CC5D-413F-9F30-94C2DBF7CE0E}"/>
+                </a:ext>
+              </a:extLst>
+            </p:cNvPr>
+            <p:cNvCxnSpPr>
+              <a:cxnSpLocks/>
+              <a:stCxn id="50" idx="3"/>
+              <a:endCxn id="30" idx="1"/>
+            </p:cNvCxnSpPr>
+            <p:nvPr/>
+          </p:nvCxnSpPr>
+          <p:spPr>
+            <a:xfrm flipV="1">
+              <a:off x="4075657" y="1364687"/>
+              <a:ext cx="1419963" cy="207686"/>
+            </a:xfrm>
+            <a:prstGeom prst="curvedConnector3">
+              <a:avLst>
+                <a:gd name="adj1" fmla="val 50000"/>
+              </a:avLst>
+            </a:prstGeom>
+            <a:ln w="25400">
+              <a:solidFill>
+                <a:schemeClr val="tx1">
+                  <a:lumMod val="85000"/>
+                  <a:lumOff val="15000"/>
+                </a:schemeClr>
+              </a:solidFill>
+              <a:tailEnd type="triangle"/>
+            </a:ln>
+          </p:spPr>
+          <p:style>
+            <a:lnRef idx="1">
+              <a:schemeClr val="accent1"/>
+            </a:lnRef>
+            <a:fillRef idx="0">
+              <a:schemeClr val="accent1"/>
+            </a:fillRef>
+            <a:effectRef idx="0">
+              <a:schemeClr val="accent1"/>
+            </a:effectRef>
+            <a:fontRef idx="minor">
+              <a:schemeClr val="tx1"/>
+            </a:fontRef>
+          </p:style>
+        </p:cxnSp>
+        <p:grpSp>
+          <p:nvGrpSpPr>
+            <p:cNvPr id="91" name="Group 90">
+              <a:extLst>
+                <a:ext uri="{FF2B5EF4-FFF2-40B4-BE49-F238E27FC236}">
+                  <a16:creationId xmlns:a16="http://schemas.microsoft.com/office/drawing/2014/main" id="{5D47B61F-0D3C-4528-BD4C-60576B71556C}"/>
+                </a:ext>
+              </a:extLst>
+            </p:cNvPr>
+            <p:cNvGrpSpPr/>
+            <p:nvPr/>
+          </p:nvGrpSpPr>
+          <p:grpSpPr>
+            <a:xfrm>
+              <a:off x="2072120" y="4279462"/>
+              <a:ext cx="1994810" cy="1410964"/>
+              <a:chOff x="2072120" y="4279462"/>
+              <a:chExt cx="1994810" cy="1410964"/>
+            </a:xfrm>
+          </p:grpSpPr>
+          <p:sp>
+            <p:nvSpPr>
+              <p:cNvPr id="51" name="Rectangle 50">
+                <a:extLst>
+                  <a:ext uri="{FF2B5EF4-FFF2-40B4-BE49-F238E27FC236}">
+                    <a16:creationId xmlns:a16="http://schemas.microsoft.com/office/drawing/2014/main" id="{2A22B241-0068-48D6-843B-7A5E72A8F53C}"/>
+                  </a:ext>
+                </a:extLst>
+              </p:cNvPr>
+              <p:cNvSpPr/>
+              <p:nvPr/>
+            </p:nvSpPr>
+            <p:spPr>
+              <a:xfrm>
+                <a:off x="2072120" y="4279462"/>
+                <a:ext cx="1994810" cy="1371599"/>
+              </a:xfrm>
+              <a:prstGeom prst="rect">
+                <a:avLst/>
+              </a:prstGeom>
+              <a:solidFill>
+                <a:schemeClr val="bg1">
+                  <a:lumMod val="85000"/>
+                </a:schemeClr>
+              </a:solidFill>
+              <a:ln w="25400">
+                <a:solidFill>
+                  <a:schemeClr val="bg1">
+                    <a:lumMod val="65000"/>
+                  </a:schemeClr>
+                </a:solidFill>
+              </a:ln>
+            </p:spPr>
+            <p:style>
+              <a:lnRef idx="2">
+                <a:schemeClr val="dk1"/>
+              </a:lnRef>
+              <a:fillRef idx="1">
+                <a:schemeClr val="lt1"/>
+              </a:fillRef>
+              <a:effectRef idx="0">
+                <a:schemeClr val="dk1"/>
+              </a:effectRef>
+              <a:fontRef idx="minor">
+                <a:schemeClr val="dk1"/>
+              </a:fontRef>
+            </p:style>
+            <p:txBody>
+              <a:bodyPr rtlCol="0" anchor="t"/>
+              <a:lstStyle/>
+              <a:p>
+                <a:pPr algn="ctr"/>
+                <a:r>
+                  <a:rPr lang="en-US" dirty="0">
+                    <a:latin typeface="Arial" panose="020B0604020202020204" pitchFamily="34" charset="0"/>
+                    <a:cs typeface="Arial" panose="020B0604020202020204" pitchFamily="34" charset="0"/>
+                  </a:rPr>
+                  <a:t>Role2</a:t>
+                </a:r>
+              </a:p>
+            </p:txBody>
+          </p:sp>
+          <p:grpSp>
+            <p:nvGrpSpPr>
+              <p:cNvPr id="78" name="Group 77">
+                <a:extLst>
+                  <a:ext uri="{FF2B5EF4-FFF2-40B4-BE49-F238E27FC236}">
+                    <a16:creationId xmlns:a16="http://schemas.microsoft.com/office/drawing/2014/main" id="{69735020-6691-4B78-83F3-DB1098281C6B}"/>
+                  </a:ext>
+                </a:extLst>
+              </p:cNvPr>
+              <p:cNvGrpSpPr/>
+              <p:nvPr/>
+            </p:nvGrpSpPr>
+            <p:grpSpPr>
+              <a:xfrm>
+                <a:off x="2612325" y="4653774"/>
+                <a:ext cx="914400" cy="1036652"/>
+                <a:chOff x="2080846" y="2264463"/>
+                <a:chExt cx="914400" cy="1036652"/>
+              </a:xfrm>
+            </p:grpSpPr>
+            <p:pic>
+              <p:nvPicPr>
+                <p:cNvPr id="79" name="Graphic 78" descr="Users">
+                  <a:extLst>
+                    <a:ext uri="{FF2B5EF4-FFF2-40B4-BE49-F238E27FC236}">
+                      <a16:creationId xmlns:a16="http://schemas.microsoft.com/office/drawing/2014/main" id="{2C3D47A8-6E68-4A43-903F-6088C3F7536A}"/>
+                    </a:ext>
+                  </a:extLst>
+                </p:cNvPr>
+                <p:cNvPicPr>
+                  <a:picLocks noChangeAspect="1"/>
+                </p:cNvPicPr>
+                <p:nvPr/>
+              </p:nvPicPr>
+              <p:blipFill>
+                <a:blip r:embed="rId14">
+                  <a:extLst>
+                    <a:ext uri="{28A0092B-C50C-407E-A947-70E740481C1C}">
+                      <a14:useLocalDpi xmlns:a14="http://schemas.microsoft.com/office/drawing/2010/main" val="0"/>
+                    </a:ext>
+                    <a:ext uri="{96DAC541-7B7A-43D3-8B79-37D633B846F1}">
+                      <asvg:svgBlip xmlns:asvg="http://schemas.microsoft.com/office/drawing/2016/SVG/main" r:embed="rId15"/>
+                    </a:ext>
+                  </a:extLst>
+                </a:blip>
+                <a:stretch>
+                  <a:fillRect/>
+                </a:stretch>
+              </p:blipFill>
+              <p:spPr>
+                <a:xfrm>
+                  <a:off x="2080846" y="2264463"/>
+                  <a:ext cx="914400" cy="914400"/>
+                </a:xfrm>
+                <a:prstGeom prst="rect">
+                  <a:avLst/>
+                </a:prstGeom>
+              </p:spPr>
+            </p:pic>
+            <p:sp>
+              <p:nvSpPr>
+                <p:cNvPr id="80" name="TextBox 79">
+                  <a:extLst>
+                    <a:ext uri="{FF2B5EF4-FFF2-40B4-BE49-F238E27FC236}">
+                      <a16:creationId xmlns:a16="http://schemas.microsoft.com/office/drawing/2014/main" id="{CCC3F200-C837-4951-BE83-CE6ABDCE9B79}"/>
+                    </a:ext>
+                  </a:extLst>
+                </p:cNvPr>
+                <p:cNvSpPr txBox="1"/>
+                <p:nvPr/>
+              </p:nvSpPr>
+              <p:spPr>
+                <a:xfrm>
+                  <a:off x="2147554" y="2993338"/>
+                  <a:ext cx="780983" cy="307777"/>
+                </a:xfrm>
+                <a:prstGeom prst="rect">
+                  <a:avLst/>
+                </a:prstGeom>
+                <a:noFill/>
+                <a:ln>
+                  <a:noFill/>
+                </a:ln>
+              </p:spPr>
+              <p:style>
+                <a:lnRef idx="0">
+                  <a:scrgbClr r="0" g="0" b="0"/>
+                </a:lnRef>
+                <a:fillRef idx="0">
+                  <a:scrgbClr r="0" g="0" b="0"/>
+                </a:fillRef>
+                <a:effectRef idx="0">
+                  <a:scrgbClr r="0" g="0" b="0"/>
+                </a:effectRef>
+                <a:fontRef idx="minor">
+                  <a:schemeClr val="dk1"/>
+                </a:fontRef>
+              </p:style>
+              <p:txBody>
+                <a:bodyPr wrap="none" rtlCol="0">
+                  <a:spAutoFit/>
+                </a:bodyPr>
+                <a:lstStyle/>
+                <a:p>
+                  <a:r>
+                    <a:rPr lang="en-US" sz="1400" dirty="0">
+                      <a:latin typeface="Arial" panose="020B0604020202020204" pitchFamily="34" charset="0"/>
+                      <a:cs typeface="Arial" panose="020B0604020202020204" pitchFamily="34" charset="0"/>
+                    </a:rPr>
+                    <a:t>Group4</a:t>
+                  </a:r>
+                  <a:endParaRPr lang="en-US" dirty="0">
+                    <a:latin typeface="Arial" panose="020B0604020202020204" pitchFamily="34" charset="0"/>
+                    <a:cs typeface="Arial" panose="020B0604020202020204" pitchFamily="34" charset="0"/>
+                  </a:endParaRPr>
+                </a:p>
+              </p:txBody>
+            </p:sp>
+          </p:grpSp>
+        </p:grpSp>
+      </p:grpSp>
+    </p:spTree>
+    <p:extLst>
+      <p:ext uri="{BB962C8B-B14F-4D97-AF65-F5344CB8AC3E}">
+        <p14:creationId xmlns:p14="http://schemas.microsoft.com/office/powerpoint/2010/main" val="1042806388"/>
+      </p:ext>
+    </p:extLst>
+  </p:cSld>
+  <p:clrMapOvr>
+    <a:masterClrMapping/>
+  </p:clrMapOvr>
+</p:sld>
+</file>
+
+<file path=ppt/slides/slide3.xml><?xml version="1.0" encoding="utf-8"?>
+<p:sld xmlns:a="http://schemas.openxmlformats.org/drawingml/2006/main" xmlns:r="http://schemas.openxmlformats.org/officeDocument/2006/relationships" xmlns:p="http://schemas.openxmlformats.org/presentationml/2006/main" showMasterSp="0">
+  <p:cSld>
+    <p:spTree>
+      <p:nvGrpSpPr>
+        <p:cNvPr id="1" name=""/>
+        <p:cNvGrpSpPr/>
+        <p:nvPr/>
+      </p:nvGrpSpPr>
+      <p:grpSpPr>
+        <a:xfrm>
+          <a:off x="0" y="0"/>
+          <a:ext cx="0" cy="0"/>
+          <a:chOff x="0" y="0"/>
+          <a:chExt cx="0" cy="0"/>
+        </a:xfrm>
+      </p:grpSpPr>
+      <p:grpSp>
+        <p:nvGrpSpPr>
           <p:cNvPr id="14" name="Group 13">
             <a:extLst>
               <a:ext uri="{FF2B5EF4-FFF2-40B4-BE49-F238E27FC236}">
@@ -20314,7 +22980,7 @@
     </p:spTree>
     <p:extLst>
       <p:ext uri="{BB962C8B-B14F-4D97-AF65-F5344CB8AC3E}">
-        <p14:creationId xmlns:p14="http://schemas.microsoft.com/office/powerpoint/2010/main" val="1042806388"/>
+        <p14:creationId xmlns:p14="http://schemas.microsoft.com/office/powerpoint/2010/main" val="3162597992"/>
       </p:ext>
     </p:extLst>
   </p:cSld>

--- a/docs/img/graphics.pptx
+++ b/docs/img/graphics.pptx
@@ -18911,10 +18911,10 @@
       </p:grpSpPr>
       <p:grpSp>
         <p:nvGrpSpPr>
-          <p:cNvPr id="93" name="Group 92">
+          <p:cNvPr id="16" name="Group 15">
             <a:extLst>
               <a:ext uri="{FF2B5EF4-FFF2-40B4-BE49-F238E27FC236}">
-                <a16:creationId xmlns:a16="http://schemas.microsoft.com/office/drawing/2014/main" id="{FCAE7010-EAC1-44F0-A177-62E53DE7305C}"/>
+                <a16:creationId xmlns:a16="http://schemas.microsoft.com/office/drawing/2014/main" id="{EFE10DF1-4DCA-474A-AFEB-C7E508730255}"/>
               </a:ext>
             </a:extLst>
           </p:cNvPr>
@@ -20509,74 +20509,12 @@
             </a:p>
           </p:txBody>
         </p:sp>
-        <p:sp>
-          <p:nvSpPr>
-            <p:cNvPr id="50" name="Rectangle 49">
+        <p:grpSp>
+          <p:nvGrpSpPr>
+            <p:cNvPr id="54" name="Group 53">
               <a:extLst>
                 <a:ext uri="{FF2B5EF4-FFF2-40B4-BE49-F238E27FC236}">
-                  <a16:creationId xmlns:a16="http://schemas.microsoft.com/office/drawing/2014/main" id="{3D1B66CF-8078-4007-A335-995521066077}"/>
-                </a:ext>
-              </a:extLst>
-            </p:cNvPr>
-            <p:cNvSpPr/>
-            <p:nvPr/>
-          </p:nvSpPr>
-          <p:spPr>
-            <a:xfrm>
-              <a:off x="2080847" y="886573"/>
-              <a:ext cx="1994810" cy="1371599"/>
-            </a:xfrm>
-            <a:prstGeom prst="rect">
-              <a:avLst/>
-            </a:prstGeom>
-            <a:solidFill>
-              <a:schemeClr val="bg1">
-                <a:lumMod val="85000"/>
-              </a:schemeClr>
-            </a:solidFill>
-            <a:ln w="25400">
-              <a:solidFill>
-                <a:schemeClr val="bg1">
-                  <a:lumMod val="65000"/>
-                </a:schemeClr>
-              </a:solidFill>
-            </a:ln>
-          </p:spPr>
-          <p:style>
-            <a:lnRef idx="2">
-              <a:schemeClr val="dk1"/>
-            </a:lnRef>
-            <a:fillRef idx="1">
-              <a:schemeClr val="lt1"/>
-            </a:fillRef>
-            <a:effectRef idx="0">
-              <a:schemeClr val="dk1"/>
-            </a:effectRef>
-            <a:fontRef idx="minor">
-              <a:schemeClr val="dk1"/>
-            </a:fontRef>
-          </p:style>
-          <p:txBody>
-            <a:bodyPr rtlCol="0" anchor="t"/>
-            <a:lstStyle/>
-            <a:p>
-              <a:pPr algn="ctr"/>
-              <a:r>
-                <a:rPr lang="en-US" dirty="0">
-                  <a:latin typeface="Arial" panose="020B0604020202020204" pitchFamily="34" charset="0"/>
-                  <a:cs typeface="Arial" panose="020B0604020202020204" pitchFamily="34" charset="0"/>
-                </a:rPr>
-                <a:t>Role1</a:t>
-              </a:r>
-            </a:p>
-          </p:txBody>
-        </p:sp>
-        <p:grpSp>
-          <p:nvGrpSpPr>
-            <p:cNvPr id="24" name="Group 23">
-              <a:extLst>
-                <a:ext uri="{FF2B5EF4-FFF2-40B4-BE49-F238E27FC236}">
-                  <a16:creationId xmlns:a16="http://schemas.microsoft.com/office/drawing/2014/main" id="{A1978F20-44D8-48CE-8C4A-DF016DCA9BB0}"/>
+                  <a16:creationId xmlns:a16="http://schemas.microsoft.com/office/drawing/2014/main" id="{635E61C4-0B32-4ED8-9CFE-124F7511C25F}"/>
                 </a:ext>
               </a:extLst>
             </p:cNvPr>
@@ -20585,7 +20523,7 @@
           </p:nvGrpSpPr>
           <p:grpSpPr>
             <a:xfrm>
-              <a:off x="2112579" y="1237923"/>
+              <a:off x="1618940" y="2249820"/>
               <a:ext cx="914400" cy="1036652"/>
               <a:chOff x="2080846" y="2264463"/>
               <a:chExt cx="914400" cy="1036652"/>
@@ -20593,10 +20531,10 @@
           </p:grpSpPr>
           <p:pic>
             <p:nvPicPr>
-              <p:cNvPr id="44" name="Graphic 43" descr="Users">
+              <p:cNvPr id="55" name="Graphic 54" descr="Users">
                 <a:extLst>
                   <a:ext uri="{FF2B5EF4-FFF2-40B4-BE49-F238E27FC236}">
-                    <a16:creationId xmlns:a16="http://schemas.microsoft.com/office/drawing/2014/main" id="{0B50C769-461A-4AD2-8053-66AA8031C73B}"/>
+                    <a16:creationId xmlns:a16="http://schemas.microsoft.com/office/drawing/2014/main" id="{A9B44502-0D0D-4D24-A9C8-325F5FAF99EB}"/>
                   </a:ext>
                 </a:extLst>
               </p:cNvPr>
@@ -20613,244 +20551,6 @@
                   </a:ext>
                   <a:ext uri="{96DAC541-7B7A-43D3-8B79-37D633B846F1}">
                     <asvg:svgBlip xmlns:asvg="http://schemas.microsoft.com/office/drawing/2016/SVG/main" r:embed="rId3"/>
-                  </a:ext>
-                </a:extLst>
-              </a:blip>
-              <a:stretch>
-                <a:fillRect/>
-              </a:stretch>
-            </p:blipFill>
-            <p:spPr>
-              <a:xfrm>
-                <a:off x="2080846" y="2264463"/>
-                <a:ext cx="914400" cy="914400"/>
-              </a:xfrm>
-              <a:prstGeom prst="rect">
-                <a:avLst/>
-              </a:prstGeom>
-            </p:spPr>
-          </p:pic>
-          <p:sp>
-            <p:nvSpPr>
-              <p:cNvPr id="21" name="TextBox 20">
-                <a:extLst>
-                  <a:ext uri="{FF2B5EF4-FFF2-40B4-BE49-F238E27FC236}">
-                    <a16:creationId xmlns:a16="http://schemas.microsoft.com/office/drawing/2014/main" id="{47CE6015-B4C8-47FF-9D75-0C3F920E1C98}"/>
-                  </a:ext>
-                </a:extLst>
-              </p:cNvPr>
-              <p:cNvSpPr txBox="1"/>
-              <p:nvPr/>
-            </p:nvSpPr>
-            <p:spPr>
-              <a:xfrm>
-                <a:off x="2147554" y="2993338"/>
-                <a:ext cx="780983" cy="307777"/>
-              </a:xfrm>
-              <a:prstGeom prst="rect">
-                <a:avLst/>
-              </a:prstGeom>
-              <a:noFill/>
-              <a:ln>
-                <a:noFill/>
-              </a:ln>
-            </p:spPr>
-            <p:style>
-              <a:lnRef idx="0">
-                <a:scrgbClr r="0" g="0" b="0"/>
-              </a:lnRef>
-              <a:fillRef idx="0">
-                <a:scrgbClr r="0" g="0" b="0"/>
-              </a:fillRef>
-              <a:effectRef idx="0">
-                <a:scrgbClr r="0" g="0" b="0"/>
-              </a:effectRef>
-              <a:fontRef idx="minor">
-                <a:schemeClr val="dk1"/>
-              </a:fontRef>
-            </p:style>
-            <p:txBody>
-              <a:bodyPr wrap="none" rtlCol="0">
-                <a:spAutoFit/>
-              </a:bodyPr>
-              <a:lstStyle/>
-              <a:p>
-                <a:r>
-                  <a:rPr lang="en-US" sz="1400" dirty="0">
-                    <a:latin typeface="Arial" panose="020B0604020202020204" pitchFamily="34" charset="0"/>
-                    <a:cs typeface="Arial" panose="020B0604020202020204" pitchFamily="34" charset="0"/>
-                  </a:rPr>
-                  <a:t>Group1</a:t>
-                </a:r>
-                <a:endParaRPr lang="en-US" dirty="0">
-                  <a:latin typeface="Arial" panose="020B0604020202020204" pitchFamily="34" charset="0"/>
-                  <a:cs typeface="Arial" panose="020B0604020202020204" pitchFamily="34" charset="0"/>
-                </a:endParaRPr>
-              </a:p>
-            </p:txBody>
-          </p:sp>
-        </p:grpSp>
-        <p:grpSp>
-          <p:nvGrpSpPr>
-            <p:cNvPr id="22" name="Group 21">
-              <a:extLst>
-                <a:ext uri="{FF2B5EF4-FFF2-40B4-BE49-F238E27FC236}">
-                  <a16:creationId xmlns:a16="http://schemas.microsoft.com/office/drawing/2014/main" id="{21B86CA8-4AC8-4976-BAC7-8DCC25D9AFF5}"/>
-                </a:ext>
-              </a:extLst>
-            </p:cNvPr>
-            <p:cNvGrpSpPr/>
-            <p:nvPr/>
-          </p:nvGrpSpPr>
-          <p:grpSpPr>
-            <a:xfrm>
-              <a:off x="3137809" y="1237923"/>
-              <a:ext cx="914400" cy="1036652"/>
-              <a:chOff x="3243860" y="2345746"/>
-              <a:chExt cx="914400" cy="1036652"/>
-            </a:xfrm>
-          </p:grpSpPr>
-          <p:pic>
-            <p:nvPicPr>
-              <p:cNvPr id="52" name="Graphic 51" descr="Users">
-                <a:extLst>
-                  <a:ext uri="{FF2B5EF4-FFF2-40B4-BE49-F238E27FC236}">
-                    <a16:creationId xmlns:a16="http://schemas.microsoft.com/office/drawing/2014/main" id="{FD0C4900-5112-4B88-B88A-3FC5BB8950B8}"/>
-                  </a:ext>
-                </a:extLst>
-              </p:cNvPr>
-              <p:cNvPicPr>
-                <a:picLocks noChangeAspect="1"/>
-              </p:cNvPicPr>
-              <p:nvPr/>
-            </p:nvPicPr>
-            <p:blipFill>
-              <a:blip r:embed="rId4">
-                <a:extLst>
-                  <a:ext uri="{28A0092B-C50C-407E-A947-70E740481C1C}">
-                    <a14:useLocalDpi xmlns:a14="http://schemas.microsoft.com/office/drawing/2010/main" val="0"/>
-                  </a:ext>
-                  <a:ext uri="{96DAC541-7B7A-43D3-8B79-37D633B846F1}">
-                    <asvg:svgBlip xmlns:asvg="http://schemas.microsoft.com/office/drawing/2016/SVG/main" r:embed="rId5"/>
-                  </a:ext>
-                </a:extLst>
-              </a:blip>
-              <a:stretch>
-                <a:fillRect/>
-              </a:stretch>
-            </p:blipFill>
-            <p:spPr>
-              <a:xfrm>
-                <a:off x="3243860" y="2345746"/>
-                <a:ext cx="914400" cy="914400"/>
-              </a:xfrm>
-              <a:prstGeom prst="rect">
-                <a:avLst/>
-              </a:prstGeom>
-            </p:spPr>
-          </p:pic>
-          <p:sp>
-            <p:nvSpPr>
-              <p:cNvPr id="53" name="TextBox 52">
-                <a:extLst>
-                  <a:ext uri="{FF2B5EF4-FFF2-40B4-BE49-F238E27FC236}">
-                    <a16:creationId xmlns:a16="http://schemas.microsoft.com/office/drawing/2014/main" id="{2483AF08-CC7B-4643-B13A-E473F0671C87}"/>
-                  </a:ext>
-                </a:extLst>
-              </p:cNvPr>
-              <p:cNvSpPr txBox="1"/>
-              <p:nvPr/>
-            </p:nvSpPr>
-            <p:spPr>
-              <a:xfrm>
-                <a:off x="3310568" y="3074621"/>
-                <a:ext cx="780983" cy="307777"/>
-              </a:xfrm>
-              <a:prstGeom prst="rect">
-                <a:avLst/>
-              </a:prstGeom>
-              <a:noFill/>
-              <a:ln>
-                <a:noFill/>
-              </a:ln>
-            </p:spPr>
-            <p:style>
-              <a:lnRef idx="0">
-                <a:scrgbClr r="0" g="0" b="0"/>
-              </a:lnRef>
-              <a:fillRef idx="0">
-                <a:scrgbClr r="0" g="0" b="0"/>
-              </a:fillRef>
-              <a:effectRef idx="0">
-                <a:scrgbClr r="0" g="0" b="0"/>
-              </a:effectRef>
-              <a:fontRef idx="minor">
-                <a:schemeClr val="dk1"/>
-              </a:fontRef>
-            </p:style>
-            <p:txBody>
-              <a:bodyPr wrap="none" rtlCol="0">
-                <a:spAutoFit/>
-              </a:bodyPr>
-              <a:lstStyle/>
-              <a:p>
-                <a:r>
-                  <a:rPr lang="en-US" sz="1400" dirty="0">
-                    <a:latin typeface="Arial" panose="020B0604020202020204" pitchFamily="34" charset="0"/>
-                    <a:cs typeface="Arial" panose="020B0604020202020204" pitchFamily="34" charset="0"/>
-                  </a:rPr>
-                  <a:t>Group2</a:t>
-                </a:r>
-                <a:endParaRPr lang="en-US" dirty="0">
-                  <a:latin typeface="Arial" panose="020B0604020202020204" pitchFamily="34" charset="0"/>
-                  <a:cs typeface="Arial" panose="020B0604020202020204" pitchFamily="34" charset="0"/>
-                </a:endParaRPr>
-              </a:p>
-            </p:txBody>
-          </p:sp>
-        </p:grpSp>
-        <p:grpSp>
-          <p:nvGrpSpPr>
-            <p:cNvPr id="54" name="Group 53">
-              <a:extLst>
-                <a:ext uri="{FF2B5EF4-FFF2-40B4-BE49-F238E27FC236}">
-                  <a16:creationId xmlns:a16="http://schemas.microsoft.com/office/drawing/2014/main" id="{635E61C4-0B32-4ED8-9CFE-124F7511C25F}"/>
-                </a:ext>
-              </a:extLst>
-            </p:cNvPr>
-            <p:cNvGrpSpPr/>
-            <p:nvPr/>
-          </p:nvGrpSpPr>
-          <p:grpSpPr>
-            <a:xfrm>
-              <a:off x="1618940" y="2249820"/>
-              <a:ext cx="914400" cy="1036652"/>
-              <a:chOff x="2080846" y="2264463"/>
-              <a:chExt cx="914400" cy="1036652"/>
-            </a:xfrm>
-          </p:grpSpPr>
-          <p:pic>
-            <p:nvPicPr>
-              <p:cNvPr id="55" name="Graphic 54" descr="Users">
-                <a:extLst>
-                  <a:ext uri="{FF2B5EF4-FFF2-40B4-BE49-F238E27FC236}">
-                    <a16:creationId xmlns:a16="http://schemas.microsoft.com/office/drawing/2014/main" id="{A9B44502-0D0D-4D24-A9C8-325F5FAF99EB}"/>
-                  </a:ext>
-                </a:extLst>
-              </p:cNvPr>
-              <p:cNvPicPr>
-                <a:picLocks noChangeAspect="1"/>
-              </p:cNvPicPr>
-              <p:nvPr/>
-            </p:nvPicPr>
-            <p:blipFill>
-              <a:blip r:embed="rId6">
-                <a:extLst>
-                  <a:ext uri="{28A0092B-C50C-407E-A947-70E740481C1C}">
-                    <a14:useLocalDpi xmlns:a14="http://schemas.microsoft.com/office/drawing/2010/main" val="0"/>
-                  </a:ext>
-                  <a:ext uri="{96DAC541-7B7A-43D3-8B79-37D633B846F1}">
-                    <asvg:svgBlip xmlns:asvg="http://schemas.microsoft.com/office/drawing/2016/SVG/main" r:embed="rId7"/>
                   </a:ext>
                 </a:extLst>
               </a:blip>
@@ -20997,13 +20697,13 @@
             <p:nvPr/>
           </p:nvPicPr>
           <p:blipFill>
-            <a:blip r:embed="rId8">
+            <a:blip r:embed="rId4">
               <a:extLst>
                 <a:ext uri="{28A0092B-C50C-407E-A947-70E740481C1C}">
                   <a14:useLocalDpi xmlns:a14="http://schemas.microsoft.com/office/drawing/2010/main" val="0"/>
                 </a:ext>
                 <a:ext uri="{96DAC541-7B7A-43D3-8B79-37D633B846F1}">
-                  <asvg:svgBlip xmlns:asvg="http://schemas.microsoft.com/office/drawing/2016/SVG/main" r:embed="rId9"/>
+                  <asvg:svgBlip xmlns:asvg="http://schemas.microsoft.com/office/drawing/2016/SVG/main" r:embed="rId5"/>
                 </a:ext>
               </a:extLst>
             </a:blip>
@@ -21036,13 +20736,13 @@
             <p:nvPr/>
           </p:nvPicPr>
           <p:blipFill>
-            <a:blip r:embed="rId10">
+            <a:blip r:embed="rId6">
               <a:extLst>
                 <a:ext uri="{28A0092B-C50C-407E-A947-70E740481C1C}">
                   <a14:useLocalDpi xmlns:a14="http://schemas.microsoft.com/office/drawing/2010/main" val="0"/>
                 </a:ext>
                 <a:ext uri="{96DAC541-7B7A-43D3-8B79-37D633B846F1}">
-                  <asvg:svgBlip xmlns:asvg="http://schemas.microsoft.com/office/drawing/2016/SVG/main" r:embed="rId11"/>
+                  <asvg:svgBlip xmlns:asvg="http://schemas.microsoft.com/office/drawing/2016/SVG/main" r:embed="rId7"/>
                 </a:ext>
               </a:extLst>
             </a:blip>
@@ -21075,13 +20775,13 @@
             <p:nvPr/>
           </p:nvPicPr>
           <p:blipFill>
-            <a:blip r:embed="rId12">
+            <a:blip r:embed="rId8">
               <a:extLst>
                 <a:ext uri="{28A0092B-C50C-407E-A947-70E740481C1C}">
                   <a14:useLocalDpi xmlns:a14="http://schemas.microsoft.com/office/drawing/2010/main" val="0"/>
                 </a:ext>
                 <a:ext uri="{96DAC541-7B7A-43D3-8B79-37D633B846F1}">
-                  <asvg:svgBlip xmlns:asvg="http://schemas.microsoft.com/office/drawing/2016/SVG/main" r:embed="rId13"/>
+                  <asvg:svgBlip xmlns:asvg="http://schemas.microsoft.com/office/drawing/2016/SVG/main" r:embed="rId9"/>
                 </a:ext>
               </a:extLst>
             </a:blip>
@@ -21267,60 +20967,8 @@
             </a:prstGeom>
             <a:ln w="25400">
               <a:solidFill>
-                <a:schemeClr val="tx1">
-                  <a:lumMod val="85000"/>
-                  <a:lumOff val="15000"/>
-                </a:schemeClr>
-              </a:solidFill>
-              <a:tailEnd type="triangle"/>
-            </a:ln>
-          </p:spPr>
-          <p:style>
-            <a:lnRef idx="1">
-              <a:schemeClr val="accent1"/>
-            </a:lnRef>
-            <a:fillRef idx="0">
-              <a:schemeClr val="accent1"/>
-            </a:fillRef>
-            <a:effectRef idx="0">
-              <a:schemeClr val="accent1"/>
-            </a:effectRef>
-            <a:fontRef idx="minor">
-              <a:schemeClr val="tx1"/>
-            </a:fontRef>
-          </p:style>
-        </p:cxnSp>
-        <p:cxnSp>
-          <p:nvCxnSpPr>
-            <p:cNvPr id="87" name="Straight Arrow Connector 84">
-              <a:extLst>
-                <a:ext uri="{FF2B5EF4-FFF2-40B4-BE49-F238E27FC236}">
-                  <a16:creationId xmlns:a16="http://schemas.microsoft.com/office/drawing/2014/main" id="{3D104B40-CC5D-413F-9F30-94C2DBF7CE0E}"/>
-                </a:ext>
-              </a:extLst>
-            </p:cNvPr>
-            <p:cNvCxnSpPr>
-              <a:cxnSpLocks/>
-              <a:stCxn id="50" idx="3"/>
-              <a:endCxn id="30" idx="1"/>
-            </p:cNvCxnSpPr>
-            <p:nvPr/>
-          </p:nvCxnSpPr>
-          <p:spPr>
-            <a:xfrm flipV="1">
-              <a:off x="4075657" y="1364687"/>
-              <a:ext cx="1419963" cy="207686"/>
-            </a:xfrm>
-            <a:prstGeom prst="curvedConnector3">
-              <a:avLst>
-                <a:gd name="adj1" fmla="val 50000"/>
-              </a:avLst>
-            </a:prstGeom>
-            <a:ln w="25400">
-              <a:solidFill>
-                <a:schemeClr val="tx1">
-                  <a:lumMod val="85000"/>
-                  <a:lumOff val="15000"/>
+                <a:schemeClr val="bg1">
+                  <a:lumMod val="50000"/>
                 </a:schemeClr>
               </a:solidFill>
               <a:tailEnd type="triangle"/>
@@ -21389,7 +21037,7 @@
               <a:ln w="25400">
                 <a:solidFill>
                   <a:schemeClr val="bg1">
-                    <a:lumMod val="65000"/>
+                    <a:lumMod val="50000"/>
                   </a:schemeClr>
                 </a:solidFill>
               </a:ln>
@@ -21458,13 +21106,13 @@
                 <p:nvPr/>
               </p:nvPicPr>
               <p:blipFill>
-                <a:blip r:embed="rId14">
+                <a:blip r:embed="rId10">
                   <a:extLst>
                     <a:ext uri="{28A0092B-C50C-407E-A947-70E740481C1C}">
                       <a14:useLocalDpi xmlns:a14="http://schemas.microsoft.com/office/drawing/2010/main" val="0"/>
                     </a:ext>
                     <a:ext uri="{96DAC541-7B7A-43D3-8B79-37D633B846F1}">
-                      <asvg:svgBlip xmlns:asvg="http://schemas.microsoft.com/office/drawing/2016/SVG/main" r:embed="rId15"/>
+                      <asvg:svgBlip xmlns:asvg="http://schemas.microsoft.com/office/drawing/2016/SVG/main" r:embed="rId11"/>
                     </a:ext>
                   </a:extLst>
                 </a:blip>
@@ -21542,6 +21190,354 @@
               </p:txBody>
             </p:sp>
           </p:grpSp>
+        </p:grpSp>
+        <p:cxnSp>
+          <p:nvCxnSpPr>
+            <p:cNvPr id="57" name="Straight Arrow Connector 84">
+              <a:extLst>
+                <a:ext uri="{FF2B5EF4-FFF2-40B4-BE49-F238E27FC236}">
+                  <a16:creationId xmlns:a16="http://schemas.microsoft.com/office/drawing/2014/main" id="{1C26C005-AE7C-455C-8D1F-7A615401E96E}"/>
+                </a:ext>
+              </a:extLst>
+            </p:cNvPr>
+            <p:cNvCxnSpPr>
+              <a:cxnSpLocks/>
+            </p:cNvCxnSpPr>
+            <p:nvPr/>
+          </p:nvCxnSpPr>
+          <p:spPr>
+            <a:xfrm flipV="1">
+              <a:off x="4071131" y="1370843"/>
+              <a:ext cx="1424488" cy="534637"/>
+            </a:xfrm>
+            <a:prstGeom prst="curvedConnector3">
+              <a:avLst>
+                <a:gd name="adj1" fmla="val -7301"/>
+              </a:avLst>
+            </a:prstGeom>
+            <a:ln w="25400">
+              <a:solidFill>
+                <a:schemeClr val="bg1">
+                  <a:lumMod val="50000"/>
+                </a:schemeClr>
+              </a:solidFill>
+              <a:tailEnd type="triangle"/>
+            </a:ln>
+          </p:spPr>
+          <p:style>
+            <a:lnRef idx="1">
+              <a:schemeClr val="accent1"/>
+            </a:lnRef>
+            <a:fillRef idx="0">
+              <a:schemeClr val="accent1"/>
+            </a:fillRef>
+            <a:effectRef idx="0">
+              <a:schemeClr val="accent1"/>
+            </a:effectRef>
+            <a:fontRef idx="minor">
+              <a:schemeClr val="tx1"/>
+            </a:fontRef>
+          </p:style>
+        </p:cxnSp>
+        <p:sp>
+          <p:nvSpPr>
+            <p:cNvPr id="50" name="Rectangle 49">
+              <a:extLst>
+                <a:ext uri="{FF2B5EF4-FFF2-40B4-BE49-F238E27FC236}">
+                  <a16:creationId xmlns:a16="http://schemas.microsoft.com/office/drawing/2014/main" id="{3D1B66CF-8078-4007-A335-995521066077}"/>
+                </a:ext>
+              </a:extLst>
+            </p:cNvPr>
+            <p:cNvSpPr/>
+            <p:nvPr/>
+          </p:nvSpPr>
+          <p:spPr>
+            <a:xfrm>
+              <a:off x="2080847" y="886573"/>
+              <a:ext cx="1994810" cy="1371599"/>
+            </a:xfrm>
+            <a:prstGeom prst="rect">
+              <a:avLst/>
+            </a:prstGeom>
+            <a:solidFill>
+              <a:schemeClr val="bg1">
+                <a:lumMod val="85000"/>
+              </a:schemeClr>
+            </a:solidFill>
+            <a:ln w="25400">
+              <a:solidFill>
+                <a:schemeClr val="bg1">
+                  <a:lumMod val="50000"/>
+                </a:schemeClr>
+              </a:solidFill>
+            </a:ln>
+          </p:spPr>
+          <p:style>
+            <a:lnRef idx="2">
+              <a:schemeClr val="dk1"/>
+            </a:lnRef>
+            <a:fillRef idx="1">
+              <a:schemeClr val="lt1"/>
+            </a:fillRef>
+            <a:effectRef idx="0">
+              <a:schemeClr val="dk1"/>
+            </a:effectRef>
+            <a:fontRef idx="minor">
+              <a:schemeClr val="dk1"/>
+            </a:fontRef>
+          </p:style>
+          <p:txBody>
+            <a:bodyPr rtlCol="0" anchor="t"/>
+            <a:lstStyle/>
+            <a:p>
+              <a:pPr algn="ctr"/>
+              <a:r>
+                <a:rPr lang="en-US" dirty="0">
+                  <a:latin typeface="Arial" panose="020B0604020202020204" pitchFamily="34" charset="0"/>
+                  <a:cs typeface="Arial" panose="020B0604020202020204" pitchFamily="34" charset="0"/>
+                </a:rPr>
+                <a:t>Role1</a:t>
+              </a:r>
+            </a:p>
+          </p:txBody>
+        </p:sp>
+        <p:grpSp>
+          <p:nvGrpSpPr>
+            <p:cNvPr id="24" name="Group 23">
+              <a:extLst>
+                <a:ext uri="{FF2B5EF4-FFF2-40B4-BE49-F238E27FC236}">
+                  <a16:creationId xmlns:a16="http://schemas.microsoft.com/office/drawing/2014/main" id="{A1978F20-44D8-48CE-8C4A-DF016DCA9BB0}"/>
+                </a:ext>
+              </a:extLst>
+            </p:cNvPr>
+            <p:cNvGrpSpPr/>
+            <p:nvPr/>
+          </p:nvGrpSpPr>
+          <p:grpSpPr>
+            <a:xfrm>
+              <a:off x="2112579" y="1237923"/>
+              <a:ext cx="914400" cy="1036652"/>
+              <a:chOff x="2080846" y="2264463"/>
+              <a:chExt cx="914400" cy="1036652"/>
+            </a:xfrm>
+          </p:grpSpPr>
+          <p:pic>
+            <p:nvPicPr>
+              <p:cNvPr id="44" name="Graphic 43" descr="Users">
+                <a:extLst>
+                  <a:ext uri="{FF2B5EF4-FFF2-40B4-BE49-F238E27FC236}">
+                    <a16:creationId xmlns:a16="http://schemas.microsoft.com/office/drawing/2014/main" id="{0B50C769-461A-4AD2-8053-66AA8031C73B}"/>
+                  </a:ext>
+                </a:extLst>
+              </p:cNvPr>
+              <p:cNvPicPr>
+                <a:picLocks noChangeAspect="1"/>
+              </p:cNvPicPr>
+              <p:nvPr/>
+            </p:nvPicPr>
+            <p:blipFill>
+              <a:blip r:embed="rId12">
+                <a:extLst>
+                  <a:ext uri="{28A0092B-C50C-407E-A947-70E740481C1C}">
+                    <a14:useLocalDpi xmlns:a14="http://schemas.microsoft.com/office/drawing/2010/main" val="0"/>
+                  </a:ext>
+                  <a:ext uri="{96DAC541-7B7A-43D3-8B79-37D633B846F1}">
+                    <asvg:svgBlip xmlns:asvg="http://schemas.microsoft.com/office/drawing/2016/SVG/main" r:embed="rId13"/>
+                  </a:ext>
+                </a:extLst>
+              </a:blip>
+              <a:stretch>
+                <a:fillRect/>
+              </a:stretch>
+            </p:blipFill>
+            <p:spPr>
+              <a:xfrm>
+                <a:off x="2080846" y="2264463"/>
+                <a:ext cx="914400" cy="914400"/>
+              </a:xfrm>
+              <a:prstGeom prst="rect">
+                <a:avLst/>
+              </a:prstGeom>
+            </p:spPr>
+          </p:pic>
+          <p:sp>
+            <p:nvSpPr>
+              <p:cNvPr id="21" name="TextBox 20">
+                <a:extLst>
+                  <a:ext uri="{FF2B5EF4-FFF2-40B4-BE49-F238E27FC236}">
+                    <a16:creationId xmlns:a16="http://schemas.microsoft.com/office/drawing/2014/main" id="{47CE6015-B4C8-47FF-9D75-0C3F920E1C98}"/>
+                  </a:ext>
+                </a:extLst>
+              </p:cNvPr>
+              <p:cNvSpPr txBox="1"/>
+              <p:nvPr/>
+            </p:nvSpPr>
+            <p:spPr>
+              <a:xfrm>
+                <a:off x="2147554" y="2993338"/>
+                <a:ext cx="780983" cy="307777"/>
+              </a:xfrm>
+              <a:prstGeom prst="rect">
+                <a:avLst/>
+              </a:prstGeom>
+              <a:noFill/>
+              <a:ln>
+                <a:noFill/>
+              </a:ln>
+            </p:spPr>
+            <p:style>
+              <a:lnRef idx="0">
+                <a:scrgbClr r="0" g="0" b="0"/>
+              </a:lnRef>
+              <a:fillRef idx="0">
+                <a:scrgbClr r="0" g="0" b="0"/>
+              </a:fillRef>
+              <a:effectRef idx="0">
+                <a:scrgbClr r="0" g="0" b="0"/>
+              </a:effectRef>
+              <a:fontRef idx="minor">
+                <a:schemeClr val="dk1"/>
+              </a:fontRef>
+            </p:style>
+            <p:txBody>
+              <a:bodyPr wrap="none" rtlCol="0">
+                <a:spAutoFit/>
+              </a:bodyPr>
+              <a:lstStyle/>
+              <a:p>
+                <a:r>
+                  <a:rPr lang="en-US" sz="1400" dirty="0">
+                    <a:latin typeface="Arial" panose="020B0604020202020204" pitchFamily="34" charset="0"/>
+                    <a:cs typeface="Arial" panose="020B0604020202020204" pitchFamily="34" charset="0"/>
+                  </a:rPr>
+                  <a:t>Group1</a:t>
+                </a:r>
+                <a:endParaRPr lang="en-US" dirty="0">
+                  <a:latin typeface="Arial" panose="020B0604020202020204" pitchFamily="34" charset="0"/>
+                  <a:cs typeface="Arial" panose="020B0604020202020204" pitchFamily="34" charset="0"/>
+                </a:endParaRPr>
+              </a:p>
+            </p:txBody>
+          </p:sp>
+        </p:grpSp>
+        <p:grpSp>
+          <p:nvGrpSpPr>
+            <p:cNvPr id="22" name="Group 21">
+              <a:extLst>
+                <a:ext uri="{FF2B5EF4-FFF2-40B4-BE49-F238E27FC236}">
+                  <a16:creationId xmlns:a16="http://schemas.microsoft.com/office/drawing/2014/main" id="{21B86CA8-4AC8-4976-BAC7-8DCC25D9AFF5}"/>
+                </a:ext>
+              </a:extLst>
+            </p:cNvPr>
+            <p:cNvGrpSpPr/>
+            <p:nvPr/>
+          </p:nvGrpSpPr>
+          <p:grpSpPr>
+            <a:xfrm>
+              <a:off x="3137809" y="1237923"/>
+              <a:ext cx="914400" cy="1036652"/>
+              <a:chOff x="3243860" y="2345746"/>
+              <a:chExt cx="914400" cy="1036652"/>
+            </a:xfrm>
+          </p:grpSpPr>
+          <p:pic>
+            <p:nvPicPr>
+              <p:cNvPr id="52" name="Graphic 51" descr="Users">
+                <a:extLst>
+                  <a:ext uri="{FF2B5EF4-FFF2-40B4-BE49-F238E27FC236}">
+                    <a16:creationId xmlns:a16="http://schemas.microsoft.com/office/drawing/2014/main" id="{FD0C4900-5112-4B88-B88A-3FC5BB8950B8}"/>
+                  </a:ext>
+                </a:extLst>
+              </p:cNvPr>
+              <p:cNvPicPr>
+                <a:picLocks noChangeAspect="1"/>
+              </p:cNvPicPr>
+              <p:nvPr/>
+            </p:nvPicPr>
+            <p:blipFill>
+              <a:blip r:embed="rId14">
+                <a:extLst>
+                  <a:ext uri="{28A0092B-C50C-407E-A947-70E740481C1C}">
+                    <a14:useLocalDpi xmlns:a14="http://schemas.microsoft.com/office/drawing/2010/main" val="0"/>
+                  </a:ext>
+                  <a:ext uri="{96DAC541-7B7A-43D3-8B79-37D633B846F1}">
+                    <asvg:svgBlip xmlns:asvg="http://schemas.microsoft.com/office/drawing/2016/SVG/main" r:embed="rId15"/>
+                  </a:ext>
+                </a:extLst>
+              </a:blip>
+              <a:stretch>
+                <a:fillRect/>
+              </a:stretch>
+            </p:blipFill>
+            <p:spPr>
+              <a:xfrm>
+                <a:off x="3243860" y="2345746"/>
+                <a:ext cx="914400" cy="914400"/>
+              </a:xfrm>
+              <a:prstGeom prst="rect">
+                <a:avLst/>
+              </a:prstGeom>
+            </p:spPr>
+          </p:pic>
+          <p:sp>
+            <p:nvSpPr>
+              <p:cNvPr id="53" name="TextBox 52">
+                <a:extLst>
+                  <a:ext uri="{FF2B5EF4-FFF2-40B4-BE49-F238E27FC236}">
+                    <a16:creationId xmlns:a16="http://schemas.microsoft.com/office/drawing/2014/main" id="{2483AF08-CC7B-4643-B13A-E473F0671C87}"/>
+                  </a:ext>
+                </a:extLst>
+              </p:cNvPr>
+              <p:cNvSpPr txBox="1"/>
+              <p:nvPr/>
+            </p:nvSpPr>
+            <p:spPr>
+              <a:xfrm>
+                <a:off x="3310568" y="3074621"/>
+                <a:ext cx="780983" cy="307777"/>
+              </a:xfrm>
+              <a:prstGeom prst="rect">
+                <a:avLst/>
+              </a:prstGeom>
+              <a:noFill/>
+              <a:ln>
+                <a:noFill/>
+              </a:ln>
+            </p:spPr>
+            <p:style>
+              <a:lnRef idx="0">
+                <a:scrgbClr r="0" g="0" b="0"/>
+              </a:lnRef>
+              <a:fillRef idx="0">
+                <a:scrgbClr r="0" g="0" b="0"/>
+              </a:fillRef>
+              <a:effectRef idx="0">
+                <a:scrgbClr r="0" g="0" b="0"/>
+              </a:effectRef>
+              <a:fontRef idx="minor">
+                <a:schemeClr val="dk1"/>
+              </a:fontRef>
+            </p:style>
+            <p:txBody>
+              <a:bodyPr wrap="none" rtlCol="0">
+                <a:spAutoFit/>
+              </a:bodyPr>
+              <a:lstStyle/>
+              <a:p>
+                <a:r>
+                  <a:rPr lang="en-US" sz="1400" dirty="0">
+                    <a:latin typeface="Arial" panose="020B0604020202020204" pitchFamily="34" charset="0"/>
+                    <a:cs typeface="Arial" panose="020B0604020202020204" pitchFamily="34" charset="0"/>
+                  </a:rPr>
+                  <a:t>Group2</a:t>
+                </a:r>
+                <a:endParaRPr lang="en-US" dirty="0">
+                  <a:latin typeface="Arial" panose="020B0604020202020204" pitchFamily="34" charset="0"/>
+                  <a:cs typeface="Arial" panose="020B0604020202020204" pitchFamily="34" charset="0"/>
+                </a:endParaRPr>
+              </a:p>
+            </p:txBody>
+          </p:sp>
         </p:grpSp>
       </p:grpSp>
     </p:spTree>
